--- a/03 설계/Class 설계서_5_Cosign.pptx
+++ b/03 설계/Class 설계서_5_Cosign.pptx
@@ -5,17 +5,15 @@
     <p:sldMasterId id="2147483655" r:id="rId1"/>
   </p:sldMasterIdLst>
   <p:notesMasterIdLst>
-    <p:notesMasterId r:id="rId7"/>
+    <p:notesMasterId r:id="rId5"/>
   </p:notesMasterIdLst>
   <p:handoutMasterIdLst>
-    <p:handoutMasterId r:id="rId8"/>
+    <p:handoutMasterId r:id="rId6"/>
   </p:handoutMasterIdLst>
   <p:sldIdLst>
     <p:sldId id="256" r:id="rId2"/>
     <p:sldId id="257" r:id="rId3"/>
     <p:sldId id="263" r:id="rId4"/>
-    <p:sldId id="262" r:id="rId5"/>
-    <p:sldId id="264" r:id="rId6"/>
   </p:sldIdLst>
   <p:sldSz cx="9144000" cy="6858000" type="screen4x3"/>
   <p:notesSz cx="6797675" cy="9928225"/>
@@ -3191,14 +3189,14 @@
             <p:ph idx="1"/>
             <p:extLst>
               <p:ext uri="{D42A27DB-BD31-4B8C-83A1-F6EECF244321}">
-                <p14:modId xmlns:p14="http://schemas.microsoft.com/office/powerpoint/2010/main" val="3700371493"/>
+                <p14:modId xmlns:p14="http://schemas.microsoft.com/office/powerpoint/2010/main" val="2862563295"/>
               </p:ext>
             </p:extLst>
           </p:nvPr>
         </p:nvGraphicFramePr>
         <p:xfrm>
           <a:off x="280988" y="1025525"/>
-          <a:ext cx="8582024" cy="2966720"/>
+          <a:ext cx="8582024" cy="3053080"/>
         </p:xfrm>
         <a:graphic>
           <a:graphicData uri="http://schemas.openxmlformats.org/drawingml/2006/table">
@@ -3601,17 +3599,7 @@
                           <a:latin typeface="맑은 고딕" pitchFamily="50" charset="-127"/>
                           <a:ea typeface="맑은 고딕" pitchFamily="50" charset="-127"/>
                         </a:rPr>
-                        <a:t>내용 </a:t>
-                      </a:r>
-                      <a:r>
-                        <a:rPr lang="ko-KR" altLang="en-US" sz="1200" b="0" smtClean="0">
-                          <a:solidFill>
-                            <a:schemeClr val="tx1"/>
-                          </a:solidFill>
-                          <a:latin typeface="맑은 고딕" pitchFamily="50" charset="-127"/>
-                          <a:ea typeface="맑은 고딕" pitchFamily="50" charset="-127"/>
-                        </a:rPr>
-                        <a:t>추가</a:t>
+                        <a:t>내용 추가</a:t>
                       </a:r>
                       <a:endParaRPr lang="ko-KR" altLang="en-US" sz="1200" b="0" dirty="0">
                         <a:solidFill>
@@ -3672,6 +3660,16 @@
                     <a:lstStyle/>
                     <a:p>
                       <a:pPr algn="ctr" latinLnBrk="1"/>
+                      <a:r>
+                        <a:rPr lang="en-US" altLang="ko-KR" sz="1200" b="0" dirty="0" smtClean="0">
+                          <a:solidFill>
+                            <a:schemeClr val="tx1"/>
+                          </a:solidFill>
+                          <a:latin typeface="맑은 고딕" pitchFamily="50" charset="-127"/>
+                          <a:ea typeface="맑은 고딕" pitchFamily="50" charset="-127"/>
+                        </a:rPr>
+                        <a:t>2018.06.01</a:t>
+                      </a:r>
                       <a:endParaRPr lang="ko-KR" altLang="en-US" sz="1200" b="0" dirty="0">
                         <a:solidFill>
                           <a:schemeClr val="tx1"/>
@@ -3693,6 +3691,16 @@
                     <a:lstStyle/>
                     <a:p>
                       <a:pPr algn="ctr" latinLnBrk="1"/>
+                      <a:r>
+                        <a:rPr lang="en-US" altLang="ko-KR" sz="1200" b="0" dirty="0" smtClean="0">
+                          <a:solidFill>
+                            <a:schemeClr val="tx1"/>
+                          </a:solidFill>
+                          <a:latin typeface="맑은 고딕" pitchFamily="50" charset="-127"/>
+                          <a:ea typeface="맑은 고딕" pitchFamily="50" charset="-127"/>
+                        </a:rPr>
+                        <a:t>V1.1</a:t>
+                      </a:r>
                       <a:endParaRPr lang="ko-KR" altLang="en-US" sz="1200" b="0" dirty="0">
                         <a:solidFill>
                           <a:schemeClr val="tx1"/>
@@ -3714,7 +3722,37 @@
                     <a:lstStyle/>
                     <a:p>
                       <a:pPr latinLnBrk="1"/>
-                      <a:endParaRPr lang="ko-KR" altLang="en-US" sz="1200" b="0">
+                      <a:r>
+                        <a:rPr lang="en-US" altLang="ko-KR" sz="1200" b="0" dirty="0" smtClean="0">
+                          <a:solidFill>
+                            <a:schemeClr val="tx1"/>
+                          </a:solidFill>
+                          <a:latin typeface="맑은 고딕" pitchFamily="50" charset="-127"/>
+                          <a:ea typeface="맑은 고딕" pitchFamily="50" charset="-127"/>
+                        </a:rPr>
+                        <a:t>Class</a:t>
+                      </a:r>
+                      <a:r>
+                        <a:rPr lang="en-US" altLang="ko-KR" sz="1200" b="0" baseline="0" dirty="0" smtClean="0">
+                          <a:solidFill>
+                            <a:schemeClr val="tx1"/>
+                          </a:solidFill>
+                          <a:latin typeface="맑은 고딕" pitchFamily="50" charset="-127"/>
+                          <a:ea typeface="맑은 고딕" pitchFamily="50" charset="-127"/>
+                        </a:rPr>
+                        <a:t> </a:t>
+                      </a:r>
+                      <a:r>
+                        <a:rPr lang="ko-KR" altLang="en-US" sz="1200" b="0" baseline="0" dirty="0" smtClean="0">
+                          <a:solidFill>
+                            <a:schemeClr val="tx1"/>
+                          </a:solidFill>
+                          <a:latin typeface="맑은 고딕" pitchFamily="50" charset="-127"/>
+                          <a:ea typeface="맑은 고딕" pitchFamily="50" charset="-127"/>
+                        </a:rPr>
+                        <a:t>설계서 소스 코드에 맞게 내용 다시 변경</a:t>
+                      </a:r>
+                      <a:endParaRPr lang="ko-KR" altLang="en-US" sz="1200" b="0" dirty="0">
                         <a:solidFill>
                           <a:schemeClr val="tx1"/>
                         </a:solidFill>
@@ -3735,6 +3773,16 @@
                     <a:lstStyle/>
                     <a:p>
                       <a:pPr algn="ctr" latinLnBrk="1"/>
+                      <a:r>
+                        <a:rPr lang="ko-KR" altLang="en-US" sz="1200" b="0" dirty="0" smtClean="0">
+                          <a:solidFill>
+                            <a:schemeClr val="tx1"/>
+                          </a:solidFill>
+                          <a:latin typeface="맑은 고딕" pitchFamily="50" charset="-127"/>
+                          <a:ea typeface="맑은 고딕" pitchFamily="50" charset="-127"/>
+                        </a:rPr>
+                        <a:t>고동욱</a:t>
+                      </a:r>
                       <a:endParaRPr lang="ko-KR" altLang="en-US" sz="1200" b="0" dirty="0">
                         <a:solidFill>
                           <a:schemeClr val="tx1"/>
@@ -4181,8 +4229,8 @@
         </p:nvGrpSpPr>
         <p:grpSpPr>
           <a:xfrm>
-            <a:off x="525275" y="2802942"/>
-            <a:ext cx="2060294" cy="1145894"/>
+            <a:off x="3755106" y="3217762"/>
+            <a:ext cx="1957137" cy="1171523"/>
             <a:chOff x="544010" y="1504709"/>
             <a:chExt cx="2060294" cy="1145894"/>
           </a:xfrm>
@@ -4252,16 +4300,12 @@
                   <a:latin typeface="맑은 고딕" panose="020B0503020000020004" pitchFamily="50" charset="-127"/>
                   <a:ea typeface="맑은 고딕" panose="020B0503020000020004" pitchFamily="50" charset="-127"/>
                 </a:rPr>
-                <a:t>Login</a:t>
+                <a:t>Mainframe</a:t>
               </a:r>
-              <a:endParaRPr kumimoji="0" lang="en-US" altLang="ko-KR" sz="1600" b="1" i="0" u="none" strike="noStrike" cap="none" spc="-150" normalizeH="0" baseline="0" dirty="0" smtClean="0">
-                <a:ln>
-                  <a:noFill/>
-                </a:ln>
+              <a:endParaRPr lang="en-US" altLang="ko-KR" sz="1600" b="1" spc="-150" dirty="0">
                 <a:solidFill>
                   <a:schemeClr val="tx1"/>
                 </a:solidFill>
-                <a:effectLst/>
                 <a:latin typeface="맑은 고딕" panose="020B0503020000020004" pitchFamily="50" charset="-127"/>
                 <a:ea typeface="맑은 고딕" panose="020B0503020000020004" pitchFamily="50" charset="-127"/>
               </a:endParaRPr>
@@ -4283,7 +4327,17 @@
                 <a:buNone/>
                 <a:tabLst/>
               </a:pPr>
-              <a:endParaRPr lang="en-US" altLang="ko-KR" sz="1600" b="1" spc="-150" dirty="0">
+              <a:r>
+                <a:rPr lang="ko-KR" altLang="en-US" sz="1600" b="1" spc="-150" dirty="0" smtClean="0">
+                  <a:solidFill>
+                    <a:schemeClr val="tx1"/>
+                  </a:solidFill>
+                  <a:latin typeface="맑은 고딕" panose="020B0503020000020004" pitchFamily="50" charset="-127"/>
+                  <a:ea typeface="맑은 고딕" panose="020B0503020000020004" pitchFamily="50" charset="-127"/>
+                </a:rPr>
+                <a:t>메인 화면 관련 기능</a:t>
+              </a:r>
+              <a:endParaRPr lang="en-US" altLang="ko-KR" sz="1600" b="1" spc="-150" dirty="0" smtClean="0">
                 <a:solidFill>
                   <a:schemeClr val="tx1"/>
                 </a:solidFill>
@@ -4320,7 +4374,7 @@
                   <a:latin typeface="맑은 고딕" panose="020B0503020000020004" pitchFamily="50" charset="-127"/>
                   <a:ea typeface="맑은 고딕" panose="020B0503020000020004" pitchFamily="50" charset="-127"/>
                 </a:rPr>
-                <a:t>로그인 수행</a:t>
+                <a:t>수행</a:t>
               </a:r>
               <a:endParaRPr kumimoji="0" lang="en-US" altLang="ko-KR" sz="1600" b="1" i="0" u="none" strike="noStrike" cap="none" spc="-150" normalizeH="0" baseline="0" dirty="0" smtClean="0">
                 <a:ln>
@@ -4397,703 +4451,41 @@
       </p:grpSp>
       <p:grpSp>
         <p:nvGrpSpPr>
-          <p:cNvPr id="23" name="그룹 22"/>
+          <p:cNvPr id="15" name="그룹 14"/>
           <p:cNvGrpSpPr/>
           <p:nvPr/>
         </p:nvGrpSpPr>
         <p:grpSpPr>
           <a:xfrm>
-            <a:off x="3220934" y="4572578"/>
-            <a:ext cx="2060294" cy="1145894"/>
-            <a:chOff x="544010" y="1504709"/>
-            <a:chExt cx="2060294" cy="1145894"/>
-          </a:xfrm>
-        </p:grpSpPr>
-        <p:sp>
-          <p:nvSpPr>
-            <p:cNvPr id="26" name="직사각형 25"/>
-            <p:cNvSpPr/>
-            <p:nvPr/>
-          </p:nvSpPr>
-          <p:spPr bwMode="auto">
-            <a:xfrm>
-              <a:off x="544010" y="1504709"/>
-              <a:ext cx="2060294" cy="1145894"/>
-            </a:xfrm>
-            <a:prstGeom prst="rect">
-              <a:avLst/>
-            </a:prstGeom>
-            <a:ln>
-              <a:headEnd type="none" w="med" len="med"/>
-              <a:tailEnd type="none" w="med" len="med"/>
-            </a:ln>
-          </p:spPr>
-          <p:style>
-            <a:lnRef idx="1">
-              <a:schemeClr val="accent2"/>
-            </a:lnRef>
-            <a:fillRef idx="2">
-              <a:schemeClr val="accent2"/>
-            </a:fillRef>
-            <a:effectRef idx="1">
-              <a:schemeClr val="accent2"/>
-            </a:effectRef>
-            <a:fontRef idx="minor">
-              <a:schemeClr val="dk1"/>
-            </a:fontRef>
-          </p:style>
-          <p:txBody>
-            <a:bodyPr vert="horz" wrap="none" lIns="90000" tIns="46800" rIns="90000" bIns="46800" numCol="1" rtlCol="0" anchor="ctr" anchorCtr="0" compatLnSpc="1">
-              <a:prstTxWarp prst="textNoShape">
-                <a:avLst/>
-              </a:prstTxWarp>
-            </a:bodyPr>
-            <a:lstStyle/>
-            <a:p>
-              <a:pPr marL="0" marR="0" indent="0" algn="ctr" defTabSz="914400" rtl="0" eaLnBrk="0" fontAlgn="base" latinLnBrk="0" hangingPunct="0">
-                <a:lnSpc>
-                  <a:spcPct val="100000"/>
-                </a:lnSpc>
-                <a:spcBef>
-                  <a:spcPct val="0"/>
-                </a:spcBef>
-                <a:spcAft>
-                  <a:spcPct val="0"/>
-                </a:spcAft>
-                <a:buClrTx/>
-                <a:buSzTx/>
-                <a:buFontTx/>
-                <a:buNone/>
-                <a:tabLst/>
-              </a:pPr>
-              <a:r>
-                <a:rPr lang="en-US" altLang="ko-KR" sz="1600" b="1" spc="-150" dirty="0" err="1" smtClean="0">
-                  <a:solidFill>
-                    <a:schemeClr val="tx1"/>
-                  </a:solidFill>
-                  <a:latin typeface="맑은 고딕" panose="020B0503020000020004" pitchFamily="50" charset="-127"/>
-                  <a:ea typeface="맑은 고딕" panose="020B0503020000020004" pitchFamily="50" charset="-127"/>
-                </a:rPr>
-                <a:t>SubjectPrint</a:t>
-              </a:r>
-              <a:endParaRPr kumimoji="0" lang="en-US" altLang="ko-KR" sz="1600" b="1" i="0" u="none" strike="noStrike" cap="none" spc="-150" normalizeH="0" baseline="0" dirty="0" smtClean="0">
-                <a:ln>
-                  <a:noFill/>
-                </a:ln>
-                <a:solidFill>
-                  <a:schemeClr val="tx1"/>
-                </a:solidFill>
-                <a:effectLst/>
-                <a:latin typeface="맑은 고딕" panose="020B0503020000020004" pitchFamily="50" charset="-127"/>
-                <a:ea typeface="맑은 고딕" panose="020B0503020000020004" pitchFamily="50" charset="-127"/>
-              </a:endParaRPr>
-            </a:p>
-            <a:p>
-              <a:pPr marL="0" marR="0" indent="0" algn="ctr" defTabSz="914400" rtl="0" eaLnBrk="0" fontAlgn="base" latinLnBrk="0" hangingPunct="0">
-                <a:lnSpc>
-                  <a:spcPct val="100000"/>
-                </a:lnSpc>
-                <a:spcBef>
-                  <a:spcPct val="0"/>
-                </a:spcBef>
-                <a:spcAft>
-                  <a:spcPct val="0"/>
-                </a:spcAft>
-                <a:buClrTx/>
-                <a:buSzTx/>
-                <a:buFontTx/>
-                <a:buNone/>
-                <a:tabLst/>
-              </a:pPr>
-              <a:endParaRPr lang="en-US" altLang="ko-KR" sz="1600" b="1" spc="-150" dirty="0">
-                <a:solidFill>
-                  <a:schemeClr val="tx1"/>
-                </a:solidFill>
-                <a:latin typeface="맑은 고딕" panose="020B0503020000020004" pitchFamily="50" charset="-127"/>
-                <a:ea typeface="맑은 고딕" panose="020B0503020000020004" pitchFamily="50" charset="-127"/>
-              </a:endParaRPr>
-            </a:p>
-            <a:p>
-              <a:pPr marL="0" marR="0" indent="0" algn="ctr" defTabSz="914400" rtl="0" eaLnBrk="0" fontAlgn="base" latinLnBrk="0" hangingPunct="0">
-                <a:lnSpc>
-                  <a:spcPct val="100000"/>
-                </a:lnSpc>
-                <a:spcBef>
-                  <a:spcPct val="0"/>
-                </a:spcBef>
-                <a:spcAft>
-                  <a:spcPct val="0"/>
-                </a:spcAft>
-                <a:buClrTx/>
-                <a:buSzTx/>
-                <a:buFontTx/>
-                <a:buNone/>
-                <a:tabLst/>
-              </a:pPr>
-              <a:r>
-                <a:rPr kumimoji="0" lang="ko-KR" altLang="en-US" sz="1600" b="1" i="0" u="none" strike="noStrike" cap="none" spc="-150" normalizeH="0" baseline="0" dirty="0" smtClean="0">
-                  <a:ln>
-                    <a:noFill/>
-                  </a:ln>
-                  <a:solidFill>
-                    <a:schemeClr val="tx1"/>
-                  </a:solidFill>
-                  <a:effectLst/>
-                  <a:latin typeface="맑은 고딕" panose="020B0503020000020004" pitchFamily="50" charset="-127"/>
-                  <a:ea typeface="맑은 고딕" panose="020B0503020000020004" pitchFamily="50" charset="-127"/>
-                </a:rPr>
-                <a:t>등록된 과목 출력</a:t>
-              </a:r>
-              <a:endParaRPr kumimoji="0" lang="en-US" altLang="ko-KR" sz="1600" b="1" i="0" u="none" strike="noStrike" cap="none" spc="-150" normalizeH="0" baseline="0" dirty="0" smtClean="0">
-                <a:ln>
-                  <a:noFill/>
-                </a:ln>
-                <a:solidFill>
-                  <a:schemeClr val="tx1"/>
-                </a:solidFill>
-                <a:effectLst/>
-                <a:latin typeface="맑은 고딕" panose="020B0503020000020004" pitchFamily="50" charset="-127"/>
-                <a:ea typeface="맑은 고딕" panose="020B0503020000020004" pitchFamily="50" charset="-127"/>
-              </a:endParaRPr>
-            </a:p>
-            <a:p>
-              <a:pPr marL="0" marR="0" indent="0" algn="ctr" defTabSz="914400" rtl="0" eaLnBrk="0" fontAlgn="base" latinLnBrk="0" hangingPunct="0">
-                <a:lnSpc>
-                  <a:spcPct val="100000"/>
-                </a:lnSpc>
-                <a:spcBef>
-                  <a:spcPct val="0"/>
-                </a:spcBef>
-                <a:spcAft>
-                  <a:spcPct val="0"/>
-                </a:spcAft>
-                <a:buClrTx/>
-                <a:buSzTx/>
-                <a:buFontTx/>
-                <a:buNone/>
-                <a:tabLst/>
-              </a:pPr>
-              <a:endParaRPr kumimoji="0" lang="ko-KR" altLang="en-US" sz="1600" b="1" i="0" u="none" strike="noStrike" cap="none" spc="-150" normalizeH="0" baseline="0" dirty="0" smtClean="0">
-                <a:ln>
-                  <a:noFill/>
-                </a:ln>
-                <a:solidFill>
-                  <a:schemeClr val="tx1"/>
-                </a:solidFill>
-                <a:effectLst/>
-                <a:latin typeface="맑은 고딕" panose="020B0503020000020004" pitchFamily="50" charset="-127"/>
-                <a:ea typeface="맑은 고딕" panose="020B0503020000020004" pitchFamily="50" charset="-127"/>
-              </a:endParaRPr>
-            </a:p>
-          </p:txBody>
-        </p:sp>
-        <p:cxnSp>
-          <p:nvCxnSpPr>
-            <p:cNvPr id="27" name="직선 연결선 26"/>
-            <p:cNvCxnSpPr/>
-            <p:nvPr/>
-          </p:nvCxnSpPr>
-          <p:spPr bwMode="auto">
-            <a:xfrm>
-              <a:off x="544010" y="1828801"/>
-              <a:ext cx="2060294" cy="0"/>
-            </a:xfrm>
-            <a:prstGeom prst="line">
-              <a:avLst/>
-            </a:prstGeom>
-            <a:solidFill>
-              <a:schemeClr val="accent1"/>
-            </a:solidFill>
-            <a:ln w="12700" cap="flat" cmpd="sng" algn="ctr">
-              <a:solidFill>
-                <a:schemeClr val="tx1"/>
-              </a:solidFill>
-              <a:prstDash val="solid"/>
-              <a:round/>
-              <a:headEnd type="none" w="med" len="med"/>
-              <a:tailEnd type="none" w="med" len="med"/>
-            </a:ln>
-            <a:effectLst/>
-          </p:spPr>
-        </p:cxnSp>
-      </p:grpSp>
-      <p:grpSp>
-        <p:nvGrpSpPr>
-          <p:cNvPr id="31" name="그룹 30"/>
-          <p:cNvGrpSpPr/>
-          <p:nvPr/>
-        </p:nvGrpSpPr>
-        <p:grpSpPr>
-          <a:xfrm>
-            <a:off x="5916593" y="4572578"/>
-            <a:ext cx="2060294" cy="1145894"/>
-            <a:chOff x="544010" y="1504709"/>
-            <a:chExt cx="2060294" cy="1145894"/>
-          </a:xfrm>
-        </p:grpSpPr>
-        <p:sp>
-          <p:nvSpPr>
-            <p:cNvPr id="32" name="직사각형 31"/>
-            <p:cNvSpPr/>
-            <p:nvPr/>
-          </p:nvSpPr>
-          <p:spPr bwMode="auto">
-            <a:xfrm>
-              <a:off x="544010" y="1504709"/>
-              <a:ext cx="2060294" cy="1145894"/>
-            </a:xfrm>
-            <a:prstGeom prst="rect">
-              <a:avLst/>
-            </a:prstGeom>
-            <a:ln>
-              <a:headEnd type="none" w="med" len="med"/>
-              <a:tailEnd type="none" w="med" len="med"/>
-            </a:ln>
-          </p:spPr>
-          <p:style>
-            <a:lnRef idx="1">
-              <a:schemeClr val="accent2"/>
-            </a:lnRef>
-            <a:fillRef idx="2">
-              <a:schemeClr val="accent2"/>
-            </a:fillRef>
-            <a:effectRef idx="1">
-              <a:schemeClr val="accent2"/>
-            </a:effectRef>
-            <a:fontRef idx="minor">
-              <a:schemeClr val="dk1"/>
-            </a:fontRef>
-          </p:style>
-          <p:txBody>
-            <a:bodyPr vert="horz" wrap="none" lIns="90000" tIns="46800" rIns="90000" bIns="46800" numCol="1" rtlCol="0" anchor="ctr" anchorCtr="0" compatLnSpc="1">
-              <a:prstTxWarp prst="textNoShape">
-                <a:avLst/>
-              </a:prstTxWarp>
-            </a:bodyPr>
-            <a:lstStyle/>
-            <a:p>
-              <a:pPr marL="0" marR="0" indent="0" algn="ctr" defTabSz="914400" rtl="0" eaLnBrk="0" fontAlgn="base" latinLnBrk="0" hangingPunct="0">
-                <a:lnSpc>
-                  <a:spcPct val="100000"/>
-                </a:lnSpc>
-                <a:spcBef>
-                  <a:spcPct val="0"/>
-                </a:spcBef>
-                <a:spcAft>
-                  <a:spcPct val="0"/>
-                </a:spcAft>
-                <a:buClrTx/>
-                <a:buSzTx/>
-                <a:buFontTx/>
-                <a:buNone/>
-                <a:tabLst/>
-              </a:pPr>
-              <a:r>
-                <a:rPr lang="en-US" altLang="ko-KR" sz="1600" b="1" spc="-150" dirty="0" err="1" smtClean="0">
-                  <a:solidFill>
-                    <a:schemeClr val="tx1"/>
-                  </a:solidFill>
-                  <a:latin typeface="맑은 고딕" panose="020B0503020000020004" pitchFamily="50" charset="-127"/>
-                  <a:ea typeface="맑은 고딕" panose="020B0503020000020004" pitchFamily="50" charset="-127"/>
-                </a:rPr>
-                <a:t>SubjectModify</a:t>
-              </a:r>
-              <a:endParaRPr kumimoji="0" lang="en-US" altLang="ko-KR" sz="1600" b="1" i="0" u="none" strike="noStrike" cap="none" spc="-150" normalizeH="0" baseline="0" dirty="0" smtClean="0">
-                <a:ln>
-                  <a:noFill/>
-                </a:ln>
-                <a:solidFill>
-                  <a:schemeClr val="tx1"/>
-                </a:solidFill>
-                <a:effectLst/>
-                <a:latin typeface="맑은 고딕" panose="020B0503020000020004" pitchFamily="50" charset="-127"/>
-                <a:ea typeface="맑은 고딕" panose="020B0503020000020004" pitchFamily="50" charset="-127"/>
-              </a:endParaRPr>
-            </a:p>
-            <a:p>
-              <a:pPr marL="0" marR="0" indent="0" algn="ctr" defTabSz="914400" rtl="0" eaLnBrk="0" fontAlgn="base" latinLnBrk="0" hangingPunct="0">
-                <a:lnSpc>
-                  <a:spcPct val="100000"/>
-                </a:lnSpc>
-                <a:spcBef>
-                  <a:spcPct val="0"/>
-                </a:spcBef>
-                <a:spcAft>
-                  <a:spcPct val="0"/>
-                </a:spcAft>
-                <a:buClrTx/>
-                <a:buSzTx/>
-                <a:buFontTx/>
-                <a:buNone/>
-                <a:tabLst/>
-              </a:pPr>
-              <a:endParaRPr lang="en-US" altLang="ko-KR" sz="1600" b="1" spc="-150" dirty="0">
-                <a:solidFill>
-                  <a:schemeClr val="tx1"/>
-                </a:solidFill>
-                <a:latin typeface="맑은 고딕" panose="020B0503020000020004" pitchFamily="50" charset="-127"/>
-                <a:ea typeface="맑은 고딕" panose="020B0503020000020004" pitchFamily="50" charset="-127"/>
-              </a:endParaRPr>
-            </a:p>
-            <a:p>
-              <a:pPr marL="0" marR="0" indent="0" algn="ctr" defTabSz="914400" rtl="0" eaLnBrk="0" fontAlgn="base" latinLnBrk="0" hangingPunct="0">
-                <a:lnSpc>
-                  <a:spcPct val="100000"/>
-                </a:lnSpc>
-                <a:spcBef>
-                  <a:spcPct val="0"/>
-                </a:spcBef>
-                <a:spcAft>
-                  <a:spcPct val="0"/>
-                </a:spcAft>
-                <a:buClrTx/>
-                <a:buSzTx/>
-                <a:buFontTx/>
-                <a:buNone/>
-                <a:tabLst/>
-              </a:pPr>
-              <a:r>
-                <a:rPr lang="ko-KR" altLang="en-US" sz="1600" b="1" spc="-150" dirty="0" smtClean="0">
-                  <a:solidFill>
-                    <a:schemeClr val="tx1"/>
-                  </a:solidFill>
-                  <a:latin typeface="맑은 고딕" panose="020B0503020000020004" pitchFamily="50" charset="-127"/>
-                  <a:ea typeface="맑은 고딕" panose="020B0503020000020004" pitchFamily="50" charset="-127"/>
-                </a:rPr>
-                <a:t>과목 정보 변경</a:t>
-              </a:r>
-              <a:endParaRPr kumimoji="0" lang="en-US" altLang="ko-KR" sz="1600" b="1" i="0" u="none" strike="noStrike" cap="none" spc="-150" normalizeH="0" baseline="0" dirty="0" smtClean="0">
-                <a:ln>
-                  <a:noFill/>
-                </a:ln>
-                <a:solidFill>
-                  <a:schemeClr val="tx1"/>
-                </a:solidFill>
-                <a:effectLst/>
-                <a:latin typeface="맑은 고딕" panose="020B0503020000020004" pitchFamily="50" charset="-127"/>
-                <a:ea typeface="맑은 고딕" panose="020B0503020000020004" pitchFamily="50" charset="-127"/>
-              </a:endParaRPr>
-            </a:p>
-            <a:p>
-              <a:pPr marL="0" marR="0" indent="0" algn="ctr" defTabSz="914400" rtl="0" eaLnBrk="0" fontAlgn="base" latinLnBrk="0" hangingPunct="0">
-                <a:lnSpc>
-                  <a:spcPct val="100000"/>
-                </a:lnSpc>
-                <a:spcBef>
-                  <a:spcPct val="0"/>
-                </a:spcBef>
-                <a:spcAft>
-                  <a:spcPct val="0"/>
-                </a:spcAft>
-                <a:buClrTx/>
-                <a:buSzTx/>
-                <a:buFontTx/>
-                <a:buNone/>
-                <a:tabLst/>
-              </a:pPr>
-              <a:endParaRPr kumimoji="0" lang="ko-KR" altLang="en-US" sz="1600" b="1" i="0" u="none" strike="noStrike" cap="none" spc="-150" normalizeH="0" baseline="0" dirty="0" smtClean="0">
-                <a:ln>
-                  <a:noFill/>
-                </a:ln>
-                <a:solidFill>
-                  <a:schemeClr val="tx1"/>
-                </a:solidFill>
-                <a:effectLst/>
-                <a:latin typeface="맑은 고딕" panose="020B0503020000020004" pitchFamily="50" charset="-127"/>
-                <a:ea typeface="맑은 고딕" panose="020B0503020000020004" pitchFamily="50" charset="-127"/>
-              </a:endParaRPr>
-            </a:p>
-          </p:txBody>
-        </p:sp>
-        <p:cxnSp>
-          <p:nvCxnSpPr>
-            <p:cNvPr id="33" name="직선 연결선 32"/>
-            <p:cNvCxnSpPr/>
-            <p:nvPr/>
-          </p:nvCxnSpPr>
-          <p:spPr bwMode="auto">
-            <a:xfrm>
-              <a:off x="544010" y="1828801"/>
-              <a:ext cx="2060294" cy="0"/>
-            </a:xfrm>
-            <a:prstGeom prst="line">
-              <a:avLst/>
-            </a:prstGeom>
-            <a:solidFill>
-              <a:schemeClr val="accent1"/>
-            </a:solidFill>
-            <a:ln w="12700" cap="flat" cmpd="sng" algn="ctr">
-              <a:solidFill>
-                <a:schemeClr val="tx1"/>
-              </a:solidFill>
-              <a:prstDash val="solid"/>
-              <a:round/>
-              <a:headEnd type="none" w="med" len="med"/>
-              <a:tailEnd type="none" w="med" len="med"/>
-            </a:ln>
-            <a:effectLst/>
-          </p:spPr>
-        </p:cxnSp>
-      </p:grpSp>
-      <p:grpSp>
-        <p:nvGrpSpPr>
-          <p:cNvPr id="40" name="그룹 39"/>
-          <p:cNvGrpSpPr/>
-          <p:nvPr/>
-        </p:nvGrpSpPr>
-        <p:grpSpPr>
-          <a:xfrm>
-            <a:off x="525275" y="4572578"/>
-            <a:ext cx="2060294" cy="1145894"/>
-            <a:chOff x="673816" y="1510339"/>
-            <a:chExt cx="2060294" cy="1145894"/>
-          </a:xfrm>
-        </p:grpSpPr>
-        <p:sp>
-          <p:nvSpPr>
-            <p:cNvPr id="41" name="직사각형 40"/>
-            <p:cNvSpPr/>
-            <p:nvPr/>
-          </p:nvSpPr>
-          <p:spPr bwMode="auto">
-            <a:xfrm>
-              <a:off x="673816" y="1510339"/>
-              <a:ext cx="2060294" cy="1145894"/>
-            </a:xfrm>
-            <a:prstGeom prst="rect">
-              <a:avLst/>
-            </a:prstGeom>
-            <a:ln>
-              <a:headEnd type="none" w="med" len="med"/>
-              <a:tailEnd type="none" w="med" len="med"/>
-            </a:ln>
-          </p:spPr>
-          <p:style>
-            <a:lnRef idx="1">
-              <a:schemeClr val="accent2"/>
-            </a:lnRef>
-            <a:fillRef idx="2">
-              <a:schemeClr val="accent2"/>
-            </a:fillRef>
-            <a:effectRef idx="1">
-              <a:schemeClr val="accent2"/>
-            </a:effectRef>
-            <a:fontRef idx="minor">
-              <a:schemeClr val="dk1"/>
-            </a:fontRef>
-          </p:style>
-          <p:txBody>
-            <a:bodyPr vert="horz" wrap="none" lIns="90000" tIns="46800" rIns="90000" bIns="46800" numCol="1" rtlCol="0" anchor="ctr" anchorCtr="0" compatLnSpc="1">
-              <a:prstTxWarp prst="textNoShape">
-                <a:avLst/>
-              </a:prstTxWarp>
-            </a:bodyPr>
-            <a:lstStyle/>
-            <a:p>
-              <a:pPr marL="0" marR="0" indent="0" algn="ctr" defTabSz="914400" rtl="0" eaLnBrk="0" fontAlgn="base" latinLnBrk="0" hangingPunct="0">
-                <a:lnSpc>
-                  <a:spcPct val="100000"/>
-                </a:lnSpc>
-                <a:spcBef>
-                  <a:spcPct val="0"/>
-                </a:spcBef>
-                <a:spcAft>
-                  <a:spcPct val="0"/>
-                </a:spcAft>
-                <a:buClrTx/>
-                <a:buSzTx/>
-                <a:buFontTx/>
-                <a:buNone/>
-                <a:tabLst/>
-              </a:pPr>
-              <a:r>
-                <a:rPr lang="en-US" altLang="ko-KR" sz="1600" b="1" spc="-150" dirty="0" err="1" smtClean="0">
-                  <a:solidFill>
-                    <a:schemeClr val="tx1"/>
-                  </a:solidFill>
-                  <a:latin typeface="맑은 고딕" panose="020B0503020000020004" pitchFamily="50" charset="-127"/>
-                  <a:ea typeface="맑은 고딕" panose="020B0503020000020004" pitchFamily="50" charset="-127"/>
-                </a:rPr>
-                <a:t>SubjectDelete</a:t>
-              </a:r>
-              <a:endParaRPr kumimoji="0" lang="en-US" altLang="ko-KR" sz="1600" b="1" i="0" u="none" strike="noStrike" cap="none" spc="-150" normalizeH="0" baseline="0" dirty="0" smtClean="0">
-                <a:ln>
-                  <a:noFill/>
-                </a:ln>
-                <a:solidFill>
-                  <a:schemeClr val="tx1"/>
-                </a:solidFill>
-                <a:effectLst/>
-                <a:latin typeface="맑은 고딕" panose="020B0503020000020004" pitchFamily="50" charset="-127"/>
-                <a:ea typeface="맑은 고딕" panose="020B0503020000020004" pitchFamily="50" charset="-127"/>
-              </a:endParaRPr>
-            </a:p>
-            <a:p>
-              <a:pPr marL="0" marR="0" indent="0" algn="ctr" defTabSz="914400" rtl="0" eaLnBrk="0" fontAlgn="base" latinLnBrk="0" hangingPunct="0">
-                <a:lnSpc>
-                  <a:spcPct val="100000"/>
-                </a:lnSpc>
-                <a:spcBef>
-                  <a:spcPct val="0"/>
-                </a:spcBef>
-                <a:spcAft>
-                  <a:spcPct val="0"/>
-                </a:spcAft>
-                <a:buClrTx/>
-                <a:buSzTx/>
-                <a:buFontTx/>
-                <a:buNone/>
-                <a:tabLst/>
-              </a:pPr>
-              <a:endParaRPr lang="en-US" altLang="ko-KR" sz="1600" b="1" spc="-150" dirty="0">
-                <a:solidFill>
-                  <a:schemeClr val="tx1"/>
-                </a:solidFill>
-                <a:latin typeface="맑은 고딕" panose="020B0503020000020004" pitchFamily="50" charset="-127"/>
-                <a:ea typeface="맑은 고딕" panose="020B0503020000020004" pitchFamily="50" charset="-127"/>
-              </a:endParaRPr>
-            </a:p>
-            <a:p>
-              <a:pPr marL="0" marR="0" indent="0" algn="ctr" defTabSz="914400" rtl="0" eaLnBrk="0" fontAlgn="base" latinLnBrk="0" hangingPunct="0">
-                <a:lnSpc>
-                  <a:spcPct val="100000"/>
-                </a:lnSpc>
-                <a:spcBef>
-                  <a:spcPct val="0"/>
-                </a:spcBef>
-                <a:spcAft>
-                  <a:spcPct val="0"/>
-                </a:spcAft>
-                <a:buClrTx/>
-                <a:buSzTx/>
-                <a:buFontTx/>
-                <a:buNone/>
-                <a:tabLst/>
-              </a:pPr>
-              <a:r>
-                <a:rPr kumimoji="0" lang="ko-KR" altLang="en-US" sz="1600" b="1" i="0" u="none" strike="noStrike" cap="none" spc="-150" normalizeH="0" baseline="0" dirty="0" smtClean="0">
-                  <a:ln>
-                    <a:noFill/>
-                  </a:ln>
-                  <a:solidFill>
-                    <a:schemeClr val="tx1"/>
-                  </a:solidFill>
-                  <a:effectLst/>
-                  <a:latin typeface="맑은 고딕" panose="020B0503020000020004" pitchFamily="50" charset="-127"/>
-                  <a:ea typeface="맑은 고딕" panose="020B0503020000020004" pitchFamily="50" charset="-127"/>
-                </a:rPr>
-                <a:t>과목 정보 삭제</a:t>
-              </a:r>
-              <a:endParaRPr kumimoji="0" lang="en-US" altLang="ko-KR" sz="1600" b="1" i="0" u="none" strike="noStrike" cap="none" spc="-150" normalizeH="0" baseline="0" dirty="0" smtClean="0">
-                <a:ln>
-                  <a:noFill/>
-                </a:ln>
-                <a:solidFill>
-                  <a:schemeClr val="tx1"/>
-                </a:solidFill>
-                <a:effectLst/>
-                <a:latin typeface="맑은 고딕" panose="020B0503020000020004" pitchFamily="50" charset="-127"/>
-                <a:ea typeface="맑은 고딕" panose="020B0503020000020004" pitchFamily="50" charset="-127"/>
-              </a:endParaRPr>
-            </a:p>
-            <a:p>
-              <a:pPr marL="0" marR="0" indent="0" algn="ctr" defTabSz="914400" rtl="0" eaLnBrk="0" fontAlgn="base" latinLnBrk="0" hangingPunct="0">
-                <a:lnSpc>
-                  <a:spcPct val="100000"/>
-                </a:lnSpc>
-                <a:spcBef>
-                  <a:spcPct val="0"/>
-                </a:spcBef>
-                <a:spcAft>
-                  <a:spcPct val="0"/>
-                </a:spcAft>
-                <a:buClrTx/>
-                <a:buSzTx/>
-                <a:buFontTx/>
-                <a:buNone/>
-                <a:tabLst/>
-              </a:pPr>
-              <a:endParaRPr kumimoji="0" lang="ko-KR" altLang="en-US" sz="1600" b="1" i="0" u="none" strike="noStrike" cap="none" spc="-150" normalizeH="0" baseline="0" dirty="0" smtClean="0">
-                <a:ln>
-                  <a:noFill/>
-                </a:ln>
-                <a:solidFill>
-                  <a:schemeClr val="tx1"/>
-                </a:solidFill>
-                <a:effectLst/>
-                <a:latin typeface="맑은 고딕" panose="020B0503020000020004" pitchFamily="50" charset="-127"/>
-                <a:ea typeface="맑은 고딕" panose="020B0503020000020004" pitchFamily="50" charset="-127"/>
-              </a:endParaRPr>
-            </a:p>
-          </p:txBody>
-        </p:sp>
-        <p:cxnSp>
-          <p:nvCxnSpPr>
-            <p:cNvPr id="42" name="직선 연결선 41"/>
-            <p:cNvCxnSpPr/>
-            <p:nvPr/>
-          </p:nvCxnSpPr>
-          <p:spPr bwMode="auto">
-            <a:xfrm>
-              <a:off x="673816" y="1828803"/>
-              <a:ext cx="2060294" cy="0"/>
-            </a:xfrm>
-            <a:prstGeom prst="line">
-              <a:avLst/>
-            </a:prstGeom>
-            <a:solidFill>
-              <a:schemeClr val="accent1"/>
-            </a:solidFill>
-            <a:ln w="12700" cap="flat" cmpd="sng" algn="ctr">
-              <a:solidFill>
-                <a:schemeClr val="tx1"/>
-              </a:solidFill>
-              <a:prstDash val="solid"/>
-              <a:round/>
-              <a:headEnd type="none" w="med" len="med"/>
-              <a:tailEnd type="none" w="med" len="med"/>
-            </a:ln>
-            <a:effectLst/>
-          </p:spPr>
-        </p:cxnSp>
-      </p:grpSp>
-      <p:grpSp>
-        <p:nvGrpSpPr>
-          <p:cNvPr id="5" name="그룹 4"/>
-          <p:cNvGrpSpPr/>
-          <p:nvPr/>
-        </p:nvGrpSpPr>
-        <p:grpSpPr>
-          <a:xfrm>
-            <a:off x="3220934" y="981619"/>
-            <a:ext cx="4755953" cy="1158957"/>
-            <a:chOff x="3220934" y="2954196"/>
-            <a:chExt cx="4755953" cy="1158957"/>
+            <a:off x="3676387" y="929769"/>
+            <a:ext cx="4985406" cy="2540399"/>
+            <a:chOff x="2900126" y="2366572"/>
+            <a:chExt cx="4985406" cy="2540399"/>
           </a:xfrm>
         </p:grpSpPr>
         <p:grpSp>
           <p:nvGrpSpPr>
-            <p:cNvPr id="20" name="그룹 19"/>
+            <p:cNvPr id="40" name="그룹 39"/>
             <p:cNvGrpSpPr/>
             <p:nvPr/>
           </p:nvGrpSpPr>
           <p:grpSpPr>
             <a:xfrm>
-              <a:off x="5916593" y="2967259"/>
+              <a:off x="5825238" y="3761077"/>
               <a:ext cx="2060294" cy="1145894"/>
-              <a:chOff x="544010" y="1504709"/>
+              <a:chOff x="673816" y="1510339"/>
               <a:chExt cx="2060294" cy="1145894"/>
             </a:xfrm>
           </p:grpSpPr>
           <p:sp>
             <p:nvSpPr>
-              <p:cNvPr id="21" name="직사각형 20"/>
+              <p:cNvPr id="41" name="직사각형 40"/>
               <p:cNvSpPr/>
               <p:nvPr/>
             </p:nvSpPr>
             <p:spPr bwMode="auto">
               <a:xfrm>
-                <a:off x="544010" y="1504709"/>
+                <a:off x="673816" y="1510339"/>
                 <a:ext cx="2060294" cy="1145894"/>
               </a:xfrm>
               <a:prstGeom prst="rect">
@@ -5150,7 +4542,7 @@
                     <a:latin typeface="맑은 고딕" panose="020B0503020000020004" pitchFamily="50" charset="-127"/>
                     <a:ea typeface="맑은 고딕" panose="020B0503020000020004" pitchFamily="50" charset="-127"/>
                   </a:rPr>
-                  <a:t>SubjectSearch</a:t>
+                  <a:t>SubjectDelete</a:t>
                 </a:r>
                 <a:endParaRPr kumimoji="0" lang="en-US" altLang="ko-KR" sz="1600" b="1" i="0" u="none" strike="noStrike" cap="none" spc="-150" normalizeH="0" baseline="0" dirty="0" smtClean="0">
                   <a:ln>
@@ -5218,27 +4610,7 @@
                     <a:latin typeface="맑은 고딕" panose="020B0503020000020004" pitchFamily="50" charset="-127"/>
                     <a:ea typeface="맑은 고딕" panose="020B0503020000020004" pitchFamily="50" charset="-127"/>
                   </a:rPr>
-                  <a:t>등록 원하는 과목</a:t>
-                </a:r>
-                <a:r>
-                  <a:rPr lang="en-US" altLang="ko-KR" sz="1600" b="1" spc="-150" dirty="0">
-                    <a:solidFill>
-                      <a:schemeClr val="tx1"/>
-                    </a:solidFill>
-                    <a:latin typeface="맑은 고딕" panose="020B0503020000020004" pitchFamily="50" charset="-127"/>
-                    <a:ea typeface="맑은 고딕" panose="020B0503020000020004" pitchFamily="50" charset="-127"/>
-                  </a:rPr>
-                  <a:t> </a:t>
-                </a:r>
-                <a:r>
-                  <a:rPr lang="ko-KR" altLang="en-US" sz="1600" b="1" spc="-150" dirty="0" smtClean="0">
-                    <a:solidFill>
-                      <a:schemeClr val="tx1"/>
-                    </a:solidFill>
-                    <a:latin typeface="맑은 고딕" panose="020B0503020000020004" pitchFamily="50" charset="-127"/>
-                    <a:ea typeface="맑은 고딕" panose="020B0503020000020004" pitchFamily="50" charset="-127"/>
-                  </a:rPr>
-                  <a:t>검색</a:t>
+                  <a:t>과목 정보 삭제</a:t>
                 </a:r>
                 <a:endParaRPr kumimoji="0" lang="en-US" altLang="ko-KR" sz="1600" b="1" i="0" u="none" strike="noStrike" cap="none" spc="-150" normalizeH="0" baseline="0" dirty="0" smtClean="0">
                   <a:ln>
@@ -5285,13 +4657,13 @@
           </p:sp>
           <p:cxnSp>
             <p:nvCxnSpPr>
-              <p:cNvPr id="22" name="직선 연결선 21"/>
+              <p:cNvPr id="42" name="직선 연결선 41"/>
               <p:cNvCxnSpPr/>
               <p:nvPr/>
             </p:nvCxnSpPr>
             <p:spPr bwMode="auto">
               <a:xfrm>
-                <a:off x="544010" y="1828801"/>
+                <a:off x="673816" y="1828803"/>
                 <a:ext cx="2060294" cy="0"/>
               </a:xfrm>
               <a:prstGeom prst="line">
@@ -5315,27 +4687,583 @@
         </p:grpSp>
         <p:grpSp>
           <p:nvGrpSpPr>
-            <p:cNvPr id="28" name="그룹 27"/>
+            <p:cNvPr id="5" name="그룹 4"/>
             <p:cNvGrpSpPr/>
             <p:nvPr/>
           </p:nvGrpSpPr>
           <p:grpSpPr>
             <a:xfrm>
-              <a:off x="3220934" y="2954196"/>
+              <a:off x="2900126" y="2366572"/>
+              <a:ext cx="4985406" cy="2066706"/>
+              <a:chOff x="2991481" y="2967259"/>
+              <a:chExt cx="4985406" cy="2066706"/>
+            </a:xfrm>
+          </p:grpSpPr>
+          <p:grpSp>
+            <p:nvGrpSpPr>
+              <p:cNvPr id="20" name="그룹 19"/>
+              <p:cNvGrpSpPr/>
+              <p:nvPr/>
+            </p:nvGrpSpPr>
+            <p:grpSpPr>
+              <a:xfrm>
+                <a:off x="5916593" y="2967259"/>
+                <a:ext cx="2060294" cy="1145894"/>
+                <a:chOff x="544010" y="1504709"/>
+                <a:chExt cx="2060294" cy="1145894"/>
+              </a:xfrm>
+            </p:grpSpPr>
+            <p:sp>
+              <p:nvSpPr>
+                <p:cNvPr id="21" name="직사각형 20"/>
+                <p:cNvSpPr/>
+                <p:nvPr/>
+              </p:nvSpPr>
+              <p:spPr bwMode="auto">
+                <a:xfrm>
+                  <a:off x="544010" y="1504709"/>
+                  <a:ext cx="2060294" cy="1145894"/>
+                </a:xfrm>
+                <a:prstGeom prst="rect">
+                  <a:avLst/>
+                </a:prstGeom>
+                <a:ln>
+                  <a:headEnd type="none" w="med" len="med"/>
+                  <a:tailEnd type="none" w="med" len="med"/>
+                </a:ln>
+              </p:spPr>
+              <p:style>
+                <a:lnRef idx="1">
+                  <a:schemeClr val="accent2"/>
+                </a:lnRef>
+                <a:fillRef idx="2">
+                  <a:schemeClr val="accent2"/>
+                </a:fillRef>
+                <a:effectRef idx="1">
+                  <a:schemeClr val="accent2"/>
+                </a:effectRef>
+                <a:fontRef idx="minor">
+                  <a:schemeClr val="dk1"/>
+                </a:fontRef>
+              </p:style>
+              <p:txBody>
+                <a:bodyPr vert="horz" wrap="none" lIns="90000" tIns="46800" rIns="90000" bIns="46800" numCol="1" rtlCol="0" anchor="ctr" anchorCtr="0" compatLnSpc="1">
+                  <a:prstTxWarp prst="textNoShape">
+                    <a:avLst/>
+                  </a:prstTxWarp>
+                </a:bodyPr>
+                <a:lstStyle/>
+                <a:p>
+                  <a:pPr marL="0" marR="0" indent="0" algn="ctr" defTabSz="914400" rtl="0" eaLnBrk="0" fontAlgn="base" latinLnBrk="0" hangingPunct="0">
+                    <a:lnSpc>
+                      <a:spcPct val="100000"/>
+                    </a:lnSpc>
+                    <a:spcBef>
+                      <a:spcPct val="0"/>
+                    </a:spcBef>
+                    <a:spcAft>
+                      <a:spcPct val="0"/>
+                    </a:spcAft>
+                    <a:buClrTx/>
+                    <a:buSzTx/>
+                    <a:buFontTx/>
+                    <a:buNone/>
+                    <a:tabLst/>
+                  </a:pPr>
+                  <a:r>
+                    <a:rPr lang="en-US" altLang="ko-KR" sz="1600" b="1" spc="-150" dirty="0" err="1" smtClean="0">
+                      <a:solidFill>
+                        <a:schemeClr val="tx1"/>
+                      </a:solidFill>
+                      <a:latin typeface="맑은 고딕" panose="020B0503020000020004" pitchFamily="50" charset="-127"/>
+                      <a:ea typeface="맑은 고딕" panose="020B0503020000020004" pitchFamily="50" charset="-127"/>
+                    </a:rPr>
+                    <a:t>SubjectSearch</a:t>
+                  </a:r>
+                  <a:endParaRPr kumimoji="0" lang="en-US" altLang="ko-KR" sz="1600" b="1" i="0" u="none" strike="noStrike" cap="none" spc="-150" normalizeH="0" baseline="0" dirty="0" smtClean="0">
+                    <a:ln>
+                      <a:noFill/>
+                    </a:ln>
+                    <a:solidFill>
+                      <a:schemeClr val="tx1"/>
+                    </a:solidFill>
+                    <a:effectLst/>
+                    <a:latin typeface="맑은 고딕" panose="020B0503020000020004" pitchFamily="50" charset="-127"/>
+                    <a:ea typeface="맑은 고딕" panose="020B0503020000020004" pitchFamily="50" charset="-127"/>
+                  </a:endParaRPr>
+                </a:p>
+                <a:p>
+                  <a:pPr marL="0" marR="0" indent="0" algn="ctr" defTabSz="914400" rtl="0" eaLnBrk="0" fontAlgn="base" latinLnBrk="0" hangingPunct="0">
+                    <a:lnSpc>
+                      <a:spcPct val="100000"/>
+                    </a:lnSpc>
+                    <a:spcBef>
+                      <a:spcPct val="0"/>
+                    </a:spcBef>
+                    <a:spcAft>
+                      <a:spcPct val="0"/>
+                    </a:spcAft>
+                    <a:buClrTx/>
+                    <a:buSzTx/>
+                    <a:buFontTx/>
+                    <a:buNone/>
+                    <a:tabLst/>
+                  </a:pPr>
+                  <a:endParaRPr lang="en-US" altLang="ko-KR" sz="1600" b="1" spc="-150" dirty="0">
+                    <a:solidFill>
+                      <a:schemeClr val="tx1"/>
+                    </a:solidFill>
+                    <a:latin typeface="맑은 고딕" panose="020B0503020000020004" pitchFamily="50" charset="-127"/>
+                    <a:ea typeface="맑은 고딕" panose="020B0503020000020004" pitchFamily="50" charset="-127"/>
+                  </a:endParaRPr>
+                </a:p>
+                <a:p>
+                  <a:pPr marL="0" marR="0" indent="0" algn="ctr" defTabSz="914400" rtl="0" eaLnBrk="0" fontAlgn="base" latinLnBrk="0" hangingPunct="0">
+                    <a:lnSpc>
+                      <a:spcPct val="100000"/>
+                    </a:lnSpc>
+                    <a:spcBef>
+                      <a:spcPct val="0"/>
+                    </a:spcBef>
+                    <a:spcAft>
+                      <a:spcPct val="0"/>
+                    </a:spcAft>
+                    <a:buClrTx/>
+                    <a:buSzTx/>
+                    <a:buFontTx/>
+                    <a:buNone/>
+                    <a:tabLst/>
+                  </a:pPr>
+                  <a:r>
+                    <a:rPr kumimoji="0" lang="ko-KR" altLang="en-US" sz="1600" b="1" i="0" u="none" strike="noStrike" cap="none" spc="-150" normalizeH="0" baseline="0" dirty="0" smtClean="0">
+                      <a:ln>
+                        <a:noFill/>
+                      </a:ln>
+                      <a:solidFill>
+                        <a:schemeClr val="tx1"/>
+                      </a:solidFill>
+                      <a:effectLst/>
+                      <a:latin typeface="맑은 고딕" panose="020B0503020000020004" pitchFamily="50" charset="-127"/>
+                      <a:ea typeface="맑은 고딕" panose="020B0503020000020004" pitchFamily="50" charset="-127"/>
+                    </a:rPr>
+                    <a:t>등록 원하는 과목</a:t>
+                  </a:r>
+                  <a:r>
+                    <a:rPr lang="en-US" altLang="ko-KR" sz="1600" b="1" spc="-150" dirty="0">
+                      <a:solidFill>
+                        <a:schemeClr val="tx1"/>
+                      </a:solidFill>
+                      <a:latin typeface="맑은 고딕" panose="020B0503020000020004" pitchFamily="50" charset="-127"/>
+                      <a:ea typeface="맑은 고딕" panose="020B0503020000020004" pitchFamily="50" charset="-127"/>
+                    </a:rPr>
+                    <a:t> </a:t>
+                  </a:r>
+                  <a:r>
+                    <a:rPr lang="ko-KR" altLang="en-US" sz="1600" b="1" spc="-150" dirty="0" smtClean="0">
+                      <a:solidFill>
+                        <a:schemeClr val="tx1"/>
+                      </a:solidFill>
+                      <a:latin typeface="맑은 고딕" panose="020B0503020000020004" pitchFamily="50" charset="-127"/>
+                      <a:ea typeface="맑은 고딕" panose="020B0503020000020004" pitchFamily="50" charset="-127"/>
+                    </a:rPr>
+                    <a:t>검색</a:t>
+                  </a:r>
+                  <a:endParaRPr kumimoji="0" lang="en-US" altLang="ko-KR" sz="1600" b="1" i="0" u="none" strike="noStrike" cap="none" spc="-150" normalizeH="0" baseline="0" dirty="0" smtClean="0">
+                    <a:ln>
+                      <a:noFill/>
+                    </a:ln>
+                    <a:solidFill>
+                      <a:schemeClr val="tx1"/>
+                    </a:solidFill>
+                    <a:effectLst/>
+                    <a:latin typeface="맑은 고딕" panose="020B0503020000020004" pitchFamily="50" charset="-127"/>
+                    <a:ea typeface="맑은 고딕" panose="020B0503020000020004" pitchFamily="50" charset="-127"/>
+                  </a:endParaRPr>
+                </a:p>
+                <a:p>
+                  <a:pPr marL="0" marR="0" indent="0" algn="ctr" defTabSz="914400" rtl="0" eaLnBrk="0" fontAlgn="base" latinLnBrk="0" hangingPunct="0">
+                    <a:lnSpc>
+                      <a:spcPct val="100000"/>
+                    </a:lnSpc>
+                    <a:spcBef>
+                      <a:spcPct val="0"/>
+                    </a:spcBef>
+                    <a:spcAft>
+                      <a:spcPct val="0"/>
+                    </a:spcAft>
+                    <a:buClrTx/>
+                    <a:buSzTx/>
+                    <a:buFontTx/>
+                    <a:buNone/>
+                    <a:tabLst/>
+                  </a:pPr>
+                  <a:endParaRPr kumimoji="0" lang="ko-KR" altLang="en-US" sz="1600" b="1" i="0" u="none" strike="noStrike" cap="none" spc="-150" normalizeH="0" baseline="0" dirty="0" smtClean="0">
+                    <a:ln>
+                      <a:noFill/>
+                    </a:ln>
+                    <a:solidFill>
+                      <a:schemeClr val="tx1"/>
+                    </a:solidFill>
+                    <a:effectLst/>
+                    <a:latin typeface="맑은 고딕" panose="020B0503020000020004" pitchFamily="50" charset="-127"/>
+                    <a:ea typeface="맑은 고딕" panose="020B0503020000020004" pitchFamily="50" charset="-127"/>
+                  </a:endParaRPr>
+                </a:p>
+              </p:txBody>
+            </p:sp>
+            <p:cxnSp>
+              <p:nvCxnSpPr>
+                <p:cNvPr id="22" name="직선 연결선 21"/>
+                <p:cNvCxnSpPr/>
+                <p:nvPr/>
+              </p:nvCxnSpPr>
+              <p:spPr bwMode="auto">
+                <a:xfrm>
+                  <a:off x="544010" y="1828801"/>
+                  <a:ext cx="2060294" cy="0"/>
+                </a:xfrm>
+                <a:prstGeom prst="line">
+                  <a:avLst/>
+                </a:prstGeom>
+                <a:solidFill>
+                  <a:schemeClr val="accent1"/>
+                </a:solidFill>
+                <a:ln w="12700" cap="flat" cmpd="sng" algn="ctr">
+                  <a:solidFill>
+                    <a:schemeClr val="tx1"/>
+                  </a:solidFill>
+                  <a:prstDash val="solid"/>
+                  <a:round/>
+                  <a:headEnd type="none" w="med" len="med"/>
+                  <a:tailEnd type="none" w="med" len="med"/>
+                </a:ln>
+                <a:effectLst/>
+              </p:spPr>
+            </p:cxnSp>
+          </p:grpSp>
+          <p:grpSp>
+            <p:nvGrpSpPr>
+              <p:cNvPr id="28" name="그룹 27"/>
+              <p:cNvGrpSpPr/>
+              <p:nvPr/>
+            </p:nvGrpSpPr>
+            <p:grpSpPr>
+              <a:xfrm>
+                <a:off x="2991481" y="3888071"/>
+                <a:ext cx="2060294" cy="1145894"/>
+                <a:chOff x="314557" y="2438584"/>
+                <a:chExt cx="2060294" cy="1145894"/>
+              </a:xfrm>
+            </p:grpSpPr>
+            <p:sp>
+              <p:nvSpPr>
+                <p:cNvPr id="29" name="직사각형 28"/>
+                <p:cNvSpPr/>
+                <p:nvPr/>
+              </p:nvSpPr>
+              <p:spPr bwMode="auto">
+                <a:xfrm>
+                  <a:off x="314557" y="2438584"/>
+                  <a:ext cx="2060294" cy="1145894"/>
+                </a:xfrm>
+                <a:prstGeom prst="rect">
+                  <a:avLst/>
+                </a:prstGeom>
+                <a:ln>
+                  <a:headEnd type="none" w="med" len="med"/>
+                  <a:tailEnd type="none" w="med" len="med"/>
+                </a:ln>
+              </p:spPr>
+              <p:style>
+                <a:lnRef idx="1">
+                  <a:schemeClr val="accent2"/>
+                </a:lnRef>
+                <a:fillRef idx="2">
+                  <a:schemeClr val="accent2"/>
+                </a:fillRef>
+                <a:effectRef idx="1">
+                  <a:schemeClr val="accent2"/>
+                </a:effectRef>
+                <a:fontRef idx="minor">
+                  <a:schemeClr val="dk1"/>
+                </a:fontRef>
+              </p:style>
+              <p:txBody>
+                <a:bodyPr vert="horz" wrap="none" lIns="90000" tIns="46800" rIns="90000" bIns="46800" numCol="1" rtlCol="0" anchor="ctr" anchorCtr="0" compatLnSpc="1">
+                  <a:prstTxWarp prst="textNoShape">
+                    <a:avLst/>
+                  </a:prstTxWarp>
+                </a:bodyPr>
+                <a:lstStyle/>
+                <a:p>
+                  <a:pPr marL="0" marR="0" indent="0" algn="ctr" defTabSz="914400" rtl="0" eaLnBrk="0" fontAlgn="base" latinLnBrk="0" hangingPunct="0">
+                    <a:lnSpc>
+                      <a:spcPct val="100000"/>
+                    </a:lnSpc>
+                    <a:spcBef>
+                      <a:spcPct val="0"/>
+                    </a:spcBef>
+                    <a:spcAft>
+                      <a:spcPct val="0"/>
+                    </a:spcAft>
+                    <a:buClrTx/>
+                    <a:buSzTx/>
+                    <a:buFontTx/>
+                    <a:buNone/>
+                    <a:tabLst/>
+                  </a:pPr>
+                  <a:r>
+                    <a:rPr lang="en-US" altLang="ko-KR" sz="1600" b="1" spc="-150" dirty="0" err="1" smtClean="0">
+                      <a:solidFill>
+                        <a:schemeClr val="tx1"/>
+                      </a:solidFill>
+                      <a:latin typeface="맑은 고딕" panose="020B0503020000020004" pitchFamily="50" charset="-127"/>
+                      <a:ea typeface="맑은 고딕" panose="020B0503020000020004" pitchFamily="50" charset="-127"/>
+                    </a:rPr>
+                    <a:t>SubjectEnroll</a:t>
+                  </a:r>
+                  <a:endParaRPr kumimoji="0" lang="en-US" altLang="ko-KR" sz="1600" b="1" i="0" u="none" strike="noStrike" cap="none" spc="-150" normalizeH="0" baseline="0" dirty="0" smtClean="0">
+                    <a:ln>
+                      <a:noFill/>
+                    </a:ln>
+                    <a:solidFill>
+                      <a:schemeClr val="tx1"/>
+                    </a:solidFill>
+                    <a:effectLst/>
+                    <a:latin typeface="맑은 고딕" panose="020B0503020000020004" pitchFamily="50" charset="-127"/>
+                    <a:ea typeface="맑은 고딕" panose="020B0503020000020004" pitchFamily="50" charset="-127"/>
+                  </a:endParaRPr>
+                </a:p>
+                <a:p>
+                  <a:pPr marL="0" marR="0" indent="0" algn="ctr" defTabSz="914400" rtl="0" eaLnBrk="0" fontAlgn="base" latinLnBrk="0" hangingPunct="0">
+                    <a:lnSpc>
+                      <a:spcPct val="100000"/>
+                    </a:lnSpc>
+                    <a:spcBef>
+                      <a:spcPct val="0"/>
+                    </a:spcBef>
+                    <a:spcAft>
+                      <a:spcPct val="0"/>
+                    </a:spcAft>
+                    <a:buClrTx/>
+                    <a:buSzTx/>
+                    <a:buFontTx/>
+                    <a:buNone/>
+                    <a:tabLst/>
+                  </a:pPr>
+                  <a:endParaRPr lang="en-US" altLang="ko-KR" sz="1600" b="1" spc="-150" dirty="0">
+                    <a:solidFill>
+                      <a:schemeClr val="tx1"/>
+                    </a:solidFill>
+                    <a:latin typeface="맑은 고딕" panose="020B0503020000020004" pitchFamily="50" charset="-127"/>
+                    <a:ea typeface="맑은 고딕" panose="020B0503020000020004" pitchFamily="50" charset="-127"/>
+                  </a:endParaRPr>
+                </a:p>
+                <a:p>
+                  <a:pPr marL="0" marR="0" indent="0" algn="ctr" defTabSz="914400" rtl="0" eaLnBrk="0" fontAlgn="base" latinLnBrk="0" hangingPunct="0">
+                    <a:lnSpc>
+                      <a:spcPct val="100000"/>
+                    </a:lnSpc>
+                    <a:spcBef>
+                      <a:spcPct val="0"/>
+                    </a:spcBef>
+                    <a:spcAft>
+                      <a:spcPct val="0"/>
+                    </a:spcAft>
+                    <a:buClrTx/>
+                    <a:buSzTx/>
+                    <a:buFontTx/>
+                    <a:buNone/>
+                    <a:tabLst/>
+                  </a:pPr>
+                  <a:r>
+                    <a:rPr kumimoji="0" lang="ko-KR" altLang="en-US" sz="1600" b="1" i="0" u="none" strike="noStrike" cap="none" spc="-150" normalizeH="0" baseline="0" dirty="0" smtClean="0">
+                      <a:ln>
+                        <a:noFill/>
+                      </a:ln>
+                      <a:solidFill>
+                        <a:schemeClr val="tx1"/>
+                      </a:solidFill>
+                      <a:effectLst/>
+                      <a:latin typeface="맑은 고딕" panose="020B0503020000020004" pitchFamily="50" charset="-127"/>
+                      <a:ea typeface="맑은 고딕" panose="020B0503020000020004" pitchFamily="50" charset="-127"/>
+                    </a:rPr>
+                    <a:t>과목 정보 등록</a:t>
+                  </a:r>
+                  <a:endParaRPr kumimoji="0" lang="en-US" altLang="ko-KR" sz="1600" b="1" i="0" u="none" strike="noStrike" cap="none" spc="-150" normalizeH="0" baseline="0" dirty="0" smtClean="0">
+                    <a:ln>
+                      <a:noFill/>
+                    </a:ln>
+                    <a:solidFill>
+                      <a:schemeClr val="tx1"/>
+                    </a:solidFill>
+                    <a:effectLst/>
+                    <a:latin typeface="맑은 고딕" panose="020B0503020000020004" pitchFamily="50" charset="-127"/>
+                    <a:ea typeface="맑은 고딕" panose="020B0503020000020004" pitchFamily="50" charset="-127"/>
+                  </a:endParaRPr>
+                </a:p>
+                <a:p>
+                  <a:pPr marL="0" marR="0" indent="0" algn="ctr" defTabSz="914400" rtl="0" eaLnBrk="0" fontAlgn="base" latinLnBrk="0" hangingPunct="0">
+                    <a:lnSpc>
+                      <a:spcPct val="100000"/>
+                    </a:lnSpc>
+                    <a:spcBef>
+                      <a:spcPct val="0"/>
+                    </a:spcBef>
+                    <a:spcAft>
+                      <a:spcPct val="0"/>
+                    </a:spcAft>
+                    <a:buClrTx/>
+                    <a:buSzTx/>
+                    <a:buFontTx/>
+                    <a:buNone/>
+                    <a:tabLst/>
+                  </a:pPr>
+                  <a:endParaRPr kumimoji="0" lang="ko-KR" altLang="en-US" sz="1600" b="1" i="0" u="none" strike="noStrike" cap="none" spc="-150" normalizeH="0" baseline="0" dirty="0" smtClean="0">
+                    <a:ln>
+                      <a:noFill/>
+                    </a:ln>
+                    <a:solidFill>
+                      <a:schemeClr val="tx1"/>
+                    </a:solidFill>
+                    <a:effectLst/>
+                    <a:latin typeface="맑은 고딕" panose="020B0503020000020004" pitchFamily="50" charset="-127"/>
+                    <a:ea typeface="맑은 고딕" panose="020B0503020000020004" pitchFamily="50" charset="-127"/>
+                  </a:endParaRPr>
+                </a:p>
+              </p:txBody>
+            </p:sp>
+            <p:cxnSp>
+              <p:nvCxnSpPr>
+                <p:cNvPr id="30" name="직선 연결선 29"/>
+                <p:cNvCxnSpPr/>
+                <p:nvPr/>
+              </p:nvCxnSpPr>
+              <p:spPr bwMode="auto">
+                <a:xfrm>
+                  <a:off x="314557" y="2912277"/>
+                  <a:ext cx="2060294" cy="0"/>
+                </a:xfrm>
+                <a:prstGeom prst="line">
+                  <a:avLst/>
+                </a:prstGeom>
+                <a:solidFill>
+                  <a:schemeClr val="accent1"/>
+                </a:solidFill>
+                <a:ln w="12700" cap="flat" cmpd="sng" algn="ctr">
+                  <a:solidFill>
+                    <a:schemeClr val="tx1"/>
+                  </a:solidFill>
+                  <a:prstDash val="solid"/>
+                  <a:round/>
+                  <a:headEnd type="none" w="med" len="med"/>
+                  <a:tailEnd type="none" w="med" len="med"/>
+                </a:ln>
+                <a:effectLst/>
+              </p:spPr>
+            </p:cxnSp>
+          </p:grpSp>
+          <p:cxnSp>
+            <p:nvCxnSpPr>
+              <p:cNvPr id="44" name="직선 화살표 연결선 43"/>
+              <p:cNvCxnSpPr>
+                <a:stCxn id="21" idx="1"/>
+              </p:cNvCxnSpPr>
+              <p:nvPr/>
+            </p:nvCxnSpPr>
+            <p:spPr bwMode="auto">
+              <a:xfrm flipH="1">
+                <a:off x="5051775" y="3540206"/>
+                <a:ext cx="864818" cy="478874"/>
+              </a:xfrm>
+              <a:prstGeom prst="straightConnector1">
+                <a:avLst/>
+              </a:prstGeom>
+              <a:solidFill>
+                <a:schemeClr val="accent1"/>
+              </a:solidFill>
+              <a:ln w="12700" cap="flat" cmpd="sng" algn="ctr">
+                <a:solidFill>
+                  <a:schemeClr val="tx1"/>
+                </a:solidFill>
+                <a:prstDash val="sysDash"/>
+                <a:round/>
+                <a:headEnd type="none" w="med" len="med"/>
+                <a:tailEnd type="triangle"/>
+              </a:ln>
+              <a:effectLst/>
+            </p:spPr>
+          </p:cxnSp>
+        </p:grpSp>
+        <p:cxnSp>
+          <p:nvCxnSpPr>
+            <p:cNvPr id="39" name="직선 화살표 연결선 38"/>
+            <p:cNvCxnSpPr>
+              <a:stCxn id="41" idx="1"/>
+            </p:cNvCxnSpPr>
+            <p:nvPr/>
+          </p:nvCxnSpPr>
+          <p:spPr bwMode="auto">
+            <a:xfrm flipH="1" flipV="1">
+              <a:off x="4960420" y="4079541"/>
+              <a:ext cx="864818" cy="254483"/>
+            </a:xfrm>
+            <a:prstGeom prst="straightConnector1">
+              <a:avLst/>
+            </a:prstGeom>
+            <a:solidFill>
+              <a:schemeClr val="accent1"/>
+            </a:solidFill>
+            <a:ln w="12700" cap="flat" cmpd="sng" algn="ctr">
+              <a:solidFill>
+                <a:schemeClr val="tx1"/>
+              </a:solidFill>
+              <a:prstDash val="sysDash"/>
+              <a:round/>
+              <a:headEnd type="none" w="med" len="med"/>
+              <a:tailEnd type="triangle"/>
+            </a:ln>
+            <a:effectLst/>
+          </p:spPr>
+        </p:cxnSp>
+      </p:grpSp>
+      <p:grpSp>
+        <p:nvGrpSpPr>
+          <p:cNvPr id="6" name="그룹 5"/>
+          <p:cNvGrpSpPr/>
+          <p:nvPr/>
+        </p:nvGrpSpPr>
+        <p:grpSpPr>
+          <a:xfrm>
+            <a:off x="654526" y="3328743"/>
+            <a:ext cx="7627717" cy="2920976"/>
+            <a:chOff x="777699" y="1526933"/>
+            <a:chExt cx="7930732" cy="3166469"/>
+          </a:xfrm>
+        </p:grpSpPr>
+        <p:grpSp>
+          <p:nvGrpSpPr>
+            <p:cNvPr id="34" name="그룹 33"/>
+            <p:cNvGrpSpPr/>
+            <p:nvPr/>
+          </p:nvGrpSpPr>
+          <p:grpSpPr>
+            <a:xfrm>
+              <a:off x="4001451" y="2846446"/>
               <a:ext cx="2060294" cy="1145894"/>
-              <a:chOff x="544010" y="1504709"/>
+              <a:chOff x="544010" y="1455016"/>
               <a:chExt cx="2060294" cy="1145894"/>
             </a:xfrm>
           </p:grpSpPr>
           <p:sp>
             <p:nvSpPr>
-              <p:cNvPr id="29" name="직사각형 28"/>
+              <p:cNvPr id="45" name="직사각형 44"/>
               <p:cNvSpPr/>
               <p:nvPr/>
             </p:nvSpPr>
             <p:spPr bwMode="auto">
               <a:xfrm>
-                <a:off x="544010" y="1504709"/>
+                <a:off x="544010" y="1455016"/>
                 <a:ext cx="2060294" cy="1145894"/>
               </a:xfrm>
               <a:prstGeom prst="rect">
@@ -5392,936 +5320,7 @@
                     <a:latin typeface="맑은 고딕" panose="020B0503020000020004" pitchFamily="50" charset="-127"/>
                     <a:ea typeface="맑은 고딕" panose="020B0503020000020004" pitchFamily="50" charset="-127"/>
                   </a:rPr>
-                  <a:t>SubjectEnroll</a:t>
-                </a:r>
-                <a:endParaRPr kumimoji="0" lang="en-US" altLang="ko-KR" sz="1600" b="1" i="0" u="none" strike="noStrike" cap="none" spc="-150" normalizeH="0" baseline="0" dirty="0" smtClean="0">
-                  <a:ln>
-                    <a:noFill/>
-                  </a:ln>
-                  <a:solidFill>
-                    <a:schemeClr val="tx1"/>
-                  </a:solidFill>
-                  <a:effectLst/>
-                  <a:latin typeface="맑은 고딕" panose="020B0503020000020004" pitchFamily="50" charset="-127"/>
-                  <a:ea typeface="맑은 고딕" panose="020B0503020000020004" pitchFamily="50" charset="-127"/>
-                </a:endParaRPr>
-              </a:p>
-              <a:p>
-                <a:pPr marL="0" marR="0" indent="0" algn="ctr" defTabSz="914400" rtl="0" eaLnBrk="0" fontAlgn="base" latinLnBrk="0" hangingPunct="0">
-                  <a:lnSpc>
-                    <a:spcPct val="100000"/>
-                  </a:lnSpc>
-                  <a:spcBef>
-                    <a:spcPct val="0"/>
-                  </a:spcBef>
-                  <a:spcAft>
-                    <a:spcPct val="0"/>
-                  </a:spcAft>
-                  <a:buClrTx/>
-                  <a:buSzTx/>
-                  <a:buFontTx/>
-                  <a:buNone/>
-                  <a:tabLst/>
-                </a:pPr>
-                <a:endParaRPr lang="en-US" altLang="ko-KR" sz="1600" b="1" spc="-150" dirty="0">
-                  <a:solidFill>
-                    <a:schemeClr val="tx1"/>
-                  </a:solidFill>
-                  <a:latin typeface="맑은 고딕" panose="020B0503020000020004" pitchFamily="50" charset="-127"/>
-                  <a:ea typeface="맑은 고딕" panose="020B0503020000020004" pitchFamily="50" charset="-127"/>
-                </a:endParaRPr>
-              </a:p>
-              <a:p>
-                <a:pPr marL="0" marR="0" indent="0" algn="ctr" defTabSz="914400" rtl="0" eaLnBrk="0" fontAlgn="base" latinLnBrk="0" hangingPunct="0">
-                  <a:lnSpc>
-                    <a:spcPct val="100000"/>
-                  </a:lnSpc>
-                  <a:spcBef>
-                    <a:spcPct val="0"/>
-                  </a:spcBef>
-                  <a:spcAft>
-                    <a:spcPct val="0"/>
-                  </a:spcAft>
-                  <a:buClrTx/>
-                  <a:buSzTx/>
-                  <a:buFontTx/>
-                  <a:buNone/>
-                  <a:tabLst/>
-                </a:pPr>
-                <a:r>
-                  <a:rPr kumimoji="0" lang="ko-KR" altLang="en-US" sz="1600" b="1" i="0" u="none" strike="noStrike" cap="none" spc="-150" normalizeH="0" baseline="0" dirty="0" smtClean="0">
-                    <a:ln>
-                      <a:noFill/>
-                    </a:ln>
-                    <a:solidFill>
-                      <a:schemeClr val="tx1"/>
-                    </a:solidFill>
-                    <a:effectLst/>
-                    <a:latin typeface="맑은 고딕" panose="020B0503020000020004" pitchFamily="50" charset="-127"/>
-                    <a:ea typeface="맑은 고딕" panose="020B0503020000020004" pitchFamily="50" charset="-127"/>
-                  </a:rPr>
-                  <a:t>과목 정보 등록</a:t>
-                </a:r>
-                <a:endParaRPr kumimoji="0" lang="en-US" altLang="ko-KR" sz="1600" b="1" i="0" u="none" strike="noStrike" cap="none" spc="-150" normalizeH="0" baseline="0" dirty="0" smtClean="0">
-                  <a:ln>
-                    <a:noFill/>
-                  </a:ln>
-                  <a:solidFill>
-                    <a:schemeClr val="tx1"/>
-                  </a:solidFill>
-                  <a:effectLst/>
-                  <a:latin typeface="맑은 고딕" panose="020B0503020000020004" pitchFamily="50" charset="-127"/>
-                  <a:ea typeface="맑은 고딕" panose="020B0503020000020004" pitchFamily="50" charset="-127"/>
-                </a:endParaRPr>
-              </a:p>
-              <a:p>
-                <a:pPr marL="0" marR="0" indent="0" algn="ctr" defTabSz="914400" rtl="0" eaLnBrk="0" fontAlgn="base" latinLnBrk="0" hangingPunct="0">
-                  <a:lnSpc>
-                    <a:spcPct val="100000"/>
-                  </a:lnSpc>
-                  <a:spcBef>
-                    <a:spcPct val="0"/>
-                  </a:spcBef>
-                  <a:spcAft>
-                    <a:spcPct val="0"/>
-                  </a:spcAft>
-                  <a:buClrTx/>
-                  <a:buSzTx/>
-                  <a:buFontTx/>
-                  <a:buNone/>
-                  <a:tabLst/>
-                </a:pPr>
-                <a:endParaRPr kumimoji="0" lang="ko-KR" altLang="en-US" sz="1600" b="1" i="0" u="none" strike="noStrike" cap="none" spc="-150" normalizeH="0" baseline="0" dirty="0" smtClean="0">
-                  <a:ln>
-                    <a:noFill/>
-                  </a:ln>
-                  <a:solidFill>
-                    <a:schemeClr val="tx1"/>
-                  </a:solidFill>
-                  <a:effectLst/>
-                  <a:latin typeface="맑은 고딕" panose="020B0503020000020004" pitchFamily="50" charset="-127"/>
-                  <a:ea typeface="맑은 고딕" panose="020B0503020000020004" pitchFamily="50" charset="-127"/>
-                </a:endParaRPr>
-              </a:p>
-            </p:txBody>
-          </p:sp>
-          <p:cxnSp>
-            <p:nvCxnSpPr>
-              <p:cNvPr id="30" name="직선 연결선 29"/>
-              <p:cNvCxnSpPr/>
-              <p:nvPr/>
-            </p:nvCxnSpPr>
-            <p:spPr bwMode="auto">
-              <a:xfrm>
-                <a:off x="544010" y="1828801"/>
-                <a:ext cx="2060294" cy="0"/>
-              </a:xfrm>
-              <a:prstGeom prst="line">
-                <a:avLst/>
-              </a:prstGeom>
-              <a:solidFill>
-                <a:schemeClr val="accent1"/>
-              </a:solidFill>
-              <a:ln w="12700" cap="flat" cmpd="sng" algn="ctr">
-                <a:solidFill>
-                  <a:schemeClr val="tx1"/>
-                </a:solidFill>
-                <a:prstDash val="solid"/>
-                <a:round/>
-                <a:headEnd type="none" w="med" len="med"/>
-                <a:tailEnd type="none" w="med" len="med"/>
-              </a:ln>
-              <a:effectLst/>
-            </p:spPr>
-          </p:cxnSp>
-        </p:grpSp>
-        <p:cxnSp>
-          <p:nvCxnSpPr>
-            <p:cNvPr id="44" name="직선 화살표 연결선 43"/>
-            <p:cNvCxnSpPr>
-              <a:endCxn id="21" idx="1"/>
-            </p:cNvCxnSpPr>
-            <p:nvPr/>
-          </p:nvCxnSpPr>
-          <p:spPr bwMode="auto">
-            <a:xfrm flipV="1">
-              <a:off x="5281228" y="3540206"/>
-              <a:ext cx="635365" cy="71095"/>
-            </a:xfrm>
-            <a:prstGeom prst="straightConnector1">
-              <a:avLst/>
-            </a:prstGeom>
-            <a:solidFill>
-              <a:schemeClr val="accent1"/>
-            </a:solidFill>
-            <a:ln w="12700" cap="flat" cmpd="sng" algn="ctr">
-              <a:solidFill>
-                <a:schemeClr val="tx1"/>
-              </a:solidFill>
-              <a:prstDash val="sysDash"/>
-              <a:round/>
-              <a:headEnd type="none" w="med" len="med"/>
-              <a:tailEnd type="triangle"/>
-            </a:ln>
-            <a:effectLst/>
-          </p:spPr>
-        </p:cxnSp>
-      </p:grpSp>
-      <p:grpSp>
-        <p:nvGrpSpPr>
-          <p:cNvPr id="35" name="그룹 34"/>
-          <p:cNvGrpSpPr/>
-          <p:nvPr/>
-        </p:nvGrpSpPr>
-        <p:grpSpPr>
-          <a:xfrm>
-            <a:off x="3220934" y="2825552"/>
-            <a:ext cx="2060294" cy="1145894"/>
-            <a:chOff x="544010" y="1504709"/>
-            <a:chExt cx="2060294" cy="1145894"/>
-          </a:xfrm>
-        </p:grpSpPr>
-        <p:sp>
-          <p:nvSpPr>
-            <p:cNvPr id="36" name="직사각형 35"/>
-            <p:cNvSpPr/>
-            <p:nvPr/>
-          </p:nvSpPr>
-          <p:spPr bwMode="auto">
-            <a:xfrm>
-              <a:off x="544010" y="1504709"/>
-              <a:ext cx="2060294" cy="1145894"/>
-            </a:xfrm>
-            <a:prstGeom prst="rect">
-              <a:avLst/>
-            </a:prstGeom>
-            <a:ln>
-              <a:headEnd type="none" w="med" len="med"/>
-              <a:tailEnd type="none" w="med" len="med"/>
-            </a:ln>
-          </p:spPr>
-          <p:style>
-            <a:lnRef idx="1">
-              <a:schemeClr val="accent2"/>
-            </a:lnRef>
-            <a:fillRef idx="2">
-              <a:schemeClr val="accent2"/>
-            </a:fillRef>
-            <a:effectRef idx="1">
-              <a:schemeClr val="accent2"/>
-            </a:effectRef>
-            <a:fontRef idx="minor">
-              <a:schemeClr val="dk1"/>
-            </a:fontRef>
-          </p:style>
-          <p:txBody>
-            <a:bodyPr vert="horz" wrap="none" lIns="90000" tIns="46800" rIns="90000" bIns="46800" numCol="1" rtlCol="0" anchor="ctr" anchorCtr="0" compatLnSpc="1">
-              <a:prstTxWarp prst="textNoShape">
-                <a:avLst/>
-              </a:prstTxWarp>
-            </a:bodyPr>
-            <a:lstStyle/>
-            <a:p>
-              <a:pPr marL="0" marR="0" indent="0" algn="ctr" defTabSz="914400" rtl="0" eaLnBrk="0" fontAlgn="base" latinLnBrk="0" hangingPunct="0">
-                <a:lnSpc>
-                  <a:spcPct val="100000"/>
-                </a:lnSpc>
-                <a:spcBef>
-                  <a:spcPct val="0"/>
-                </a:spcBef>
-                <a:spcAft>
-                  <a:spcPct val="0"/>
-                </a:spcAft>
-                <a:buClrTx/>
-                <a:buSzTx/>
-                <a:buFontTx/>
-                <a:buNone/>
-                <a:tabLst/>
-              </a:pPr>
-              <a:r>
-                <a:rPr lang="en-US" altLang="ko-KR" sz="1600" b="1" spc="-150" dirty="0" err="1" smtClean="0">
-                  <a:solidFill>
-                    <a:schemeClr val="tx1"/>
-                  </a:solidFill>
-                  <a:latin typeface="맑은 고딕" panose="020B0503020000020004" pitchFamily="50" charset="-127"/>
-                  <a:ea typeface="맑은 고딕" panose="020B0503020000020004" pitchFamily="50" charset="-127"/>
-                </a:rPr>
-                <a:t>SubjectData</a:t>
-              </a:r>
-              <a:endParaRPr kumimoji="0" lang="en-US" altLang="ko-KR" sz="1600" b="1" i="0" u="none" strike="noStrike" cap="none" spc="-150" normalizeH="0" baseline="0" dirty="0" smtClean="0">
-                <a:ln>
-                  <a:noFill/>
-                </a:ln>
-                <a:solidFill>
-                  <a:schemeClr val="tx1"/>
-                </a:solidFill>
-                <a:effectLst/>
-                <a:latin typeface="맑은 고딕" panose="020B0503020000020004" pitchFamily="50" charset="-127"/>
-                <a:ea typeface="맑은 고딕" panose="020B0503020000020004" pitchFamily="50" charset="-127"/>
-              </a:endParaRPr>
-            </a:p>
-            <a:p>
-              <a:pPr marL="0" marR="0" indent="0" algn="ctr" defTabSz="914400" rtl="0" eaLnBrk="0" fontAlgn="base" latinLnBrk="0" hangingPunct="0">
-                <a:lnSpc>
-                  <a:spcPct val="100000"/>
-                </a:lnSpc>
-                <a:spcBef>
-                  <a:spcPct val="0"/>
-                </a:spcBef>
-                <a:spcAft>
-                  <a:spcPct val="0"/>
-                </a:spcAft>
-                <a:buClrTx/>
-                <a:buSzTx/>
-                <a:buFontTx/>
-                <a:buNone/>
-                <a:tabLst/>
-              </a:pPr>
-              <a:endParaRPr lang="en-US" altLang="ko-KR" sz="1600" b="1" spc="-150" dirty="0">
-                <a:solidFill>
-                  <a:schemeClr val="tx1"/>
-                </a:solidFill>
-                <a:latin typeface="맑은 고딕" panose="020B0503020000020004" pitchFamily="50" charset="-127"/>
-                <a:ea typeface="맑은 고딕" panose="020B0503020000020004" pitchFamily="50" charset="-127"/>
-              </a:endParaRPr>
-            </a:p>
-            <a:p>
-              <a:pPr marL="0" marR="0" indent="0" algn="ctr" defTabSz="914400" rtl="0" eaLnBrk="0" fontAlgn="base" latinLnBrk="0" hangingPunct="0">
-                <a:lnSpc>
-                  <a:spcPct val="100000"/>
-                </a:lnSpc>
-                <a:spcBef>
-                  <a:spcPct val="0"/>
-                </a:spcBef>
-                <a:spcAft>
-                  <a:spcPct val="0"/>
-                </a:spcAft>
-                <a:buClrTx/>
-                <a:buSzTx/>
-                <a:buFontTx/>
-                <a:buNone/>
-                <a:tabLst/>
-              </a:pPr>
-              <a:r>
-                <a:rPr kumimoji="0" lang="ko-KR" altLang="en-US" sz="1600" b="1" i="0" u="none" strike="noStrike" cap="none" spc="-150" normalizeH="0" baseline="0" dirty="0" smtClean="0">
-                  <a:ln>
-                    <a:noFill/>
-                  </a:ln>
-                  <a:solidFill>
-                    <a:schemeClr val="tx1"/>
-                  </a:solidFill>
-                  <a:effectLst/>
-                  <a:latin typeface="맑은 고딕" panose="020B0503020000020004" pitchFamily="50" charset="-127"/>
-                  <a:ea typeface="맑은 고딕" panose="020B0503020000020004" pitchFamily="50" charset="-127"/>
-                </a:rPr>
-                <a:t>과목 정보를 담는 객체</a:t>
-              </a:r>
-              <a:endParaRPr kumimoji="0" lang="en-US" altLang="ko-KR" sz="1600" b="1" i="0" u="none" strike="noStrike" cap="none" spc="-150" normalizeH="0" baseline="0" dirty="0" smtClean="0">
-                <a:ln>
-                  <a:noFill/>
-                </a:ln>
-                <a:solidFill>
-                  <a:schemeClr val="tx1"/>
-                </a:solidFill>
-                <a:effectLst/>
-                <a:latin typeface="맑은 고딕" panose="020B0503020000020004" pitchFamily="50" charset="-127"/>
-                <a:ea typeface="맑은 고딕" panose="020B0503020000020004" pitchFamily="50" charset="-127"/>
-              </a:endParaRPr>
-            </a:p>
-            <a:p>
-              <a:pPr marL="0" marR="0" indent="0" algn="ctr" defTabSz="914400" rtl="0" eaLnBrk="0" fontAlgn="base" latinLnBrk="0" hangingPunct="0">
-                <a:lnSpc>
-                  <a:spcPct val="100000"/>
-                </a:lnSpc>
-                <a:spcBef>
-                  <a:spcPct val="0"/>
-                </a:spcBef>
-                <a:spcAft>
-                  <a:spcPct val="0"/>
-                </a:spcAft>
-                <a:buClrTx/>
-                <a:buSzTx/>
-                <a:buFontTx/>
-                <a:buNone/>
-                <a:tabLst/>
-              </a:pPr>
-              <a:endParaRPr kumimoji="0" lang="ko-KR" altLang="en-US" sz="1600" b="1" i="0" u="none" strike="noStrike" cap="none" spc="-150" normalizeH="0" baseline="0" dirty="0" smtClean="0">
-                <a:ln>
-                  <a:noFill/>
-                </a:ln>
-                <a:solidFill>
-                  <a:schemeClr val="tx1"/>
-                </a:solidFill>
-                <a:effectLst/>
-                <a:latin typeface="맑은 고딕" panose="020B0503020000020004" pitchFamily="50" charset="-127"/>
-                <a:ea typeface="맑은 고딕" panose="020B0503020000020004" pitchFamily="50" charset="-127"/>
-              </a:endParaRPr>
-            </a:p>
-          </p:txBody>
-        </p:sp>
-        <p:cxnSp>
-          <p:nvCxnSpPr>
-            <p:cNvPr id="37" name="직선 연결선 36"/>
-            <p:cNvCxnSpPr/>
-            <p:nvPr/>
-          </p:nvCxnSpPr>
-          <p:spPr bwMode="auto">
-            <a:xfrm>
-              <a:off x="544010" y="1828801"/>
-              <a:ext cx="2060294" cy="0"/>
-            </a:xfrm>
-            <a:prstGeom prst="line">
-              <a:avLst/>
-            </a:prstGeom>
-            <a:solidFill>
-              <a:schemeClr val="accent1"/>
-            </a:solidFill>
-            <a:ln w="12700" cap="flat" cmpd="sng" algn="ctr">
-              <a:solidFill>
-                <a:schemeClr val="tx1"/>
-              </a:solidFill>
-              <a:prstDash val="solid"/>
-              <a:round/>
-              <a:headEnd type="none" w="med" len="med"/>
-              <a:tailEnd type="none" w="med" len="med"/>
-            </a:ln>
-            <a:effectLst/>
-          </p:spPr>
-        </p:cxnSp>
-      </p:grpSp>
-      <p:cxnSp>
-        <p:nvCxnSpPr>
-          <p:cNvPr id="38" name="직선 화살표 연결선 37"/>
-          <p:cNvCxnSpPr>
-            <a:stCxn id="29" idx="2"/>
-            <a:endCxn id="36" idx="0"/>
-          </p:cNvCxnSpPr>
-          <p:nvPr/>
-        </p:nvCxnSpPr>
-        <p:spPr bwMode="auto">
-          <a:xfrm>
-            <a:off x="4251081" y="2127513"/>
-            <a:ext cx="0" cy="698039"/>
-          </a:xfrm>
-          <a:prstGeom prst="straightConnector1">
-            <a:avLst/>
-          </a:prstGeom>
-          <a:solidFill>
-            <a:schemeClr val="accent1"/>
-          </a:solidFill>
-          <a:ln w="12700" cap="flat" cmpd="sng" algn="ctr">
-            <a:solidFill>
-              <a:schemeClr val="tx1"/>
-            </a:solidFill>
-            <a:prstDash val="sysDash"/>
-            <a:round/>
-            <a:headEnd type="none" w="med" len="med"/>
-            <a:tailEnd type="triangle"/>
-          </a:ln>
-          <a:effectLst/>
-        </p:spPr>
-      </p:cxnSp>
-      <p:cxnSp>
-        <p:nvCxnSpPr>
-          <p:cNvPr id="39" name="직선 화살표 연결선 38"/>
-          <p:cNvCxnSpPr>
-            <a:stCxn id="26" idx="0"/>
-            <a:endCxn id="36" idx="2"/>
-          </p:cNvCxnSpPr>
-          <p:nvPr/>
-        </p:nvCxnSpPr>
-        <p:spPr bwMode="auto">
-          <a:xfrm flipV="1">
-            <a:off x="4251081" y="3971446"/>
-            <a:ext cx="0" cy="601132"/>
-          </a:xfrm>
-          <a:prstGeom prst="straightConnector1">
-            <a:avLst/>
-          </a:prstGeom>
-          <a:solidFill>
-            <a:schemeClr val="accent1"/>
-          </a:solidFill>
-          <a:ln w="12700" cap="flat" cmpd="sng" algn="ctr">
-            <a:solidFill>
-              <a:schemeClr val="tx1"/>
-            </a:solidFill>
-            <a:prstDash val="sysDash"/>
-            <a:round/>
-            <a:headEnd type="none" w="med" len="med"/>
-            <a:tailEnd type="triangle"/>
-          </a:ln>
-          <a:effectLst/>
-        </p:spPr>
-      </p:cxnSp>
-      <p:cxnSp>
-        <p:nvCxnSpPr>
-          <p:cNvPr id="43" name="직선 화살표 연결선 42"/>
-          <p:cNvCxnSpPr/>
-          <p:nvPr/>
-        </p:nvCxnSpPr>
-        <p:spPr bwMode="auto">
-          <a:xfrm flipH="1" flipV="1">
-            <a:off x="4251081" y="3971446"/>
-            <a:ext cx="2695659" cy="601132"/>
-          </a:xfrm>
-          <a:prstGeom prst="straightConnector1">
-            <a:avLst/>
-          </a:prstGeom>
-          <a:solidFill>
-            <a:schemeClr val="accent1"/>
-          </a:solidFill>
-          <a:ln w="12700" cap="flat" cmpd="sng" algn="ctr">
-            <a:solidFill>
-              <a:schemeClr val="tx1"/>
-            </a:solidFill>
-            <a:prstDash val="sysDash"/>
-            <a:round/>
-            <a:headEnd type="none" w="med" len="med"/>
-            <a:tailEnd type="triangle"/>
-          </a:ln>
-          <a:effectLst/>
-        </p:spPr>
-      </p:cxnSp>
-      <p:cxnSp>
-        <p:nvCxnSpPr>
-          <p:cNvPr id="47" name="직선 화살표 연결선 46"/>
-          <p:cNvCxnSpPr>
-            <a:endCxn id="36" idx="2"/>
-          </p:cNvCxnSpPr>
-          <p:nvPr/>
-        </p:nvCxnSpPr>
-        <p:spPr bwMode="auto">
-          <a:xfrm flipV="1">
-            <a:off x="1615827" y="3971446"/>
-            <a:ext cx="2635254" cy="581655"/>
-          </a:xfrm>
-          <a:prstGeom prst="straightConnector1">
-            <a:avLst/>
-          </a:prstGeom>
-          <a:solidFill>
-            <a:schemeClr val="accent1"/>
-          </a:solidFill>
-          <a:ln w="12700" cap="flat" cmpd="sng" algn="ctr">
-            <a:solidFill>
-              <a:schemeClr val="tx1"/>
-            </a:solidFill>
-            <a:prstDash val="sysDash"/>
-            <a:round/>
-            <a:headEnd type="none" w="med" len="med"/>
-            <a:tailEnd type="triangle"/>
-          </a:ln>
-          <a:effectLst/>
-        </p:spPr>
-      </p:cxnSp>
-    </p:spTree>
-    <p:extLst>
-      <p:ext uri="{BB962C8B-B14F-4D97-AF65-F5344CB8AC3E}">
-        <p14:creationId xmlns:p14="http://schemas.microsoft.com/office/powerpoint/2010/main" val="1776991861"/>
-      </p:ext>
-    </p:extLst>
-  </p:cSld>
-  <p:clrMapOvr>
-    <a:masterClrMapping/>
-  </p:clrMapOvr>
-</p:sld>
-</file>
-
-<file path=ppt/slides/slide4.xml><?xml version="1.0" encoding="utf-8"?>
-<p:sld xmlns:a="http://schemas.openxmlformats.org/drawingml/2006/main" xmlns:r="http://schemas.openxmlformats.org/officeDocument/2006/relationships" xmlns:p="http://schemas.openxmlformats.org/presentationml/2006/main">
-  <p:cSld>
-    <p:spTree>
-      <p:nvGrpSpPr>
-        <p:cNvPr id="1" name=""/>
-        <p:cNvGrpSpPr/>
-        <p:nvPr/>
-      </p:nvGrpSpPr>
-      <p:grpSpPr>
-        <a:xfrm>
-          <a:off x="0" y="0"/>
-          <a:ext cx="0" cy="0"/>
-          <a:chOff x="0" y="0"/>
-          <a:chExt cx="0" cy="0"/>
-        </a:xfrm>
-      </p:grpSpPr>
-      <p:sp>
-        <p:nvSpPr>
-          <p:cNvPr id="2" name="바닥글 개체 틀 1"/>
-          <p:cNvSpPr>
-            <a:spLocks noGrp="1"/>
-          </p:cNvSpPr>
-          <p:nvPr>
-            <p:ph type="ftr" sz="quarter" idx="3"/>
-          </p:nvPr>
-        </p:nvSpPr>
-        <p:spPr/>
-        <p:txBody>
-          <a:bodyPr/>
-          <a:lstStyle/>
-          <a:p>
-            <a:pPr algn="r"/>
-            <a:r>
-              <a:rPr lang="en-US" altLang="ko-KR" dirty="0" smtClean="0"/>
-              <a:t>Cosign</a:t>
-            </a:r>
-            <a:endParaRPr lang="en-US" altLang="ko-KR" dirty="0"/>
-          </a:p>
-        </p:txBody>
-      </p:sp>
-      <p:grpSp>
-        <p:nvGrpSpPr>
-          <p:cNvPr id="28" name="그룹 27"/>
-          <p:cNvGrpSpPr/>
-          <p:nvPr/>
-        </p:nvGrpSpPr>
-        <p:grpSpPr>
-          <a:xfrm>
-            <a:off x="795959" y="1463581"/>
-            <a:ext cx="2060294" cy="1145894"/>
-            <a:chOff x="544010" y="1455016"/>
-            <a:chExt cx="2060294" cy="1145894"/>
-          </a:xfrm>
-        </p:grpSpPr>
-        <p:sp>
-          <p:nvSpPr>
-            <p:cNvPr id="29" name="직사각형 28"/>
-            <p:cNvSpPr/>
-            <p:nvPr/>
-          </p:nvSpPr>
-          <p:spPr bwMode="auto">
-            <a:xfrm>
-              <a:off x="544010" y="1455016"/>
-              <a:ext cx="2060294" cy="1145894"/>
-            </a:xfrm>
-            <a:prstGeom prst="rect">
-              <a:avLst/>
-            </a:prstGeom>
-            <a:ln>
-              <a:headEnd type="none" w="med" len="med"/>
-              <a:tailEnd type="none" w="med" len="med"/>
-            </a:ln>
-          </p:spPr>
-          <p:style>
-            <a:lnRef idx="1">
-              <a:schemeClr val="accent2"/>
-            </a:lnRef>
-            <a:fillRef idx="2">
-              <a:schemeClr val="accent2"/>
-            </a:fillRef>
-            <a:effectRef idx="1">
-              <a:schemeClr val="accent2"/>
-            </a:effectRef>
-            <a:fontRef idx="minor">
-              <a:schemeClr val="dk1"/>
-            </a:fontRef>
-          </p:style>
-          <p:txBody>
-            <a:bodyPr vert="horz" wrap="none" lIns="90000" tIns="46800" rIns="90000" bIns="46800" numCol="1" rtlCol="0" anchor="ctr" anchorCtr="0" compatLnSpc="1">
-              <a:prstTxWarp prst="textNoShape">
-                <a:avLst/>
-              </a:prstTxWarp>
-            </a:bodyPr>
-            <a:lstStyle/>
-            <a:p>
-              <a:pPr marL="0" marR="0" indent="0" algn="ctr" defTabSz="914400" rtl="0" eaLnBrk="0" fontAlgn="base" latinLnBrk="0" hangingPunct="0">
-                <a:lnSpc>
-                  <a:spcPct val="100000"/>
-                </a:lnSpc>
-                <a:spcBef>
-                  <a:spcPct val="0"/>
-                </a:spcBef>
-                <a:spcAft>
-                  <a:spcPct val="0"/>
-                </a:spcAft>
-                <a:buClrTx/>
-                <a:buSzTx/>
-                <a:buFontTx/>
-                <a:buNone/>
-                <a:tabLst/>
-              </a:pPr>
-              <a:r>
-                <a:rPr lang="en-US" altLang="ko-KR" sz="1600" b="1" spc="-150" dirty="0" err="1" smtClean="0">
-                  <a:solidFill>
-                    <a:schemeClr val="tx1"/>
-                  </a:solidFill>
-                  <a:latin typeface="맑은 고딕" panose="020B0503020000020004" pitchFamily="50" charset="-127"/>
-                  <a:ea typeface="맑은 고딕" panose="020B0503020000020004" pitchFamily="50" charset="-127"/>
-                </a:rPr>
-                <a:t>TodoEnroll</a:t>
-              </a:r>
-              <a:endParaRPr kumimoji="0" lang="en-US" altLang="ko-KR" sz="1600" b="1" i="0" u="none" strike="noStrike" cap="none" spc="-150" normalizeH="0" baseline="0" dirty="0" smtClean="0">
-                <a:ln>
-                  <a:noFill/>
-                </a:ln>
-                <a:solidFill>
-                  <a:schemeClr val="tx1"/>
-                </a:solidFill>
-                <a:effectLst/>
-                <a:latin typeface="맑은 고딕" panose="020B0503020000020004" pitchFamily="50" charset="-127"/>
-                <a:ea typeface="맑은 고딕" panose="020B0503020000020004" pitchFamily="50" charset="-127"/>
-              </a:endParaRPr>
-            </a:p>
-            <a:p>
-              <a:pPr marL="0" marR="0" indent="0" algn="ctr" defTabSz="914400" rtl="0" eaLnBrk="0" fontAlgn="base" latinLnBrk="0" hangingPunct="0">
-                <a:lnSpc>
-                  <a:spcPct val="100000"/>
-                </a:lnSpc>
-                <a:spcBef>
-                  <a:spcPct val="0"/>
-                </a:spcBef>
-                <a:spcAft>
-                  <a:spcPct val="0"/>
-                </a:spcAft>
-                <a:buClrTx/>
-                <a:buSzTx/>
-                <a:buFontTx/>
-                <a:buNone/>
-                <a:tabLst/>
-              </a:pPr>
-              <a:endParaRPr lang="en-US" altLang="ko-KR" sz="1600" b="1" spc="-150" dirty="0">
-                <a:solidFill>
-                  <a:schemeClr val="tx1"/>
-                </a:solidFill>
-                <a:latin typeface="맑은 고딕" panose="020B0503020000020004" pitchFamily="50" charset="-127"/>
-                <a:ea typeface="맑은 고딕" panose="020B0503020000020004" pitchFamily="50" charset="-127"/>
-              </a:endParaRPr>
-            </a:p>
-            <a:p>
-              <a:pPr marL="0" marR="0" indent="0" algn="ctr" defTabSz="914400" rtl="0" eaLnBrk="0" fontAlgn="base" latinLnBrk="0" hangingPunct="0">
-                <a:lnSpc>
-                  <a:spcPct val="100000"/>
-                </a:lnSpc>
-                <a:spcBef>
-                  <a:spcPct val="0"/>
-                </a:spcBef>
-                <a:spcAft>
-                  <a:spcPct val="0"/>
-                </a:spcAft>
-                <a:buClrTx/>
-                <a:buSzTx/>
-                <a:buFontTx/>
-                <a:buNone/>
-                <a:tabLst/>
-              </a:pPr>
-              <a:r>
-                <a:rPr kumimoji="0" lang="en-US" altLang="ko-KR" sz="1600" b="1" i="0" u="none" strike="noStrike" cap="none" spc="-150" normalizeH="0" baseline="0" dirty="0" err="1" smtClean="0">
-                  <a:ln>
-                    <a:noFill/>
-                  </a:ln>
-                  <a:solidFill>
-                    <a:schemeClr val="tx1"/>
-                  </a:solidFill>
-                  <a:effectLst/>
-                  <a:latin typeface="맑은 고딕" panose="020B0503020000020004" pitchFamily="50" charset="-127"/>
-                  <a:ea typeface="맑은 고딕" panose="020B0503020000020004" pitchFamily="50" charset="-127"/>
-                </a:rPr>
-                <a:t>Todo</a:t>
-              </a:r>
-              <a:r>
-                <a:rPr kumimoji="0" lang="ko-KR" altLang="en-US" sz="1600" b="1" i="0" u="none" strike="noStrike" cap="none" spc="-150" normalizeH="0" baseline="0" dirty="0" smtClean="0">
-                  <a:ln>
-                    <a:noFill/>
-                  </a:ln>
-                  <a:solidFill>
-                    <a:schemeClr val="tx1"/>
-                  </a:solidFill>
-                  <a:effectLst/>
-                  <a:latin typeface="맑은 고딕" panose="020B0503020000020004" pitchFamily="50" charset="-127"/>
-                  <a:ea typeface="맑은 고딕" panose="020B0503020000020004" pitchFamily="50" charset="-127"/>
-                </a:rPr>
-                <a:t>정보 등록</a:t>
-              </a:r>
-              <a:endParaRPr kumimoji="0" lang="en-US" altLang="ko-KR" sz="1600" b="1" i="0" u="none" strike="noStrike" cap="none" spc="-150" normalizeH="0" baseline="0" dirty="0" smtClean="0">
-                <a:ln>
-                  <a:noFill/>
-                </a:ln>
-                <a:solidFill>
-                  <a:schemeClr val="tx1"/>
-                </a:solidFill>
-                <a:effectLst/>
-                <a:latin typeface="맑은 고딕" panose="020B0503020000020004" pitchFamily="50" charset="-127"/>
-                <a:ea typeface="맑은 고딕" panose="020B0503020000020004" pitchFamily="50" charset="-127"/>
-              </a:endParaRPr>
-            </a:p>
-            <a:p>
-              <a:pPr marL="0" marR="0" indent="0" algn="ctr" defTabSz="914400" rtl="0" eaLnBrk="0" fontAlgn="base" latinLnBrk="0" hangingPunct="0">
-                <a:lnSpc>
-                  <a:spcPct val="100000"/>
-                </a:lnSpc>
-                <a:spcBef>
-                  <a:spcPct val="0"/>
-                </a:spcBef>
-                <a:spcAft>
-                  <a:spcPct val="0"/>
-                </a:spcAft>
-                <a:buClrTx/>
-                <a:buSzTx/>
-                <a:buFontTx/>
-                <a:buNone/>
-                <a:tabLst/>
-              </a:pPr>
-              <a:endParaRPr kumimoji="0" lang="ko-KR" altLang="en-US" sz="1600" b="1" i="0" u="none" strike="noStrike" cap="none" spc="-150" normalizeH="0" baseline="0" dirty="0" smtClean="0">
-                <a:ln>
-                  <a:noFill/>
-                </a:ln>
-                <a:solidFill>
-                  <a:schemeClr val="tx1"/>
-                </a:solidFill>
-                <a:effectLst/>
-                <a:latin typeface="맑은 고딕" panose="020B0503020000020004" pitchFamily="50" charset="-127"/>
-                <a:ea typeface="맑은 고딕" panose="020B0503020000020004" pitchFamily="50" charset="-127"/>
-              </a:endParaRPr>
-            </a:p>
-          </p:txBody>
-        </p:sp>
-        <p:cxnSp>
-          <p:nvCxnSpPr>
-            <p:cNvPr id="30" name="직선 연결선 29"/>
-            <p:cNvCxnSpPr/>
-            <p:nvPr/>
-          </p:nvCxnSpPr>
-          <p:spPr bwMode="auto">
-            <a:xfrm>
-              <a:off x="544010" y="1828801"/>
-              <a:ext cx="2060294" cy="0"/>
-            </a:xfrm>
-            <a:prstGeom prst="line">
-              <a:avLst/>
-            </a:prstGeom>
-            <a:solidFill>
-              <a:schemeClr val="accent1"/>
-            </a:solidFill>
-            <a:ln w="12700" cap="flat" cmpd="sng" algn="ctr">
-              <a:solidFill>
-                <a:schemeClr val="tx1"/>
-              </a:solidFill>
-              <a:prstDash val="solid"/>
-              <a:round/>
-              <a:headEnd type="none" w="med" len="med"/>
-              <a:tailEnd type="none" w="med" len="med"/>
-            </a:ln>
-            <a:effectLst/>
-          </p:spPr>
-        </p:cxnSp>
-      </p:grpSp>
-      <p:grpSp>
-        <p:nvGrpSpPr>
-          <p:cNvPr id="13" name="그룹 12"/>
-          <p:cNvGrpSpPr/>
-          <p:nvPr/>
-        </p:nvGrpSpPr>
-        <p:grpSpPr>
-          <a:xfrm>
-            <a:off x="777699" y="3547508"/>
-            <a:ext cx="4598762" cy="2699530"/>
-            <a:chOff x="682466" y="3229044"/>
-            <a:chExt cx="4598762" cy="2699530"/>
-          </a:xfrm>
-        </p:grpSpPr>
-        <p:grpSp>
-          <p:nvGrpSpPr>
-            <p:cNvPr id="40" name="그룹 39"/>
-            <p:cNvGrpSpPr/>
-            <p:nvPr/>
-          </p:nvGrpSpPr>
-          <p:grpSpPr>
-            <a:xfrm>
-              <a:off x="682466" y="4782680"/>
-              <a:ext cx="2060294" cy="1145894"/>
-              <a:chOff x="673816" y="1510339"/>
-              <a:chExt cx="2060294" cy="1145894"/>
-            </a:xfrm>
-          </p:grpSpPr>
-          <p:sp>
-            <p:nvSpPr>
-              <p:cNvPr id="41" name="직사각형 40"/>
-              <p:cNvSpPr/>
-              <p:nvPr/>
-            </p:nvSpPr>
-            <p:spPr bwMode="auto">
-              <a:xfrm>
-                <a:off x="673816" y="1510339"/>
-                <a:ext cx="2060294" cy="1145894"/>
-              </a:xfrm>
-              <a:prstGeom prst="rect">
-                <a:avLst/>
-              </a:prstGeom>
-              <a:ln>
-                <a:headEnd type="none" w="med" len="med"/>
-                <a:tailEnd type="none" w="med" len="med"/>
-              </a:ln>
-            </p:spPr>
-            <p:style>
-              <a:lnRef idx="1">
-                <a:schemeClr val="accent2"/>
-              </a:lnRef>
-              <a:fillRef idx="2">
-                <a:schemeClr val="accent2"/>
-              </a:fillRef>
-              <a:effectRef idx="1">
-                <a:schemeClr val="accent2"/>
-              </a:effectRef>
-              <a:fontRef idx="minor">
-                <a:schemeClr val="dk1"/>
-              </a:fontRef>
-            </p:style>
-            <p:txBody>
-              <a:bodyPr vert="horz" wrap="none" lIns="90000" tIns="46800" rIns="90000" bIns="46800" numCol="1" rtlCol="0" anchor="ctr" anchorCtr="0" compatLnSpc="1">
-                <a:prstTxWarp prst="textNoShape">
-                  <a:avLst/>
-                </a:prstTxWarp>
-              </a:bodyPr>
-              <a:lstStyle/>
-              <a:p>
-                <a:pPr marL="0" marR="0" indent="0" algn="ctr" defTabSz="914400" rtl="0" eaLnBrk="0" fontAlgn="base" latinLnBrk="0" hangingPunct="0">
-                  <a:lnSpc>
-                    <a:spcPct val="100000"/>
-                  </a:lnSpc>
-                  <a:spcBef>
-                    <a:spcPct val="0"/>
-                  </a:spcBef>
-                  <a:spcAft>
-                    <a:spcPct val="0"/>
-                  </a:spcAft>
-                  <a:buClrTx/>
-                  <a:buSzTx/>
-                  <a:buFontTx/>
-                  <a:buNone/>
-                  <a:tabLst/>
-                </a:pPr>
-                <a:endParaRPr lang="en-US" altLang="ko-KR" sz="1600" b="1" spc="-150" dirty="0" smtClean="0">
-                  <a:solidFill>
-                    <a:schemeClr val="tx1"/>
-                  </a:solidFill>
-                  <a:latin typeface="맑은 고딕" panose="020B0503020000020004" pitchFamily="50" charset="-127"/>
-                  <a:ea typeface="맑은 고딕" panose="020B0503020000020004" pitchFamily="50" charset="-127"/>
-                </a:endParaRPr>
-              </a:p>
-              <a:p>
-                <a:pPr marL="0" marR="0" indent="0" algn="ctr" defTabSz="914400" rtl="0" eaLnBrk="0" fontAlgn="base" latinLnBrk="0" hangingPunct="0">
-                  <a:lnSpc>
-                    <a:spcPct val="100000"/>
-                  </a:lnSpc>
-                  <a:spcBef>
-                    <a:spcPct val="0"/>
-                  </a:spcBef>
-                  <a:spcAft>
-                    <a:spcPct val="0"/>
-                  </a:spcAft>
-                  <a:buClrTx/>
-                  <a:buSzTx/>
-                  <a:buFontTx/>
-                  <a:buNone/>
-                  <a:tabLst/>
-                </a:pPr>
-                <a:r>
-                  <a:rPr lang="en-US" altLang="ko-KR" sz="1600" b="1" spc="-150" dirty="0" err="1" smtClean="0">
-                    <a:solidFill>
-                      <a:schemeClr val="tx1"/>
-                    </a:solidFill>
-                    <a:latin typeface="맑은 고딕" panose="020B0503020000020004" pitchFamily="50" charset="-127"/>
-                    <a:ea typeface="맑은 고딕" panose="020B0503020000020004" pitchFamily="50" charset="-127"/>
-                  </a:rPr>
-                  <a:t>TodoDeleteNotify</a:t>
+                  <a:t>TodoEnroll</a:t>
                 </a:r>
                 <a:endParaRPr kumimoji="0" lang="en-US" altLang="ko-KR" sz="1600" b="1" i="0" u="none" strike="noStrike" cap="none" spc="-150" normalizeH="0" baseline="0" dirty="0" smtClean="0">
                   <a:ln>
@@ -6403,46 +5402,7 @@
                     <a:latin typeface="맑은 고딕" panose="020B0503020000020004" pitchFamily="50" charset="-127"/>
                     <a:ea typeface="맑은 고딕" panose="020B0503020000020004" pitchFamily="50" charset="-127"/>
                   </a:rPr>
-                  <a:t>삭제 확인 창</a:t>
-                </a:r>
-                <a:endParaRPr kumimoji="0" lang="en-US" altLang="ko-KR" sz="1600" b="1" i="0" u="none" strike="noStrike" cap="none" spc="-150" normalizeH="0" baseline="0" dirty="0" smtClean="0">
-                  <a:ln>
-                    <a:noFill/>
-                  </a:ln>
-                  <a:solidFill>
-                    <a:schemeClr val="tx1"/>
-                  </a:solidFill>
-                  <a:effectLst/>
-                  <a:latin typeface="맑은 고딕" panose="020B0503020000020004" pitchFamily="50" charset="-127"/>
-                  <a:ea typeface="맑은 고딕" panose="020B0503020000020004" pitchFamily="50" charset="-127"/>
-                </a:endParaRPr>
-              </a:p>
-              <a:p>
-                <a:pPr marL="0" marR="0" indent="0" algn="ctr" defTabSz="914400" rtl="0" eaLnBrk="0" fontAlgn="base" latinLnBrk="0" hangingPunct="0">
-                  <a:lnSpc>
-                    <a:spcPct val="100000"/>
-                  </a:lnSpc>
-                  <a:spcBef>
-                    <a:spcPct val="0"/>
-                  </a:spcBef>
-                  <a:spcAft>
-                    <a:spcPct val="0"/>
-                  </a:spcAft>
-                  <a:buClrTx/>
-                  <a:buSzTx/>
-                  <a:buFontTx/>
-                  <a:buNone/>
-                  <a:tabLst/>
-                </a:pPr>
-                <a:r>
-                  <a:rPr lang="ko-KR" altLang="en-US" sz="1600" b="1" spc="-150" dirty="0" smtClean="0">
-                    <a:solidFill>
-                      <a:schemeClr val="tx1"/>
-                    </a:solidFill>
-                    <a:latin typeface="맑은 고딕" panose="020B0503020000020004" pitchFamily="50" charset="-127"/>
-                    <a:ea typeface="맑은 고딕" panose="020B0503020000020004" pitchFamily="50" charset="-127"/>
-                  </a:rPr>
-                  <a:t>출력</a:t>
+                  <a:t>정보 등록</a:t>
                 </a:r>
                 <a:endParaRPr kumimoji="0" lang="en-US" altLang="ko-KR" sz="1600" b="1" i="0" u="none" strike="noStrike" cap="none" spc="-150" normalizeH="0" baseline="0" dirty="0" smtClean="0">
                   <a:ln>
@@ -6489,13 +5449,13 @@
           </p:sp>
           <p:cxnSp>
             <p:nvCxnSpPr>
-              <p:cNvPr id="42" name="직선 연결선 41"/>
+              <p:cNvPr id="46" name="직선 연결선 45"/>
               <p:cNvCxnSpPr/>
               <p:nvPr/>
             </p:nvCxnSpPr>
             <p:spPr bwMode="auto">
               <a:xfrm>
-                <a:off x="673816" y="1828803"/>
+                <a:off x="544010" y="1828801"/>
                 <a:ext cx="2060294" cy="0"/>
               </a:xfrm>
               <a:prstGeom prst="line">
@@ -6519,141 +5479,125 @@
         </p:grpSp>
         <p:grpSp>
           <p:nvGrpSpPr>
-            <p:cNvPr id="34" name="그룹 33"/>
+            <p:cNvPr id="48" name="그룹 47"/>
             <p:cNvGrpSpPr/>
             <p:nvPr/>
           </p:nvGrpSpPr>
           <p:grpSpPr>
             <a:xfrm>
-              <a:off x="682686" y="3229044"/>
-              <a:ext cx="2060294" cy="1145894"/>
-              <a:chOff x="673816" y="1510339"/>
-              <a:chExt cx="2060294" cy="1145894"/>
+              <a:off x="777919" y="2010434"/>
+              <a:ext cx="7930512" cy="2682968"/>
+              <a:chOff x="682686" y="1691970"/>
+              <a:chExt cx="7930512" cy="2682968"/>
             </a:xfrm>
           </p:grpSpPr>
-          <p:sp>
-            <p:nvSpPr>
-              <p:cNvPr id="35" name="직사각형 34"/>
-              <p:cNvSpPr/>
+          <p:grpSp>
+            <p:nvGrpSpPr>
+              <p:cNvPr id="49" name="그룹 48"/>
+              <p:cNvGrpSpPr/>
               <p:nvPr/>
-            </p:nvSpPr>
-            <p:spPr bwMode="auto">
+            </p:nvGrpSpPr>
+            <p:grpSpPr>
               <a:xfrm>
-                <a:off x="673816" y="1510339"/>
+                <a:off x="6552904" y="1691970"/>
                 <a:ext cx="2060294" cy="1145894"/>
+                <a:chOff x="6544254" y="-1580371"/>
+                <a:chExt cx="2060294" cy="1145894"/>
               </a:xfrm>
-              <a:prstGeom prst="rect">
-                <a:avLst/>
-              </a:prstGeom>
-              <a:ln>
-                <a:headEnd type="none" w="med" len="med"/>
-                <a:tailEnd type="none" w="med" len="med"/>
-              </a:ln>
-            </p:spPr>
-            <p:style>
-              <a:lnRef idx="1">
-                <a:schemeClr val="accent2"/>
-              </a:lnRef>
-              <a:fillRef idx="2">
-                <a:schemeClr val="accent2"/>
-              </a:fillRef>
-              <a:effectRef idx="1">
-                <a:schemeClr val="accent2"/>
-              </a:effectRef>
-              <a:fontRef idx="minor">
-                <a:schemeClr val="dk1"/>
-              </a:fontRef>
-            </p:style>
-            <p:txBody>
-              <a:bodyPr vert="horz" wrap="none" lIns="90000" tIns="46800" rIns="90000" bIns="46800" numCol="1" rtlCol="0" anchor="ctr" anchorCtr="0" compatLnSpc="1">
-                <a:prstTxWarp prst="textNoShape">
+            </p:grpSpPr>
+            <p:sp>
+              <p:nvSpPr>
+                <p:cNvPr id="54" name="직사각형 53"/>
+                <p:cNvSpPr/>
+                <p:nvPr/>
+              </p:nvSpPr>
+              <p:spPr bwMode="auto">
+                <a:xfrm>
+                  <a:off x="6544254" y="-1580371"/>
+                  <a:ext cx="2060294" cy="1145894"/>
+                </a:xfrm>
+                <a:prstGeom prst="rect">
                   <a:avLst/>
-                </a:prstTxWarp>
-              </a:bodyPr>
-              <a:lstStyle/>
-              <a:p>
-                <a:pPr marL="0" marR="0" indent="0" algn="ctr" defTabSz="914400" rtl="0" eaLnBrk="0" fontAlgn="base" latinLnBrk="0" hangingPunct="0">
-                  <a:lnSpc>
-                    <a:spcPct val="100000"/>
-                  </a:lnSpc>
-                  <a:spcBef>
-                    <a:spcPct val="0"/>
-                  </a:spcBef>
-                  <a:spcAft>
-                    <a:spcPct val="0"/>
-                  </a:spcAft>
-                  <a:buClrTx/>
-                  <a:buSzTx/>
-                  <a:buFontTx/>
-                  <a:buNone/>
-                  <a:tabLst/>
-                </a:pPr>
-                <a:r>
-                  <a:rPr lang="en-US" altLang="ko-KR" sz="1600" b="1" spc="-150" dirty="0" err="1" smtClean="0">
+                </a:prstGeom>
+                <a:ln>
+                  <a:headEnd type="none" w="med" len="med"/>
+                  <a:tailEnd type="none" w="med" len="med"/>
+                </a:ln>
+              </p:spPr>
+              <p:style>
+                <a:lnRef idx="1">
+                  <a:schemeClr val="accent2"/>
+                </a:lnRef>
+                <a:fillRef idx="2">
+                  <a:schemeClr val="accent2"/>
+                </a:fillRef>
+                <a:effectRef idx="1">
+                  <a:schemeClr val="accent2"/>
+                </a:effectRef>
+                <a:fontRef idx="minor">
+                  <a:schemeClr val="dk1"/>
+                </a:fontRef>
+              </p:style>
+              <p:txBody>
+                <a:bodyPr vert="horz" wrap="none" lIns="90000" tIns="46800" rIns="90000" bIns="46800" numCol="1" rtlCol="0" anchor="ctr" anchorCtr="0" compatLnSpc="1">
+                  <a:prstTxWarp prst="textNoShape">
+                    <a:avLst/>
+                  </a:prstTxWarp>
+                </a:bodyPr>
+                <a:lstStyle/>
+                <a:p>
+                  <a:pPr marL="0" marR="0" indent="0" algn="ctr" defTabSz="914400" rtl="0" eaLnBrk="0" fontAlgn="base" latinLnBrk="0" hangingPunct="0">
+                    <a:lnSpc>
+                      <a:spcPct val="100000"/>
+                    </a:lnSpc>
+                    <a:spcBef>
+                      <a:spcPct val="0"/>
+                    </a:spcBef>
+                    <a:spcAft>
+                      <a:spcPct val="0"/>
+                    </a:spcAft>
+                    <a:buClrTx/>
+                    <a:buSzTx/>
+                    <a:buFontTx/>
+                    <a:buNone/>
+                    <a:tabLst/>
+                  </a:pPr>
+                  <a:endParaRPr lang="en-US" altLang="ko-KR" sz="1600" b="1" spc="-150" dirty="0" smtClean="0">
                     <a:solidFill>
                       <a:schemeClr val="tx1"/>
                     </a:solidFill>
                     <a:latin typeface="맑은 고딕" panose="020B0503020000020004" pitchFamily="50" charset="-127"/>
                     <a:ea typeface="맑은 고딕" panose="020B0503020000020004" pitchFamily="50" charset="-127"/>
-                  </a:rPr>
-                  <a:t>TodoDelete</a:t>
-                </a:r>
-                <a:endParaRPr kumimoji="0" lang="en-US" altLang="ko-KR" sz="1600" b="1" i="0" u="none" strike="noStrike" cap="none" spc="-150" normalizeH="0" baseline="0" dirty="0" smtClean="0">
-                  <a:ln>
-                    <a:noFill/>
-                  </a:ln>
-                  <a:solidFill>
-                    <a:schemeClr val="tx1"/>
-                  </a:solidFill>
-                  <a:effectLst/>
-                  <a:latin typeface="맑은 고딕" panose="020B0503020000020004" pitchFamily="50" charset="-127"/>
-                  <a:ea typeface="맑은 고딕" panose="020B0503020000020004" pitchFamily="50" charset="-127"/>
-                </a:endParaRPr>
-              </a:p>
-              <a:p>
-                <a:pPr marL="0" marR="0" indent="0" algn="ctr" defTabSz="914400" rtl="0" eaLnBrk="0" fontAlgn="base" latinLnBrk="0" hangingPunct="0">
-                  <a:lnSpc>
-                    <a:spcPct val="100000"/>
-                  </a:lnSpc>
-                  <a:spcBef>
-                    <a:spcPct val="0"/>
-                  </a:spcBef>
-                  <a:spcAft>
-                    <a:spcPct val="0"/>
-                  </a:spcAft>
-                  <a:buClrTx/>
-                  <a:buSzTx/>
-                  <a:buFontTx/>
-                  <a:buNone/>
-                  <a:tabLst/>
-                </a:pPr>
-                <a:endParaRPr lang="en-US" altLang="ko-KR" sz="1600" b="1" spc="-150" dirty="0">
-                  <a:solidFill>
-                    <a:schemeClr val="tx1"/>
-                  </a:solidFill>
-                  <a:latin typeface="맑은 고딕" panose="020B0503020000020004" pitchFamily="50" charset="-127"/>
-                  <a:ea typeface="맑은 고딕" panose="020B0503020000020004" pitchFamily="50" charset="-127"/>
-                </a:endParaRPr>
-              </a:p>
-              <a:p>
-                <a:pPr marL="0" marR="0" indent="0" algn="ctr" defTabSz="914400" rtl="0" eaLnBrk="0" fontAlgn="base" latinLnBrk="0" hangingPunct="0">
-                  <a:lnSpc>
-                    <a:spcPct val="100000"/>
-                  </a:lnSpc>
-                  <a:spcBef>
-                    <a:spcPct val="0"/>
-                  </a:spcBef>
-                  <a:spcAft>
-                    <a:spcPct val="0"/>
-                  </a:spcAft>
-                  <a:buClrTx/>
-                  <a:buSzTx/>
-                  <a:buFontTx/>
-                  <a:buNone/>
-                  <a:tabLst/>
-                </a:pPr>
-                <a:r>
-                  <a:rPr kumimoji="0" lang="en-US" altLang="ko-KR" sz="1600" b="1" i="0" u="none" strike="noStrike" cap="none" spc="-150" normalizeH="0" baseline="0" dirty="0" err="1" smtClean="0">
+                  </a:endParaRPr>
+                </a:p>
+                <a:p>
+                  <a:pPr marL="0" marR="0" indent="0" algn="ctr" defTabSz="914400" rtl="0" eaLnBrk="0" fontAlgn="base" latinLnBrk="0" hangingPunct="0">
+                    <a:lnSpc>
+                      <a:spcPct val="100000"/>
+                    </a:lnSpc>
+                    <a:spcBef>
+                      <a:spcPct val="0"/>
+                    </a:spcBef>
+                    <a:spcAft>
+                      <a:spcPct val="0"/>
+                    </a:spcAft>
+                    <a:buClrTx/>
+                    <a:buSzTx/>
+                    <a:buFontTx/>
+                    <a:buNone/>
+                    <a:tabLst/>
+                  </a:pPr>
+                  <a:r>
+                    <a:rPr lang="en-US" altLang="ko-KR" sz="1600" b="1" spc="-150" dirty="0" smtClean="0">
+                      <a:solidFill>
+                        <a:schemeClr val="tx1"/>
+                      </a:solidFill>
+                      <a:latin typeface="맑은 고딕" panose="020B0503020000020004" pitchFamily="50" charset="-127"/>
+                      <a:ea typeface="맑은 고딕" panose="020B0503020000020004" pitchFamily="50" charset="-127"/>
+                    </a:rPr>
+                    <a:t>Notify</a:t>
+                  </a:r>
+                  <a:endParaRPr kumimoji="0" lang="en-US" altLang="ko-KR" sz="1600" b="1" i="0" u="none" strike="noStrike" cap="none" spc="-150" normalizeH="0" baseline="0" dirty="0" smtClean="0">
                     <a:ln>
                       <a:noFill/>
                     </a:ln>
@@ -6663,11 +5607,79 @@
                     <a:effectLst/>
                     <a:latin typeface="맑은 고딕" panose="020B0503020000020004" pitchFamily="50" charset="-127"/>
                     <a:ea typeface="맑은 고딕" panose="020B0503020000020004" pitchFamily="50" charset="-127"/>
-                  </a:rPr>
-                  <a:t>Todo</a:t>
-                </a:r>
-                <a:r>
-                  <a:rPr kumimoji="0" lang="ko-KR" altLang="en-US" sz="1600" b="1" i="0" u="none" strike="noStrike" cap="none" spc="-150" normalizeH="0" baseline="0" dirty="0" smtClean="0">
+                  </a:endParaRPr>
+                </a:p>
+                <a:p>
+                  <a:pPr marL="0" marR="0" indent="0" algn="ctr" defTabSz="914400" rtl="0" eaLnBrk="0" fontAlgn="base" latinLnBrk="0" hangingPunct="0">
+                    <a:lnSpc>
+                      <a:spcPct val="100000"/>
+                    </a:lnSpc>
+                    <a:spcBef>
+                      <a:spcPct val="0"/>
+                    </a:spcBef>
+                    <a:spcAft>
+                      <a:spcPct val="0"/>
+                    </a:spcAft>
+                    <a:buClrTx/>
+                    <a:buSzTx/>
+                    <a:buFontTx/>
+                    <a:buNone/>
+                    <a:tabLst/>
+                  </a:pPr>
+                  <a:endParaRPr lang="en-US" altLang="ko-KR" sz="1600" b="1" spc="-150" dirty="0">
+                    <a:solidFill>
+                      <a:schemeClr val="tx1"/>
+                    </a:solidFill>
+                    <a:latin typeface="맑은 고딕" panose="020B0503020000020004" pitchFamily="50" charset="-127"/>
+                    <a:ea typeface="맑은 고딕" panose="020B0503020000020004" pitchFamily="50" charset="-127"/>
+                  </a:endParaRPr>
+                </a:p>
+                <a:p>
+                  <a:pPr marL="0" marR="0" indent="0" algn="ctr" defTabSz="914400" rtl="0" eaLnBrk="0" fontAlgn="base" latinLnBrk="0" hangingPunct="0">
+                    <a:lnSpc>
+                      <a:spcPct val="100000"/>
+                    </a:lnSpc>
+                    <a:spcBef>
+                      <a:spcPct val="0"/>
+                    </a:spcBef>
+                    <a:spcAft>
+                      <a:spcPct val="0"/>
+                    </a:spcAft>
+                    <a:buClrTx/>
+                    <a:buSzTx/>
+                    <a:buFontTx/>
+                    <a:buNone/>
+                    <a:tabLst/>
+                  </a:pPr>
+                  <a:r>
+                    <a:rPr kumimoji="0" lang="ko-KR" altLang="en-US" sz="1600" b="1" i="0" u="none" strike="noStrike" cap="none" spc="-150" normalizeH="0" baseline="0" dirty="0" smtClean="0">
+                      <a:ln>
+                        <a:noFill/>
+                      </a:ln>
+                      <a:solidFill>
+                        <a:schemeClr val="tx1"/>
+                      </a:solidFill>
+                      <a:effectLst/>
+                      <a:latin typeface="맑은 고딕" panose="020B0503020000020004" pitchFamily="50" charset="-127"/>
+                      <a:ea typeface="맑은 고딕" panose="020B0503020000020004" pitchFamily="50" charset="-127"/>
+                    </a:rPr>
+                    <a:t>확인 </a:t>
+                  </a:r>
+                  <a:r>
+                    <a:rPr kumimoji="0" lang="ko-KR" altLang="en-US" sz="1600" b="1" i="0" u="none" strike="noStrike" cap="none" spc="-150" normalizeH="0" baseline="0" dirty="0" smtClean="0">
+                      <a:ln>
+                        <a:noFill/>
+                      </a:ln>
+                      <a:solidFill>
+                        <a:schemeClr val="tx1"/>
+                      </a:solidFill>
+                      <a:effectLst/>
+                      <a:latin typeface="맑은 고딕" panose="020B0503020000020004" pitchFamily="50" charset="-127"/>
+                      <a:ea typeface="맑은 고딕" panose="020B0503020000020004" pitchFamily="50" charset="-127"/>
+                    </a:rPr>
+                    <a:t>창</a:t>
+                  </a:r>
+                  <a:endParaRPr kumimoji="0" lang="en-US" altLang="ko-KR" sz="1600" b="1" i="0" u="none" strike="noStrike" cap="none" spc="-150" normalizeH="0" baseline="0" dirty="0" smtClean="0">
                     <a:ln>
                       <a:noFill/>
                     </a:ln>
@@ -6677,289 +5689,36 @@
                     <a:effectLst/>
                     <a:latin typeface="맑은 고딕" panose="020B0503020000020004" pitchFamily="50" charset="-127"/>
                     <a:ea typeface="맑은 고딕" panose="020B0503020000020004" pitchFamily="50" charset="-127"/>
-                  </a:rPr>
-                  <a:t> 정보 삭제</a:t>
-                </a:r>
-                <a:endParaRPr kumimoji="0" lang="en-US" altLang="ko-KR" sz="1600" b="1" i="0" u="none" strike="noStrike" cap="none" spc="-150" normalizeH="0" baseline="0" dirty="0" smtClean="0">
-                  <a:ln>
-                    <a:noFill/>
-                  </a:ln>
-                  <a:solidFill>
-                    <a:schemeClr val="tx1"/>
-                  </a:solidFill>
-                  <a:effectLst/>
-                  <a:latin typeface="맑은 고딕" panose="020B0503020000020004" pitchFamily="50" charset="-127"/>
-                  <a:ea typeface="맑은 고딕" panose="020B0503020000020004" pitchFamily="50" charset="-127"/>
-                </a:endParaRPr>
-              </a:p>
-              <a:p>
-                <a:pPr marL="0" marR="0" indent="0" algn="ctr" defTabSz="914400" rtl="0" eaLnBrk="0" fontAlgn="base" latinLnBrk="0" hangingPunct="0">
-                  <a:lnSpc>
-                    <a:spcPct val="100000"/>
-                  </a:lnSpc>
-                  <a:spcBef>
-                    <a:spcPct val="0"/>
-                  </a:spcBef>
-                  <a:spcAft>
-                    <a:spcPct val="0"/>
-                  </a:spcAft>
-                  <a:buClrTx/>
-                  <a:buSzTx/>
-                  <a:buFontTx/>
-                  <a:buNone/>
-                  <a:tabLst/>
-                </a:pPr>
-                <a:endParaRPr kumimoji="0" lang="ko-KR" altLang="en-US" sz="1600" b="1" i="0" u="none" strike="noStrike" cap="none" spc="-150" normalizeH="0" baseline="0" dirty="0" smtClean="0">
-                  <a:ln>
-                    <a:noFill/>
-                  </a:ln>
-                  <a:solidFill>
-                    <a:schemeClr val="tx1"/>
-                  </a:solidFill>
-                  <a:effectLst/>
-                  <a:latin typeface="맑은 고딕" panose="020B0503020000020004" pitchFamily="50" charset="-127"/>
-                  <a:ea typeface="맑은 고딕" panose="020B0503020000020004" pitchFamily="50" charset="-127"/>
-                </a:endParaRPr>
-              </a:p>
-            </p:txBody>
-          </p:sp>
-          <p:cxnSp>
-            <p:nvCxnSpPr>
-              <p:cNvPr id="36" name="직선 연결선 35"/>
-              <p:cNvCxnSpPr/>
-              <p:nvPr/>
-            </p:nvCxnSpPr>
-            <p:spPr bwMode="auto">
-              <a:xfrm>
-                <a:off x="673816" y="1828803"/>
-                <a:ext cx="2060294" cy="0"/>
-              </a:xfrm>
-              <a:prstGeom prst="line">
-                <a:avLst/>
-              </a:prstGeom>
-              <a:solidFill>
-                <a:schemeClr val="accent1"/>
-              </a:solidFill>
-              <a:ln w="12700" cap="flat" cmpd="sng" algn="ctr">
-                <a:solidFill>
-                  <a:schemeClr val="tx1"/>
-                </a:solidFill>
-                <a:prstDash val="solid"/>
-                <a:round/>
-                <a:headEnd type="none" w="med" len="med"/>
-                <a:tailEnd type="none" w="med" len="med"/>
-              </a:ln>
-              <a:effectLst/>
-            </p:spPr>
-          </p:cxnSp>
-        </p:grpSp>
-        <p:grpSp>
-          <p:nvGrpSpPr>
-            <p:cNvPr id="37" name="그룹 36"/>
-            <p:cNvGrpSpPr/>
-            <p:nvPr/>
-          </p:nvGrpSpPr>
-          <p:grpSpPr>
-            <a:xfrm>
-              <a:off x="3220934" y="4782680"/>
-              <a:ext cx="2060294" cy="1145894"/>
-              <a:chOff x="673816" y="1510339"/>
-              <a:chExt cx="2060294" cy="1145894"/>
-            </a:xfrm>
-          </p:grpSpPr>
-          <p:sp>
-            <p:nvSpPr>
-              <p:cNvPr id="38" name="직사각형 37"/>
-              <p:cNvSpPr/>
-              <p:nvPr/>
-            </p:nvSpPr>
-            <p:spPr bwMode="auto">
-              <a:xfrm>
-                <a:off x="673816" y="1510339"/>
-                <a:ext cx="2060294" cy="1145894"/>
-              </a:xfrm>
-              <a:prstGeom prst="rect">
-                <a:avLst/>
-              </a:prstGeom>
-              <a:ln>
-                <a:headEnd type="none" w="med" len="med"/>
-                <a:tailEnd type="none" w="med" len="med"/>
-              </a:ln>
-            </p:spPr>
-            <p:style>
-              <a:lnRef idx="1">
-                <a:schemeClr val="accent2"/>
-              </a:lnRef>
-              <a:fillRef idx="2">
-                <a:schemeClr val="accent2"/>
-              </a:fillRef>
-              <a:effectRef idx="1">
-                <a:schemeClr val="accent2"/>
-              </a:effectRef>
-              <a:fontRef idx="minor">
-                <a:schemeClr val="dk1"/>
-              </a:fontRef>
-            </p:style>
-            <p:txBody>
-              <a:bodyPr vert="horz" wrap="none" lIns="90000" tIns="46800" rIns="90000" bIns="46800" numCol="1" rtlCol="0" anchor="ctr" anchorCtr="0" compatLnSpc="1">
-                <a:prstTxWarp prst="textNoShape">
-                  <a:avLst/>
-                </a:prstTxWarp>
-              </a:bodyPr>
-              <a:lstStyle/>
-              <a:p>
-                <a:pPr marL="0" marR="0" indent="0" algn="ctr" defTabSz="914400" rtl="0" eaLnBrk="0" fontAlgn="base" latinLnBrk="0" hangingPunct="0">
-                  <a:lnSpc>
-                    <a:spcPct val="100000"/>
-                  </a:lnSpc>
-                  <a:spcBef>
-                    <a:spcPct val="0"/>
-                  </a:spcBef>
-                  <a:spcAft>
-                    <a:spcPct val="0"/>
-                  </a:spcAft>
-                  <a:buClrTx/>
-                  <a:buSzTx/>
-                  <a:buFontTx/>
-                  <a:buNone/>
-                  <a:tabLst/>
-                </a:pPr>
-                <a:endParaRPr lang="en-US" altLang="ko-KR" sz="1600" b="1" spc="-150" dirty="0" smtClean="0">
-                  <a:solidFill>
-                    <a:schemeClr val="tx1"/>
-                  </a:solidFill>
-                  <a:latin typeface="맑은 고딕" panose="020B0503020000020004" pitchFamily="50" charset="-127"/>
-                  <a:ea typeface="맑은 고딕" panose="020B0503020000020004" pitchFamily="50" charset="-127"/>
-                </a:endParaRPr>
-              </a:p>
-              <a:p>
-                <a:pPr marL="0" marR="0" indent="0" algn="ctr" defTabSz="914400" rtl="0" eaLnBrk="0" fontAlgn="base" latinLnBrk="0" hangingPunct="0">
-                  <a:lnSpc>
-                    <a:spcPct val="100000"/>
-                  </a:lnSpc>
-                  <a:spcBef>
-                    <a:spcPct val="0"/>
-                  </a:spcBef>
-                  <a:spcAft>
-                    <a:spcPct val="0"/>
-                  </a:spcAft>
-                  <a:buClrTx/>
-                  <a:buSzTx/>
-                  <a:buFontTx/>
-                  <a:buNone/>
-                  <a:tabLst/>
-                </a:pPr>
-                <a:r>
-                  <a:rPr lang="en-US" altLang="ko-KR" sz="1600" b="1" spc="-150" dirty="0" err="1" smtClean="0">
-                    <a:solidFill>
-                      <a:schemeClr val="tx1"/>
-                    </a:solidFill>
-                    <a:latin typeface="맑은 고딕" panose="020B0503020000020004" pitchFamily="50" charset="-127"/>
-                    <a:ea typeface="맑은 고딕" panose="020B0503020000020004" pitchFamily="50" charset="-127"/>
-                  </a:rPr>
-                  <a:t>TodoDeleteExpired</a:t>
-                </a:r>
-                <a:endParaRPr kumimoji="0" lang="en-US" altLang="ko-KR" sz="1600" b="1" i="0" u="none" strike="noStrike" cap="none" spc="-150" normalizeH="0" baseline="0" dirty="0" smtClean="0">
-                  <a:ln>
-                    <a:noFill/>
-                  </a:ln>
-                  <a:solidFill>
-                    <a:schemeClr val="tx1"/>
-                  </a:solidFill>
-                  <a:effectLst/>
-                  <a:latin typeface="맑은 고딕" panose="020B0503020000020004" pitchFamily="50" charset="-127"/>
-                  <a:ea typeface="맑은 고딕" panose="020B0503020000020004" pitchFamily="50" charset="-127"/>
-                </a:endParaRPr>
-              </a:p>
-              <a:p>
-                <a:pPr marL="0" marR="0" indent="0" algn="ctr" defTabSz="914400" rtl="0" eaLnBrk="0" fontAlgn="base" latinLnBrk="0" hangingPunct="0">
-                  <a:lnSpc>
-                    <a:spcPct val="100000"/>
-                  </a:lnSpc>
-                  <a:spcBef>
-                    <a:spcPct val="0"/>
-                  </a:spcBef>
-                  <a:spcAft>
-                    <a:spcPct val="0"/>
-                  </a:spcAft>
-                  <a:buClrTx/>
-                  <a:buSzTx/>
-                  <a:buFontTx/>
-                  <a:buNone/>
-                  <a:tabLst/>
-                </a:pPr>
-                <a:endParaRPr lang="en-US" altLang="ko-KR" sz="1600" b="1" spc="-150" dirty="0">
-                  <a:solidFill>
-                    <a:schemeClr val="tx1"/>
-                  </a:solidFill>
-                  <a:latin typeface="맑은 고딕" panose="020B0503020000020004" pitchFamily="50" charset="-127"/>
-                  <a:ea typeface="맑은 고딕" panose="020B0503020000020004" pitchFamily="50" charset="-127"/>
-                </a:endParaRPr>
-              </a:p>
-              <a:p>
-                <a:pPr marL="0" marR="0" indent="0" algn="ctr" defTabSz="914400" rtl="0" eaLnBrk="0" fontAlgn="base" latinLnBrk="0" hangingPunct="0">
-                  <a:lnSpc>
-                    <a:spcPct val="100000"/>
-                  </a:lnSpc>
-                  <a:spcBef>
-                    <a:spcPct val="0"/>
-                  </a:spcBef>
-                  <a:spcAft>
-                    <a:spcPct val="0"/>
-                  </a:spcAft>
-                  <a:buClrTx/>
-                  <a:buSzTx/>
-                  <a:buFontTx/>
-                  <a:buNone/>
-                  <a:tabLst/>
-                </a:pPr>
-                <a:r>
-                  <a:rPr lang="ko-KR" altLang="en-US" sz="1600" b="1" spc="-150" dirty="0" smtClean="0">
-                    <a:solidFill>
-                      <a:schemeClr val="tx1"/>
-                    </a:solidFill>
-                    <a:latin typeface="맑은 고딕" panose="020B0503020000020004" pitchFamily="50" charset="-127"/>
-                    <a:ea typeface="맑은 고딕" panose="020B0503020000020004" pitchFamily="50" charset="-127"/>
-                  </a:rPr>
-                  <a:t>기한이 지난</a:t>
-                </a:r>
-                <a:endParaRPr lang="en-US" altLang="ko-KR" sz="1600" b="1" spc="-150" dirty="0" smtClean="0">
-                  <a:solidFill>
-                    <a:schemeClr val="tx1"/>
-                  </a:solidFill>
-                  <a:latin typeface="맑은 고딕" panose="020B0503020000020004" pitchFamily="50" charset="-127"/>
-                  <a:ea typeface="맑은 고딕" panose="020B0503020000020004" pitchFamily="50" charset="-127"/>
-                </a:endParaRPr>
-              </a:p>
-              <a:p>
-                <a:pPr marL="0" marR="0" indent="0" algn="ctr" defTabSz="914400" rtl="0" eaLnBrk="0" fontAlgn="base" latinLnBrk="0" hangingPunct="0">
-                  <a:lnSpc>
-                    <a:spcPct val="100000"/>
-                  </a:lnSpc>
-                  <a:spcBef>
-                    <a:spcPct val="0"/>
-                  </a:spcBef>
-                  <a:spcAft>
-                    <a:spcPct val="0"/>
-                  </a:spcAft>
-                  <a:buClrTx/>
-                  <a:buSzTx/>
-                  <a:buFontTx/>
-                  <a:buNone/>
-                  <a:tabLst/>
-                </a:pPr>
-                <a:r>
-                  <a:rPr lang="en-US" altLang="ko-KR" sz="1600" b="1" spc="-150" dirty="0" err="1" smtClean="0">
-                    <a:solidFill>
-                      <a:schemeClr val="tx1"/>
-                    </a:solidFill>
-                    <a:latin typeface="맑은 고딕" panose="020B0503020000020004" pitchFamily="50" charset="-127"/>
-                    <a:ea typeface="맑은 고딕" panose="020B0503020000020004" pitchFamily="50" charset="-127"/>
-                  </a:rPr>
-                  <a:t>Todo</a:t>
-                </a:r>
-                <a:r>
-                  <a:rPr kumimoji="0" lang="ko-KR" altLang="en-US" sz="1600" b="1" i="0" u="none" strike="noStrike" cap="none" spc="-150" normalizeH="0" baseline="0" dirty="0" smtClean="0">
+                  </a:endParaRPr>
+                </a:p>
+                <a:p>
+                  <a:pPr marL="0" marR="0" indent="0" algn="ctr" defTabSz="914400" rtl="0" eaLnBrk="0" fontAlgn="base" latinLnBrk="0" hangingPunct="0">
+                    <a:lnSpc>
+                      <a:spcPct val="100000"/>
+                    </a:lnSpc>
+                    <a:spcBef>
+                      <a:spcPct val="0"/>
+                    </a:spcBef>
+                    <a:spcAft>
+                      <a:spcPct val="0"/>
+                    </a:spcAft>
+                    <a:buClrTx/>
+                    <a:buSzTx/>
+                    <a:buFontTx/>
+                    <a:buNone/>
+                    <a:tabLst/>
+                  </a:pPr>
+                  <a:r>
+                    <a:rPr lang="ko-KR" altLang="en-US" sz="1600" b="1" spc="-150" dirty="0" smtClean="0">
+                      <a:solidFill>
+                        <a:schemeClr val="tx1"/>
+                      </a:solidFill>
+                      <a:latin typeface="맑은 고딕" panose="020B0503020000020004" pitchFamily="50" charset="-127"/>
+                      <a:ea typeface="맑은 고딕" panose="020B0503020000020004" pitchFamily="50" charset="-127"/>
+                    </a:rPr>
+                    <a:t>출력</a:t>
+                  </a:r>
+                  <a:endParaRPr kumimoji="0" lang="en-US" altLang="ko-KR" sz="1600" b="1" i="0" u="none" strike="noStrike" cap="none" spc="-150" normalizeH="0" baseline="0" dirty="0" smtClean="0">
                     <a:ln>
                       <a:noFill/>
                     </a:ln>
@@ -6969,825 +5728,92 @@
                     <a:effectLst/>
                     <a:latin typeface="맑은 고딕" panose="020B0503020000020004" pitchFamily="50" charset="-127"/>
                     <a:ea typeface="맑은 고딕" panose="020B0503020000020004" pitchFamily="50" charset="-127"/>
-                  </a:rPr>
-                  <a:t>정보 삭제</a:t>
-                </a:r>
-                <a:endParaRPr kumimoji="0" lang="en-US" altLang="ko-KR" sz="1600" b="1" i="0" u="none" strike="noStrike" cap="none" spc="-150" normalizeH="0" baseline="0" dirty="0" smtClean="0">
-                  <a:ln>
-                    <a:noFill/>
-                  </a:ln>
+                  </a:endParaRPr>
+                </a:p>
+                <a:p>
+                  <a:pPr marL="0" marR="0" indent="0" algn="ctr" defTabSz="914400" rtl="0" eaLnBrk="0" fontAlgn="base" latinLnBrk="0" hangingPunct="0">
+                    <a:lnSpc>
+                      <a:spcPct val="100000"/>
+                    </a:lnSpc>
+                    <a:spcBef>
+                      <a:spcPct val="0"/>
+                    </a:spcBef>
+                    <a:spcAft>
+                      <a:spcPct val="0"/>
+                    </a:spcAft>
+                    <a:buClrTx/>
+                    <a:buSzTx/>
+                    <a:buFontTx/>
+                    <a:buNone/>
+                    <a:tabLst/>
+                  </a:pPr>
+                  <a:endParaRPr kumimoji="0" lang="ko-KR" altLang="en-US" sz="1600" b="1" i="0" u="none" strike="noStrike" cap="none" spc="-150" normalizeH="0" baseline="0" dirty="0" smtClean="0">
+                    <a:ln>
+                      <a:noFill/>
+                    </a:ln>
+                    <a:solidFill>
+                      <a:schemeClr val="tx1"/>
+                    </a:solidFill>
+                    <a:effectLst/>
+                    <a:latin typeface="맑은 고딕" panose="020B0503020000020004" pitchFamily="50" charset="-127"/>
+                    <a:ea typeface="맑은 고딕" panose="020B0503020000020004" pitchFamily="50" charset="-127"/>
+                  </a:endParaRPr>
+                </a:p>
+              </p:txBody>
+            </p:sp>
+            <p:cxnSp>
+              <p:nvCxnSpPr>
+                <p:cNvPr id="55" name="직선 연결선 54"/>
+                <p:cNvCxnSpPr/>
+                <p:nvPr/>
+              </p:nvCxnSpPr>
+              <p:spPr bwMode="auto">
+                <a:xfrm>
+                  <a:off x="6544254" y="-1227485"/>
+                  <a:ext cx="2060294" cy="0"/>
+                </a:xfrm>
+                <a:prstGeom prst="line">
+                  <a:avLst/>
+                </a:prstGeom>
+                <a:solidFill>
+                  <a:schemeClr val="accent1"/>
+                </a:solidFill>
+                <a:ln w="12700" cap="flat" cmpd="sng" algn="ctr">
                   <a:solidFill>
                     <a:schemeClr val="tx1"/>
                   </a:solidFill>
-                  <a:effectLst/>
-                  <a:latin typeface="맑은 고딕" panose="020B0503020000020004" pitchFamily="50" charset="-127"/>
-                  <a:ea typeface="맑은 고딕" panose="020B0503020000020004" pitchFamily="50" charset="-127"/>
-                </a:endParaRPr>
-              </a:p>
-              <a:p>
-                <a:pPr marL="0" marR="0" indent="0" algn="ctr" defTabSz="914400" rtl="0" eaLnBrk="0" fontAlgn="base" latinLnBrk="0" hangingPunct="0">
-                  <a:lnSpc>
-                    <a:spcPct val="100000"/>
-                  </a:lnSpc>
-                  <a:spcBef>
-                    <a:spcPct val="0"/>
-                  </a:spcBef>
-                  <a:spcAft>
-                    <a:spcPct val="0"/>
-                  </a:spcAft>
-                  <a:buClrTx/>
-                  <a:buSzTx/>
-                  <a:buFontTx/>
-                  <a:buNone/>
-                  <a:tabLst/>
-                </a:pPr>
-                <a:endParaRPr kumimoji="0" lang="ko-KR" altLang="en-US" sz="1600" b="1" i="0" u="none" strike="noStrike" cap="none" spc="-150" normalizeH="0" baseline="0" dirty="0" smtClean="0">
-                  <a:ln>
-                    <a:noFill/>
-                  </a:ln>
-                  <a:solidFill>
-                    <a:schemeClr val="tx1"/>
-                  </a:solidFill>
-                  <a:effectLst/>
-                  <a:latin typeface="맑은 고딕" panose="020B0503020000020004" pitchFamily="50" charset="-127"/>
-                  <a:ea typeface="맑은 고딕" panose="020B0503020000020004" pitchFamily="50" charset="-127"/>
-                </a:endParaRPr>
-              </a:p>
-            </p:txBody>
-          </p:sp>
-          <p:cxnSp>
-            <p:nvCxnSpPr>
-              <p:cNvPr id="39" name="직선 연결선 38"/>
-              <p:cNvCxnSpPr/>
-              <p:nvPr/>
-            </p:nvCxnSpPr>
-            <p:spPr bwMode="auto">
-              <a:xfrm>
-                <a:off x="673816" y="1828803"/>
-                <a:ext cx="2060294" cy="0"/>
-              </a:xfrm>
-              <a:prstGeom prst="line">
-                <a:avLst/>
-              </a:prstGeom>
-              <a:solidFill>
-                <a:schemeClr val="accent1"/>
-              </a:solidFill>
-              <a:ln w="12700" cap="flat" cmpd="sng" algn="ctr">
-                <a:solidFill>
-                  <a:schemeClr val="tx1"/>
-                </a:solidFill>
-                <a:prstDash val="solid"/>
-                <a:round/>
-                <a:headEnd type="none" w="med" len="med"/>
-                <a:tailEnd type="none" w="med" len="med"/>
-              </a:ln>
-              <a:effectLst/>
-            </p:spPr>
-          </p:cxnSp>
-        </p:grpSp>
-        <p:cxnSp>
-          <p:nvCxnSpPr>
-            <p:cNvPr id="43" name="직선 화살표 연결선 42"/>
-            <p:cNvCxnSpPr>
-              <a:endCxn id="38" idx="1"/>
-            </p:cNvCxnSpPr>
-            <p:nvPr/>
-          </p:nvCxnSpPr>
-          <p:spPr bwMode="auto">
-            <a:xfrm flipV="1">
-              <a:off x="2742980" y="5355627"/>
-              <a:ext cx="477954" cy="159233"/>
-            </a:xfrm>
-            <a:prstGeom prst="straightConnector1">
-              <a:avLst/>
-            </a:prstGeom>
-            <a:solidFill>
-              <a:schemeClr val="accent1"/>
-            </a:solidFill>
-            <a:ln w="12700" cap="flat" cmpd="sng" algn="ctr">
-              <a:solidFill>
-                <a:schemeClr val="tx1"/>
-              </a:solidFill>
-              <a:prstDash val="sysDash"/>
-              <a:round/>
-              <a:headEnd type="none" w="med" len="med"/>
-              <a:tailEnd type="triangle"/>
-            </a:ln>
-            <a:effectLst/>
-          </p:spPr>
-        </p:cxnSp>
-        <p:cxnSp>
-          <p:nvCxnSpPr>
-            <p:cNvPr id="47" name="직선 화살표 연결선 46"/>
-            <p:cNvCxnSpPr/>
-            <p:nvPr/>
-          </p:nvCxnSpPr>
-          <p:spPr bwMode="auto">
-            <a:xfrm flipV="1">
-              <a:off x="2264806" y="4416590"/>
-              <a:ext cx="0" cy="325120"/>
-            </a:xfrm>
-            <a:prstGeom prst="straightConnector1">
-              <a:avLst/>
-            </a:prstGeom>
-            <a:solidFill>
-              <a:schemeClr val="accent1"/>
-            </a:solidFill>
-            <a:ln w="12700" cap="flat" cmpd="sng" algn="ctr">
-              <a:solidFill>
-                <a:schemeClr val="tx1"/>
-              </a:solidFill>
-              <a:prstDash val="sysDash"/>
-              <a:round/>
-              <a:headEnd type="none" w="med" len="med"/>
-              <a:tailEnd type="triangle"/>
-            </a:ln>
-            <a:effectLst/>
-          </p:spPr>
-        </p:cxnSp>
-        <p:cxnSp>
-          <p:nvCxnSpPr>
-            <p:cNvPr id="60" name="직선 화살표 연결선 59"/>
-            <p:cNvCxnSpPr/>
-            <p:nvPr/>
-          </p:nvCxnSpPr>
-          <p:spPr bwMode="auto">
-            <a:xfrm flipH="1" flipV="1">
-              <a:off x="2761020" y="4315786"/>
-              <a:ext cx="477954" cy="472866"/>
-            </a:xfrm>
-            <a:prstGeom prst="straightConnector1">
-              <a:avLst/>
-            </a:prstGeom>
-            <a:solidFill>
-              <a:schemeClr val="accent1"/>
-            </a:solidFill>
-            <a:ln w="12700" cap="flat" cmpd="sng" algn="ctr">
-              <a:solidFill>
-                <a:schemeClr val="tx1"/>
-              </a:solidFill>
-              <a:prstDash val="sysDash"/>
-              <a:round/>
-              <a:headEnd type="none" w="med" len="med"/>
-              <a:tailEnd type="triangle"/>
-            </a:ln>
-            <a:effectLst/>
-          </p:spPr>
-        </p:cxnSp>
-      </p:grpSp>
-      <p:grpSp>
-        <p:nvGrpSpPr>
-          <p:cNvPr id="63" name="그룹 62"/>
-          <p:cNvGrpSpPr/>
-          <p:nvPr/>
-        </p:nvGrpSpPr>
-        <p:grpSpPr>
-          <a:xfrm>
-            <a:off x="6628580" y="1469696"/>
-            <a:ext cx="2069758" cy="1145894"/>
-            <a:chOff x="544010" y="1520475"/>
-            <a:chExt cx="2069758" cy="1145894"/>
-          </a:xfrm>
-        </p:grpSpPr>
-        <p:sp>
-          <p:nvSpPr>
-            <p:cNvPr id="64" name="직사각형 63"/>
-            <p:cNvSpPr/>
-            <p:nvPr/>
-          </p:nvSpPr>
-          <p:spPr bwMode="auto">
-            <a:xfrm>
-              <a:off x="544010" y="1520475"/>
-              <a:ext cx="2060294" cy="1145894"/>
-            </a:xfrm>
-            <a:prstGeom prst="rect">
-              <a:avLst/>
-            </a:prstGeom>
-            <a:ln>
-              <a:headEnd type="none" w="med" len="med"/>
-              <a:tailEnd type="none" w="med" len="med"/>
-            </a:ln>
-          </p:spPr>
-          <p:style>
-            <a:lnRef idx="1">
-              <a:schemeClr val="accent2"/>
-            </a:lnRef>
-            <a:fillRef idx="2">
-              <a:schemeClr val="accent2"/>
-            </a:fillRef>
-            <a:effectRef idx="1">
-              <a:schemeClr val="accent2"/>
-            </a:effectRef>
-            <a:fontRef idx="minor">
-              <a:schemeClr val="dk1"/>
-            </a:fontRef>
-          </p:style>
-          <p:txBody>
-            <a:bodyPr vert="horz" wrap="none" lIns="90000" tIns="46800" rIns="90000" bIns="46800" numCol="1" rtlCol="0" anchor="ctr" anchorCtr="0" compatLnSpc="1">
-              <a:prstTxWarp prst="textNoShape">
-                <a:avLst/>
-              </a:prstTxWarp>
-            </a:bodyPr>
-            <a:lstStyle/>
-            <a:p>
-              <a:pPr marL="0" marR="0" indent="0" algn="ctr" defTabSz="914400" rtl="0" eaLnBrk="0" fontAlgn="base" latinLnBrk="0" hangingPunct="0">
-                <a:lnSpc>
-                  <a:spcPct val="100000"/>
-                </a:lnSpc>
-                <a:spcBef>
-                  <a:spcPct val="0"/>
-                </a:spcBef>
-                <a:spcAft>
-                  <a:spcPct val="0"/>
-                </a:spcAft>
-                <a:buClrTx/>
-                <a:buSzTx/>
-                <a:buFontTx/>
-                <a:buNone/>
-                <a:tabLst/>
-              </a:pPr>
-              <a:r>
-                <a:rPr lang="en-US" altLang="ko-KR" sz="1600" b="1" spc="-150" dirty="0" err="1" smtClean="0">
-                  <a:solidFill>
-                    <a:schemeClr val="tx1"/>
-                  </a:solidFill>
-                  <a:latin typeface="맑은 고딕" panose="020B0503020000020004" pitchFamily="50" charset="-127"/>
-                  <a:ea typeface="맑은 고딕" panose="020B0503020000020004" pitchFamily="50" charset="-127"/>
-                </a:rPr>
-                <a:t>TodoPrint</a:t>
-              </a:r>
-              <a:endParaRPr lang="en-US" altLang="ko-KR" sz="1600" b="1" spc="-150" dirty="0" smtClean="0">
-                <a:solidFill>
-                  <a:schemeClr val="tx1"/>
-                </a:solidFill>
-                <a:latin typeface="맑은 고딕" panose="020B0503020000020004" pitchFamily="50" charset="-127"/>
-                <a:ea typeface="맑은 고딕" panose="020B0503020000020004" pitchFamily="50" charset="-127"/>
-              </a:endParaRPr>
-            </a:p>
-            <a:p>
-              <a:pPr marL="0" marR="0" indent="0" algn="ctr" defTabSz="914400" rtl="0" eaLnBrk="0" fontAlgn="base" latinLnBrk="0" hangingPunct="0">
-                <a:lnSpc>
-                  <a:spcPct val="100000"/>
-                </a:lnSpc>
-                <a:spcBef>
-                  <a:spcPct val="0"/>
-                </a:spcBef>
-                <a:spcAft>
-                  <a:spcPct val="0"/>
-                </a:spcAft>
-                <a:buClrTx/>
-                <a:buSzTx/>
-                <a:buFontTx/>
-                <a:buNone/>
-                <a:tabLst/>
-              </a:pPr>
-              <a:endParaRPr kumimoji="0" lang="en-US" altLang="ko-KR" sz="1600" b="1" i="0" u="none" strike="noStrike" cap="none" spc="-150" normalizeH="0" baseline="0" dirty="0" smtClean="0">
-                <a:ln>
-                  <a:noFill/>
+                  <a:prstDash val="solid"/>
+                  <a:round/>
+                  <a:headEnd type="none" w="med" len="med"/>
+                  <a:tailEnd type="none" w="med" len="med"/>
                 </a:ln>
-                <a:solidFill>
-                  <a:schemeClr val="tx1"/>
-                </a:solidFill>
                 <a:effectLst/>
-                <a:latin typeface="맑은 고딕" panose="020B0503020000020004" pitchFamily="50" charset="-127"/>
-                <a:ea typeface="맑은 고딕" panose="020B0503020000020004" pitchFamily="50" charset="-127"/>
-              </a:endParaRPr>
-            </a:p>
-            <a:p>
-              <a:pPr marL="0" marR="0" indent="0" algn="ctr" defTabSz="914400" rtl="0" eaLnBrk="0" fontAlgn="base" latinLnBrk="0" hangingPunct="0">
-                <a:lnSpc>
-                  <a:spcPct val="100000"/>
-                </a:lnSpc>
-                <a:spcBef>
-                  <a:spcPct val="0"/>
-                </a:spcBef>
-                <a:spcAft>
-                  <a:spcPct val="0"/>
-                </a:spcAft>
-                <a:buClrTx/>
-                <a:buSzTx/>
-                <a:buFontTx/>
-                <a:buNone/>
-                <a:tabLst/>
-              </a:pPr>
-              <a:r>
-                <a:rPr lang="ko-KR" altLang="en-US" sz="1600" b="1" spc="-150" dirty="0" smtClean="0">
-                  <a:solidFill>
-                    <a:schemeClr val="tx1"/>
-                  </a:solidFill>
-                  <a:latin typeface="맑은 고딕" panose="020B0503020000020004" pitchFamily="50" charset="-127"/>
-                  <a:ea typeface="맑은 고딕" panose="020B0503020000020004" pitchFamily="50" charset="-127"/>
-                </a:rPr>
-                <a:t>등록된 </a:t>
-              </a:r>
-              <a:r>
-                <a:rPr lang="en-US" altLang="ko-KR" sz="1600" b="1" spc="-150" dirty="0" err="1" smtClean="0">
-                  <a:solidFill>
-                    <a:schemeClr val="tx1"/>
-                  </a:solidFill>
-                  <a:latin typeface="맑은 고딕" panose="020B0503020000020004" pitchFamily="50" charset="-127"/>
-                  <a:ea typeface="맑은 고딕" panose="020B0503020000020004" pitchFamily="50" charset="-127"/>
-                </a:rPr>
-                <a:t>Todo</a:t>
-              </a:r>
-              <a:r>
-                <a:rPr lang="en-US" altLang="ko-KR" sz="1600" b="1" spc="-150" dirty="0" smtClean="0">
-                  <a:solidFill>
-                    <a:schemeClr val="tx1"/>
-                  </a:solidFill>
-                  <a:latin typeface="맑은 고딕" panose="020B0503020000020004" pitchFamily="50" charset="-127"/>
-                  <a:ea typeface="맑은 고딕" panose="020B0503020000020004" pitchFamily="50" charset="-127"/>
-                </a:rPr>
-                <a:t> </a:t>
-              </a:r>
-              <a:r>
-                <a:rPr lang="ko-KR" altLang="en-US" sz="1600" b="1" spc="-150" dirty="0" smtClean="0">
-                  <a:solidFill>
-                    <a:schemeClr val="tx1"/>
-                  </a:solidFill>
-                  <a:latin typeface="맑은 고딕" panose="020B0503020000020004" pitchFamily="50" charset="-127"/>
-                  <a:ea typeface="맑은 고딕" panose="020B0503020000020004" pitchFamily="50" charset="-127"/>
-                </a:rPr>
-                <a:t>출력</a:t>
-              </a:r>
-              <a:endParaRPr kumimoji="0" lang="ko-KR" altLang="en-US" sz="1600" b="1" i="0" u="none" strike="noStrike" cap="none" spc="-150" normalizeH="0" baseline="0" dirty="0" smtClean="0">
-                <a:ln>
-                  <a:noFill/>
-                </a:ln>
-                <a:solidFill>
-                  <a:schemeClr val="tx1"/>
-                </a:solidFill>
-                <a:effectLst/>
-                <a:latin typeface="맑은 고딕" panose="020B0503020000020004" pitchFamily="50" charset="-127"/>
-                <a:ea typeface="맑은 고딕" panose="020B0503020000020004" pitchFamily="50" charset="-127"/>
-              </a:endParaRPr>
-            </a:p>
-          </p:txBody>
-        </p:sp>
-        <p:cxnSp>
-          <p:nvCxnSpPr>
-            <p:cNvPr id="65" name="직선 연결선 64"/>
-            <p:cNvCxnSpPr/>
-            <p:nvPr/>
-          </p:nvCxnSpPr>
-          <p:spPr bwMode="auto">
-            <a:xfrm>
-              <a:off x="553474" y="1970691"/>
-              <a:ext cx="2060294" cy="0"/>
-            </a:xfrm>
-            <a:prstGeom prst="line">
-              <a:avLst/>
-            </a:prstGeom>
-            <a:solidFill>
-              <a:schemeClr val="accent1"/>
-            </a:solidFill>
-            <a:ln w="12700" cap="flat" cmpd="sng" algn="ctr">
-              <a:solidFill>
-                <a:schemeClr val="tx1"/>
-              </a:solidFill>
-              <a:prstDash val="solid"/>
-              <a:round/>
-              <a:headEnd type="none" w="med" len="med"/>
-              <a:tailEnd type="none" w="med" len="med"/>
-            </a:ln>
-            <a:effectLst/>
-          </p:spPr>
-        </p:cxnSp>
-      </p:grpSp>
-      <p:grpSp>
-        <p:nvGrpSpPr>
-          <p:cNvPr id="77" name="그룹 76"/>
-          <p:cNvGrpSpPr/>
-          <p:nvPr/>
-        </p:nvGrpSpPr>
-        <p:grpSpPr>
-          <a:xfrm>
-            <a:off x="3836210" y="2736602"/>
-            <a:ext cx="2060294" cy="1145894"/>
-            <a:chOff x="544010" y="1455016"/>
-            <a:chExt cx="2060294" cy="1145894"/>
-          </a:xfrm>
-        </p:grpSpPr>
-        <p:sp>
-          <p:nvSpPr>
-            <p:cNvPr id="78" name="직사각형 77"/>
-            <p:cNvSpPr/>
-            <p:nvPr/>
-          </p:nvSpPr>
-          <p:spPr bwMode="auto">
-            <a:xfrm>
-              <a:off x="544010" y="1455016"/>
-              <a:ext cx="2060294" cy="1145894"/>
-            </a:xfrm>
-            <a:prstGeom prst="rect">
-              <a:avLst/>
-            </a:prstGeom>
-            <a:ln>
-              <a:headEnd type="none" w="med" len="med"/>
-              <a:tailEnd type="none" w="med" len="med"/>
-            </a:ln>
-          </p:spPr>
-          <p:style>
-            <a:lnRef idx="1">
-              <a:schemeClr val="accent2"/>
-            </a:lnRef>
-            <a:fillRef idx="2">
-              <a:schemeClr val="accent2"/>
-            </a:fillRef>
-            <a:effectRef idx="1">
-              <a:schemeClr val="accent2"/>
-            </a:effectRef>
-            <a:fontRef idx="minor">
-              <a:schemeClr val="dk1"/>
-            </a:fontRef>
-          </p:style>
-          <p:txBody>
-            <a:bodyPr vert="horz" wrap="none" lIns="90000" tIns="46800" rIns="90000" bIns="46800" numCol="1" rtlCol="0" anchor="ctr" anchorCtr="0" compatLnSpc="1">
-              <a:prstTxWarp prst="textNoShape">
-                <a:avLst/>
-              </a:prstTxWarp>
-            </a:bodyPr>
-            <a:lstStyle/>
-            <a:p>
-              <a:pPr marL="0" marR="0" indent="0" algn="ctr" defTabSz="914400" rtl="0" eaLnBrk="0" fontAlgn="base" latinLnBrk="0" hangingPunct="0">
-                <a:lnSpc>
-                  <a:spcPct val="100000"/>
-                </a:lnSpc>
-                <a:spcBef>
-                  <a:spcPct val="0"/>
-                </a:spcBef>
-                <a:spcAft>
-                  <a:spcPct val="0"/>
-                </a:spcAft>
-                <a:buClrTx/>
-                <a:buSzTx/>
-                <a:buFontTx/>
-                <a:buNone/>
-                <a:tabLst/>
-              </a:pPr>
-              <a:r>
-                <a:rPr lang="en-US" altLang="ko-KR" sz="1600" b="1" spc="-150" dirty="0" err="1" smtClean="0">
-                  <a:solidFill>
-                    <a:schemeClr val="tx1"/>
-                  </a:solidFill>
-                  <a:latin typeface="맑은 고딕" panose="020B0503020000020004" pitchFamily="50" charset="-127"/>
-                  <a:ea typeface="맑은 고딕" panose="020B0503020000020004" pitchFamily="50" charset="-127"/>
-                </a:rPr>
-                <a:t>TodoData</a:t>
-              </a:r>
-              <a:endParaRPr kumimoji="0" lang="en-US" altLang="ko-KR" sz="1600" b="1" i="0" u="none" strike="noStrike" cap="none" spc="-150" normalizeH="0" baseline="0" dirty="0" smtClean="0">
-                <a:ln>
-                  <a:noFill/>
-                </a:ln>
-                <a:solidFill>
-                  <a:schemeClr val="tx1"/>
-                </a:solidFill>
-                <a:effectLst/>
-                <a:latin typeface="맑은 고딕" panose="020B0503020000020004" pitchFamily="50" charset="-127"/>
-                <a:ea typeface="맑은 고딕" panose="020B0503020000020004" pitchFamily="50" charset="-127"/>
-              </a:endParaRPr>
-            </a:p>
-            <a:p>
-              <a:pPr marL="0" marR="0" indent="0" algn="ctr" defTabSz="914400" rtl="0" eaLnBrk="0" fontAlgn="base" latinLnBrk="0" hangingPunct="0">
-                <a:lnSpc>
-                  <a:spcPct val="100000"/>
-                </a:lnSpc>
-                <a:spcBef>
-                  <a:spcPct val="0"/>
-                </a:spcBef>
-                <a:spcAft>
-                  <a:spcPct val="0"/>
-                </a:spcAft>
-                <a:buClrTx/>
-                <a:buSzTx/>
-                <a:buFontTx/>
-                <a:buNone/>
-                <a:tabLst/>
-              </a:pPr>
-              <a:endParaRPr lang="en-US" altLang="ko-KR" sz="1600" b="1" spc="-150" dirty="0">
-                <a:solidFill>
-                  <a:schemeClr val="tx1"/>
-                </a:solidFill>
-                <a:latin typeface="맑은 고딕" panose="020B0503020000020004" pitchFamily="50" charset="-127"/>
-                <a:ea typeface="맑은 고딕" panose="020B0503020000020004" pitchFamily="50" charset="-127"/>
-              </a:endParaRPr>
-            </a:p>
-            <a:p>
-              <a:pPr marL="0" marR="0" indent="0" algn="ctr" defTabSz="914400" rtl="0" eaLnBrk="0" fontAlgn="base" latinLnBrk="0" hangingPunct="0">
-                <a:lnSpc>
-                  <a:spcPct val="100000"/>
-                </a:lnSpc>
-                <a:spcBef>
-                  <a:spcPct val="0"/>
-                </a:spcBef>
-                <a:spcAft>
-                  <a:spcPct val="0"/>
-                </a:spcAft>
-                <a:buClrTx/>
-                <a:buSzTx/>
-                <a:buFontTx/>
-                <a:buNone/>
-                <a:tabLst/>
-              </a:pPr>
-              <a:r>
-                <a:rPr kumimoji="0" lang="en-US" altLang="ko-KR" sz="1600" b="1" i="0" u="none" strike="noStrike" cap="none" spc="-150" normalizeH="0" baseline="0" dirty="0" err="1" smtClean="0">
-                  <a:ln>
-                    <a:noFill/>
-                  </a:ln>
-                  <a:solidFill>
-                    <a:schemeClr val="tx1"/>
-                  </a:solidFill>
-                  <a:effectLst/>
-                  <a:latin typeface="맑은 고딕" panose="020B0503020000020004" pitchFamily="50" charset="-127"/>
-                  <a:ea typeface="맑은 고딕" panose="020B0503020000020004" pitchFamily="50" charset="-127"/>
-                </a:rPr>
-                <a:t>Todo</a:t>
-              </a:r>
-              <a:r>
-                <a:rPr lang="ko-KR" altLang="en-US" sz="1600" b="1" spc="-150" dirty="0">
-                  <a:solidFill>
-                    <a:schemeClr val="tx1"/>
-                  </a:solidFill>
-                  <a:latin typeface="맑은 고딕" panose="020B0503020000020004" pitchFamily="50" charset="-127"/>
-                  <a:ea typeface="맑은 고딕" panose="020B0503020000020004" pitchFamily="50" charset="-127"/>
-                </a:rPr>
-                <a:t> </a:t>
-              </a:r>
-              <a:r>
-                <a:rPr lang="ko-KR" altLang="en-US" sz="1600" b="1" spc="-150" dirty="0" smtClean="0">
-                  <a:solidFill>
-                    <a:schemeClr val="tx1"/>
-                  </a:solidFill>
-                  <a:latin typeface="맑은 고딕" panose="020B0503020000020004" pitchFamily="50" charset="-127"/>
-                  <a:ea typeface="맑은 고딕" panose="020B0503020000020004" pitchFamily="50" charset="-127"/>
-                </a:rPr>
-                <a:t>정보를 담는 객체</a:t>
-              </a:r>
-              <a:endParaRPr kumimoji="0" lang="en-US" altLang="ko-KR" sz="1600" b="1" i="0" u="none" strike="noStrike" cap="none" spc="-150" normalizeH="0" baseline="0" dirty="0" smtClean="0">
-                <a:ln>
-                  <a:noFill/>
-                </a:ln>
-                <a:solidFill>
-                  <a:schemeClr val="tx1"/>
-                </a:solidFill>
-                <a:effectLst/>
-                <a:latin typeface="맑은 고딕" panose="020B0503020000020004" pitchFamily="50" charset="-127"/>
-                <a:ea typeface="맑은 고딕" panose="020B0503020000020004" pitchFamily="50" charset="-127"/>
-              </a:endParaRPr>
-            </a:p>
-            <a:p>
-              <a:pPr marL="0" marR="0" indent="0" algn="ctr" defTabSz="914400" rtl="0" eaLnBrk="0" fontAlgn="base" latinLnBrk="0" hangingPunct="0">
-                <a:lnSpc>
-                  <a:spcPct val="100000"/>
-                </a:lnSpc>
-                <a:spcBef>
-                  <a:spcPct val="0"/>
-                </a:spcBef>
-                <a:spcAft>
-                  <a:spcPct val="0"/>
-                </a:spcAft>
-                <a:buClrTx/>
-                <a:buSzTx/>
-                <a:buFontTx/>
-                <a:buNone/>
-                <a:tabLst/>
-              </a:pPr>
-              <a:endParaRPr kumimoji="0" lang="ko-KR" altLang="en-US" sz="1600" b="1" i="0" u="none" strike="noStrike" cap="none" spc="-150" normalizeH="0" baseline="0" dirty="0" smtClean="0">
-                <a:ln>
-                  <a:noFill/>
-                </a:ln>
-                <a:solidFill>
-                  <a:schemeClr val="tx1"/>
-                </a:solidFill>
-                <a:effectLst/>
-                <a:latin typeface="맑은 고딕" panose="020B0503020000020004" pitchFamily="50" charset="-127"/>
-                <a:ea typeface="맑은 고딕" panose="020B0503020000020004" pitchFamily="50" charset="-127"/>
-              </a:endParaRPr>
-            </a:p>
-          </p:txBody>
-        </p:sp>
-        <p:cxnSp>
-          <p:nvCxnSpPr>
-            <p:cNvPr id="79" name="직선 연결선 78"/>
-            <p:cNvCxnSpPr/>
-            <p:nvPr/>
-          </p:nvCxnSpPr>
-          <p:spPr bwMode="auto">
-            <a:xfrm>
-              <a:off x="544010" y="1828801"/>
-              <a:ext cx="2060294" cy="0"/>
-            </a:xfrm>
-            <a:prstGeom prst="line">
-              <a:avLst/>
-            </a:prstGeom>
-            <a:solidFill>
-              <a:schemeClr val="accent1"/>
-            </a:solidFill>
-            <a:ln w="12700" cap="flat" cmpd="sng" algn="ctr">
-              <a:solidFill>
-                <a:schemeClr val="tx1"/>
-              </a:solidFill>
-              <a:prstDash val="solid"/>
-              <a:round/>
-              <a:headEnd type="none" w="med" len="med"/>
-              <a:tailEnd type="none" w="med" len="med"/>
-            </a:ln>
-            <a:effectLst/>
-          </p:spPr>
-        </p:cxnSp>
-      </p:grpSp>
-      <p:cxnSp>
-        <p:nvCxnSpPr>
-          <p:cNvPr id="80" name="직선 화살표 연결선 79"/>
-          <p:cNvCxnSpPr/>
-          <p:nvPr/>
-        </p:nvCxnSpPr>
-        <p:spPr bwMode="auto">
-          <a:xfrm>
-            <a:off x="2875180" y="1871689"/>
-            <a:ext cx="961030" cy="1229240"/>
-          </a:xfrm>
-          <a:prstGeom prst="straightConnector1">
-            <a:avLst/>
-          </a:prstGeom>
-          <a:solidFill>
-            <a:schemeClr val="accent1"/>
-          </a:solidFill>
-          <a:ln w="12700" cap="flat" cmpd="sng" algn="ctr">
-            <a:solidFill>
-              <a:schemeClr val="tx1"/>
-            </a:solidFill>
-            <a:prstDash val="sysDash"/>
-            <a:round/>
-            <a:headEnd type="none" w="med" len="med"/>
-            <a:tailEnd type="triangle"/>
-          </a:ln>
-          <a:effectLst/>
-        </p:spPr>
-      </p:cxnSp>
-      <p:cxnSp>
-        <p:nvCxnSpPr>
-          <p:cNvPr id="81" name="직선 화살표 연결선 80"/>
-          <p:cNvCxnSpPr/>
-          <p:nvPr/>
-        </p:nvCxnSpPr>
-        <p:spPr bwMode="auto">
-          <a:xfrm flipV="1">
-            <a:off x="2856253" y="3120113"/>
-            <a:ext cx="979957" cy="839405"/>
-          </a:xfrm>
-          <a:prstGeom prst="straightConnector1">
-            <a:avLst/>
-          </a:prstGeom>
-          <a:solidFill>
-            <a:schemeClr val="accent1"/>
-          </a:solidFill>
-          <a:ln w="12700" cap="flat" cmpd="sng" algn="ctr">
-            <a:solidFill>
-              <a:schemeClr val="tx1"/>
-            </a:solidFill>
-            <a:prstDash val="sysDash"/>
-            <a:round/>
-            <a:headEnd type="none" w="med" len="med"/>
-            <a:tailEnd type="triangle"/>
-          </a:ln>
-          <a:effectLst/>
-        </p:spPr>
-      </p:cxnSp>
-      <p:cxnSp>
-        <p:nvCxnSpPr>
-          <p:cNvPr id="83" name="직선 화살표 연결선 82"/>
-          <p:cNvCxnSpPr/>
-          <p:nvPr/>
-        </p:nvCxnSpPr>
-        <p:spPr bwMode="auto">
-          <a:xfrm flipH="1">
-            <a:off x="5915431" y="1958330"/>
-            <a:ext cx="722614" cy="1152057"/>
-          </a:xfrm>
-          <a:prstGeom prst="straightConnector1">
-            <a:avLst/>
-          </a:prstGeom>
-          <a:solidFill>
-            <a:schemeClr val="accent1"/>
-          </a:solidFill>
-          <a:ln w="12700" cap="flat" cmpd="sng" algn="ctr">
-            <a:solidFill>
-              <a:schemeClr val="tx1"/>
-            </a:solidFill>
-            <a:prstDash val="sysDash"/>
-            <a:round/>
-            <a:headEnd type="none" w="med" len="med"/>
-            <a:tailEnd type="triangle"/>
-          </a:ln>
-          <a:effectLst/>
-        </p:spPr>
-      </p:cxnSp>
-    </p:spTree>
-    <p:extLst>
-      <p:ext uri="{BB962C8B-B14F-4D97-AF65-F5344CB8AC3E}">
-        <p14:creationId xmlns:p14="http://schemas.microsoft.com/office/powerpoint/2010/main" val="2468889944"/>
-      </p:ext>
-    </p:extLst>
-  </p:cSld>
-  <p:clrMapOvr>
-    <a:masterClrMapping/>
-  </p:clrMapOvr>
-</p:sld>
-</file>
-
-<file path=ppt/slides/slide5.xml><?xml version="1.0" encoding="utf-8"?>
-<p:sld xmlns:a="http://schemas.openxmlformats.org/drawingml/2006/main" xmlns:r="http://schemas.openxmlformats.org/officeDocument/2006/relationships" xmlns:p="http://schemas.openxmlformats.org/presentationml/2006/main">
-  <p:cSld>
-    <p:spTree>
-      <p:nvGrpSpPr>
-        <p:cNvPr id="1" name=""/>
-        <p:cNvGrpSpPr/>
-        <p:nvPr/>
-      </p:nvGrpSpPr>
-      <p:grpSpPr>
-        <a:xfrm>
-          <a:off x="0" y="0"/>
-          <a:ext cx="0" cy="0"/>
-          <a:chOff x="0" y="0"/>
-          <a:chExt cx="0" cy="0"/>
-        </a:xfrm>
-      </p:grpSpPr>
-      <p:sp>
-        <p:nvSpPr>
-          <p:cNvPr id="2" name="바닥글 개체 틀 1"/>
-          <p:cNvSpPr>
-            <a:spLocks noGrp="1"/>
-          </p:cNvSpPr>
-          <p:nvPr>
-            <p:ph type="ftr" sz="quarter" idx="3"/>
-          </p:nvPr>
-        </p:nvSpPr>
-        <p:spPr/>
-        <p:txBody>
-          <a:bodyPr/>
-          <a:lstStyle/>
-          <a:p>
-            <a:pPr algn="r"/>
-            <a:r>
-              <a:rPr lang="en-US" altLang="ko-KR" dirty="0" smtClean="0"/>
-              <a:t>Cosign</a:t>
-            </a:r>
-            <a:endParaRPr lang="en-US" altLang="ko-KR" dirty="0"/>
-          </a:p>
-        </p:txBody>
-      </p:sp>
-      <p:grpSp>
-        <p:nvGrpSpPr>
-          <p:cNvPr id="58" name="그룹 57"/>
-          <p:cNvGrpSpPr/>
-          <p:nvPr/>
-        </p:nvGrpSpPr>
-        <p:grpSpPr>
-          <a:xfrm>
-            <a:off x="297799" y="1416720"/>
-            <a:ext cx="4697372" cy="4388345"/>
-            <a:chOff x="2763754" y="1138505"/>
-            <a:chExt cx="4697372" cy="4388345"/>
-          </a:xfrm>
-        </p:grpSpPr>
-        <p:grpSp>
-          <p:nvGrpSpPr>
-            <p:cNvPr id="59" name="그룹 58"/>
-            <p:cNvGrpSpPr/>
-            <p:nvPr/>
-          </p:nvGrpSpPr>
-          <p:grpSpPr>
-            <a:xfrm>
-              <a:off x="4868111" y="1138505"/>
-              <a:ext cx="2593015" cy="4388345"/>
-              <a:chOff x="5376179" y="1540229"/>
-              <a:chExt cx="2593015" cy="4388345"/>
-            </a:xfrm>
-          </p:grpSpPr>
+              </p:spPr>
+            </p:cxnSp>
+          </p:grpSp>
           <p:grpSp>
             <p:nvGrpSpPr>
-              <p:cNvPr id="70" name="그룹 69"/>
+              <p:cNvPr id="50" name="그룹 49"/>
               <p:cNvGrpSpPr/>
               <p:nvPr/>
             </p:nvGrpSpPr>
             <p:grpSpPr>
               <a:xfrm>
-                <a:off x="5908900" y="3227675"/>
+                <a:off x="682686" y="3229044"/>
                 <a:ext cx="2060294" cy="1145894"/>
-                <a:chOff x="544010" y="1457542"/>
+                <a:chOff x="673816" y="1510339"/>
                 <a:chExt cx="2060294" cy="1145894"/>
               </a:xfrm>
             </p:grpSpPr>
             <p:sp>
               <p:nvSpPr>
-                <p:cNvPr id="79" name="직사각형 78"/>
+                <p:cNvPr id="52" name="직사각형 51"/>
                 <p:cNvSpPr/>
                 <p:nvPr/>
               </p:nvSpPr>
               <p:spPr bwMode="auto">
                 <a:xfrm>
-                  <a:off x="544010" y="1457542"/>
+                  <a:off x="673816" y="1510339"/>
                   <a:ext cx="2060294" cy="1145894"/>
                 </a:xfrm>
                 <a:prstGeom prst="rect">
@@ -7844,7 +5870,7 @@
                       <a:latin typeface="맑은 고딕" panose="020B0503020000020004" pitchFamily="50" charset="-127"/>
                       <a:ea typeface="맑은 고딕" panose="020B0503020000020004" pitchFamily="50" charset="-127"/>
                     </a:rPr>
-                    <a:t>TodoModify</a:t>
+                    <a:t>TodoDelete</a:t>
                   </a:r>
                   <a:endParaRPr kumimoji="0" lang="en-US" altLang="ko-KR" sz="1600" b="1" i="0" u="none" strike="noStrike" cap="none" spc="-150" normalizeH="0" baseline="0" dirty="0" smtClean="0">
                     <a:ln>
@@ -7901,24 +5927,32 @@
                     <a:tabLst/>
                   </a:pPr>
                   <a:r>
-                    <a:rPr lang="en-US" altLang="ko-KR" sz="1600" b="1" spc="-150" dirty="0" err="1" smtClean="0">
+                    <a:rPr kumimoji="0" lang="en-US" altLang="ko-KR" sz="1600" b="1" i="0" u="none" strike="noStrike" cap="none" spc="-150" normalizeH="0" baseline="0" dirty="0" err="1" smtClean="0">
+                      <a:ln>
+                        <a:noFill/>
+                      </a:ln>
                       <a:solidFill>
                         <a:schemeClr val="tx1"/>
                       </a:solidFill>
+                      <a:effectLst/>
                       <a:latin typeface="맑은 고딕" panose="020B0503020000020004" pitchFamily="50" charset="-127"/>
                       <a:ea typeface="맑은 고딕" panose="020B0503020000020004" pitchFamily="50" charset="-127"/>
                     </a:rPr>
                     <a:t>Todo</a:t>
                   </a:r>
                   <a:r>
-                    <a:rPr lang="ko-KR" altLang="en-US" sz="1600" b="1" spc="-150" dirty="0" smtClean="0">
+                    <a:rPr kumimoji="0" lang="ko-KR" altLang="en-US" sz="1600" b="1" i="0" u="none" strike="noStrike" cap="none" spc="-150" normalizeH="0" baseline="0" dirty="0" smtClean="0">
+                      <a:ln>
+                        <a:noFill/>
+                      </a:ln>
                       <a:solidFill>
                         <a:schemeClr val="tx1"/>
                       </a:solidFill>
+                      <a:effectLst/>
                       <a:latin typeface="맑은 고딕" panose="020B0503020000020004" pitchFamily="50" charset="-127"/>
                       <a:ea typeface="맑은 고딕" panose="020B0503020000020004" pitchFamily="50" charset="-127"/>
                     </a:rPr>
-                    <a:t> 정보 변경</a:t>
+                    <a:t> 정보 삭제</a:t>
                   </a:r>
                   <a:endParaRPr kumimoji="0" lang="en-US" altLang="ko-KR" sz="1600" b="1" i="0" u="none" strike="noStrike" cap="none" spc="-150" normalizeH="0" baseline="0" dirty="0" smtClean="0">
                     <a:ln>
@@ -7965,13 +5999,13 @@
             </p:sp>
             <p:cxnSp>
               <p:nvCxnSpPr>
-                <p:cNvPr id="80" name="직선 연결선 79"/>
+                <p:cNvPr id="53" name="직선 연결선 52"/>
                 <p:cNvCxnSpPr/>
                 <p:nvPr/>
               </p:nvCxnSpPr>
               <p:spPr bwMode="auto">
                 <a:xfrm>
-                  <a:off x="544010" y="1828801"/>
+                  <a:off x="673816" y="1828803"/>
                   <a:ext cx="2060294" cy="0"/>
                 </a:xfrm>
                 <a:prstGeom prst="line">
@@ -7993,618 +6027,74 @@
               </p:spPr>
             </p:cxnSp>
           </p:grpSp>
-          <p:grpSp>
-            <p:nvGrpSpPr>
-              <p:cNvPr id="71" name="그룹 70"/>
-              <p:cNvGrpSpPr/>
-              <p:nvPr/>
-            </p:nvGrpSpPr>
-            <p:grpSpPr>
-              <a:xfrm>
-                <a:off x="5908900" y="4782680"/>
-                <a:ext cx="2060294" cy="1145894"/>
-                <a:chOff x="544010" y="1504709"/>
-                <a:chExt cx="2060294" cy="1145894"/>
-              </a:xfrm>
-            </p:grpSpPr>
-            <p:sp>
-              <p:nvSpPr>
-                <p:cNvPr id="77" name="직사각형 76"/>
-                <p:cNvSpPr/>
-                <p:nvPr/>
-              </p:nvSpPr>
-              <p:spPr bwMode="auto">
-                <a:xfrm>
-                  <a:off x="544010" y="1504709"/>
-                  <a:ext cx="2060294" cy="1145894"/>
-                </a:xfrm>
-                <a:prstGeom prst="rect">
-                  <a:avLst/>
-                </a:prstGeom>
-                <a:ln>
-                  <a:headEnd type="none" w="med" len="med"/>
-                  <a:tailEnd type="none" w="med" len="med"/>
-                </a:ln>
-              </p:spPr>
-              <p:style>
-                <a:lnRef idx="1">
-                  <a:schemeClr val="accent2"/>
-                </a:lnRef>
-                <a:fillRef idx="2">
-                  <a:schemeClr val="accent2"/>
-                </a:fillRef>
-                <a:effectRef idx="1">
-                  <a:schemeClr val="accent2"/>
-                </a:effectRef>
-                <a:fontRef idx="minor">
-                  <a:schemeClr val="dk1"/>
-                </a:fontRef>
-              </p:style>
-              <p:txBody>
-                <a:bodyPr vert="horz" wrap="none" lIns="90000" tIns="46800" rIns="90000" bIns="46800" numCol="1" rtlCol="0" anchor="ctr" anchorCtr="0" compatLnSpc="1">
-                  <a:prstTxWarp prst="textNoShape">
-                    <a:avLst/>
-                  </a:prstTxWarp>
-                </a:bodyPr>
-                <a:lstStyle/>
-                <a:p>
-                  <a:pPr marL="0" marR="0" indent="0" algn="ctr" defTabSz="914400" rtl="0" eaLnBrk="0" fontAlgn="base" latinLnBrk="0" hangingPunct="0">
-                    <a:lnSpc>
-                      <a:spcPct val="100000"/>
-                    </a:lnSpc>
-                    <a:spcBef>
-                      <a:spcPct val="0"/>
-                    </a:spcBef>
-                    <a:spcAft>
-                      <a:spcPct val="0"/>
-                    </a:spcAft>
-                    <a:buClrTx/>
-                    <a:buSzTx/>
-                    <a:buFontTx/>
-                    <a:buNone/>
-                    <a:tabLst/>
-                  </a:pPr>
-                  <a:r>
-                    <a:rPr lang="en-US" altLang="ko-KR" sz="1600" b="1" spc="-150" dirty="0" err="1" smtClean="0">
-                      <a:solidFill>
-                        <a:schemeClr val="tx1"/>
-                      </a:solidFill>
-                      <a:latin typeface="맑은 고딕" panose="020B0503020000020004" pitchFamily="50" charset="-127"/>
-                      <a:ea typeface="맑은 고딕" panose="020B0503020000020004" pitchFamily="50" charset="-127"/>
-                    </a:rPr>
-                    <a:t>TodoComplete</a:t>
-                  </a:r>
-                  <a:endParaRPr kumimoji="0" lang="en-US" altLang="ko-KR" sz="1600" b="1" i="0" u="none" strike="noStrike" cap="none" spc="-150" normalizeH="0" baseline="0" dirty="0" smtClean="0">
-                    <a:ln>
-                      <a:noFill/>
-                    </a:ln>
-                    <a:solidFill>
-                      <a:schemeClr val="tx1"/>
-                    </a:solidFill>
-                    <a:effectLst/>
-                    <a:latin typeface="맑은 고딕" panose="020B0503020000020004" pitchFamily="50" charset="-127"/>
-                    <a:ea typeface="맑은 고딕" panose="020B0503020000020004" pitchFamily="50" charset="-127"/>
-                  </a:endParaRPr>
-                </a:p>
-                <a:p>
-                  <a:pPr marL="0" marR="0" indent="0" algn="ctr" defTabSz="914400" rtl="0" eaLnBrk="0" fontAlgn="base" latinLnBrk="0" hangingPunct="0">
-                    <a:lnSpc>
-                      <a:spcPct val="100000"/>
-                    </a:lnSpc>
-                    <a:spcBef>
-                      <a:spcPct val="0"/>
-                    </a:spcBef>
-                    <a:spcAft>
-                      <a:spcPct val="0"/>
-                    </a:spcAft>
-                    <a:buClrTx/>
-                    <a:buSzTx/>
-                    <a:buFontTx/>
-                    <a:buNone/>
-                    <a:tabLst/>
-                  </a:pPr>
-                  <a:endParaRPr lang="en-US" altLang="ko-KR" sz="1600" b="1" spc="-150" dirty="0">
-                    <a:solidFill>
-                      <a:schemeClr val="tx1"/>
-                    </a:solidFill>
-                    <a:latin typeface="맑은 고딕" panose="020B0503020000020004" pitchFamily="50" charset="-127"/>
-                    <a:ea typeface="맑은 고딕" panose="020B0503020000020004" pitchFamily="50" charset="-127"/>
-                  </a:endParaRPr>
-                </a:p>
-                <a:p>
-                  <a:pPr marL="0" marR="0" indent="0" algn="ctr" defTabSz="914400" rtl="0" eaLnBrk="0" fontAlgn="base" latinLnBrk="0" hangingPunct="0">
-                    <a:lnSpc>
-                      <a:spcPct val="100000"/>
-                    </a:lnSpc>
-                    <a:spcBef>
-                      <a:spcPct val="0"/>
-                    </a:spcBef>
-                    <a:spcAft>
-                      <a:spcPct val="0"/>
-                    </a:spcAft>
-                    <a:buClrTx/>
-                    <a:buSzTx/>
-                    <a:buFontTx/>
-                    <a:buNone/>
-                    <a:tabLst/>
-                  </a:pPr>
-                  <a:r>
-                    <a:rPr lang="ko-KR" altLang="en-US" sz="1600" b="1" spc="-150" dirty="0" smtClean="0">
-                      <a:solidFill>
-                        <a:schemeClr val="tx1"/>
-                      </a:solidFill>
-                      <a:latin typeface="맑은 고딕" panose="020B0503020000020004" pitchFamily="50" charset="-127"/>
-                      <a:ea typeface="맑은 고딕" panose="020B0503020000020004" pitchFamily="50" charset="-127"/>
-                    </a:rPr>
-                    <a:t>완료한 </a:t>
-                  </a:r>
-                  <a:r>
-                    <a:rPr lang="en-US" altLang="ko-KR" sz="1600" b="1" spc="-150" dirty="0" err="1" smtClean="0">
-                      <a:solidFill>
-                        <a:schemeClr val="tx1"/>
-                      </a:solidFill>
-                      <a:latin typeface="맑은 고딕" panose="020B0503020000020004" pitchFamily="50" charset="-127"/>
-                      <a:ea typeface="맑은 고딕" panose="020B0503020000020004" pitchFamily="50" charset="-127"/>
-                    </a:rPr>
-                    <a:t>Todo</a:t>
-                  </a:r>
-                  <a:r>
-                    <a:rPr lang="en-US" altLang="ko-KR" sz="1600" b="1" spc="-150" dirty="0" smtClean="0">
-                      <a:solidFill>
-                        <a:schemeClr val="tx1"/>
-                      </a:solidFill>
-                      <a:latin typeface="맑은 고딕" panose="020B0503020000020004" pitchFamily="50" charset="-127"/>
-                      <a:ea typeface="맑은 고딕" panose="020B0503020000020004" pitchFamily="50" charset="-127"/>
-                    </a:rPr>
-                    <a:t> </a:t>
-                  </a:r>
-                  <a:r>
-                    <a:rPr lang="ko-KR" altLang="en-US" sz="1600" b="1" spc="-150" dirty="0" smtClean="0">
-                      <a:solidFill>
-                        <a:schemeClr val="tx1"/>
-                      </a:solidFill>
-                      <a:latin typeface="맑은 고딕" panose="020B0503020000020004" pitchFamily="50" charset="-127"/>
-                      <a:ea typeface="맑은 고딕" panose="020B0503020000020004" pitchFamily="50" charset="-127"/>
-                    </a:rPr>
-                    <a:t>설정</a:t>
-                  </a:r>
-                  <a:endParaRPr kumimoji="0" lang="en-US" altLang="ko-KR" sz="1600" b="1" i="0" u="none" strike="noStrike" cap="none" spc="-150" normalizeH="0" baseline="0" dirty="0" smtClean="0">
-                    <a:ln>
-                      <a:noFill/>
-                    </a:ln>
-                    <a:solidFill>
-                      <a:schemeClr val="tx1"/>
-                    </a:solidFill>
-                    <a:effectLst/>
-                    <a:latin typeface="맑은 고딕" panose="020B0503020000020004" pitchFamily="50" charset="-127"/>
-                    <a:ea typeface="맑은 고딕" panose="020B0503020000020004" pitchFamily="50" charset="-127"/>
-                  </a:endParaRPr>
-                </a:p>
-                <a:p>
-                  <a:pPr marL="0" marR="0" indent="0" algn="ctr" defTabSz="914400" rtl="0" eaLnBrk="0" fontAlgn="base" latinLnBrk="0" hangingPunct="0">
-                    <a:lnSpc>
-                      <a:spcPct val="100000"/>
-                    </a:lnSpc>
-                    <a:spcBef>
-                      <a:spcPct val="0"/>
-                    </a:spcBef>
-                    <a:spcAft>
-                      <a:spcPct val="0"/>
-                    </a:spcAft>
-                    <a:buClrTx/>
-                    <a:buSzTx/>
-                    <a:buFontTx/>
-                    <a:buNone/>
-                    <a:tabLst/>
-                  </a:pPr>
-                  <a:endParaRPr kumimoji="0" lang="ko-KR" altLang="en-US" sz="1600" b="1" i="0" u="none" strike="noStrike" cap="none" spc="-150" normalizeH="0" baseline="0" dirty="0" smtClean="0">
-                    <a:ln>
-                      <a:noFill/>
-                    </a:ln>
-                    <a:solidFill>
-                      <a:schemeClr val="tx1"/>
-                    </a:solidFill>
-                    <a:effectLst/>
-                    <a:latin typeface="맑은 고딕" panose="020B0503020000020004" pitchFamily="50" charset="-127"/>
-                    <a:ea typeface="맑은 고딕" panose="020B0503020000020004" pitchFamily="50" charset="-127"/>
-                  </a:endParaRPr>
-                </a:p>
-              </p:txBody>
-            </p:sp>
-            <p:cxnSp>
-              <p:nvCxnSpPr>
-                <p:cNvPr id="78" name="직선 연결선 77"/>
-                <p:cNvCxnSpPr/>
-                <p:nvPr/>
-              </p:nvCxnSpPr>
-              <p:spPr bwMode="auto">
-                <a:xfrm>
-                  <a:off x="544010" y="1828801"/>
-                  <a:ext cx="2060294" cy="0"/>
-                </a:xfrm>
-                <a:prstGeom prst="line">
-                  <a:avLst/>
-                </a:prstGeom>
-                <a:solidFill>
-                  <a:schemeClr val="accent1"/>
-                </a:solidFill>
-                <a:ln w="12700" cap="flat" cmpd="sng" algn="ctr">
-                  <a:solidFill>
-                    <a:schemeClr val="tx1"/>
-                  </a:solidFill>
-                  <a:prstDash val="solid"/>
-                  <a:round/>
-                  <a:headEnd type="none" w="med" len="med"/>
-                  <a:tailEnd type="none" w="med" len="med"/>
-                </a:ln>
-                <a:effectLst/>
-              </p:spPr>
-            </p:cxnSp>
-          </p:grpSp>
-          <p:grpSp>
-            <p:nvGrpSpPr>
-              <p:cNvPr id="72" name="그룹 71"/>
-              <p:cNvGrpSpPr/>
-              <p:nvPr/>
-            </p:nvGrpSpPr>
-            <p:grpSpPr>
-              <a:xfrm>
-                <a:off x="5899436" y="1540229"/>
-                <a:ext cx="2069758" cy="1145894"/>
-                <a:chOff x="544010" y="1536241"/>
-                <a:chExt cx="2069758" cy="1145894"/>
-              </a:xfrm>
-            </p:grpSpPr>
-            <p:sp>
-              <p:nvSpPr>
-                <p:cNvPr id="75" name="직사각형 74"/>
-                <p:cNvSpPr/>
-                <p:nvPr/>
-              </p:nvSpPr>
-              <p:spPr bwMode="auto">
-                <a:xfrm>
-                  <a:off x="544010" y="1536241"/>
-                  <a:ext cx="2060294" cy="1145894"/>
-                </a:xfrm>
-                <a:prstGeom prst="rect">
-                  <a:avLst/>
-                </a:prstGeom>
-                <a:ln>
-                  <a:headEnd type="none" w="med" len="med"/>
-                  <a:tailEnd type="none" w="med" len="med"/>
-                </a:ln>
-              </p:spPr>
-              <p:style>
-                <a:lnRef idx="1">
-                  <a:schemeClr val="accent2"/>
-                </a:lnRef>
-                <a:fillRef idx="2">
-                  <a:schemeClr val="accent2"/>
-                </a:fillRef>
-                <a:effectRef idx="1">
-                  <a:schemeClr val="accent2"/>
-                </a:effectRef>
-                <a:fontRef idx="minor">
-                  <a:schemeClr val="dk1"/>
-                </a:fontRef>
-              </p:style>
-              <p:txBody>
-                <a:bodyPr vert="horz" wrap="none" lIns="90000" tIns="46800" rIns="90000" bIns="46800" numCol="1" rtlCol="0" anchor="ctr" anchorCtr="0" compatLnSpc="1">
-                  <a:prstTxWarp prst="textNoShape">
-                    <a:avLst/>
-                  </a:prstTxWarp>
-                </a:bodyPr>
-                <a:lstStyle/>
-                <a:p>
-                  <a:pPr marL="0" marR="0" indent="0" algn="ctr" defTabSz="914400" rtl="0" eaLnBrk="0" fontAlgn="base" latinLnBrk="0" hangingPunct="0">
-                    <a:lnSpc>
-                      <a:spcPct val="100000"/>
-                    </a:lnSpc>
-                    <a:spcBef>
-                      <a:spcPct val="0"/>
-                    </a:spcBef>
-                    <a:spcAft>
-                      <a:spcPct val="0"/>
-                    </a:spcAft>
-                    <a:buClrTx/>
-                    <a:buSzTx/>
-                    <a:buFontTx/>
-                    <a:buNone/>
-                    <a:tabLst/>
-                  </a:pPr>
-                  <a:r>
-                    <a:rPr lang="en-US" altLang="ko-KR" sz="1600" b="1" spc="-150" dirty="0" err="1" smtClean="0">
-                      <a:solidFill>
-                        <a:schemeClr val="tx1"/>
-                      </a:solidFill>
-                      <a:latin typeface="맑은 고딕" panose="020B0503020000020004" pitchFamily="50" charset="-127"/>
-                      <a:ea typeface="맑은 고딕" panose="020B0503020000020004" pitchFamily="50" charset="-127"/>
-                    </a:rPr>
-                    <a:t>TodoPriority</a:t>
-                  </a:r>
-                  <a:endParaRPr kumimoji="0" lang="en-US" altLang="ko-KR" sz="1600" b="1" i="0" u="none" strike="noStrike" cap="none" spc="-150" normalizeH="0" baseline="0" dirty="0" smtClean="0">
-                    <a:ln>
-                      <a:noFill/>
-                    </a:ln>
-                    <a:solidFill>
-                      <a:schemeClr val="tx1"/>
-                    </a:solidFill>
-                    <a:effectLst/>
-                    <a:latin typeface="맑은 고딕" panose="020B0503020000020004" pitchFamily="50" charset="-127"/>
-                    <a:ea typeface="맑은 고딕" panose="020B0503020000020004" pitchFamily="50" charset="-127"/>
-                  </a:endParaRPr>
-                </a:p>
-                <a:p>
-                  <a:pPr marL="0" marR="0" indent="0" algn="ctr" defTabSz="914400" rtl="0" eaLnBrk="0" fontAlgn="base" latinLnBrk="0" hangingPunct="0">
-                    <a:lnSpc>
-                      <a:spcPct val="100000"/>
-                    </a:lnSpc>
-                    <a:spcBef>
-                      <a:spcPct val="0"/>
-                    </a:spcBef>
-                    <a:spcAft>
-                      <a:spcPct val="0"/>
-                    </a:spcAft>
-                    <a:buClrTx/>
-                    <a:buSzTx/>
-                    <a:buFontTx/>
-                    <a:buNone/>
-                    <a:tabLst/>
-                  </a:pPr>
-                  <a:endParaRPr lang="en-US" altLang="ko-KR" sz="1600" b="1" spc="-150" dirty="0">
-                    <a:solidFill>
-                      <a:schemeClr val="tx1"/>
-                    </a:solidFill>
-                    <a:latin typeface="맑은 고딕" panose="020B0503020000020004" pitchFamily="50" charset="-127"/>
-                    <a:ea typeface="맑은 고딕" panose="020B0503020000020004" pitchFamily="50" charset="-127"/>
-                  </a:endParaRPr>
-                </a:p>
-                <a:p>
-                  <a:pPr marL="0" marR="0" indent="0" algn="ctr" defTabSz="914400" rtl="0" eaLnBrk="0" fontAlgn="base" latinLnBrk="0" hangingPunct="0">
-                    <a:lnSpc>
-                      <a:spcPct val="100000"/>
-                    </a:lnSpc>
-                    <a:spcBef>
-                      <a:spcPct val="0"/>
-                    </a:spcBef>
-                    <a:spcAft>
-                      <a:spcPct val="0"/>
-                    </a:spcAft>
-                    <a:buClrTx/>
-                    <a:buSzTx/>
-                    <a:buFontTx/>
-                    <a:buNone/>
-                    <a:tabLst/>
-                  </a:pPr>
-                  <a:r>
-                    <a:rPr lang="en-US" altLang="ko-KR" sz="1600" b="1" spc="-150" dirty="0" err="1" smtClean="0">
-                      <a:solidFill>
-                        <a:schemeClr val="tx1"/>
-                      </a:solidFill>
-                      <a:latin typeface="맑은 고딕" panose="020B0503020000020004" pitchFamily="50" charset="-127"/>
-                      <a:ea typeface="맑은 고딕" panose="020B0503020000020004" pitchFamily="50" charset="-127"/>
-                    </a:rPr>
-                    <a:t>Todo</a:t>
-                  </a:r>
-                  <a:r>
-                    <a:rPr lang="en-US" altLang="ko-KR" sz="1600" b="1" spc="-150" dirty="0" smtClean="0">
-                      <a:solidFill>
-                        <a:schemeClr val="tx1"/>
-                      </a:solidFill>
-                      <a:latin typeface="맑은 고딕" panose="020B0503020000020004" pitchFamily="50" charset="-127"/>
-                      <a:ea typeface="맑은 고딕" panose="020B0503020000020004" pitchFamily="50" charset="-127"/>
-                    </a:rPr>
-                    <a:t> </a:t>
-                  </a:r>
-                  <a:r>
-                    <a:rPr lang="ko-KR" altLang="en-US" sz="1600" b="1" spc="-150" dirty="0" smtClean="0">
-                      <a:solidFill>
-                        <a:schemeClr val="tx1"/>
-                      </a:solidFill>
-                      <a:latin typeface="맑은 고딕" panose="020B0503020000020004" pitchFamily="50" charset="-127"/>
-                      <a:ea typeface="맑은 고딕" panose="020B0503020000020004" pitchFamily="50" charset="-127"/>
-                    </a:rPr>
-                    <a:t>중요도 설정</a:t>
-                  </a:r>
-                  <a:endParaRPr kumimoji="0" lang="en-US" altLang="ko-KR" sz="1600" b="1" i="0" u="none" strike="noStrike" cap="none" spc="-150" normalizeH="0" baseline="0" dirty="0" smtClean="0">
-                    <a:ln>
-                      <a:noFill/>
-                    </a:ln>
-                    <a:solidFill>
-                      <a:schemeClr val="tx1"/>
-                    </a:solidFill>
-                    <a:effectLst/>
-                    <a:latin typeface="맑은 고딕" panose="020B0503020000020004" pitchFamily="50" charset="-127"/>
-                    <a:ea typeface="맑은 고딕" panose="020B0503020000020004" pitchFamily="50" charset="-127"/>
-                  </a:endParaRPr>
-                </a:p>
-                <a:p>
-                  <a:pPr marL="0" marR="0" indent="0" algn="ctr" defTabSz="914400" rtl="0" eaLnBrk="0" fontAlgn="base" latinLnBrk="0" hangingPunct="0">
-                    <a:lnSpc>
-                      <a:spcPct val="100000"/>
-                    </a:lnSpc>
-                    <a:spcBef>
-                      <a:spcPct val="0"/>
-                    </a:spcBef>
-                    <a:spcAft>
-                      <a:spcPct val="0"/>
-                    </a:spcAft>
-                    <a:buClrTx/>
-                    <a:buSzTx/>
-                    <a:buFontTx/>
-                    <a:buNone/>
-                    <a:tabLst/>
-                  </a:pPr>
-                  <a:endParaRPr kumimoji="0" lang="ko-KR" altLang="en-US" sz="1600" b="1" i="0" u="none" strike="noStrike" cap="none" spc="-150" normalizeH="0" baseline="0" dirty="0" smtClean="0">
-                    <a:ln>
-                      <a:noFill/>
-                    </a:ln>
-                    <a:solidFill>
-                      <a:schemeClr val="tx1"/>
-                    </a:solidFill>
-                    <a:effectLst/>
-                    <a:latin typeface="맑은 고딕" panose="020B0503020000020004" pitchFamily="50" charset="-127"/>
-                    <a:ea typeface="맑은 고딕" panose="020B0503020000020004" pitchFamily="50" charset="-127"/>
-                  </a:endParaRPr>
-                </a:p>
-              </p:txBody>
-            </p:sp>
-            <p:cxnSp>
-              <p:nvCxnSpPr>
-                <p:cNvPr id="76" name="직선 연결선 75"/>
-                <p:cNvCxnSpPr/>
-                <p:nvPr/>
-              </p:nvCxnSpPr>
-              <p:spPr bwMode="auto">
-                <a:xfrm>
-                  <a:off x="553474" y="1970691"/>
-                  <a:ext cx="2060294" cy="0"/>
-                </a:xfrm>
-                <a:prstGeom prst="line">
-                  <a:avLst/>
-                </a:prstGeom>
-                <a:solidFill>
-                  <a:schemeClr val="accent1"/>
-                </a:solidFill>
-                <a:ln w="12700" cap="flat" cmpd="sng" algn="ctr">
-                  <a:solidFill>
-                    <a:schemeClr val="tx1"/>
-                  </a:solidFill>
-                  <a:prstDash val="solid"/>
-                  <a:round/>
-                  <a:headEnd type="none" w="med" len="med"/>
-                  <a:tailEnd type="none" w="med" len="med"/>
-                </a:ln>
-                <a:effectLst/>
-              </p:spPr>
-            </p:cxnSp>
-          </p:grpSp>
-          <p:cxnSp>
-            <p:nvCxnSpPr>
-              <p:cNvPr id="73" name="직선 화살표 연결선 72"/>
-              <p:cNvCxnSpPr/>
-              <p:nvPr/>
-            </p:nvCxnSpPr>
-            <p:spPr bwMode="auto">
-              <a:xfrm flipV="1">
-                <a:off x="6929583" y="4373569"/>
-                <a:ext cx="0" cy="409111"/>
-              </a:xfrm>
-              <a:prstGeom prst="straightConnector1">
-                <a:avLst/>
-              </a:prstGeom>
+        </p:grpSp>
+        <p:cxnSp>
+          <p:nvCxnSpPr>
+            <p:cNvPr id="56" name="직선 화살표 연결선 55"/>
+            <p:cNvCxnSpPr/>
+            <p:nvPr/>
+          </p:nvCxnSpPr>
+          <p:spPr bwMode="auto">
+            <a:xfrm>
+              <a:off x="2847676" y="1962427"/>
+              <a:ext cx="961030" cy="1229240"/>
+            </a:xfrm>
+            <a:prstGeom prst="straightConnector1">
+              <a:avLst/>
+            </a:prstGeom>
+            <a:solidFill>
+              <a:schemeClr val="accent1"/>
+            </a:solidFill>
+            <a:ln w="12700" cap="flat" cmpd="sng" algn="ctr">
               <a:solidFill>
-                <a:schemeClr val="accent1"/>
+                <a:schemeClr val="tx1"/>
               </a:solidFill>
-              <a:ln w="12700" cap="flat" cmpd="sng" algn="ctr">
-                <a:solidFill>
-                  <a:schemeClr val="tx1"/>
-                </a:solidFill>
-                <a:prstDash val="sysDash"/>
-                <a:round/>
-                <a:headEnd type="none" w="med" len="med"/>
-                <a:tailEnd type="triangle"/>
-              </a:ln>
-              <a:effectLst/>
-            </p:spPr>
-          </p:cxnSp>
-          <p:cxnSp>
-            <p:nvCxnSpPr>
-              <p:cNvPr id="74" name="직선 화살표 연결선 73"/>
-              <p:cNvCxnSpPr/>
-              <p:nvPr/>
-            </p:nvCxnSpPr>
-            <p:spPr bwMode="auto">
-              <a:xfrm>
-                <a:off x="6922338" y="2748482"/>
-                <a:ext cx="0" cy="479193"/>
-              </a:xfrm>
-              <a:prstGeom prst="straightConnector1">
-                <a:avLst/>
-              </a:prstGeom>
+              <a:prstDash val="sysDash"/>
+              <a:round/>
+              <a:headEnd type="none" w="med" len="med"/>
+              <a:tailEnd type="triangle"/>
+            </a:ln>
+            <a:effectLst/>
+          </p:spPr>
+        </p:cxnSp>
+        <p:cxnSp>
+          <p:nvCxnSpPr>
+            <p:cNvPr id="57" name="직선 화살표 연결선 56"/>
+            <p:cNvCxnSpPr/>
+            <p:nvPr/>
+          </p:nvCxnSpPr>
+          <p:spPr bwMode="auto">
+            <a:xfrm flipV="1">
+              <a:off x="2838213" y="3419393"/>
+              <a:ext cx="979957" cy="839405"/>
+            </a:xfrm>
+            <a:prstGeom prst="straightConnector1">
+              <a:avLst/>
+            </a:prstGeom>
+            <a:solidFill>
+              <a:schemeClr val="accent1"/>
+            </a:solidFill>
+            <a:ln w="12700" cap="flat" cmpd="sng" algn="ctr">
               <a:solidFill>
-                <a:schemeClr val="accent1"/>
+                <a:schemeClr val="tx1"/>
               </a:solidFill>
-              <a:ln w="12700" cap="flat" cmpd="sng" algn="ctr">
-                <a:solidFill>
-                  <a:schemeClr val="tx1"/>
-                </a:solidFill>
-                <a:prstDash val="sysDash"/>
-                <a:round/>
-                <a:headEnd type="none" w="med" len="med"/>
-                <a:tailEnd type="triangle"/>
-              </a:ln>
-              <a:effectLst/>
-            </p:spPr>
-          </p:cxnSp>
-          <p:cxnSp>
-            <p:nvCxnSpPr>
-              <p:cNvPr id="100" name="직선 화살표 연결선 99"/>
-              <p:cNvCxnSpPr/>
-              <p:nvPr/>
-            </p:nvCxnSpPr>
-            <p:spPr bwMode="auto">
-              <a:xfrm>
-                <a:off x="5376179" y="3112084"/>
-                <a:ext cx="532721" cy="403041"/>
-              </a:xfrm>
-              <a:prstGeom prst="straightConnector1">
-                <a:avLst/>
-              </a:prstGeom>
-              <a:solidFill>
-                <a:schemeClr val="accent1"/>
-              </a:solidFill>
-              <a:ln w="12700" cap="flat" cmpd="sng" algn="ctr">
-                <a:solidFill>
-                  <a:schemeClr val="tx1"/>
-                </a:solidFill>
-                <a:prstDash val="sysDash"/>
-                <a:round/>
-                <a:headEnd type="none" w="med" len="med"/>
-                <a:tailEnd type="triangle"/>
-              </a:ln>
-              <a:effectLst/>
-            </p:spPr>
-          </p:cxnSp>
-          <p:cxnSp>
-            <p:nvCxnSpPr>
-              <p:cNvPr id="101" name="직선 화살표 연결선 100"/>
-              <p:cNvCxnSpPr/>
-              <p:nvPr/>
-            </p:nvCxnSpPr>
-            <p:spPr bwMode="auto">
-              <a:xfrm flipV="1">
-                <a:off x="5385643" y="4077699"/>
-                <a:ext cx="513793" cy="500426"/>
-              </a:xfrm>
-              <a:prstGeom prst="straightConnector1">
-                <a:avLst/>
-              </a:prstGeom>
-              <a:solidFill>
-                <a:schemeClr val="accent1"/>
-              </a:solidFill>
-              <a:ln w="12700" cap="flat" cmpd="sng" algn="ctr">
-                <a:solidFill>
-                  <a:schemeClr val="tx1"/>
-                </a:solidFill>
-                <a:prstDash val="sysDash"/>
-                <a:round/>
-                <a:headEnd type="none" w="med" len="med"/>
-                <a:tailEnd type="triangle"/>
-              </a:ln>
-              <a:effectLst/>
-            </p:spPr>
-          </p:cxnSp>
-        </p:grpSp>
+              <a:prstDash val="sysDash"/>
+              <a:round/>
+              <a:headEnd type="none" w="med" len="med"/>
+              <a:tailEnd type="triangle"/>
+            </a:ln>
+            <a:effectLst/>
+          </p:spPr>
+        </p:cxnSp>
         <p:grpSp>
           <p:nvGrpSpPr>
-            <p:cNvPr id="66" name="그룹 65"/>
+            <p:cNvPr id="58" name="그룹 57"/>
             <p:cNvGrpSpPr/>
             <p:nvPr/>
           </p:nvGrpSpPr>
           <p:grpSpPr>
             <a:xfrm>
-              <a:off x="2763754" y="1821665"/>
+              <a:off x="777699" y="1526933"/>
               <a:ext cx="2060294" cy="1145894"/>
               <a:chOff x="544010" y="1455016"/>
               <a:chExt cx="2060294" cy="1145894"/>
@@ -8612,7 +6102,7 @@
           </p:grpSpPr>
           <p:sp>
             <p:nvSpPr>
-              <p:cNvPr id="68" name="직사각형 67"/>
+              <p:cNvPr id="59" name="직사각형 58"/>
               <p:cNvSpPr/>
               <p:nvPr/>
             </p:nvSpPr>
@@ -8816,7 +6306,7 @@
           </p:sp>
           <p:cxnSp>
             <p:nvCxnSpPr>
-              <p:cNvPr id="69" name="직선 연결선 68"/>
+              <p:cNvPr id="60" name="직선 연결선 59"/>
               <p:cNvCxnSpPr/>
               <p:nvPr/>
             </p:nvCxnSpPr>
@@ -8844,15 +6334,252 @@
             </p:spPr>
           </p:cxnSp>
         </p:grpSp>
+      </p:grpSp>
+      <p:grpSp>
+        <p:nvGrpSpPr>
+          <p:cNvPr id="61" name="그룹 60"/>
+          <p:cNvGrpSpPr/>
+          <p:nvPr/>
+        </p:nvGrpSpPr>
+        <p:grpSpPr>
+          <a:xfrm>
+            <a:off x="663541" y="1514908"/>
+            <a:ext cx="2069309" cy="1145894"/>
+            <a:chOff x="544010" y="2026289"/>
+            <a:chExt cx="2069309" cy="1145894"/>
+          </a:xfrm>
+        </p:grpSpPr>
         <p:sp>
           <p:nvSpPr>
-            <p:cNvPr id="67" name="직사각형 66"/>
+            <p:cNvPr id="62" name="직사각형 61"/>
             <p:cNvSpPr/>
             <p:nvPr/>
           </p:nvSpPr>
           <p:spPr bwMode="auto">
             <a:xfrm>
-              <a:off x="2772330" y="3491357"/>
+              <a:off x="553025" y="2026289"/>
+              <a:ext cx="2060294" cy="1145894"/>
+            </a:xfrm>
+            <a:prstGeom prst="rect">
+              <a:avLst/>
+            </a:prstGeom>
+            <a:ln>
+              <a:headEnd type="none" w="med" len="med"/>
+              <a:tailEnd type="none" w="med" len="med"/>
+            </a:ln>
+          </p:spPr>
+          <p:style>
+            <a:lnRef idx="1">
+              <a:schemeClr val="accent2"/>
+            </a:lnRef>
+            <a:fillRef idx="2">
+              <a:schemeClr val="accent2"/>
+            </a:fillRef>
+            <a:effectRef idx="1">
+              <a:schemeClr val="accent2"/>
+            </a:effectRef>
+            <a:fontRef idx="minor">
+              <a:schemeClr val="dk1"/>
+            </a:fontRef>
+          </p:style>
+          <p:txBody>
+            <a:bodyPr vert="horz" wrap="none" lIns="90000" tIns="46800" rIns="90000" bIns="46800" numCol="1" rtlCol="0" anchor="ctr" anchorCtr="0" compatLnSpc="1">
+              <a:prstTxWarp prst="textNoShape">
+                <a:avLst/>
+              </a:prstTxWarp>
+            </a:bodyPr>
+            <a:lstStyle/>
+            <a:p>
+              <a:pPr marL="0" marR="0" indent="0" algn="ctr" defTabSz="914400" rtl="0" eaLnBrk="0" fontAlgn="base" latinLnBrk="0" hangingPunct="0">
+                <a:lnSpc>
+                  <a:spcPct val="100000"/>
+                </a:lnSpc>
+                <a:spcBef>
+                  <a:spcPct val="0"/>
+                </a:spcBef>
+                <a:spcAft>
+                  <a:spcPct val="0"/>
+                </a:spcAft>
+                <a:buClrTx/>
+                <a:buSzTx/>
+                <a:buFontTx/>
+                <a:buNone/>
+                <a:tabLst/>
+              </a:pPr>
+              <a:r>
+                <a:rPr lang="en-US" altLang="ko-KR" sz="1600" b="1" spc="-150" dirty="0" smtClean="0">
+                  <a:solidFill>
+                    <a:schemeClr val="tx1"/>
+                  </a:solidFill>
+                  <a:latin typeface="맑은 고딕" panose="020B0503020000020004" pitchFamily="50" charset="-127"/>
+                  <a:ea typeface="맑은 고딕" panose="020B0503020000020004" pitchFamily="50" charset="-127"/>
+                </a:rPr>
+                <a:t>Login</a:t>
+              </a:r>
+              <a:endParaRPr kumimoji="0" lang="en-US" altLang="ko-KR" sz="1600" b="1" i="0" u="none" strike="noStrike" cap="none" spc="-150" normalizeH="0" baseline="0" dirty="0" smtClean="0">
+                <a:ln>
+                  <a:noFill/>
+                </a:ln>
+                <a:solidFill>
+                  <a:schemeClr val="tx1"/>
+                </a:solidFill>
+                <a:effectLst/>
+                <a:latin typeface="맑은 고딕" panose="020B0503020000020004" pitchFamily="50" charset="-127"/>
+                <a:ea typeface="맑은 고딕" panose="020B0503020000020004" pitchFamily="50" charset="-127"/>
+              </a:endParaRPr>
+            </a:p>
+            <a:p>
+              <a:pPr marL="0" marR="0" indent="0" algn="ctr" defTabSz="914400" rtl="0" eaLnBrk="0" fontAlgn="base" latinLnBrk="0" hangingPunct="0">
+                <a:lnSpc>
+                  <a:spcPct val="100000"/>
+                </a:lnSpc>
+                <a:spcBef>
+                  <a:spcPct val="0"/>
+                </a:spcBef>
+                <a:spcAft>
+                  <a:spcPct val="0"/>
+                </a:spcAft>
+                <a:buClrTx/>
+                <a:buSzTx/>
+                <a:buFontTx/>
+                <a:buNone/>
+                <a:tabLst/>
+              </a:pPr>
+              <a:endParaRPr lang="en-US" altLang="ko-KR" sz="1600" b="1" spc="-150" dirty="0">
+                <a:solidFill>
+                  <a:schemeClr val="tx1"/>
+                </a:solidFill>
+                <a:latin typeface="맑은 고딕" panose="020B0503020000020004" pitchFamily="50" charset="-127"/>
+                <a:ea typeface="맑은 고딕" panose="020B0503020000020004" pitchFamily="50" charset="-127"/>
+              </a:endParaRPr>
+            </a:p>
+            <a:p>
+              <a:pPr marL="0" marR="0" indent="0" algn="ctr" defTabSz="914400" rtl="0" eaLnBrk="0" fontAlgn="base" latinLnBrk="0" hangingPunct="0">
+                <a:lnSpc>
+                  <a:spcPct val="100000"/>
+                </a:lnSpc>
+                <a:spcBef>
+                  <a:spcPct val="0"/>
+                </a:spcBef>
+                <a:spcAft>
+                  <a:spcPct val="0"/>
+                </a:spcAft>
+                <a:buClrTx/>
+                <a:buSzTx/>
+                <a:buFontTx/>
+                <a:buNone/>
+                <a:tabLst/>
+              </a:pPr>
+              <a:r>
+                <a:rPr kumimoji="0" lang="ko-KR" altLang="en-US" sz="1600" b="1" i="0" u="none" strike="noStrike" cap="none" spc="-150" normalizeH="0" baseline="0" dirty="0" smtClean="0">
+                  <a:ln>
+                    <a:noFill/>
+                  </a:ln>
+                  <a:solidFill>
+                    <a:schemeClr val="tx1"/>
+                  </a:solidFill>
+                  <a:effectLst/>
+                  <a:latin typeface="맑은 고딕" panose="020B0503020000020004" pitchFamily="50" charset="-127"/>
+                  <a:ea typeface="맑은 고딕" panose="020B0503020000020004" pitchFamily="50" charset="-127"/>
+                </a:rPr>
+                <a:t>로그인 수행</a:t>
+              </a:r>
+              <a:endParaRPr kumimoji="0" lang="en-US" altLang="ko-KR" sz="1600" b="1" i="0" u="none" strike="noStrike" cap="none" spc="-150" normalizeH="0" baseline="0" dirty="0" smtClean="0">
+                <a:ln>
+                  <a:noFill/>
+                </a:ln>
+                <a:solidFill>
+                  <a:schemeClr val="tx1"/>
+                </a:solidFill>
+                <a:effectLst/>
+                <a:latin typeface="맑은 고딕" panose="020B0503020000020004" pitchFamily="50" charset="-127"/>
+                <a:ea typeface="맑은 고딕" panose="020B0503020000020004" pitchFamily="50" charset="-127"/>
+              </a:endParaRPr>
+            </a:p>
+            <a:p>
+              <a:pPr marL="0" marR="0" indent="0" algn="ctr" defTabSz="914400" rtl="0" eaLnBrk="0" fontAlgn="base" latinLnBrk="0" hangingPunct="0">
+                <a:lnSpc>
+                  <a:spcPct val="100000"/>
+                </a:lnSpc>
+                <a:spcBef>
+                  <a:spcPct val="0"/>
+                </a:spcBef>
+                <a:spcAft>
+                  <a:spcPct val="0"/>
+                </a:spcAft>
+                <a:buClrTx/>
+                <a:buSzTx/>
+                <a:buFontTx/>
+                <a:buNone/>
+                <a:tabLst/>
+              </a:pPr>
+              <a:endParaRPr kumimoji="0" lang="ko-KR" altLang="en-US" sz="1600" b="1" i="0" u="none" strike="noStrike" cap="none" spc="-150" normalizeH="0" baseline="0" dirty="0" smtClean="0">
+                <a:ln>
+                  <a:noFill/>
+                </a:ln>
+                <a:solidFill>
+                  <a:schemeClr val="tx1"/>
+                </a:solidFill>
+                <a:effectLst/>
+                <a:latin typeface="맑은 고딕" panose="020B0503020000020004" pitchFamily="50" charset="-127"/>
+                <a:ea typeface="맑은 고딕" panose="020B0503020000020004" pitchFamily="50" charset="-127"/>
+              </a:endParaRPr>
+            </a:p>
+          </p:txBody>
+        </p:sp>
+        <p:cxnSp>
+          <p:nvCxnSpPr>
+            <p:cNvPr id="63" name="직선 연결선 62"/>
+            <p:cNvCxnSpPr/>
+            <p:nvPr/>
+          </p:nvCxnSpPr>
+          <p:spPr bwMode="auto">
+            <a:xfrm>
+              <a:off x="544010" y="2442260"/>
+              <a:ext cx="2060294" cy="0"/>
+            </a:xfrm>
+            <a:prstGeom prst="line">
+              <a:avLst/>
+            </a:prstGeom>
+            <a:solidFill>
+              <a:schemeClr val="accent1"/>
+            </a:solidFill>
+            <a:ln w="12700" cap="flat" cmpd="sng" algn="ctr">
+              <a:solidFill>
+                <a:schemeClr val="tx1"/>
+              </a:solidFill>
+              <a:prstDash val="solid"/>
+              <a:round/>
+              <a:headEnd type="none" w="med" len="med"/>
+              <a:tailEnd type="none" w="med" len="med"/>
+            </a:ln>
+            <a:effectLst/>
+          </p:spPr>
+        </p:cxnSp>
+      </p:grpSp>
+      <p:grpSp>
+        <p:nvGrpSpPr>
+          <p:cNvPr id="64" name="그룹 63"/>
+          <p:cNvGrpSpPr/>
+          <p:nvPr/>
+        </p:nvGrpSpPr>
+        <p:grpSpPr>
+          <a:xfrm>
+            <a:off x="6261308" y="5037409"/>
+            <a:ext cx="2060294" cy="1145894"/>
+            <a:chOff x="544010" y="1455016"/>
+            <a:chExt cx="2060294" cy="1145894"/>
+          </a:xfrm>
+        </p:grpSpPr>
+        <p:sp>
+          <p:nvSpPr>
+            <p:cNvPr id="65" name="직사각형 64"/>
+            <p:cNvSpPr/>
+            <p:nvPr/>
+          </p:nvSpPr>
+          <p:spPr bwMode="auto">
+            <a:xfrm>
+              <a:off x="544010" y="1455016"/>
               <a:ext cx="2060294" cy="1145894"/>
             </a:xfrm>
             <a:prstGeom prst="rect">
@@ -8909,7 +6636,7 @@
                   <a:latin typeface="맑은 고딕" panose="020B0503020000020004" pitchFamily="50" charset="-127"/>
                   <a:ea typeface="맑은 고딕" panose="020B0503020000020004" pitchFamily="50" charset="-127"/>
                 </a:rPr>
-                <a:t>SetFontColor</a:t>
+                <a:t>SetAlarmDate</a:t>
               </a:r>
               <a:endParaRPr kumimoji="0" lang="en-US" altLang="ko-KR" sz="1600" b="1" i="0" u="none" strike="noStrike" cap="none" spc="-150" normalizeH="0" baseline="0" dirty="0" smtClean="0">
                 <a:ln>
@@ -8966,14 +6693,14 @@
                 <a:tabLst/>
               </a:pPr>
               <a:r>
-                <a:rPr lang="en-US" altLang="ko-KR" sz="1600" b="1" spc="-150" dirty="0" smtClean="0">
+                <a:rPr lang="ko-KR" altLang="en-US" sz="1600" b="1" spc="-150" dirty="0" err="1" smtClean="0">
                   <a:solidFill>
                     <a:schemeClr val="tx1"/>
                   </a:solidFill>
                   <a:latin typeface="맑은 고딕" panose="020B0503020000020004" pitchFamily="50" charset="-127"/>
                   <a:ea typeface="맑은 고딕" panose="020B0503020000020004" pitchFamily="50" charset="-127"/>
                 </a:rPr>
-                <a:t>To Do </a:t>
+                <a:t>알람</a:t>
               </a:r>
               <a:r>
                 <a:rPr lang="ko-KR" altLang="en-US" sz="1600" b="1" spc="-150" dirty="0" smtClean="0">
@@ -8983,646 +6710,17 @@
                   <a:latin typeface="맑은 고딕" panose="020B0503020000020004" pitchFamily="50" charset="-127"/>
                   <a:ea typeface="맑은 고딕" panose="020B0503020000020004" pitchFamily="50" charset="-127"/>
                 </a:rPr>
-                <a:t>항목 글자 색 변경</a:t>
+                <a:t> </a:t>
               </a:r>
-              <a:endParaRPr kumimoji="0" lang="en-US" altLang="ko-KR" sz="1600" b="1" i="0" u="none" strike="noStrike" cap="none" spc="-150" normalizeH="0" baseline="0" dirty="0" smtClean="0">
-                <a:ln>
-                  <a:noFill/>
-                </a:ln>
-                <a:solidFill>
-                  <a:schemeClr val="tx1"/>
-                </a:solidFill>
-                <a:effectLst/>
-                <a:latin typeface="맑은 고딕" panose="020B0503020000020004" pitchFamily="50" charset="-127"/>
-                <a:ea typeface="맑은 고딕" panose="020B0503020000020004" pitchFamily="50" charset="-127"/>
-              </a:endParaRPr>
-            </a:p>
-            <a:p>
-              <a:pPr marL="0" marR="0" indent="0" algn="ctr" defTabSz="914400" rtl="0" eaLnBrk="0" fontAlgn="base" latinLnBrk="0" hangingPunct="0">
-                <a:lnSpc>
-                  <a:spcPct val="100000"/>
-                </a:lnSpc>
-                <a:spcBef>
-                  <a:spcPct val="0"/>
-                </a:spcBef>
-                <a:spcAft>
-                  <a:spcPct val="0"/>
-                </a:spcAft>
-                <a:buClrTx/>
-                <a:buSzTx/>
-                <a:buFontTx/>
-                <a:buNone/>
-                <a:tabLst/>
-              </a:pPr>
-              <a:endParaRPr kumimoji="0" lang="ko-KR" altLang="en-US" sz="1600" b="1" i="0" u="none" strike="noStrike" cap="none" spc="-150" normalizeH="0" baseline="0" dirty="0" smtClean="0">
-                <a:ln>
-                  <a:noFill/>
-                </a:ln>
-                <a:solidFill>
-                  <a:schemeClr val="tx1"/>
-                </a:solidFill>
-                <a:effectLst/>
-                <a:latin typeface="맑은 고딕" panose="020B0503020000020004" pitchFamily="50" charset="-127"/>
-                <a:ea typeface="맑은 고딕" panose="020B0503020000020004" pitchFamily="50" charset="-127"/>
-              </a:endParaRPr>
-            </a:p>
-          </p:txBody>
-        </p:sp>
-      </p:grpSp>
-      <p:grpSp>
-        <p:nvGrpSpPr>
-          <p:cNvPr id="129" name="그룹 128"/>
-          <p:cNvGrpSpPr/>
-          <p:nvPr/>
-        </p:nvGrpSpPr>
-        <p:grpSpPr>
-          <a:xfrm>
-            <a:off x="6585393" y="1054483"/>
-            <a:ext cx="2068871" cy="2980240"/>
-            <a:chOff x="803955" y="1464019"/>
-            <a:chExt cx="2068871" cy="2980240"/>
-          </a:xfrm>
-        </p:grpSpPr>
-        <p:grpSp>
-          <p:nvGrpSpPr>
-            <p:cNvPr id="130" name="그룹 129"/>
-            <p:cNvGrpSpPr/>
-            <p:nvPr/>
-          </p:nvGrpSpPr>
-          <p:grpSpPr>
-            <a:xfrm>
-              <a:off x="812532" y="3298365"/>
-              <a:ext cx="2060294" cy="1145894"/>
-              <a:chOff x="544010" y="1455016"/>
-              <a:chExt cx="2060294" cy="1145894"/>
-            </a:xfrm>
-          </p:grpSpPr>
-          <p:sp>
-            <p:nvSpPr>
-              <p:cNvPr id="134" name="직사각형 133"/>
-              <p:cNvSpPr/>
-              <p:nvPr/>
-            </p:nvSpPr>
-            <p:spPr bwMode="auto">
-              <a:xfrm>
-                <a:off x="544010" y="1455016"/>
-                <a:ext cx="2060294" cy="1145894"/>
-              </a:xfrm>
-              <a:prstGeom prst="rect">
-                <a:avLst/>
-              </a:prstGeom>
-              <a:ln>
-                <a:headEnd type="none" w="med" len="med"/>
-                <a:tailEnd type="none" w="med" len="med"/>
-              </a:ln>
-            </p:spPr>
-            <p:style>
-              <a:lnRef idx="1">
-                <a:schemeClr val="accent2"/>
-              </a:lnRef>
-              <a:fillRef idx="2">
-                <a:schemeClr val="accent2"/>
-              </a:fillRef>
-              <a:effectRef idx="1">
-                <a:schemeClr val="accent2"/>
-              </a:effectRef>
-              <a:fontRef idx="minor">
-                <a:schemeClr val="dk1"/>
-              </a:fontRef>
-            </p:style>
-            <p:txBody>
-              <a:bodyPr vert="horz" wrap="none" lIns="90000" tIns="46800" rIns="90000" bIns="46800" numCol="1" rtlCol="0" anchor="ctr" anchorCtr="0" compatLnSpc="1">
-                <a:prstTxWarp prst="textNoShape">
-                  <a:avLst/>
-                </a:prstTxWarp>
-              </a:bodyPr>
-              <a:lstStyle/>
-              <a:p>
-                <a:pPr marL="0" marR="0" indent="0" algn="ctr" defTabSz="914400" rtl="0" eaLnBrk="0" fontAlgn="base" latinLnBrk="0" hangingPunct="0">
-                  <a:lnSpc>
-                    <a:spcPct val="100000"/>
-                  </a:lnSpc>
-                  <a:spcBef>
-                    <a:spcPct val="0"/>
-                  </a:spcBef>
-                  <a:spcAft>
-                    <a:spcPct val="0"/>
-                  </a:spcAft>
-                  <a:buClrTx/>
-                  <a:buSzTx/>
-                  <a:buFontTx/>
-                  <a:buNone/>
-                  <a:tabLst/>
-                </a:pPr>
-                <a:r>
-                  <a:rPr lang="en-US" altLang="ko-KR" sz="1600" b="1" spc="-150" dirty="0" err="1" smtClean="0">
-                    <a:solidFill>
-                      <a:schemeClr val="tx1"/>
-                    </a:solidFill>
-                    <a:latin typeface="맑은 고딕" panose="020B0503020000020004" pitchFamily="50" charset="-127"/>
-                    <a:ea typeface="맑은 고딕" panose="020B0503020000020004" pitchFamily="50" charset="-127"/>
-                  </a:rPr>
-                  <a:t>CallDeadLine</a:t>
-                </a:r>
-                <a:endParaRPr kumimoji="0" lang="en-US" altLang="ko-KR" sz="1600" b="1" i="0" u="none" strike="noStrike" cap="none" spc="-150" normalizeH="0" baseline="0" dirty="0" smtClean="0">
-                  <a:ln>
-                    <a:noFill/>
-                  </a:ln>
-                  <a:solidFill>
-                    <a:schemeClr val="tx1"/>
-                  </a:solidFill>
-                  <a:effectLst/>
-                  <a:latin typeface="맑은 고딕" panose="020B0503020000020004" pitchFamily="50" charset="-127"/>
-                  <a:ea typeface="맑은 고딕" panose="020B0503020000020004" pitchFamily="50" charset="-127"/>
-                </a:endParaRPr>
-              </a:p>
-              <a:p>
-                <a:pPr marL="0" marR="0" indent="0" algn="ctr" defTabSz="914400" rtl="0" eaLnBrk="0" fontAlgn="base" latinLnBrk="0" hangingPunct="0">
-                  <a:lnSpc>
-                    <a:spcPct val="100000"/>
-                  </a:lnSpc>
-                  <a:spcBef>
-                    <a:spcPct val="0"/>
-                  </a:spcBef>
-                  <a:spcAft>
-                    <a:spcPct val="0"/>
-                  </a:spcAft>
-                  <a:buClrTx/>
-                  <a:buSzTx/>
-                  <a:buFontTx/>
-                  <a:buNone/>
-                  <a:tabLst/>
-                </a:pPr>
-                <a:endParaRPr lang="en-US" altLang="ko-KR" sz="1600" b="1" spc="-150" dirty="0">
-                  <a:solidFill>
-                    <a:schemeClr val="tx1"/>
-                  </a:solidFill>
-                  <a:latin typeface="맑은 고딕" panose="020B0503020000020004" pitchFamily="50" charset="-127"/>
-                  <a:ea typeface="맑은 고딕" panose="020B0503020000020004" pitchFamily="50" charset="-127"/>
-                </a:endParaRPr>
-              </a:p>
-              <a:p>
-                <a:pPr marL="0" marR="0" indent="0" algn="ctr" defTabSz="914400" rtl="0" eaLnBrk="0" fontAlgn="base" latinLnBrk="0" hangingPunct="0">
-                  <a:lnSpc>
-                    <a:spcPct val="100000"/>
-                  </a:lnSpc>
-                  <a:spcBef>
-                    <a:spcPct val="0"/>
-                  </a:spcBef>
-                  <a:spcAft>
-                    <a:spcPct val="0"/>
-                  </a:spcAft>
-                  <a:buClrTx/>
-                  <a:buSzTx/>
-                  <a:buFontTx/>
-                  <a:buNone/>
-                  <a:tabLst/>
-                </a:pPr>
-                <a:r>
-                  <a:rPr kumimoji="0" lang="en-US" altLang="ko-KR" sz="1600" b="1" i="0" u="none" strike="noStrike" cap="none" spc="-150" normalizeH="0" baseline="0" dirty="0" err="1" smtClean="0">
-                    <a:ln>
-                      <a:noFill/>
-                    </a:ln>
-                    <a:solidFill>
-                      <a:schemeClr val="tx1"/>
-                    </a:solidFill>
-                    <a:effectLst/>
-                    <a:latin typeface="맑은 고딕" panose="020B0503020000020004" pitchFamily="50" charset="-127"/>
-                    <a:ea typeface="맑은 고딕" panose="020B0503020000020004" pitchFamily="50" charset="-127"/>
-                  </a:rPr>
-                  <a:t>Todo</a:t>
-                </a:r>
-                <a:r>
-                  <a:rPr lang="ko-KR" altLang="en-US" sz="1600" b="1" spc="-150" dirty="0" smtClean="0">
-                    <a:solidFill>
-                      <a:schemeClr val="tx1"/>
-                    </a:solidFill>
-                    <a:latin typeface="맑은 고딕" panose="020B0503020000020004" pitchFamily="50" charset="-127"/>
-                    <a:ea typeface="맑은 고딕" panose="020B0503020000020004" pitchFamily="50" charset="-127"/>
-                  </a:rPr>
-                  <a:t>에서 마감일 호출</a:t>
-                </a:r>
-                <a:endParaRPr kumimoji="0" lang="en-US" altLang="ko-KR" sz="1600" b="1" i="0" u="none" strike="noStrike" cap="none" spc="-150" normalizeH="0" baseline="0" dirty="0" smtClean="0">
-                  <a:ln>
-                    <a:noFill/>
-                  </a:ln>
-                  <a:solidFill>
-                    <a:schemeClr val="tx1"/>
-                  </a:solidFill>
-                  <a:effectLst/>
-                  <a:latin typeface="맑은 고딕" panose="020B0503020000020004" pitchFamily="50" charset="-127"/>
-                  <a:ea typeface="맑은 고딕" panose="020B0503020000020004" pitchFamily="50" charset="-127"/>
-                </a:endParaRPr>
-              </a:p>
-              <a:p>
-                <a:pPr marL="0" marR="0" indent="0" algn="ctr" defTabSz="914400" rtl="0" eaLnBrk="0" fontAlgn="base" latinLnBrk="0" hangingPunct="0">
-                  <a:lnSpc>
-                    <a:spcPct val="100000"/>
-                  </a:lnSpc>
-                  <a:spcBef>
-                    <a:spcPct val="0"/>
-                  </a:spcBef>
-                  <a:spcAft>
-                    <a:spcPct val="0"/>
-                  </a:spcAft>
-                  <a:buClrTx/>
-                  <a:buSzTx/>
-                  <a:buFontTx/>
-                  <a:buNone/>
-                  <a:tabLst/>
-                </a:pPr>
-                <a:endParaRPr kumimoji="0" lang="ko-KR" altLang="en-US" sz="1600" b="1" i="0" u="none" strike="noStrike" cap="none" spc="-150" normalizeH="0" baseline="0" dirty="0" smtClean="0">
-                  <a:ln>
-                    <a:noFill/>
-                  </a:ln>
-                  <a:solidFill>
-                    <a:schemeClr val="tx1"/>
-                  </a:solidFill>
-                  <a:effectLst/>
-                  <a:latin typeface="맑은 고딕" panose="020B0503020000020004" pitchFamily="50" charset="-127"/>
-                  <a:ea typeface="맑은 고딕" panose="020B0503020000020004" pitchFamily="50" charset="-127"/>
-                </a:endParaRPr>
-              </a:p>
-            </p:txBody>
-          </p:sp>
-          <p:cxnSp>
-            <p:nvCxnSpPr>
-              <p:cNvPr id="135" name="직선 연결선 134"/>
-              <p:cNvCxnSpPr/>
-              <p:nvPr/>
-            </p:nvCxnSpPr>
-            <p:spPr bwMode="auto">
-              <a:xfrm>
-                <a:off x="544010" y="1828801"/>
-                <a:ext cx="2060294" cy="0"/>
-              </a:xfrm>
-              <a:prstGeom prst="line">
-                <a:avLst/>
-              </a:prstGeom>
-              <a:solidFill>
-                <a:schemeClr val="accent1"/>
-              </a:solidFill>
-              <a:ln w="12700" cap="flat" cmpd="sng" algn="ctr">
-                <a:solidFill>
-                  <a:schemeClr val="tx1"/>
-                </a:solidFill>
-                <a:prstDash val="solid"/>
-                <a:round/>
-                <a:headEnd type="none" w="med" len="med"/>
-                <a:tailEnd type="none" w="med" len="med"/>
-              </a:ln>
-              <a:effectLst/>
-            </p:spPr>
-          </p:cxnSp>
-        </p:grpSp>
-        <p:grpSp>
-          <p:nvGrpSpPr>
-            <p:cNvPr id="131" name="그룹 130"/>
-            <p:cNvGrpSpPr/>
-            <p:nvPr/>
-          </p:nvGrpSpPr>
-          <p:grpSpPr>
-            <a:xfrm>
-              <a:off x="803955" y="1464019"/>
-              <a:ext cx="2068871" cy="1145894"/>
-              <a:chOff x="553474" y="1536241"/>
-              <a:chExt cx="2068871" cy="1145894"/>
-            </a:xfrm>
-          </p:grpSpPr>
-          <p:sp>
-            <p:nvSpPr>
-              <p:cNvPr id="132" name="직사각형 131"/>
-              <p:cNvSpPr/>
-              <p:nvPr/>
-            </p:nvSpPr>
-            <p:spPr bwMode="auto">
-              <a:xfrm>
-                <a:off x="562051" y="1536241"/>
-                <a:ext cx="2060294" cy="1145894"/>
-              </a:xfrm>
-              <a:prstGeom prst="rect">
-                <a:avLst/>
-              </a:prstGeom>
-              <a:ln>
-                <a:headEnd type="none" w="med" len="med"/>
-                <a:tailEnd type="none" w="med" len="med"/>
-              </a:ln>
-            </p:spPr>
-            <p:style>
-              <a:lnRef idx="1">
-                <a:schemeClr val="accent2"/>
-              </a:lnRef>
-              <a:fillRef idx="2">
-                <a:schemeClr val="accent2"/>
-              </a:fillRef>
-              <a:effectRef idx="1">
-                <a:schemeClr val="accent2"/>
-              </a:effectRef>
-              <a:fontRef idx="minor">
-                <a:schemeClr val="dk1"/>
-              </a:fontRef>
-            </p:style>
-            <p:txBody>
-              <a:bodyPr vert="horz" wrap="none" lIns="90000" tIns="46800" rIns="90000" bIns="46800" numCol="1" rtlCol="0" anchor="ctr" anchorCtr="0" compatLnSpc="1">
-                <a:prstTxWarp prst="textNoShape">
-                  <a:avLst/>
-                </a:prstTxWarp>
-              </a:bodyPr>
-              <a:lstStyle/>
-              <a:p>
-                <a:pPr marL="0" marR="0" indent="0" algn="ctr" defTabSz="914400" rtl="0" eaLnBrk="0" fontAlgn="base" latinLnBrk="0" hangingPunct="0">
-                  <a:lnSpc>
-                    <a:spcPct val="100000"/>
-                  </a:lnSpc>
-                  <a:spcBef>
-                    <a:spcPct val="0"/>
-                  </a:spcBef>
-                  <a:spcAft>
-                    <a:spcPct val="0"/>
-                  </a:spcAft>
-                  <a:buClrTx/>
-                  <a:buSzTx/>
-                  <a:buFontTx/>
-                  <a:buNone/>
-                  <a:tabLst/>
-                </a:pPr>
-                <a:r>
-                  <a:rPr lang="en-US" altLang="ko-KR" sz="1600" b="1" spc="-150" dirty="0" err="1" smtClean="0">
-                    <a:solidFill>
-                      <a:schemeClr val="tx1"/>
-                    </a:solidFill>
-                    <a:latin typeface="맑은 고딕" panose="020B0503020000020004" pitchFamily="50" charset="-127"/>
-                    <a:ea typeface="맑은 고딕" panose="020B0503020000020004" pitchFamily="50" charset="-127"/>
-                  </a:rPr>
-                  <a:t>DeadLinePrint</a:t>
-                </a:r>
-                <a:endParaRPr lang="en-US" altLang="ko-KR" sz="1600" b="1" spc="-150" dirty="0" smtClean="0">
-                  <a:solidFill>
-                    <a:schemeClr val="tx1"/>
-                  </a:solidFill>
-                  <a:latin typeface="맑은 고딕" panose="020B0503020000020004" pitchFamily="50" charset="-127"/>
-                  <a:ea typeface="맑은 고딕" panose="020B0503020000020004" pitchFamily="50" charset="-127"/>
-                </a:endParaRPr>
-              </a:p>
-              <a:p>
-                <a:pPr marL="0" marR="0" indent="0" algn="ctr" defTabSz="914400" rtl="0" eaLnBrk="0" fontAlgn="base" latinLnBrk="0" hangingPunct="0">
-                  <a:lnSpc>
-                    <a:spcPct val="100000"/>
-                  </a:lnSpc>
-                  <a:spcBef>
-                    <a:spcPct val="0"/>
-                  </a:spcBef>
-                  <a:spcAft>
-                    <a:spcPct val="0"/>
-                  </a:spcAft>
-                  <a:buClrTx/>
-                  <a:buSzTx/>
-                  <a:buFontTx/>
-                  <a:buNone/>
-                  <a:tabLst/>
-                </a:pPr>
-                <a:endParaRPr kumimoji="0" lang="en-US" altLang="ko-KR" sz="1600" b="1" i="0" u="none" strike="noStrike" cap="none" spc="-150" normalizeH="0" baseline="0" dirty="0" smtClean="0">
-                  <a:ln>
-                    <a:noFill/>
-                  </a:ln>
-                  <a:solidFill>
-                    <a:schemeClr val="tx1"/>
-                  </a:solidFill>
-                  <a:effectLst/>
-                  <a:latin typeface="맑은 고딕" panose="020B0503020000020004" pitchFamily="50" charset="-127"/>
-                  <a:ea typeface="맑은 고딕" panose="020B0503020000020004" pitchFamily="50" charset="-127"/>
-                </a:endParaRPr>
-              </a:p>
-              <a:p>
-                <a:pPr marL="0" marR="0" indent="0" algn="ctr" defTabSz="914400" rtl="0" eaLnBrk="0" fontAlgn="base" latinLnBrk="0" hangingPunct="0">
-                  <a:lnSpc>
-                    <a:spcPct val="100000"/>
-                  </a:lnSpc>
-                  <a:spcBef>
-                    <a:spcPct val="0"/>
-                  </a:spcBef>
-                  <a:spcAft>
-                    <a:spcPct val="0"/>
-                  </a:spcAft>
-                  <a:buClrTx/>
-                  <a:buSzTx/>
-                  <a:buFontTx/>
-                  <a:buNone/>
-                  <a:tabLst/>
-                </a:pPr>
-                <a:r>
-                  <a:rPr lang="ko-KR" altLang="en-US" sz="1600" b="1" spc="-150" dirty="0" smtClean="0">
-                    <a:solidFill>
-                      <a:schemeClr val="tx1"/>
-                    </a:solidFill>
-                    <a:latin typeface="맑은 고딕" panose="020B0503020000020004" pitchFamily="50" charset="-127"/>
-                    <a:ea typeface="맑은 고딕" panose="020B0503020000020004" pitchFamily="50" charset="-127"/>
-                  </a:rPr>
-                  <a:t>호출한 마감일 출력</a:t>
-                </a:r>
-                <a:endParaRPr kumimoji="0" lang="ko-KR" altLang="en-US" sz="1600" b="1" i="0" u="none" strike="noStrike" cap="none" spc="-150" normalizeH="0" baseline="0" dirty="0" smtClean="0">
-                  <a:ln>
-                    <a:noFill/>
-                  </a:ln>
-                  <a:solidFill>
-                    <a:schemeClr val="tx1"/>
-                  </a:solidFill>
-                  <a:effectLst/>
-                  <a:latin typeface="맑은 고딕" panose="020B0503020000020004" pitchFamily="50" charset="-127"/>
-                  <a:ea typeface="맑은 고딕" panose="020B0503020000020004" pitchFamily="50" charset="-127"/>
-                </a:endParaRPr>
-              </a:p>
-            </p:txBody>
-          </p:sp>
-          <p:cxnSp>
-            <p:nvCxnSpPr>
-              <p:cNvPr id="133" name="직선 연결선 132"/>
-              <p:cNvCxnSpPr/>
-              <p:nvPr/>
-            </p:nvCxnSpPr>
-            <p:spPr bwMode="auto">
-              <a:xfrm>
-                <a:off x="553474" y="1970691"/>
-                <a:ext cx="2060294" cy="0"/>
-              </a:xfrm>
-              <a:prstGeom prst="line">
-                <a:avLst/>
-              </a:prstGeom>
-              <a:solidFill>
-                <a:schemeClr val="accent1"/>
-              </a:solidFill>
-              <a:ln w="12700" cap="flat" cmpd="sng" algn="ctr">
-                <a:solidFill>
-                  <a:schemeClr val="tx1"/>
-                </a:solidFill>
-                <a:prstDash val="solid"/>
-                <a:round/>
-                <a:headEnd type="none" w="med" len="med"/>
-                <a:tailEnd type="none" w="med" len="med"/>
-              </a:ln>
-              <a:effectLst/>
-            </p:spPr>
-          </p:cxnSp>
-        </p:grpSp>
-      </p:grpSp>
-      <p:grpSp>
-        <p:nvGrpSpPr>
-          <p:cNvPr id="136" name="그룹 135"/>
-          <p:cNvGrpSpPr/>
-          <p:nvPr/>
-        </p:nvGrpSpPr>
-        <p:grpSpPr>
-          <a:xfrm>
-            <a:off x="6593970" y="4709691"/>
-            <a:ext cx="2091585" cy="1145894"/>
-            <a:chOff x="346343" y="1474088"/>
-            <a:chExt cx="2091585" cy="1145894"/>
-          </a:xfrm>
-        </p:grpSpPr>
-        <p:sp>
-          <p:nvSpPr>
-            <p:cNvPr id="137" name="직사각형 136"/>
-            <p:cNvSpPr/>
-            <p:nvPr/>
-          </p:nvSpPr>
-          <p:spPr bwMode="auto">
-            <a:xfrm>
-              <a:off x="346343" y="1474088"/>
-              <a:ext cx="2060294" cy="1145894"/>
-            </a:xfrm>
-            <a:prstGeom prst="rect">
-              <a:avLst/>
-            </a:prstGeom>
-            <a:ln>
-              <a:headEnd type="none" w="med" len="med"/>
-              <a:tailEnd type="none" w="med" len="med"/>
-            </a:ln>
-          </p:spPr>
-          <p:style>
-            <a:lnRef idx="1">
-              <a:schemeClr val="accent2"/>
-            </a:lnRef>
-            <a:fillRef idx="2">
-              <a:schemeClr val="accent2"/>
-            </a:fillRef>
-            <a:effectRef idx="1">
-              <a:schemeClr val="accent2"/>
-            </a:effectRef>
-            <a:fontRef idx="minor">
-              <a:schemeClr val="dk1"/>
-            </a:fontRef>
-          </p:style>
-          <p:txBody>
-            <a:bodyPr vert="horz" wrap="none" lIns="90000" tIns="46800" rIns="90000" bIns="46800" numCol="1" rtlCol="0" anchor="ctr" anchorCtr="0" compatLnSpc="1">
-              <a:prstTxWarp prst="textNoShape">
-                <a:avLst/>
-              </a:prstTxWarp>
-            </a:bodyPr>
-            <a:lstStyle/>
-            <a:p>
-              <a:pPr marL="0" marR="0" indent="0" algn="ctr" defTabSz="914400" rtl="0" eaLnBrk="0" fontAlgn="base" latinLnBrk="0" hangingPunct="0">
-                <a:lnSpc>
-                  <a:spcPct val="100000"/>
-                </a:lnSpc>
-                <a:spcBef>
-                  <a:spcPct val="0"/>
-                </a:spcBef>
-                <a:spcAft>
-                  <a:spcPct val="0"/>
-                </a:spcAft>
-                <a:buClrTx/>
-                <a:buSzTx/>
-                <a:buFontTx/>
-                <a:buNone/>
-                <a:tabLst/>
-              </a:pPr>
               <a:r>
-                <a:rPr lang="en-US" altLang="ko-KR" sz="1600" b="1" spc="-150" dirty="0" err="1" smtClean="0">
+                <a:rPr lang="en-US" altLang="ko-KR" sz="1600" b="1" spc="-150" dirty="0" smtClean="0">
                   <a:solidFill>
                     <a:schemeClr val="tx1"/>
                   </a:solidFill>
                   <a:latin typeface="맑은 고딕" panose="020B0503020000020004" pitchFamily="50" charset="-127"/>
                   <a:ea typeface="맑은 고딕" panose="020B0503020000020004" pitchFamily="50" charset="-127"/>
                 </a:rPr>
-                <a:t>TodoData</a:t>
-              </a:r>
-              <a:endParaRPr kumimoji="0" lang="en-US" altLang="ko-KR" sz="1600" b="1" i="0" u="none" strike="noStrike" cap="none" spc="-150" normalizeH="0" baseline="0" dirty="0" smtClean="0">
-                <a:ln>
-                  <a:noFill/>
-                </a:ln>
-                <a:solidFill>
-                  <a:schemeClr val="tx1"/>
-                </a:solidFill>
-                <a:effectLst/>
-                <a:latin typeface="맑은 고딕" panose="020B0503020000020004" pitchFamily="50" charset="-127"/>
-                <a:ea typeface="맑은 고딕" panose="020B0503020000020004" pitchFamily="50" charset="-127"/>
-              </a:endParaRPr>
-            </a:p>
-            <a:p>
-              <a:pPr marL="0" marR="0" indent="0" algn="ctr" defTabSz="914400" rtl="0" eaLnBrk="0" fontAlgn="base" latinLnBrk="0" hangingPunct="0">
-                <a:lnSpc>
-                  <a:spcPct val="100000"/>
-                </a:lnSpc>
-                <a:spcBef>
-                  <a:spcPct val="0"/>
-                </a:spcBef>
-                <a:spcAft>
-                  <a:spcPct val="0"/>
-                </a:spcAft>
-                <a:buClrTx/>
-                <a:buSzTx/>
-                <a:buFontTx/>
-                <a:buNone/>
-                <a:tabLst/>
-              </a:pPr>
-              <a:endParaRPr lang="en-US" altLang="ko-KR" sz="1600" b="1" spc="-150" dirty="0">
-                <a:solidFill>
-                  <a:schemeClr val="tx1"/>
-                </a:solidFill>
-                <a:latin typeface="맑은 고딕" panose="020B0503020000020004" pitchFamily="50" charset="-127"/>
-                <a:ea typeface="맑은 고딕" panose="020B0503020000020004" pitchFamily="50" charset="-127"/>
-              </a:endParaRPr>
-            </a:p>
-            <a:p>
-              <a:pPr marL="0" marR="0" indent="0" algn="ctr" defTabSz="914400" rtl="0" eaLnBrk="0" fontAlgn="base" latinLnBrk="0" hangingPunct="0">
-                <a:lnSpc>
-                  <a:spcPct val="100000"/>
-                </a:lnSpc>
-                <a:spcBef>
-                  <a:spcPct val="0"/>
-                </a:spcBef>
-                <a:spcAft>
-                  <a:spcPct val="0"/>
-                </a:spcAft>
-                <a:buClrTx/>
-                <a:buSzTx/>
-                <a:buFontTx/>
-                <a:buNone/>
-                <a:tabLst/>
-              </a:pPr>
-              <a:r>
-                <a:rPr kumimoji="0" lang="en-US" altLang="ko-KR" sz="1600" b="1" i="0" u="none" strike="noStrike" cap="none" spc="-150" normalizeH="0" baseline="0" dirty="0" err="1" smtClean="0">
-                  <a:ln>
-                    <a:noFill/>
-                  </a:ln>
-                  <a:solidFill>
-                    <a:schemeClr val="tx1"/>
-                  </a:solidFill>
-                  <a:effectLst/>
-                  <a:latin typeface="맑은 고딕" panose="020B0503020000020004" pitchFamily="50" charset="-127"/>
-                  <a:ea typeface="맑은 고딕" panose="020B0503020000020004" pitchFamily="50" charset="-127"/>
-                </a:rPr>
-                <a:t>Todo</a:t>
-              </a:r>
-              <a:r>
-                <a:rPr lang="ko-KR" altLang="en-US" sz="1600" b="1" spc="-150" dirty="0">
-                  <a:solidFill>
-                    <a:schemeClr val="tx1"/>
-                  </a:solidFill>
-                  <a:latin typeface="맑은 고딕" panose="020B0503020000020004" pitchFamily="50" charset="-127"/>
-                  <a:ea typeface="맑은 고딕" panose="020B0503020000020004" pitchFamily="50" charset="-127"/>
-                </a:rPr>
-                <a:t> </a:t>
+                <a:t>D-day </a:t>
               </a:r>
               <a:r>
                 <a:rPr lang="ko-KR" altLang="en-US" sz="1600" b="1" spc="-150" dirty="0" smtClean="0">
@@ -9632,7 +6730,7 @@
                   <a:latin typeface="맑은 고딕" panose="020B0503020000020004" pitchFamily="50" charset="-127"/>
                   <a:ea typeface="맑은 고딕" panose="020B0503020000020004" pitchFamily="50" charset="-127"/>
                 </a:rPr>
-                <a:t>정보를 담는 객체</a:t>
+                <a:t>설정</a:t>
               </a:r>
               <a:endParaRPr kumimoji="0" lang="en-US" altLang="ko-KR" sz="1600" b="1" i="0" u="none" strike="noStrike" cap="none" spc="-150" normalizeH="0" baseline="0" dirty="0" smtClean="0">
                 <a:ln>
@@ -9679,13 +6777,13 @@
         </p:sp>
         <p:cxnSp>
           <p:nvCxnSpPr>
-            <p:cNvPr id="138" name="직선 연결선 137"/>
+            <p:cNvPr id="66" name="직선 연결선 65"/>
             <p:cNvCxnSpPr/>
             <p:nvPr/>
           </p:nvCxnSpPr>
           <p:spPr bwMode="auto">
             <a:xfrm>
-              <a:off x="377634" y="1849717"/>
+              <a:off x="544010" y="1828801"/>
               <a:ext cx="2060294" cy="0"/>
             </a:xfrm>
             <a:prstGeom prst="line">
@@ -9707,102 +6805,10 @@
           </p:spPr>
         </p:cxnSp>
       </p:grpSp>
-      <p:cxnSp>
-        <p:nvCxnSpPr>
-          <p:cNvPr id="139" name="직선 화살표 연결선 138"/>
-          <p:cNvCxnSpPr>
-            <a:endCxn id="137" idx="1"/>
-          </p:cNvCxnSpPr>
-          <p:nvPr/>
-        </p:nvCxnSpPr>
-        <p:spPr bwMode="auto">
-          <a:xfrm>
-            <a:off x="5004635" y="3690563"/>
-            <a:ext cx="1589335" cy="1592075"/>
-          </a:xfrm>
-          <a:prstGeom prst="straightConnector1">
-            <a:avLst/>
-          </a:prstGeom>
-          <a:solidFill>
-            <a:schemeClr val="accent1"/>
-          </a:solidFill>
-          <a:ln w="12700" cap="flat" cmpd="sng" algn="ctr">
-            <a:solidFill>
-              <a:schemeClr val="tx1"/>
-            </a:solidFill>
-            <a:prstDash val="sysDash"/>
-            <a:round/>
-            <a:headEnd type="none" w="med" len="med"/>
-            <a:tailEnd type="triangle"/>
-          </a:ln>
-          <a:effectLst/>
-        </p:spPr>
-      </p:cxnSp>
-      <p:cxnSp>
-        <p:nvCxnSpPr>
-          <p:cNvPr id="140" name="직선 화살표 연결선 139"/>
-          <p:cNvCxnSpPr>
-            <a:stCxn id="134" idx="2"/>
-            <a:endCxn id="137" idx="0"/>
-          </p:cNvCxnSpPr>
-          <p:nvPr/>
-        </p:nvCxnSpPr>
-        <p:spPr bwMode="auto">
-          <a:xfrm>
-            <a:off x="7624117" y="4034723"/>
-            <a:ext cx="0" cy="674968"/>
-          </a:xfrm>
-          <a:prstGeom prst="straightConnector1">
-            <a:avLst/>
-          </a:prstGeom>
-          <a:solidFill>
-            <a:schemeClr val="accent1"/>
-          </a:solidFill>
-          <a:ln w="12700" cap="flat" cmpd="sng" algn="ctr">
-            <a:solidFill>
-              <a:schemeClr val="tx1"/>
-            </a:solidFill>
-            <a:prstDash val="sysDash"/>
-            <a:round/>
-            <a:headEnd type="none" w="med" len="med"/>
-            <a:tailEnd type="triangle"/>
-          </a:ln>
-          <a:effectLst/>
-        </p:spPr>
-      </p:cxnSp>
-      <p:cxnSp>
-        <p:nvCxnSpPr>
-          <p:cNvPr id="141" name="직선 화살표 연결선 140"/>
-          <p:cNvCxnSpPr/>
-          <p:nvPr/>
-        </p:nvCxnSpPr>
-        <p:spPr bwMode="auto">
-          <a:xfrm>
-            <a:off x="7610132" y="2211237"/>
-            <a:ext cx="0" cy="688452"/>
-          </a:xfrm>
-          <a:prstGeom prst="straightConnector1">
-            <a:avLst/>
-          </a:prstGeom>
-          <a:solidFill>
-            <a:schemeClr val="accent1"/>
-          </a:solidFill>
-          <a:ln w="12700" cap="flat" cmpd="sng" algn="ctr">
-            <a:solidFill>
-              <a:schemeClr val="tx1"/>
-            </a:solidFill>
-            <a:prstDash val="sysDash"/>
-            <a:round/>
-            <a:headEnd type="none" w="med" len="med"/>
-            <a:tailEnd type="triangle"/>
-          </a:ln>
-          <a:effectLst/>
-        </p:spPr>
-      </p:cxnSp>
     </p:spTree>
     <p:extLst>
       <p:ext uri="{BB962C8B-B14F-4D97-AF65-F5344CB8AC3E}">
-        <p14:creationId xmlns:p14="http://schemas.microsoft.com/office/powerpoint/2010/main" val="1230436804"/>
+        <p14:creationId xmlns:p14="http://schemas.microsoft.com/office/powerpoint/2010/main" val="1776991861"/>
       </p:ext>
     </p:extLst>
   </p:cSld>

--- a/03 설계/Class 설계서_5_Cosign.pptx
+++ b/03 설계/Class 설계서_5_Cosign.pptx
@@ -5,15 +5,17 @@
     <p:sldMasterId id="2147483655" r:id="rId1"/>
   </p:sldMasterIdLst>
   <p:notesMasterIdLst>
-    <p:notesMasterId r:id="rId5"/>
+    <p:notesMasterId r:id="rId7"/>
   </p:notesMasterIdLst>
   <p:handoutMasterIdLst>
-    <p:handoutMasterId r:id="rId6"/>
+    <p:handoutMasterId r:id="rId8"/>
   </p:handoutMasterIdLst>
   <p:sldIdLst>
     <p:sldId id="256" r:id="rId2"/>
     <p:sldId id="257" r:id="rId3"/>
     <p:sldId id="263" r:id="rId4"/>
+    <p:sldId id="262" r:id="rId5"/>
+    <p:sldId id="264" r:id="rId6"/>
   </p:sldIdLst>
   <p:sldSz cx="9144000" cy="6858000" type="screen4x3"/>
   <p:notesSz cx="6797675" cy="9928225"/>
@@ -589,35 +591,35 @@
           <a:p>
             <a:pPr lvl="0"/>
             <a:r>
-              <a:rPr lang="en-GB" altLang="ko-KR" smtClean="0"/>
+              <a:rPr lang="en-GB" altLang="ko-KR"/>
               <a:t>Click to edit Master text styles</a:t>
             </a:r>
           </a:p>
           <a:p>
             <a:pPr lvl="1"/>
             <a:r>
-              <a:rPr lang="en-GB" altLang="ko-KR" smtClean="0"/>
+              <a:rPr lang="en-GB" altLang="ko-KR"/>
               <a:t>Second level</a:t>
             </a:r>
           </a:p>
           <a:p>
             <a:pPr lvl="2"/>
             <a:r>
-              <a:rPr lang="en-GB" altLang="ko-KR" smtClean="0"/>
+              <a:rPr lang="en-GB" altLang="ko-KR"/>
               <a:t>Third level</a:t>
             </a:r>
           </a:p>
           <a:p>
             <a:pPr lvl="3"/>
             <a:r>
-              <a:rPr lang="en-GB" altLang="ko-KR" smtClean="0"/>
+              <a:rPr lang="en-GB" altLang="ko-KR"/>
               <a:t>Fourth level</a:t>
             </a:r>
           </a:p>
           <a:p>
             <a:pPr lvl="4"/>
             <a:r>
-              <a:rPr lang="en-GB" altLang="ko-KR" smtClean="0"/>
+              <a:rPr lang="en-GB" altLang="ko-KR"/>
               <a:t>Fifth level</a:t>
             </a:r>
           </a:p>
@@ -1008,7 +1010,7 @@
           </a:bodyPr>
           <a:lstStyle/>
           <a:p>
-            <a:endParaRPr lang="en-US" altLang="ko-KR" sz="2400" b="1" dirty="0" smtClean="0">
+            <a:endParaRPr lang="en-US" altLang="ko-KR" sz="2400" b="1" dirty="0">
               <a:latin typeface="HY헤드라인M" pitchFamily="18" charset="-127"/>
               <a:ea typeface="HY헤드라인M" pitchFamily="18" charset="-127"/>
             </a:endParaRPr>
@@ -1062,18 +1064,13 @@
             </a:lvl1pPr>
           </a:lstStyle>
           <a:p>
-            <a:r>
-              <a:rPr lang="en-US" altLang="ko-KR" dirty="0" smtClean="0"/>
-              <a:t/>
-            </a:r>
             <a:br>
-              <a:rPr lang="en-US" altLang="ko-KR" dirty="0" smtClean="0"/>
+              <a:rPr lang="en-US" altLang="ko-KR" dirty="0"/>
             </a:br>
             <a:r>
-              <a:rPr lang="ko-KR" altLang="en-US" dirty="0" smtClean="0"/>
+              <a:rPr lang="ko-KR" altLang="en-US" dirty="0"/>
               <a:t>마스터 제목 스타일 편집</a:t>
             </a:r>
-            <a:endParaRPr lang="ko-KR" altLang="en-US" dirty="0"/>
           </a:p>
         </p:txBody>
       </p:sp>
@@ -1177,7 +1174,7 @@
                         <a:tabLst/>
                       </a:pPr>
                       <a:r>
-                        <a:rPr kumimoji="1" lang="ko-KR" altLang="en-US" sz="900" b="0" i="0" u="none" strike="noStrike" cap="none" normalizeH="0" baseline="0" dirty="0" smtClean="0">
+                        <a:rPr kumimoji="1" lang="ko-KR" altLang="en-US" sz="900" b="0" i="0" u="none" strike="noStrike" cap="none" normalizeH="0" baseline="0" dirty="0">
                           <a:ln>
                             <a:noFill/>
                           </a:ln>
@@ -1190,7 +1187,7 @@
                         </a:rPr>
                         <a:t>프로젝트 명</a:t>
                       </a:r>
-                      <a:endParaRPr kumimoji="1" lang="ko-KR" altLang="ko-KR" sz="900" b="0" i="0" u="none" strike="noStrike" cap="none" normalizeH="0" baseline="0" dirty="0" smtClean="0">
+                      <a:endParaRPr kumimoji="1" lang="ko-KR" altLang="ko-KR" sz="900" b="0" i="0" u="none" strike="noStrike" cap="none" normalizeH="0" baseline="0" dirty="0">
                         <a:ln>
                           <a:noFill/>
                         </a:ln>
@@ -1273,7 +1270,7 @@
                         <a:tabLst/>
                       </a:pPr>
                       <a:r>
-                        <a:rPr kumimoji="1" lang="en-US" altLang="ko-KR" sz="900" b="0" i="0" u="none" strike="noStrike" cap="none" normalizeH="0" baseline="0" dirty="0" smtClean="0">
+                        <a:rPr kumimoji="1" lang="en-US" altLang="ko-KR" sz="900" b="0" i="0" u="none" strike="noStrike" cap="none" normalizeH="0" baseline="0" dirty="0">
                           <a:ln>
                             <a:noFill/>
                           </a:ln>
@@ -1287,7 +1284,7 @@
                         <a:t>To do list </a:t>
                       </a:r>
                       <a:r>
-                        <a:rPr kumimoji="1" lang="ko-KR" altLang="en-US" sz="900" b="0" i="0" u="none" strike="noStrike" cap="none" normalizeH="0" baseline="0" dirty="0" smtClean="0">
+                        <a:rPr kumimoji="1" lang="ko-KR" altLang="en-US" sz="900" b="0" i="0" u="none" strike="noStrike" cap="none" normalizeH="0" baseline="0" dirty="0">
                           <a:ln>
                             <a:noFill/>
                           </a:ln>
@@ -1300,7 +1297,7 @@
                         </a:rPr>
                         <a:t>관리 프로그램</a:t>
                       </a:r>
-                      <a:endParaRPr kumimoji="1" lang="ko-KR" altLang="ko-KR" sz="900" b="0" i="0" u="none" strike="noStrike" cap="none" normalizeH="0" baseline="0" dirty="0" smtClean="0">
+                      <a:endParaRPr kumimoji="1" lang="ko-KR" altLang="ko-KR" sz="900" b="0" i="0" u="none" strike="noStrike" cap="none" normalizeH="0" baseline="0" dirty="0">
                         <a:ln>
                           <a:noFill/>
                         </a:ln>
@@ -1381,7 +1378,7 @@
                         <a:tabLst/>
                       </a:pPr>
                       <a:r>
-                        <a:rPr kumimoji="1" lang="ko-KR" altLang="en-US" sz="900" b="0" i="0" u="none" strike="noStrike" cap="none" normalizeH="0" baseline="0" dirty="0" smtClean="0">
+                        <a:rPr kumimoji="1" lang="ko-KR" altLang="en-US" sz="900" b="0" i="0" u="none" strike="noStrike" cap="none" normalizeH="0" baseline="0" dirty="0">
                           <a:ln>
                             <a:noFill/>
                           </a:ln>
@@ -1394,7 +1391,7 @@
                         </a:rPr>
                         <a:t>문서 명</a:t>
                       </a:r>
-                      <a:endParaRPr kumimoji="1" lang="ko-KR" altLang="ko-KR" sz="900" b="0" i="0" u="none" strike="noStrike" cap="none" normalizeH="0" baseline="0" dirty="0" smtClean="0">
+                      <a:endParaRPr kumimoji="1" lang="ko-KR" altLang="ko-KR" sz="900" b="0" i="0" u="none" strike="noStrike" cap="none" normalizeH="0" baseline="0" dirty="0">
                         <a:ln>
                           <a:noFill/>
                         </a:ln>
@@ -1477,7 +1474,7 @@
                         <a:tabLst/>
                       </a:pPr>
                       <a:r>
-                        <a:rPr kumimoji="1" lang="en-US" altLang="ko-KR" sz="900" b="0" i="0" u="none" strike="noStrike" cap="none" normalizeH="0" baseline="0" dirty="0" smtClean="0">
+                        <a:rPr kumimoji="1" lang="en-US" altLang="ko-KR" sz="900" b="0" i="0" u="none" strike="noStrike" cap="none" normalizeH="0" baseline="0" dirty="0">
                           <a:ln>
                             <a:noFill/>
                           </a:ln>
@@ -1491,7 +1488,7 @@
                         <a:t>Class </a:t>
                       </a:r>
                       <a:r>
-                        <a:rPr kumimoji="1" lang="ko-KR" altLang="en-US" sz="900" b="0" i="0" u="none" strike="noStrike" cap="none" normalizeH="0" baseline="0" dirty="0" smtClean="0">
+                        <a:rPr kumimoji="1" lang="ko-KR" altLang="en-US" sz="900" b="0" i="0" u="none" strike="noStrike" cap="none" normalizeH="0" baseline="0" dirty="0">
                           <a:ln>
                             <a:noFill/>
                           </a:ln>
@@ -1504,7 +1501,7 @@
                         </a:rPr>
                         <a:t>설계서</a:t>
                       </a:r>
-                      <a:endParaRPr kumimoji="1" lang="ko-KR" sz="900" b="0" i="0" u="none" strike="noStrike" cap="none" normalizeH="0" baseline="0" dirty="0" smtClean="0">
+                      <a:endParaRPr kumimoji="1" lang="ko-KR" sz="900" b="0" i="0" u="none" strike="noStrike" cap="none" normalizeH="0" baseline="0" dirty="0">
                         <a:ln>
                           <a:noFill/>
                         </a:ln>
@@ -1591,7 +1588,7 @@
                         <a:buNone/>
                         <a:tabLst/>
                       </a:pPr>
-                      <a:endParaRPr kumimoji="1" lang="ko-KR" sz="900" b="0" i="0" u="none" strike="noStrike" cap="none" normalizeH="0" baseline="0" dirty="0" smtClean="0">
+                      <a:endParaRPr kumimoji="1" lang="ko-KR" sz="900" b="0" i="0" u="none" strike="noStrike" cap="none" normalizeH="0" baseline="0" dirty="0">
                         <a:ln>
                           <a:noFill/>
                         </a:ln>
@@ -1673,7 +1670,7 @@
                         <a:buNone/>
                         <a:tabLst/>
                       </a:pPr>
-                      <a:endParaRPr kumimoji="1" lang="ko-KR" altLang="ko-KR" sz="900" b="0" i="0" u="none" strike="noStrike" cap="none" normalizeH="0" baseline="0" dirty="0" smtClean="0">
+                      <a:endParaRPr kumimoji="1" lang="ko-KR" altLang="ko-KR" sz="900" b="0" i="0" u="none" strike="noStrike" cap="none" normalizeH="0" baseline="0" dirty="0">
                         <a:ln>
                           <a:noFill/>
                         </a:ln>
@@ -1754,7 +1751,7 @@
                         <a:tabLst/>
                       </a:pPr>
                       <a:r>
-                        <a:rPr kumimoji="1" lang="ko-KR" altLang="en-US" sz="900" b="0" i="0" u="none" strike="noStrike" cap="none" normalizeH="0" baseline="0" dirty="0" smtClean="0">
+                        <a:rPr kumimoji="1" lang="ko-KR" altLang="en-US" sz="900" b="0" i="0" u="none" strike="noStrike" cap="none" normalizeH="0" baseline="0" dirty="0">
                           <a:ln>
                             <a:noFill/>
                           </a:ln>
@@ -1767,7 +1764,7 @@
                         </a:rPr>
                         <a:t>버전</a:t>
                       </a:r>
-                      <a:endParaRPr kumimoji="1" lang="ko-KR" altLang="ko-KR" sz="900" b="0" i="0" u="none" strike="noStrike" cap="none" normalizeH="0" baseline="0" dirty="0" smtClean="0">
+                      <a:endParaRPr kumimoji="1" lang="ko-KR" altLang="ko-KR" sz="900" b="0" i="0" u="none" strike="noStrike" cap="none" normalizeH="0" baseline="0" dirty="0">
                         <a:ln>
                           <a:noFill/>
                         </a:ln>
@@ -1850,7 +1847,7 @@
                         <a:tabLst/>
                       </a:pPr>
                       <a:r>
-                        <a:rPr kumimoji="1" lang="en-US" altLang="ko-KR" sz="900" b="0" i="0" u="none" strike="noStrike" cap="none" normalizeH="0" baseline="0" dirty="0" smtClean="0">
+                        <a:rPr kumimoji="1" lang="en-US" altLang="ko-KR" sz="900" b="0" i="0" u="none" strike="noStrike" cap="none" normalizeH="0" baseline="0" dirty="0">
                           <a:ln>
                             <a:noFill/>
                           </a:ln>
@@ -1863,7 +1860,7 @@
                         </a:rPr>
                         <a:t>V 1.0.1</a:t>
                       </a:r>
-                      <a:endParaRPr kumimoji="1" lang="ko-KR" altLang="ko-KR" sz="900" b="0" i="0" u="none" strike="noStrike" cap="none" normalizeH="0" baseline="0" dirty="0" smtClean="0">
+                      <a:endParaRPr kumimoji="1" lang="ko-KR" altLang="ko-KR" sz="900" b="0" i="0" u="none" strike="noStrike" cap="none" normalizeH="0" baseline="0" dirty="0">
                         <a:ln>
                           <a:noFill/>
                         </a:ln>
@@ -1979,10 +1976,9 @@
           <a:p>
             <a:pPr algn="r"/>
             <a:r>
-              <a:rPr lang="en-US" altLang="ko-KR" dirty="0" smtClean="0"/>
+              <a:rPr lang="en-US" altLang="ko-KR" dirty="0"/>
               <a:t>Cosign</a:t>
             </a:r>
-            <a:endParaRPr lang="en-US" altLang="ko-KR" dirty="0"/>
           </a:p>
         </p:txBody>
       </p:sp>
@@ -2036,7 +2032,7 @@
               <a:buNone/>
               <a:tabLst/>
             </a:pPr>
-            <a:endParaRPr kumimoji="0" lang="ko-KR" altLang="en-US" sz="1400" b="0" i="0" u="none" strike="noStrike" cap="none" normalizeH="0" baseline="0" smtClean="0">
+            <a:endParaRPr kumimoji="0" lang="ko-KR" altLang="en-US" sz="1400" b="0" i="0" u="none" strike="noStrike" cap="none" normalizeH="0" baseline="0">
               <a:ln>
                 <a:noFill/>
               </a:ln>
@@ -2105,7 +2101,7 @@
           </a:lstStyle>
           <a:p>
             <a:r>
-              <a:rPr lang="ko-KR" altLang="en-US" smtClean="0"/>
+              <a:rPr lang="ko-KR" altLang="en-US"/>
               <a:t>마스터 제목 스타일 편집</a:t>
             </a:r>
             <a:endParaRPr lang="ko-KR" altLang="en-US" dirty="0"/>
@@ -2155,35 +2151,35 @@
           <a:p>
             <a:pPr lvl="0"/>
             <a:r>
-              <a:rPr lang="ko-KR" altLang="en-US" smtClean="0"/>
+              <a:rPr lang="ko-KR" altLang="en-US"/>
               <a:t>마스터 텍스트 스타일을 편집합니다</a:t>
             </a:r>
           </a:p>
           <a:p>
             <a:pPr lvl="1"/>
             <a:r>
-              <a:rPr lang="ko-KR" altLang="en-US" smtClean="0"/>
+              <a:rPr lang="ko-KR" altLang="en-US"/>
               <a:t>둘째 수준</a:t>
             </a:r>
           </a:p>
           <a:p>
             <a:pPr lvl="2"/>
             <a:r>
-              <a:rPr lang="ko-KR" altLang="en-US" smtClean="0"/>
+              <a:rPr lang="ko-KR" altLang="en-US"/>
               <a:t>셋째 수준</a:t>
             </a:r>
           </a:p>
           <a:p>
             <a:pPr lvl="3"/>
             <a:r>
-              <a:rPr lang="ko-KR" altLang="en-US" smtClean="0"/>
+              <a:rPr lang="ko-KR" altLang="en-US"/>
               <a:t>넷째 수준</a:t>
             </a:r>
           </a:p>
           <a:p>
             <a:pPr lvl="4"/>
             <a:r>
-              <a:rPr lang="ko-KR" altLang="en-US" smtClean="0"/>
+              <a:rPr lang="ko-KR" altLang="en-US"/>
               <a:t>다섯째 수준</a:t>
             </a:r>
             <a:endParaRPr lang="ko-KR" altLang="en-US" dirty="0"/>
@@ -2307,10 +2303,9 @@
           <a:p>
             <a:pPr algn="r"/>
             <a:r>
-              <a:rPr lang="en-US" altLang="ko-KR" dirty="0" smtClean="0"/>
+              <a:rPr lang="en-US" altLang="ko-KR" dirty="0"/>
               <a:t>Cosign</a:t>
             </a:r>
-            <a:endParaRPr lang="en-US" altLang="ko-KR" dirty="0"/>
           </a:p>
         </p:txBody>
       </p:sp>
@@ -2512,7 +2507,7 @@
           <a:p>
             <a:pPr algn="r"/>
             <a:r>
-              <a:rPr lang="ko-KR" altLang="en-US" dirty="0" smtClean="0"/>
+              <a:rPr lang="ko-KR" altLang="en-US" dirty="0"/>
               <a:t>팀 명</a:t>
             </a:r>
             <a:endParaRPr lang="en-US" altLang="ko-KR" dirty="0"/>
@@ -3058,22 +3053,17 @@
           <a:bodyPr/>
           <a:lstStyle/>
           <a:p>
-            <a:r>
-              <a:rPr lang="en-US" altLang="ko-KR" dirty="0" smtClean="0"/>
-              <a:t/>
-            </a:r>
             <a:br>
-              <a:rPr lang="en-US" altLang="ko-KR" dirty="0" smtClean="0"/>
+              <a:rPr lang="en-US" altLang="ko-KR" dirty="0"/>
             </a:br>
             <a:r>
-              <a:rPr lang="en-US" altLang="ko-KR" dirty="0" smtClean="0"/>
+              <a:rPr lang="en-US" altLang="ko-KR" dirty="0"/>
               <a:t>Class </a:t>
             </a:r>
             <a:r>
-              <a:rPr lang="ko-KR" altLang="en-US" dirty="0" smtClean="0"/>
+              <a:rPr lang="ko-KR" altLang="en-US" dirty="0"/>
               <a:t>설계서</a:t>
             </a:r>
-            <a:endParaRPr lang="ko-KR" altLang="en-US" dirty="0"/>
           </a:p>
         </p:txBody>
       </p:sp>
@@ -3100,7 +3090,7 @@
           <a:lstStyle/>
           <a:p>
             <a:r>
-              <a:rPr lang="en-US" altLang="ko-KR" sz="2000" dirty="0" smtClean="0"/>
+              <a:rPr lang="en-US" altLang="ko-KR" sz="2000" dirty="0"/>
               <a:t>Cosign</a:t>
             </a:r>
             <a:endParaRPr lang="ko-KR" altLang="en-US" sz="2000" dirty="0"/>
@@ -3148,10 +3138,9 @@
           <a:lstStyle/>
           <a:p>
             <a:r>
-              <a:rPr lang="ko-KR" altLang="en-US" dirty="0" smtClean="0"/>
+              <a:rPr lang="ko-KR" altLang="en-US" dirty="0"/>
               <a:t>변경 이력</a:t>
             </a:r>
-            <a:endParaRPr lang="ko-KR" altLang="en-US" dirty="0"/>
           </a:p>
         </p:txBody>
       </p:sp>
@@ -3172,10 +3161,9 @@
           <a:p>
             <a:pPr algn="r"/>
             <a:r>
-              <a:rPr lang="en-US" altLang="ko-KR" dirty="0" smtClean="0"/>
+              <a:rPr lang="en-US" altLang="ko-KR" dirty="0"/>
               <a:t>Cosign</a:t>
             </a:r>
-            <a:endParaRPr lang="en-US" altLang="ko-KR" dirty="0"/>
           </a:p>
         </p:txBody>
       </p:sp>
@@ -3189,14 +3177,14 @@
             <p:ph idx="1"/>
             <p:extLst>
               <p:ext uri="{D42A27DB-BD31-4B8C-83A1-F6EECF244321}">
-                <p14:modId xmlns:p14="http://schemas.microsoft.com/office/powerpoint/2010/main" val="2862563295"/>
+                <p14:modId xmlns:p14="http://schemas.microsoft.com/office/powerpoint/2010/main" val="4174279876"/>
               </p:ext>
             </p:extLst>
           </p:nvPr>
         </p:nvGraphicFramePr>
         <p:xfrm>
           <a:off x="280988" y="1025525"/>
-          <a:ext cx="8582024" cy="3053080"/>
+          <a:ext cx="8582024" cy="2966720"/>
         </p:xfrm>
         <a:graphic>
           <a:graphicData uri="http://schemas.openxmlformats.org/drawingml/2006/table">
@@ -3242,7 +3230,7 @@
                     <a:p>
                       <a:pPr algn="ctr" latinLnBrk="1"/>
                       <a:r>
-                        <a:rPr lang="ko-KR" altLang="en-US" sz="1200" b="1" dirty="0" smtClean="0">
+                        <a:rPr lang="ko-KR" altLang="en-US" sz="1200" b="1" dirty="0">
                           <a:latin typeface="맑은 고딕" pitchFamily="50" charset="-127"/>
                           <a:ea typeface="맑은 고딕" pitchFamily="50" charset="-127"/>
                         </a:rPr>
@@ -3272,7 +3260,7 @@
                     <a:p>
                       <a:pPr algn="ctr" latinLnBrk="1"/>
                       <a:r>
-                        <a:rPr lang="ko-KR" altLang="en-US" sz="1200" b="1" dirty="0" smtClean="0">
+                        <a:rPr lang="ko-KR" altLang="en-US" sz="1200" b="1" dirty="0">
                           <a:latin typeface="맑은 고딕" pitchFamily="50" charset="-127"/>
                           <a:ea typeface="맑은 고딕" pitchFamily="50" charset="-127"/>
                         </a:rPr>
@@ -3302,7 +3290,7 @@
                     <a:p>
                       <a:pPr algn="ctr" latinLnBrk="1"/>
                       <a:r>
-                        <a:rPr lang="ko-KR" altLang="en-US" sz="1200" b="1" dirty="0" smtClean="0">
+                        <a:rPr lang="ko-KR" altLang="en-US" sz="1200" b="1" dirty="0">
                           <a:latin typeface="맑은 고딕" pitchFamily="50" charset="-127"/>
                           <a:ea typeface="맑은 고딕" pitchFamily="50" charset="-127"/>
                         </a:rPr>
@@ -3332,7 +3320,7 @@
                     <a:p>
                       <a:pPr algn="ctr" latinLnBrk="1"/>
                       <a:r>
-                        <a:rPr lang="ko-KR" altLang="en-US" sz="1200" b="1" dirty="0" smtClean="0">
+                        <a:rPr lang="ko-KR" altLang="en-US" sz="1200" b="1" dirty="0">
                           <a:latin typeface="맑은 고딕" pitchFamily="50" charset="-127"/>
                           <a:ea typeface="맑은 고딕" pitchFamily="50" charset="-127"/>
                         </a:rPr>
@@ -3369,7 +3357,7 @@
                     <a:p>
                       <a:pPr algn="ctr" latinLnBrk="1"/>
                       <a:r>
-                        <a:rPr lang="en-US" altLang="ko-KR" sz="1200" b="0" dirty="0" smtClean="0">
+                        <a:rPr lang="en-US" altLang="ko-KR" sz="1200" b="0" dirty="0">
                           <a:solidFill>
                             <a:schemeClr val="tx1"/>
                           </a:solidFill>
@@ -3400,7 +3388,7 @@
                     <a:p>
                       <a:pPr algn="ctr" latinLnBrk="1"/>
                       <a:r>
-                        <a:rPr lang="en-US" altLang="ko-KR" sz="1200" b="0" dirty="0" smtClean="0">
+                        <a:rPr lang="en-US" altLang="ko-KR" sz="1200" b="0" dirty="0">
                           <a:solidFill>
                             <a:schemeClr val="tx1"/>
                           </a:solidFill>
@@ -3431,7 +3419,7 @@
                     <a:p>
                       <a:pPr latinLnBrk="1"/>
                       <a:r>
-                        <a:rPr lang="en-US" altLang="ko-KR" sz="1200" b="0" dirty="0" smtClean="0">
+                        <a:rPr lang="en-US" altLang="ko-KR" sz="1200" b="0" dirty="0">
                           <a:solidFill>
                             <a:schemeClr val="tx1"/>
                           </a:solidFill>
@@ -3441,7 +3429,7 @@
                         <a:t>Class </a:t>
                       </a:r>
                       <a:r>
-                        <a:rPr lang="ko-KR" altLang="en-US" sz="1200" b="0" dirty="0" smtClean="0">
+                        <a:rPr lang="ko-KR" altLang="en-US" sz="1200" b="0" dirty="0">
                           <a:solidFill>
                             <a:schemeClr val="tx1"/>
                           </a:solidFill>
@@ -3450,13 +3438,6 @@
                         </a:rPr>
                         <a:t>설계서 초안 작성</a:t>
                       </a:r>
-                      <a:endParaRPr lang="ko-KR" altLang="en-US" sz="1200" b="0" dirty="0">
-                        <a:solidFill>
-                          <a:schemeClr val="tx1"/>
-                        </a:solidFill>
-                        <a:latin typeface="맑은 고딕" pitchFamily="50" charset="-127"/>
-                        <a:ea typeface="맑은 고딕" pitchFamily="50" charset="-127"/>
-                      </a:endParaRPr>
                     </a:p>
                   </a:txBody>
                   <a:tcPr anchor="ctr">
@@ -3472,7 +3453,7 @@
                     <a:p>
                       <a:pPr algn="ctr" latinLnBrk="1"/>
                       <a:r>
-                        <a:rPr lang="ko-KR" altLang="en-US" sz="1200" b="0" dirty="0" smtClean="0">
+                        <a:rPr lang="ko-KR" altLang="en-US" sz="1200" b="0" dirty="0">
                           <a:solidFill>
                             <a:schemeClr val="tx1"/>
                           </a:solidFill>
@@ -3481,13 +3462,6 @@
                         </a:rPr>
                         <a:t>고동욱</a:t>
                       </a:r>
-                      <a:endParaRPr lang="ko-KR" altLang="en-US" sz="1200" b="0" dirty="0">
-                        <a:solidFill>
-                          <a:schemeClr val="tx1"/>
-                        </a:solidFill>
-                        <a:latin typeface="맑은 고딕" pitchFamily="50" charset="-127"/>
-                        <a:ea typeface="맑은 고딕" pitchFamily="50" charset="-127"/>
-                      </a:endParaRPr>
                     </a:p>
                   </a:txBody>
                   <a:tcPr anchor="ctr">
@@ -3510,7 +3484,7 @@
                     <a:p>
                       <a:pPr algn="ctr" latinLnBrk="1"/>
                       <a:r>
-                        <a:rPr lang="en-US" altLang="ko-KR" sz="1200" b="0" dirty="0" smtClean="0">
+                        <a:rPr lang="en-US" altLang="ko-KR" sz="1200" b="0" dirty="0">
                           <a:solidFill>
                             <a:schemeClr val="tx1"/>
                           </a:solidFill>
@@ -3541,7 +3515,7 @@
                     <a:p>
                       <a:pPr algn="ctr" latinLnBrk="1"/>
                       <a:r>
-                        <a:rPr lang="en-US" altLang="ko-KR" sz="1200" b="0" dirty="0" smtClean="0">
+                        <a:rPr lang="en-US" altLang="ko-KR" sz="1200" b="0" dirty="0">
                           <a:solidFill>
                             <a:schemeClr val="tx1"/>
                           </a:solidFill>
@@ -3572,7 +3546,7 @@
                     <a:p>
                       <a:pPr latinLnBrk="1"/>
                       <a:r>
-                        <a:rPr lang="en-US" altLang="ko-KR" sz="1200" b="0" dirty="0" smtClean="0">
+                        <a:rPr lang="en-US" altLang="ko-KR" sz="1200" b="0" dirty="0">
                           <a:solidFill>
                             <a:schemeClr val="tx1"/>
                           </a:solidFill>
@@ -3582,7 +3556,7 @@
                         <a:t>Class </a:t>
                       </a:r>
                       <a:r>
-                        <a:rPr lang="ko-KR" altLang="en-US" sz="1200" b="0" dirty="0" smtClean="0">
+                        <a:rPr lang="ko-KR" altLang="en-US" sz="1200" b="0" dirty="0">
                           <a:solidFill>
                             <a:schemeClr val="tx1"/>
                           </a:solidFill>
@@ -3592,7 +3566,7 @@
                         <a:t>설계서 </a:t>
                       </a:r>
                       <a:r>
-                        <a:rPr lang="ko-KR" altLang="en-US" sz="1200" b="0" smtClean="0">
+                        <a:rPr lang="ko-KR" altLang="en-US" sz="1200" b="0">
                           <a:solidFill>
                             <a:schemeClr val="tx1"/>
                           </a:solidFill>
@@ -3623,7 +3597,7 @@
                     <a:p>
                       <a:pPr algn="ctr" latinLnBrk="1"/>
                       <a:r>
-                        <a:rPr lang="ko-KR" altLang="en-US" sz="1200" b="0" dirty="0" smtClean="0">
+                        <a:rPr lang="ko-KR" altLang="en-US" sz="1200" b="0" dirty="0">
                           <a:solidFill>
                             <a:schemeClr val="tx1"/>
                           </a:solidFill>
@@ -3632,13 +3606,6 @@
                         </a:rPr>
                         <a:t>고동욱</a:t>
                       </a:r>
-                      <a:endParaRPr lang="ko-KR" altLang="en-US" sz="1200" b="0" dirty="0">
-                        <a:solidFill>
-                          <a:schemeClr val="tx1"/>
-                        </a:solidFill>
-                        <a:latin typeface="맑은 고딕" pitchFamily="50" charset="-127"/>
-                        <a:ea typeface="맑은 고딕" pitchFamily="50" charset="-127"/>
-                      </a:endParaRPr>
                     </a:p>
                   </a:txBody>
                   <a:tcPr anchor="ctr">
@@ -3661,7 +3628,7 @@
                     <a:p>
                       <a:pPr algn="ctr" latinLnBrk="1"/>
                       <a:r>
-                        <a:rPr lang="en-US" altLang="ko-KR" sz="1200" b="0" dirty="0" smtClean="0">
+                        <a:rPr lang="en-US" altLang="ko-KR" sz="1200" b="0" dirty="0">
                           <a:solidFill>
                             <a:schemeClr val="tx1"/>
                           </a:solidFill>
@@ -3692,14 +3659,14 @@
                     <a:p>
                       <a:pPr algn="ctr" latinLnBrk="1"/>
                       <a:r>
-                        <a:rPr lang="en-US" altLang="ko-KR" sz="1200" b="0" dirty="0" smtClean="0">
+                        <a:rPr lang="en-US" altLang="ko-KR" sz="1200" b="0" dirty="0">
                           <a:solidFill>
                             <a:schemeClr val="tx1"/>
                           </a:solidFill>
                           <a:latin typeface="맑은 고딕" pitchFamily="50" charset="-127"/>
                           <a:ea typeface="맑은 고딕" pitchFamily="50" charset="-127"/>
                         </a:rPr>
-                        <a:t>V1.1</a:t>
+                        <a:t>v.1.1.0</a:t>
                       </a:r>
                       <a:endParaRPr lang="ko-KR" altLang="en-US" sz="1200" b="0" dirty="0">
                         <a:solidFill>
@@ -3723,42 +3690,25 @@
                     <a:p>
                       <a:pPr latinLnBrk="1"/>
                       <a:r>
-                        <a:rPr lang="en-US" altLang="ko-KR" sz="1200" b="0" dirty="0" smtClean="0">
+                        <a:rPr lang="en-US" altLang="ko-KR" sz="1200" b="0" dirty="0">
                           <a:solidFill>
                             <a:schemeClr val="tx1"/>
                           </a:solidFill>
                           <a:latin typeface="맑은 고딕" pitchFamily="50" charset="-127"/>
                           <a:ea typeface="맑은 고딕" pitchFamily="50" charset="-127"/>
                         </a:rPr>
-                        <a:t>Class</a:t>
+                        <a:t>Class </a:t>
                       </a:r>
                       <a:r>
-                        <a:rPr lang="en-US" altLang="ko-KR" sz="1200" b="0" baseline="0" dirty="0" smtClean="0">
+                        <a:rPr lang="ko-KR" altLang="en-US" sz="1200" b="0" dirty="0">
                           <a:solidFill>
                             <a:schemeClr val="tx1"/>
                           </a:solidFill>
                           <a:latin typeface="맑은 고딕" pitchFamily="50" charset="-127"/>
                           <a:ea typeface="맑은 고딕" pitchFamily="50" charset="-127"/>
                         </a:rPr>
-                        <a:t> </a:t>
+                        <a:t>설계서 수정</a:t>
                       </a:r>
-                      <a:r>
-                        <a:rPr lang="ko-KR" altLang="en-US" sz="1200" b="0" baseline="0" dirty="0" smtClean="0">
-                          <a:solidFill>
-                            <a:schemeClr val="tx1"/>
-                          </a:solidFill>
-                          <a:latin typeface="맑은 고딕" pitchFamily="50" charset="-127"/>
-                          <a:ea typeface="맑은 고딕" pitchFamily="50" charset="-127"/>
-                        </a:rPr>
-                        <a:t>설계서 소스 코드에 맞게 내용 다시 변경</a:t>
-                      </a:r>
-                      <a:endParaRPr lang="ko-KR" altLang="en-US" sz="1200" b="0" dirty="0">
-                        <a:solidFill>
-                          <a:schemeClr val="tx1"/>
-                        </a:solidFill>
-                        <a:latin typeface="맑은 고딕" pitchFamily="50" charset="-127"/>
-                        <a:ea typeface="맑은 고딕" pitchFamily="50" charset="-127"/>
-                      </a:endParaRPr>
                     </a:p>
                   </a:txBody>
                   <a:tcPr anchor="ctr">
@@ -3774,14 +3724,14 @@
                     <a:p>
                       <a:pPr algn="ctr" latinLnBrk="1"/>
                       <a:r>
-                        <a:rPr lang="ko-KR" altLang="en-US" sz="1200" b="0" dirty="0" smtClean="0">
+                        <a:rPr lang="ko-KR" altLang="en-US" sz="1200" b="0">
                           <a:solidFill>
                             <a:schemeClr val="tx1"/>
                           </a:solidFill>
                           <a:latin typeface="맑은 고딕" pitchFamily="50" charset="-127"/>
                           <a:ea typeface="맑은 고딕" pitchFamily="50" charset="-127"/>
                         </a:rPr>
-                        <a:t>고동욱</a:t>
+                        <a:t>이연주</a:t>
                       </a:r>
                       <a:endParaRPr lang="ko-KR" altLang="en-US" sz="1200" b="0" dirty="0">
                         <a:solidFill>
@@ -4214,10 +4164,9 @@
           <a:p>
             <a:pPr algn="r"/>
             <a:r>
-              <a:rPr lang="en-US" altLang="ko-KR" dirty="0" smtClean="0"/>
+              <a:rPr lang="en-US" altLang="ko-KR" dirty="0"/>
               <a:t>Cosign</a:t>
             </a:r>
-            <a:endParaRPr lang="en-US" altLang="ko-KR" dirty="0"/>
           </a:p>
         </p:txBody>
       </p:sp>
@@ -4229,8 +4178,8 @@
         </p:nvGrpSpPr>
         <p:grpSpPr>
           <a:xfrm>
-            <a:off x="3755106" y="3217762"/>
-            <a:ext cx="1957137" cy="1171523"/>
+            <a:off x="525275" y="2802942"/>
+            <a:ext cx="2060294" cy="1145894"/>
             <a:chOff x="544010" y="1504709"/>
             <a:chExt cx="2060294" cy="1145894"/>
           </a:xfrm>
@@ -4293,90 +4242,16 @@
                 <a:tabLst/>
               </a:pPr>
               <a:r>
-                <a:rPr lang="en-US" altLang="ko-KR" sz="1600" b="1" spc="-150" dirty="0" smtClean="0">
+                <a:rPr lang="en-US" altLang="ko-KR" sz="1600" b="1" spc="-150" dirty="0">
                   <a:solidFill>
                     <a:schemeClr val="tx1"/>
                   </a:solidFill>
                   <a:latin typeface="맑은 고딕" panose="020B0503020000020004" pitchFamily="50" charset="-127"/>
                   <a:ea typeface="맑은 고딕" panose="020B0503020000020004" pitchFamily="50" charset="-127"/>
                 </a:rPr>
-                <a:t>Mainframe</a:t>
+                <a:t>Login</a:t>
               </a:r>
-              <a:endParaRPr lang="en-US" altLang="ko-KR" sz="1600" b="1" spc="-150" dirty="0">
-                <a:solidFill>
-                  <a:schemeClr val="tx1"/>
-                </a:solidFill>
-                <a:latin typeface="맑은 고딕" panose="020B0503020000020004" pitchFamily="50" charset="-127"/>
-                <a:ea typeface="맑은 고딕" panose="020B0503020000020004" pitchFamily="50" charset="-127"/>
-              </a:endParaRPr>
-            </a:p>
-            <a:p>
-              <a:pPr marL="0" marR="0" indent="0" algn="ctr" defTabSz="914400" rtl="0" eaLnBrk="0" fontAlgn="base" latinLnBrk="0" hangingPunct="0">
-                <a:lnSpc>
-                  <a:spcPct val="100000"/>
-                </a:lnSpc>
-                <a:spcBef>
-                  <a:spcPct val="0"/>
-                </a:spcBef>
-                <a:spcAft>
-                  <a:spcPct val="0"/>
-                </a:spcAft>
-                <a:buClrTx/>
-                <a:buSzTx/>
-                <a:buFontTx/>
-                <a:buNone/>
-                <a:tabLst/>
-              </a:pPr>
-              <a:r>
-                <a:rPr lang="ko-KR" altLang="en-US" sz="1600" b="1" spc="-150" dirty="0" smtClean="0">
-                  <a:solidFill>
-                    <a:schemeClr val="tx1"/>
-                  </a:solidFill>
-                  <a:latin typeface="맑은 고딕" panose="020B0503020000020004" pitchFamily="50" charset="-127"/>
-                  <a:ea typeface="맑은 고딕" panose="020B0503020000020004" pitchFamily="50" charset="-127"/>
-                </a:rPr>
-                <a:t>메인 화면 관련 기능</a:t>
-              </a:r>
-              <a:endParaRPr lang="en-US" altLang="ko-KR" sz="1600" b="1" spc="-150" dirty="0" smtClean="0">
-                <a:solidFill>
-                  <a:schemeClr val="tx1"/>
-                </a:solidFill>
-                <a:latin typeface="맑은 고딕" panose="020B0503020000020004" pitchFamily="50" charset="-127"/>
-                <a:ea typeface="맑은 고딕" panose="020B0503020000020004" pitchFamily="50" charset="-127"/>
-              </a:endParaRPr>
-            </a:p>
-            <a:p>
-              <a:pPr marL="0" marR="0" indent="0" algn="ctr" defTabSz="914400" rtl="0" eaLnBrk="0" fontAlgn="base" latinLnBrk="0" hangingPunct="0">
-                <a:lnSpc>
-                  <a:spcPct val="100000"/>
-                </a:lnSpc>
-                <a:spcBef>
-                  <a:spcPct val="0"/>
-                </a:spcBef>
-                <a:spcAft>
-                  <a:spcPct val="0"/>
-                </a:spcAft>
-                <a:buClrTx/>
-                <a:buSzTx/>
-                <a:buFontTx/>
-                <a:buNone/>
-                <a:tabLst/>
-              </a:pPr>
-              <a:r>
-                <a:rPr kumimoji="0" lang="ko-KR" altLang="en-US" sz="1600" b="1" i="0" u="none" strike="noStrike" cap="none" spc="-150" normalizeH="0" baseline="0" dirty="0" smtClean="0">
-                  <a:ln>
-                    <a:noFill/>
-                  </a:ln>
-                  <a:solidFill>
-                    <a:schemeClr val="tx1"/>
-                  </a:solidFill>
-                  <a:effectLst/>
-                  <a:latin typeface="맑은 고딕" panose="020B0503020000020004" pitchFamily="50" charset="-127"/>
-                  <a:ea typeface="맑은 고딕" panose="020B0503020000020004" pitchFamily="50" charset="-127"/>
-                </a:rPr>
-                <a:t>수행</a:t>
-              </a:r>
-              <a:endParaRPr kumimoji="0" lang="en-US" altLang="ko-KR" sz="1600" b="1" i="0" u="none" strike="noStrike" cap="none" spc="-150" normalizeH="0" baseline="0" dirty="0" smtClean="0">
+              <a:endParaRPr kumimoji="0" lang="en-US" altLang="ko-KR" sz="1600" b="1" i="0" u="none" strike="noStrike" cap="none" spc="-150" normalizeH="0" baseline="0" dirty="0">
                 <a:ln>
                   <a:noFill/>
                 </a:ln>
@@ -4405,7 +4280,75 @@
                 <a:buNone/>
                 <a:tabLst/>
               </a:pPr>
-              <a:endParaRPr kumimoji="0" lang="ko-KR" altLang="en-US" sz="1600" b="1" i="0" u="none" strike="noStrike" cap="none" spc="-150" normalizeH="0" baseline="0" dirty="0" smtClean="0">
+              <a:endParaRPr lang="en-US" altLang="ko-KR" sz="1600" b="1" spc="-150" dirty="0">
+                <a:solidFill>
+                  <a:schemeClr val="tx1"/>
+                </a:solidFill>
+                <a:latin typeface="맑은 고딕" panose="020B0503020000020004" pitchFamily="50" charset="-127"/>
+                <a:ea typeface="맑은 고딕" panose="020B0503020000020004" pitchFamily="50" charset="-127"/>
+              </a:endParaRPr>
+            </a:p>
+            <a:p>
+              <a:pPr marL="0" marR="0" indent="0" algn="ctr" defTabSz="914400" rtl="0" eaLnBrk="0" fontAlgn="base" latinLnBrk="0" hangingPunct="0">
+                <a:lnSpc>
+                  <a:spcPct val="100000"/>
+                </a:lnSpc>
+                <a:spcBef>
+                  <a:spcPct val="0"/>
+                </a:spcBef>
+                <a:spcAft>
+                  <a:spcPct val="0"/>
+                </a:spcAft>
+                <a:buClrTx/>
+                <a:buSzTx/>
+                <a:buFontTx/>
+                <a:buNone/>
+                <a:tabLst/>
+              </a:pPr>
+              <a:r>
+                <a:rPr kumimoji="0" lang="ko-KR" altLang="en-US" sz="1600" b="1" i="0" u="none" strike="noStrike" cap="none" spc="-150" normalizeH="0" baseline="0" dirty="0">
+                  <a:ln>
+                    <a:noFill/>
+                  </a:ln>
+                  <a:solidFill>
+                    <a:schemeClr val="tx1"/>
+                  </a:solidFill>
+                  <a:effectLst/>
+                  <a:latin typeface="맑은 고딕" panose="020B0503020000020004" pitchFamily="50" charset="-127"/>
+                  <a:ea typeface="맑은 고딕" panose="020B0503020000020004" pitchFamily="50" charset="-127"/>
+                </a:rPr>
+                <a:t>로그인 수행</a:t>
+              </a:r>
+              <a:endParaRPr kumimoji="0" lang="en-US" altLang="ko-KR" sz="1600" b="1" i="0" u="none" strike="noStrike" cap="none" spc="-150" normalizeH="0" baseline="0" dirty="0">
+                <a:ln>
+                  <a:noFill/>
+                </a:ln>
+                <a:solidFill>
+                  <a:schemeClr val="tx1"/>
+                </a:solidFill>
+                <a:effectLst/>
+                <a:latin typeface="맑은 고딕" panose="020B0503020000020004" pitchFamily="50" charset="-127"/>
+                <a:ea typeface="맑은 고딕" panose="020B0503020000020004" pitchFamily="50" charset="-127"/>
+              </a:endParaRPr>
+            </a:p>
+            <a:p>
+              <a:pPr marL="0" marR="0" indent="0" algn="ctr" defTabSz="914400" rtl="0" eaLnBrk="0" fontAlgn="base" latinLnBrk="0" hangingPunct="0">
+                <a:lnSpc>
+                  <a:spcPct val="100000"/>
+                </a:lnSpc>
+                <a:spcBef>
+                  <a:spcPct val="0"/>
+                </a:spcBef>
+                <a:spcAft>
+                  <a:spcPct val="0"/>
+                </a:spcAft>
+                <a:buClrTx/>
+                <a:buSzTx/>
+                <a:buFontTx/>
+                <a:buNone/>
+                <a:tabLst/>
+              </a:pPr>
+              <a:endParaRPr kumimoji="0" lang="ko-KR" altLang="en-US" sz="1600" b="1" i="0" u="none" strike="noStrike" cap="none" spc="-150" normalizeH="0" baseline="0" dirty="0">
                 <a:ln>
                   <a:noFill/>
                 </a:ln>
@@ -4451,16 +4394,1823 @@
       </p:grpSp>
       <p:grpSp>
         <p:nvGrpSpPr>
-          <p:cNvPr id="15" name="그룹 14"/>
+          <p:cNvPr id="23" name="그룹 22"/>
           <p:cNvGrpSpPr/>
           <p:nvPr/>
         </p:nvGrpSpPr>
         <p:grpSpPr>
           <a:xfrm>
-            <a:off x="3676387" y="929769"/>
-            <a:ext cx="4985406" cy="2540399"/>
-            <a:chOff x="2900126" y="2366572"/>
-            <a:chExt cx="4985406" cy="2540399"/>
+            <a:off x="3220934" y="4572578"/>
+            <a:ext cx="2060294" cy="1145894"/>
+            <a:chOff x="544010" y="1504709"/>
+            <a:chExt cx="2060294" cy="1145894"/>
+          </a:xfrm>
+        </p:grpSpPr>
+        <p:sp>
+          <p:nvSpPr>
+            <p:cNvPr id="26" name="직사각형 25"/>
+            <p:cNvSpPr/>
+            <p:nvPr/>
+          </p:nvSpPr>
+          <p:spPr bwMode="auto">
+            <a:xfrm>
+              <a:off x="544010" y="1504709"/>
+              <a:ext cx="2060294" cy="1145894"/>
+            </a:xfrm>
+            <a:prstGeom prst="rect">
+              <a:avLst/>
+            </a:prstGeom>
+            <a:ln>
+              <a:headEnd type="none" w="med" len="med"/>
+              <a:tailEnd type="none" w="med" len="med"/>
+            </a:ln>
+          </p:spPr>
+          <p:style>
+            <a:lnRef idx="1">
+              <a:schemeClr val="accent2"/>
+            </a:lnRef>
+            <a:fillRef idx="2">
+              <a:schemeClr val="accent2"/>
+            </a:fillRef>
+            <a:effectRef idx="1">
+              <a:schemeClr val="accent2"/>
+            </a:effectRef>
+            <a:fontRef idx="minor">
+              <a:schemeClr val="dk1"/>
+            </a:fontRef>
+          </p:style>
+          <p:txBody>
+            <a:bodyPr vert="horz" wrap="none" lIns="90000" tIns="46800" rIns="90000" bIns="46800" numCol="1" rtlCol="0" anchor="ctr" anchorCtr="0" compatLnSpc="1">
+              <a:prstTxWarp prst="textNoShape">
+                <a:avLst/>
+              </a:prstTxWarp>
+            </a:bodyPr>
+            <a:lstStyle/>
+            <a:p>
+              <a:pPr marL="0" marR="0" indent="0" algn="ctr" defTabSz="914400" rtl="0" eaLnBrk="0" fontAlgn="base" latinLnBrk="0" hangingPunct="0">
+                <a:lnSpc>
+                  <a:spcPct val="100000"/>
+                </a:lnSpc>
+                <a:spcBef>
+                  <a:spcPct val="0"/>
+                </a:spcBef>
+                <a:spcAft>
+                  <a:spcPct val="0"/>
+                </a:spcAft>
+                <a:buClrTx/>
+                <a:buSzTx/>
+                <a:buFontTx/>
+                <a:buNone/>
+                <a:tabLst/>
+              </a:pPr>
+              <a:r>
+                <a:rPr lang="en-US" altLang="ko-KR" sz="1600" b="1" spc="-150" dirty="0" err="1">
+                  <a:solidFill>
+                    <a:schemeClr val="tx1"/>
+                  </a:solidFill>
+                  <a:latin typeface="맑은 고딕" panose="020B0503020000020004" pitchFamily="50" charset="-127"/>
+                  <a:ea typeface="맑은 고딕" panose="020B0503020000020004" pitchFamily="50" charset="-127"/>
+                </a:rPr>
+                <a:t>SubjectPrint</a:t>
+              </a:r>
+              <a:endParaRPr kumimoji="0" lang="en-US" altLang="ko-KR" sz="1600" b="1" i="0" u="none" strike="noStrike" cap="none" spc="-150" normalizeH="0" baseline="0" dirty="0">
+                <a:ln>
+                  <a:noFill/>
+                </a:ln>
+                <a:solidFill>
+                  <a:schemeClr val="tx1"/>
+                </a:solidFill>
+                <a:effectLst/>
+                <a:latin typeface="맑은 고딕" panose="020B0503020000020004" pitchFamily="50" charset="-127"/>
+                <a:ea typeface="맑은 고딕" panose="020B0503020000020004" pitchFamily="50" charset="-127"/>
+              </a:endParaRPr>
+            </a:p>
+            <a:p>
+              <a:pPr marL="0" marR="0" indent="0" algn="ctr" defTabSz="914400" rtl="0" eaLnBrk="0" fontAlgn="base" latinLnBrk="0" hangingPunct="0">
+                <a:lnSpc>
+                  <a:spcPct val="100000"/>
+                </a:lnSpc>
+                <a:spcBef>
+                  <a:spcPct val="0"/>
+                </a:spcBef>
+                <a:spcAft>
+                  <a:spcPct val="0"/>
+                </a:spcAft>
+                <a:buClrTx/>
+                <a:buSzTx/>
+                <a:buFontTx/>
+                <a:buNone/>
+                <a:tabLst/>
+              </a:pPr>
+              <a:endParaRPr lang="en-US" altLang="ko-KR" sz="1600" b="1" spc="-150" dirty="0">
+                <a:solidFill>
+                  <a:schemeClr val="tx1"/>
+                </a:solidFill>
+                <a:latin typeface="맑은 고딕" panose="020B0503020000020004" pitchFamily="50" charset="-127"/>
+                <a:ea typeface="맑은 고딕" panose="020B0503020000020004" pitchFamily="50" charset="-127"/>
+              </a:endParaRPr>
+            </a:p>
+            <a:p>
+              <a:pPr marL="0" marR="0" indent="0" algn="ctr" defTabSz="914400" rtl="0" eaLnBrk="0" fontAlgn="base" latinLnBrk="0" hangingPunct="0">
+                <a:lnSpc>
+                  <a:spcPct val="100000"/>
+                </a:lnSpc>
+                <a:spcBef>
+                  <a:spcPct val="0"/>
+                </a:spcBef>
+                <a:spcAft>
+                  <a:spcPct val="0"/>
+                </a:spcAft>
+                <a:buClrTx/>
+                <a:buSzTx/>
+                <a:buFontTx/>
+                <a:buNone/>
+                <a:tabLst/>
+              </a:pPr>
+              <a:r>
+                <a:rPr kumimoji="0" lang="ko-KR" altLang="en-US" sz="1600" b="1" i="0" u="none" strike="noStrike" cap="none" spc="-150" normalizeH="0" baseline="0" dirty="0">
+                  <a:ln>
+                    <a:noFill/>
+                  </a:ln>
+                  <a:solidFill>
+                    <a:schemeClr val="tx1"/>
+                  </a:solidFill>
+                  <a:effectLst/>
+                  <a:latin typeface="맑은 고딕" panose="020B0503020000020004" pitchFamily="50" charset="-127"/>
+                  <a:ea typeface="맑은 고딕" panose="020B0503020000020004" pitchFamily="50" charset="-127"/>
+                </a:rPr>
+                <a:t>등록된 과목 출력</a:t>
+              </a:r>
+              <a:endParaRPr kumimoji="0" lang="en-US" altLang="ko-KR" sz="1600" b="1" i="0" u="none" strike="noStrike" cap="none" spc="-150" normalizeH="0" baseline="0" dirty="0">
+                <a:ln>
+                  <a:noFill/>
+                </a:ln>
+                <a:solidFill>
+                  <a:schemeClr val="tx1"/>
+                </a:solidFill>
+                <a:effectLst/>
+                <a:latin typeface="맑은 고딕" panose="020B0503020000020004" pitchFamily="50" charset="-127"/>
+                <a:ea typeface="맑은 고딕" panose="020B0503020000020004" pitchFamily="50" charset="-127"/>
+              </a:endParaRPr>
+            </a:p>
+            <a:p>
+              <a:pPr marL="0" marR="0" indent="0" algn="ctr" defTabSz="914400" rtl="0" eaLnBrk="0" fontAlgn="base" latinLnBrk="0" hangingPunct="0">
+                <a:lnSpc>
+                  <a:spcPct val="100000"/>
+                </a:lnSpc>
+                <a:spcBef>
+                  <a:spcPct val="0"/>
+                </a:spcBef>
+                <a:spcAft>
+                  <a:spcPct val="0"/>
+                </a:spcAft>
+                <a:buClrTx/>
+                <a:buSzTx/>
+                <a:buFontTx/>
+                <a:buNone/>
+                <a:tabLst/>
+              </a:pPr>
+              <a:endParaRPr kumimoji="0" lang="ko-KR" altLang="en-US" sz="1600" b="1" i="0" u="none" strike="noStrike" cap="none" spc="-150" normalizeH="0" baseline="0" dirty="0">
+                <a:ln>
+                  <a:noFill/>
+                </a:ln>
+                <a:solidFill>
+                  <a:schemeClr val="tx1"/>
+                </a:solidFill>
+                <a:effectLst/>
+                <a:latin typeface="맑은 고딕" panose="020B0503020000020004" pitchFamily="50" charset="-127"/>
+                <a:ea typeface="맑은 고딕" panose="020B0503020000020004" pitchFamily="50" charset="-127"/>
+              </a:endParaRPr>
+            </a:p>
+          </p:txBody>
+        </p:sp>
+        <p:cxnSp>
+          <p:nvCxnSpPr>
+            <p:cNvPr id="27" name="직선 연결선 26"/>
+            <p:cNvCxnSpPr/>
+            <p:nvPr/>
+          </p:nvCxnSpPr>
+          <p:spPr bwMode="auto">
+            <a:xfrm>
+              <a:off x="544010" y="1828801"/>
+              <a:ext cx="2060294" cy="0"/>
+            </a:xfrm>
+            <a:prstGeom prst="line">
+              <a:avLst/>
+            </a:prstGeom>
+            <a:solidFill>
+              <a:schemeClr val="accent1"/>
+            </a:solidFill>
+            <a:ln w="12700" cap="flat" cmpd="sng" algn="ctr">
+              <a:solidFill>
+                <a:schemeClr val="tx1"/>
+              </a:solidFill>
+              <a:prstDash val="solid"/>
+              <a:round/>
+              <a:headEnd type="none" w="med" len="med"/>
+              <a:tailEnd type="none" w="med" len="med"/>
+            </a:ln>
+            <a:effectLst/>
+          </p:spPr>
+        </p:cxnSp>
+      </p:grpSp>
+      <p:grpSp>
+        <p:nvGrpSpPr>
+          <p:cNvPr id="31" name="그룹 30"/>
+          <p:cNvGrpSpPr/>
+          <p:nvPr/>
+        </p:nvGrpSpPr>
+        <p:grpSpPr>
+          <a:xfrm>
+            <a:off x="5916593" y="4572578"/>
+            <a:ext cx="2060294" cy="1145894"/>
+            <a:chOff x="544010" y="1504709"/>
+            <a:chExt cx="2060294" cy="1145894"/>
+          </a:xfrm>
+        </p:grpSpPr>
+        <p:sp>
+          <p:nvSpPr>
+            <p:cNvPr id="32" name="직사각형 31"/>
+            <p:cNvSpPr/>
+            <p:nvPr/>
+          </p:nvSpPr>
+          <p:spPr bwMode="auto">
+            <a:xfrm>
+              <a:off x="544010" y="1504709"/>
+              <a:ext cx="2060294" cy="1145894"/>
+            </a:xfrm>
+            <a:prstGeom prst="rect">
+              <a:avLst/>
+            </a:prstGeom>
+            <a:ln>
+              <a:headEnd type="none" w="med" len="med"/>
+              <a:tailEnd type="none" w="med" len="med"/>
+            </a:ln>
+          </p:spPr>
+          <p:style>
+            <a:lnRef idx="1">
+              <a:schemeClr val="accent2"/>
+            </a:lnRef>
+            <a:fillRef idx="2">
+              <a:schemeClr val="accent2"/>
+            </a:fillRef>
+            <a:effectRef idx="1">
+              <a:schemeClr val="accent2"/>
+            </a:effectRef>
+            <a:fontRef idx="minor">
+              <a:schemeClr val="dk1"/>
+            </a:fontRef>
+          </p:style>
+          <p:txBody>
+            <a:bodyPr vert="horz" wrap="none" lIns="90000" tIns="46800" rIns="90000" bIns="46800" numCol="1" rtlCol="0" anchor="ctr" anchorCtr="0" compatLnSpc="1">
+              <a:prstTxWarp prst="textNoShape">
+                <a:avLst/>
+              </a:prstTxWarp>
+            </a:bodyPr>
+            <a:lstStyle/>
+            <a:p>
+              <a:pPr marL="0" marR="0" indent="0" algn="ctr" defTabSz="914400" rtl="0" eaLnBrk="0" fontAlgn="base" latinLnBrk="0" hangingPunct="0">
+                <a:lnSpc>
+                  <a:spcPct val="100000"/>
+                </a:lnSpc>
+                <a:spcBef>
+                  <a:spcPct val="0"/>
+                </a:spcBef>
+                <a:spcAft>
+                  <a:spcPct val="0"/>
+                </a:spcAft>
+                <a:buClrTx/>
+                <a:buSzTx/>
+                <a:buFontTx/>
+                <a:buNone/>
+                <a:tabLst/>
+              </a:pPr>
+              <a:r>
+                <a:rPr lang="en-US" altLang="ko-KR" sz="1600" b="1" spc="-150" dirty="0" err="1">
+                  <a:solidFill>
+                    <a:schemeClr val="tx1"/>
+                  </a:solidFill>
+                  <a:latin typeface="맑은 고딕" panose="020B0503020000020004" pitchFamily="50" charset="-127"/>
+                  <a:ea typeface="맑은 고딕" panose="020B0503020000020004" pitchFamily="50" charset="-127"/>
+                </a:rPr>
+                <a:t>SubjectModify</a:t>
+              </a:r>
+              <a:endParaRPr kumimoji="0" lang="en-US" altLang="ko-KR" sz="1600" b="1" i="0" u="none" strike="noStrike" cap="none" spc="-150" normalizeH="0" baseline="0" dirty="0">
+                <a:ln>
+                  <a:noFill/>
+                </a:ln>
+                <a:solidFill>
+                  <a:schemeClr val="tx1"/>
+                </a:solidFill>
+                <a:effectLst/>
+                <a:latin typeface="맑은 고딕" panose="020B0503020000020004" pitchFamily="50" charset="-127"/>
+                <a:ea typeface="맑은 고딕" panose="020B0503020000020004" pitchFamily="50" charset="-127"/>
+              </a:endParaRPr>
+            </a:p>
+            <a:p>
+              <a:pPr marL="0" marR="0" indent="0" algn="ctr" defTabSz="914400" rtl="0" eaLnBrk="0" fontAlgn="base" latinLnBrk="0" hangingPunct="0">
+                <a:lnSpc>
+                  <a:spcPct val="100000"/>
+                </a:lnSpc>
+                <a:spcBef>
+                  <a:spcPct val="0"/>
+                </a:spcBef>
+                <a:spcAft>
+                  <a:spcPct val="0"/>
+                </a:spcAft>
+                <a:buClrTx/>
+                <a:buSzTx/>
+                <a:buFontTx/>
+                <a:buNone/>
+                <a:tabLst/>
+              </a:pPr>
+              <a:endParaRPr lang="en-US" altLang="ko-KR" sz="1600" b="1" spc="-150" dirty="0">
+                <a:solidFill>
+                  <a:schemeClr val="tx1"/>
+                </a:solidFill>
+                <a:latin typeface="맑은 고딕" panose="020B0503020000020004" pitchFamily="50" charset="-127"/>
+                <a:ea typeface="맑은 고딕" panose="020B0503020000020004" pitchFamily="50" charset="-127"/>
+              </a:endParaRPr>
+            </a:p>
+            <a:p>
+              <a:pPr marL="0" marR="0" indent="0" algn="ctr" defTabSz="914400" rtl="0" eaLnBrk="0" fontAlgn="base" latinLnBrk="0" hangingPunct="0">
+                <a:lnSpc>
+                  <a:spcPct val="100000"/>
+                </a:lnSpc>
+                <a:spcBef>
+                  <a:spcPct val="0"/>
+                </a:spcBef>
+                <a:spcAft>
+                  <a:spcPct val="0"/>
+                </a:spcAft>
+                <a:buClrTx/>
+                <a:buSzTx/>
+                <a:buFontTx/>
+                <a:buNone/>
+                <a:tabLst/>
+              </a:pPr>
+              <a:r>
+                <a:rPr lang="ko-KR" altLang="en-US" sz="1600" b="1" spc="-150" dirty="0">
+                  <a:solidFill>
+                    <a:schemeClr val="tx1"/>
+                  </a:solidFill>
+                  <a:latin typeface="맑은 고딕" panose="020B0503020000020004" pitchFamily="50" charset="-127"/>
+                  <a:ea typeface="맑은 고딕" panose="020B0503020000020004" pitchFamily="50" charset="-127"/>
+                </a:rPr>
+                <a:t>과목 정보 변경</a:t>
+              </a:r>
+              <a:endParaRPr kumimoji="0" lang="en-US" altLang="ko-KR" sz="1600" b="1" i="0" u="none" strike="noStrike" cap="none" spc="-150" normalizeH="0" baseline="0" dirty="0">
+                <a:ln>
+                  <a:noFill/>
+                </a:ln>
+                <a:solidFill>
+                  <a:schemeClr val="tx1"/>
+                </a:solidFill>
+                <a:effectLst/>
+                <a:latin typeface="맑은 고딕" panose="020B0503020000020004" pitchFamily="50" charset="-127"/>
+                <a:ea typeface="맑은 고딕" panose="020B0503020000020004" pitchFamily="50" charset="-127"/>
+              </a:endParaRPr>
+            </a:p>
+            <a:p>
+              <a:pPr marL="0" marR="0" indent="0" algn="ctr" defTabSz="914400" rtl="0" eaLnBrk="0" fontAlgn="base" latinLnBrk="0" hangingPunct="0">
+                <a:lnSpc>
+                  <a:spcPct val="100000"/>
+                </a:lnSpc>
+                <a:spcBef>
+                  <a:spcPct val="0"/>
+                </a:spcBef>
+                <a:spcAft>
+                  <a:spcPct val="0"/>
+                </a:spcAft>
+                <a:buClrTx/>
+                <a:buSzTx/>
+                <a:buFontTx/>
+                <a:buNone/>
+                <a:tabLst/>
+              </a:pPr>
+              <a:endParaRPr kumimoji="0" lang="ko-KR" altLang="en-US" sz="1600" b="1" i="0" u="none" strike="noStrike" cap="none" spc="-150" normalizeH="0" baseline="0" dirty="0">
+                <a:ln>
+                  <a:noFill/>
+                </a:ln>
+                <a:solidFill>
+                  <a:schemeClr val="tx1"/>
+                </a:solidFill>
+                <a:effectLst/>
+                <a:latin typeface="맑은 고딕" panose="020B0503020000020004" pitchFamily="50" charset="-127"/>
+                <a:ea typeface="맑은 고딕" panose="020B0503020000020004" pitchFamily="50" charset="-127"/>
+              </a:endParaRPr>
+            </a:p>
+          </p:txBody>
+        </p:sp>
+        <p:cxnSp>
+          <p:nvCxnSpPr>
+            <p:cNvPr id="33" name="직선 연결선 32"/>
+            <p:cNvCxnSpPr/>
+            <p:nvPr/>
+          </p:nvCxnSpPr>
+          <p:spPr bwMode="auto">
+            <a:xfrm>
+              <a:off x="544010" y="1828801"/>
+              <a:ext cx="2060294" cy="0"/>
+            </a:xfrm>
+            <a:prstGeom prst="line">
+              <a:avLst/>
+            </a:prstGeom>
+            <a:solidFill>
+              <a:schemeClr val="accent1"/>
+            </a:solidFill>
+            <a:ln w="12700" cap="flat" cmpd="sng" algn="ctr">
+              <a:solidFill>
+                <a:schemeClr val="tx1"/>
+              </a:solidFill>
+              <a:prstDash val="solid"/>
+              <a:round/>
+              <a:headEnd type="none" w="med" len="med"/>
+              <a:tailEnd type="none" w="med" len="med"/>
+            </a:ln>
+            <a:effectLst/>
+          </p:spPr>
+        </p:cxnSp>
+      </p:grpSp>
+      <p:grpSp>
+        <p:nvGrpSpPr>
+          <p:cNvPr id="40" name="그룹 39"/>
+          <p:cNvGrpSpPr/>
+          <p:nvPr/>
+        </p:nvGrpSpPr>
+        <p:grpSpPr>
+          <a:xfrm>
+            <a:off x="525275" y="4572578"/>
+            <a:ext cx="2060294" cy="1145894"/>
+            <a:chOff x="673816" y="1510339"/>
+            <a:chExt cx="2060294" cy="1145894"/>
+          </a:xfrm>
+        </p:grpSpPr>
+        <p:sp>
+          <p:nvSpPr>
+            <p:cNvPr id="41" name="직사각형 40"/>
+            <p:cNvSpPr/>
+            <p:nvPr/>
+          </p:nvSpPr>
+          <p:spPr bwMode="auto">
+            <a:xfrm>
+              <a:off x="673816" y="1510339"/>
+              <a:ext cx="2060294" cy="1145894"/>
+            </a:xfrm>
+            <a:prstGeom prst="rect">
+              <a:avLst/>
+            </a:prstGeom>
+            <a:ln>
+              <a:headEnd type="none" w="med" len="med"/>
+              <a:tailEnd type="none" w="med" len="med"/>
+            </a:ln>
+          </p:spPr>
+          <p:style>
+            <a:lnRef idx="1">
+              <a:schemeClr val="accent2"/>
+            </a:lnRef>
+            <a:fillRef idx="2">
+              <a:schemeClr val="accent2"/>
+            </a:fillRef>
+            <a:effectRef idx="1">
+              <a:schemeClr val="accent2"/>
+            </a:effectRef>
+            <a:fontRef idx="minor">
+              <a:schemeClr val="dk1"/>
+            </a:fontRef>
+          </p:style>
+          <p:txBody>
+            <a:bodyPr vert="horz" wrap="none" lIns="90000" tIns="46800" rIns="90000" bIns="46800" numCol="1" rtlCol="0" anchor="ctr" anchorCtr="0" compatLnSpc="1">
+              <a:prstTxWarp prst="textNoShape">
+                <a:avLst/>
+              </a:prstTxWarp>
+            </a:bodyPr>
+            <a:lstStyle/>
+            <a:p>
+              <a:pPr marL="0" marR="0" indent="0" algn="ctr" defTabSz="914400" rtl="0" eaLnBrk="0" fontAlgn="base" latinLnBrk="0" hangingPunct="0">
+                <a:lnSpc>
+                  <a:spcPct val="100000"/>
+                </a:lnSpc>
+                <a:spcBef>
+                  <a:spcPct val="0"/>
+                </a:spcBef>
+                <a:spcAft>
+                  <a:spcPct val="0"/>
+                </a:spcAft>
+                <a:buClrTx/>
+                <a:buSzTx/>
+                <a:buFontTx/>
+                <a:buNone/>
+                <a:tabLst/>
+              </a:pPr>
+              <a:r>
+                <a:rPr lang="en-US" altLang="ko-KR" sz="1600" b="1" spc="-150" dirty="0" err="1">
+                  <a:solidFill>
+                    <a:schemeClr val="tx1"/>
+                  </a:solidFill>
+                  <a:latin typeface="맑은 고딕" panose="020B0503020000020004" pitchFamily="50" charset="-127"/>
+                  <a:ea typeface="맑은 고딕" panose="020B0503020000020004" pitchFamily="50" charset="-127"/>
+                </a:rPr>
+                <a:t>SubjectDelete</a:t>
+              </a:r>
+              <a:endParaRPr kumimoji="0" lang="en-US" altLang="ko-KR" sz="1600" b="1" i="0" u="none" strike="noStrike" cap="none" spc="-150" normalizeH="0" baseline="0" dirty="0">
+                <a:ln>
+                  <a:noFill/>
+                </a:ln>
+                <a:solidFill>
+                  <a:schemeClr val="tx1"/>
+                </a:solidFill>
+                <a:effectLst/>
+                <a:latin typeface="맑은 고딕" panose="020B0503020000020004" pitchFamily="50" charset="-127"/>
+                <a:ea typeface="맑은 고딕" panose="020B0503020000020004" pitchFamily="50" charset="-127"/>
+              </a:endParaRPr>
+            </a:p>
+            <a:p>
+              <a:pPr marL="0" marR="0" indent="0" algn="ctr" defTabSz="914400" rtl="0" eaLnBrk="0" fontAlgn="base" latinLnBrk="0" hangingPunct="0">
+                <a:lnSpc>
+                  <a:spcPct val="100000"/>
+                </a:lnSpc>
+                <a:spcBef>
+                  <a:spcPct val="0"/>
+                </a:spcBef>
+                <a:spcAft>
+                  <a:spcPct val="0"/>
+                </a:spcAft>
+                <a:buClrTx/>
+                <a:buSzTx/>
+                <a:buFontTx/>
+                <a:buNone/>
+                <a:tabLst/>
+              </a:pPr>
+              <a:endParaRPr lang="en-US" altLang="ko-KR" sz="1600" b="1" spc="-150" dirty="0">
+                <a:solidFill>
+                  <a:schemeClr val="tx1"/>
+                </a:solidFill>
+                <a:latin typeface="맑은 고딕" panose="020B0503020000020004" pitchFamily="50" charset="-127"/>
+                <a:ea typeface="맑은 고딕" panose="020B0503020000020004" pitchFamily="50" charset="-127"/>
+              </a:endParaRPr>
+            </a:p>
+            <a:p>
+              <a:pPr marL="0" marR="0" indent="0" algn="ctr" defTabSz="914400" rtl="0" eaLnBrk="0" fontAlgn="base" latinLnBrk="0" hangingPunct="0">
+                <a:lnSpc>
+                  <a:spcPct val="100000"/>
+                </a:lnSpc>
+                <a:spcBef>
+                  <a:spcPct val="0"/>
+                </a:spcBef>
+                <a:spcAft>
+                  <a:spcPct val="0"/>
+                </a:spcAft>
+                <a:buClrTx/>
+                <a:buSzTx/>
+                <a:buFontTx/>
+                <a:buNone/>
+                <a:tabLst/>
+              </a:pPr>
+              <a:r>
+                <a:rPr kumimoji="0" lang="ko-KR" altLang="en-US" sz="1600" b="1" i="0" u="none" strike="noStrike" cap="none" spc="-150" normalizeH="0" baseline="0" dirty="0">
+                  <a:ln>
+                    <a:noFill/>
+                  </a:ln>
+                  <a:solidFill>
+                    <a:schemeClr val="tx1"/>
+                  </a:solidFill>
+                  <a:effectLst/>
+                  <a:latin typeface="맑은 고딕" panose="020B0503020000020004" pitchFamily="50" charset="-127"/>
+                  <a:ea typeface="맑은 고딕" panose="020B0503020000020004" pitchFamily="50" charset="-127"/>
+                </a:rPr>
+                <a:t>과목 정보 삭제</a:t>
+              </a:r>
+              <a:endParaRPr kumimoji="0" lang="en-US" altLang="ko-KR" sz="1600" b="1" i="0" u="none" strike="noStrike" cap="none" spc="-150" normalizeH="0" baseline="0" dirty="0">
+                <a:ln>
+                  <a:noFill/>
+                </a:ln>
+                <a:solidFill>
+                  <a:schemeClr val="tx1"/>
+                </a:solidFill>
+                <a:effectLst/>
+                <a:latin typeface="맑은 고딕" panose="020B0503020000020004" pitchFamily="50" charset="-127"/>
+                <a:ea typeface="맑은 고딕" panose="020B0503020000020004" pitchFamily="50" charset="-127"/>
+              </a:endParaRPr>
+            </a:p>
+            <a:p>
+              <a:pPr marL="0" marR="0" indent="0" algn="ctr" defTabSz="914400" rtl="0" eaLnBrk="0" fontAlgn="base" latinLnBrk="0" hangingPunct="0">
+                <a:lnSpc>
+                  <a:spcPct val="100000"/>
+                </a:lnSpc>
+                <a:spcBef>
+                  <a:spcPct val="0"/>
+                </a:spcBef>
+                <a:spcAft>
+                  <a:spcPct val="0"/>
+                </a:spcAft>
+                <a:buClrTx/>
+                <a:buSzTx/>
+                <a:buFontTx/>
+                <a:buNone/>
+                <a:tabLst/>
+              </a:pPr>
+              <a:endParaRPr kumimoji="0" lang="ko-KR" altLang="en-US" sz="1600" b="1" i="0" u="none" strike="noStrike" cap="none" spc="-150" normalizeH="0" baseline="0" dirty="0">
+                <a:ln>
+                  <a:noFill/>
+                </a:ln>
+                <a:solidFill>
+                  <a:schemeClr val="tx1"/>
+                </a:solidFill>
+                <a:effectLst/>
+                <a:latin typeface="맑은 고딕" panose="020B0503020000020004" pitchFamily="50" charset="-127"/>
+                <a:ea typeface="맑은 고딕" panose="020B0503020000020004" pitchFamily="50" charset="-127"/>
+              </a:endParaRPr>
+            </a:p>
+          </p:txBody>
+        </p:sp>
+        <p:cxnSp>
+          <p:nvCxnSpPr>
+            <p:cNvPr id="42" name="직선 연결선 41"/>
+            <p:cNvCxnSpPr/>
+            <p:nvPr/>
+          </p:nvCxnSpPr>
+          <p:spPr bwMode="auto">
+            <a:xfrm>
+              <a:off x="673816" y="1828803"/>
+              <a:ext cx="2060294" cy="0"/>
+            </a:xfrm>
+            <a:prstGeom prst="line">
+              <a:avLst/>
+            </a:prstGeom>
+            <a:solidFill>
+              <a:schemeClr val="accent1"/>
+            </a:solidFill>
+            <a:ln w="12700" cap="flat" cmpd="sng" algn="ctr">
+              <a:solidFill>
+                <a:schemeClr val="tx1"/>
+              </a:solidFill>
+              <a:prstDash val="solid"/>
+              <a:round/>
+              <a:headEnd type="none" w="med" len="med"/>
+              <a:tailEnd type="none" w="med" len="med"/>
+            </a:ln>
+            <a:effectLst/>
+          </p:spPr>
+        </p:cxnSp>
+      </p:grpSp>
+      <p:grpSp>
+        <p:nvGrpSpPr>
+          <p:cNvPr id="5" name="그룹 4"/>
+          <p:cNvGrpSpPr/>
+          <p:nvPr/>
+        </p:nvGrpSpPr>
+        <p:grpSpPr>
+          <a:xfrm>
+            <a:off x="3220934" y="981619"/>
+            <a:ext cx="4755953" cy="1158957"/>
+            <a:chOff x="3220934" y="2954196"/>
+            <a:chExt cx="4755953" cy="1158957"/>
+          </a:xfrm>
+        </p:grpSpPr>
+        <p:grpSp>
+          <p:nvGrpSpPr>
+            <p:cNvPr id="20" name="그룹 19"/>
+            <p:cNvGrpSpPr/>
+            <p:nvPr/>
+          </p:nvGrpSpPr>
+          <p:grpSpPr>
+            <a:xfrm>
+              <a:off x="5916593" y="2967259"/>
+              <a:ext cx="2060294" cy="1145894"/>
+              <a:chOff x="544010" y="1504709"/>
+              <a:chExt cx="2060294" cy="1145894"/>
+            </a:xfrm>
+          </p:grpSpPr>
+          <p:sp>
+            <p:nvSpPr>
+              <p:cNvPr id="21" name="직사각형 20"/>
+              <p:cNvSpPr/>
+              <p:nvPr/>
+            </p:nvSpPr>
+            <p:spPr bwMode="auto">
+              <a:xfrm>
+                <a:off x="544010" y="1504709"/>
+                <a:ext cx="2060294" cy="1145894"/>
+              </a:xfrm>
+              <a:prstGeom prst="rect">
+                <a:avLst/>
+              </a:prstGeom>
+              <a:ln>
+                <a:headEnd type="none" w="med" len="med"/>
+                <a:tailEnd type="none" w="med" len="med"/>
+              </a:ln>
+            </p:spPr>
+            <p:style>
+              <a:lnRef idx="1">
+                <a:schemeClr val="accent2"/>
+              </a:lnRef>
+              <a:fillRef idx="2">
+                <a:schemeClr val="accent2"/>
+              </a:fillRef>
+              <a:effectRef idx="1">
+                <a:schemeClr val="accent2"/>
+              </a:effectRef>
+              <a:fontRef idx="minor">
+                <a:schemeClr val="dk1"/>
+              </a:fontRef>
+            </p:style>
+            <p:txBody>
+              <a:bodyPr vert="horz" wrap="none" lIns="90000" tIns="46800" rIns="90000" bIns="46800" numCol="1" rtlCol="0" anchor="ctr" anchorCtr="0" compatLnSpc="1">
+                <a:prstTxWarp prst="textNoShape">
+                  <a:avLst/>
+                </a:prstTxWarp>
+              </a:bodyPr>
+              <a:lstStyle/>
+              <a:p>
+                <a:pPr marL="0" marR="0" indent="0" algn="ctr" defTabSz="914400" rtl="0" eaLnBrk="0" fontAlgn="base" latinLnBrk="0" hangingPunct="0">
+                  <a:lnSpc>
+                    <a:spcPct val="100000"/>
+                  </a:lnSpc>
+                  <a:spcBef>
+                    <a:spcPct val="0"/>
+                  </a:spcBef>
+                  <a:spcAft>
+                    <a:spcPct val="0"/>
+                  </a:spcAft>
+                  <a:buClrTx/>
+                  <a:buSzTx/>
+                  <a:buFontTx/>
+                  <a:buNone/>
+                  <a:tabLst/>
+                </a:pPr>
+                <a:r>
+                  <a:rPr lang="en-US" altLang="ko-KR" sz="1600" b="1" spc="-150" dirty="0" err="1">
+                    <a:solidFill>
+                      <a:schemeClr val="tx1"/>
+                    </a:solidFill>
+                    <a:latin typeface="맑은 고딕" panose="020B0503020000020004" pitchFamily="50" charset="-127"/>
+                    <a:ea typeface="맑은 고딕" panose="020B0503020000020004" pitchFamily="50" charset="-127"/>
+                  </a:rPr>
+                  <a:t>SubjectSearch</a:t>
+                </a:r>
+                <a:endParaRPr kumimoji="0" lang="en-US" altLang="ko-KR" sz="1600" b="1" i="0" u="none" strike="noStrike" cap="none" spc="-150" normalizeH="0" baseline="0" dirty="0">
+                  <a:ln>
+                    <a:noFill/>
+                  </a:ln>
+                  <a:solidFill>
+                    <a:schemeClr val="tx1"/>
+                  </a:solidFill>
+                  <a:effectLst/>
+                  <a:latin typeface="맑은 고딕" panose="020B0503020000020004" pitchFamily="50" charset="-127"/>
+                  <a:ea typeface="맑은 고딕" panose="020B0503020000020004" pitchFamily="50" charset="-127"/>
+                </a:endParaRPr>
+              </a:p>
+              <a:p>
+                <a:pPr marL="0" marR="0" indent="0" algn="ctr" defTabSz="914400" rtl="0" eaLnBrk="0" fontAlgn="base" latinLnBrk="0" hangingPunct="0">
+                  <a:lnSpc>
+                    <a:spcPct val="100000"/>
+                  </a:lnSpc>
+                  <a:spcBef>
+                    <a:spcPct val="0"/>
+                  </a:spcBef>
+                  <a:spcAft>
+                    <a:spcPct val="0"/>
+                  </a:spcAft>
+                  <a:buClrTx/>
+                  <a:buSzTx/>
+                  <a:buFontTx/>
+                  <a:buNone/>
+                  <a:tabLst/>
+                </a:pPr>
+                <a:endParaRPr lang="en-US" altLang="ko-KR" sz="1600" b="1" spc="-150" dirty="0">
+                  <a:solidFill>
+                    <a:schemeClr val="tx1"/>
+                  </a:solidFill>
+                  <a:latin typeface="맑은 고딕" panose="020B0503020000020004" pitchFamily="50" charset="-127"/>
+                  <a:ea typeface="맑은 고딕" panose="020B0503020000020004" pitchFamily="50" charset="-127"/>
+                </a:endParaRPr>
+              </a:p>
+              <a:p>
+                <a:pPr marL="0" marR="0" indent="0" algn="ctr" defTabSz="914400" rtl="0" eaLnBrk="0" fontAlgn="base" latinLnBrk="0" hangingPunct="0">
+                  <a:lnSpc>
+                    <a:spcPct val="100000"/>
+                  </a:lnSpc>
+                  <a:spcBef>
+                    <a:spcPct val="0"/>
+                  </a:spcBef>
+                  <a:spcAft>
+                    <a:spcPct val="0"/>
+                  </a:spcAft>
+                  <a:buClrTx/>
+                  <a:buSzTx/>
+                  <a:buFontTx/>
+                  <a:buNone/>
+                  <a:tabLst/>
+                </a:pPr>
+                <a:r>
+                  <a:rPr kumimoji="0" lang="ko-KR" altLang="en-US" sz="1600" b="1" i="0" u="none" strike="noStrike" cap="none" spc="-150" normalizeH="0" baseline="0" dirty="0">
+                    <a:ln>
+                      <a:noFill/>
+                    </a:ln>
+                    <a:solidFill>
+                      <a:schemeClr val="tx1"/>
+                    </a:solidFill>
+                    <a:effectLst/>
+                    <a:latin typeface="맑은 고딕" panose="020B0503020000020004" pitchFamily="50" charset="-127"/>
+                    <a:ea typeface="맑은 고딕" panose="020B0503020000020004" pitchFamily="50" charset="-127"/>
+                  </a:rPr>
+                  <a:t>등록 원하는 과목</a:t>
+                </a:r>
+                <a:r>
+                  <a:rPr lang="en-US" altLang="ko-KR" sz="1600" b="1" spc="-150" dirty="0">
+                    <a:solidFill>
+                      <a:schemeClr val="tx1"/>
+                    </a:solidFill>
+                    <a:latin typeface="맑은 고딕" panose="020B0503020000020004" pitchFamily="50" charset="-127"/>
+                    <a:ea typeface="맑은 고딕" panose="020B0503020000020004" pitchFamily="50" charset="-127"/>
+                  </a:rPr>
+                  <a:t> </a:t>
+                </a:r>
+                <a:r>
+                  <a:rPr lang="ko-KR" altLang="en-US" sz="1600" b="1" spc="-150" dirty="0">
+                    <a:solidFill>
+                      <a:schemeClr val="tx1"/>
+                    </a:solidFill>
+                    <a:latin typeface="맑은 고딕" panose="020B0503020000020004" pitchFamily="50" charset="-127"/>
+                    <a:ea typeface="맑은 고딕" panose="020B0503020000020004" pitchFamily="50" charset="-127"/>
+                  </a:rPr>
+                  <a:t>검색</a:t>
+                </a:r>
+                <a:endParaRPr kumimoji="0" lang="en-US" altLang="ko-KR" sz="1600" b="1" i="0" u="none" strike="noStrike" cap="none" spc="-150" normalizeH="0" baseline="0" dirty="0">
+                  <a:ln>
+                    <a:noFill/>
+                  </a:ln>
+                  <a:solidFill>
+                    <a:schemeClr val="tx1"/>
+                  </a:solidFill>
+                  <a:effectLst/>
+                  <a:latin typeface="맑은 고딕" panose="020B0503020000020004" pitchFamily="50" charset="-127"/>
+                  <a:ea typeface="맑은 고딕" panose="020B0503020000020004" pitchFamily="50" charset="-127"/>
+                </a:endParaRPr>
+              </a:p>
+              <a:p>
+                <a:pPr marL="0" marR="0" indent="0" algn="ctr" defTabSz="914400" rtl="0" eaLnBrk="0" fontAlgn="base" latinLnBrk="0" hangingPunct="0">
+                  <a:lnSpc>
+                    <a:spcPct val="100000"/>
+                  </a:lnSpc>
+                  <a:spcBef>
+                    <a:spcPct val="0"/>
+                  </a:spcBef>
+                  <a:spcAft>
+                    <a:spcPct val="0"/>
+                  </a:spcAft>
+                  <a:buClrTx/>
+                  <a:buSzTx/>
+                  <a:buFontTx/>
+                  <a:buNone/>
+                  <a:tabLst/>
+                </a:pPr>
+                <a:endParaRPr kumimoji="0" lang="ko-KR" altLang="en-US" sz="1600" b="1" i="0" u="none" strike="noStrike" cap="none" spc="-150" normalizeH="0" baseline="0" dirty="0">
+                  <a:ln>
+                    <a:noFill/>
+                  </a:ln>
+                  <a:solidFill>
+                    <a:schemeClr val="tx1"/>
+                  </a:solidFill>
+                  <a:effectLst/>
+                  <a:latin typeface="맑은 고딕" panose="020B0503020000020004" pitchFamily="50" charset="-127"/>
+                  <a:ea typeface="맑은 고딕" panose="020B0503020000020004" pitchFamily="50" charset="-127"/>
+                </a:endParaRPr>
+              </a:p>
+            </p:txBody>
+          </p:sp>
+          <p:cxnSp>
+            <p:nvCxnSpPr>
+              <p:cNvPr id="22" name="직선 연결선 21"/>
+              <p:cNvCxnSpPr/>
+              <p:nvPr/>
+            </p:nvCxnSpPr>
+            <p:spPr bwMode="auto">
+              <a:xfrm>
+                <a:off x="544010" y="1828801"/>
+                <a:ext cx="2060294" cy="0"/>
+              </a:xfrm>
+              <a:prstGeom prst="line">
+                <a:avLst/>
+              </a:prstGeom>
+              <a:solidFill>
+                <a:schemeClr val="accent1"/>
+              </a:solidFill>
+              <a:ln w="12700" cap="flat" cmpd="sng" algn="ctr">
+                <a:solidFill>
+                  <a:schemeClr val="tx1"/>
+                </a:solidFill>
+                <a:prstDash val="solid"/>
+                <a:round/>
+                <a:headEnd type="none" w="med" len="med"/>
+                <a:tailEnd type="none" w="med" len="med"/>
+              </a:ln>
+              <a:effectLst/>
+            </p:spPr>
+          </p:cxnSp>
+        </p:grpSp>
+        <p:grpSp>
+          <p:nvGrpSpPr>
+            <p:cNvPr id="28" name="그룹 27"/>
+            <p:cNvGrpSpPr/>
+            <p:nvPr/>
+          </p:nvGrpSpPr>
+          <p:grpSpPr>
+            <a:xfrm>
+              <a:off x="3220934" y="2954196"/>
+              <a:ext cx="2060294" cy="1145894"/>
+              <a:chOff x="544010" y="1504709"/>
+              <a:chExt cx="2060294" cy="1145894"/>
+            </a:xfrm>
+          </p:grpSpPr>
+          <p:sp>
+            <p:nvSpPr>
+              <p:cNvPr id="29" name="직사각형 28"/>
+              <p:cNvSpPr/>
+              <p:nvPr/>
+            </p:nvSpPr>
+            <p:spPr bwMode="auto">
+              <a:xfrm>
+                <a:off x="544010" y="1504709"/>
+                <a:ext cx="2060294" cy="1145894"/>
+              </a:xfrm>
+              <a:prstGeom prst="rect">
+                <a:avLst/>
+              </a:prstGeom>
+              <a:ln>
+                <a:headEnd type="none" w="med" len="med"/>
+                <a:tailEnd type="none" w="med" len="med"/>
+              </a:ln>
+            </p:spPr>
+            <p:style>
+              <a:lnRef idx="1">
+                <a:schemeClr val="accent2"/>
+              </a:lnRef>
+              <a:fillRef idx="2">
+                <a:schemeClr val="accent2"/>
+              </a:fillRef>
+              <a:effectRef idx="1">
+                <a:schemeClr val="accent2"/>
+              </a:effectRef>
+              <a:fontRef idx="minor">
+                <a:schemeClr val="dk1"/>
+              </a:fontRef>
+            </p:style>
+            <p:txBody>
+              <a:bodyPr vert="horz" wrap="none" lIns="90000" tIns="46800" rIns="90000" bIns="46800" numCol="1" rtlCol="0" anchor="ctr" anchorCtr="0" compatLnSpc="1">
+                <a:prstTxWarp prst="textNoShape">
+                  <a:avLst/>
+                </a:prstTxWarp>
+              </a:bodyPr>
+              <a:lstStyle/>
+              <a:p>
+                <a:pPr marL="0" marR="0" indent="0" algn="ctr" defTabSz="914400" rtl="0" eaLnBrk="0" fontAlgn="base" latinLnBrk="0" hangingPunct="0">
+                  <a:lnSpc>
+                    <a:spcPct val="100000"/>
+                  </a:lnSpc>
+                  <a:spcBef>
+                    <a:spcPct val="0"/>
+                  </a:spcBef>
+                  <a:spcAft>
+                    <a:spcPct val="0"/>
+                  </a:spcAft>
+                  <a:buClrTx/>
+                  <a:buSzTx/>
+                  <a:buFontTx/>
+                  <a:buNone/>
+                  <a:tabLst/>
+                </a:pPr>
+                <a:r>
+                  <a:rPr lang="en-US" altLang="ko-KR" sz="1600" b="1" spc="-150" dirty="0" err="1">
+                    <a:solidFill>
+                      <a:schemeClr val="tx1"/>
+                    </a:solidFill>
+                    <a:latin typeface="맑은 고딕" panose="020B0503020000020004" pitchFamily="50" charset="-127"/>
+                    <a:ea typeface="맑은 고딕" panose="020B0503020000020004" pitchFamily="50" charset="-127"/>
+                  </a:rPr>
+                  <a:t>SubjectEnroll</a:t>
+                </a:r>
+                <a:endParaRPr kumimoji="0" lang="en-US" altLang="ko-KR" sz="1600" b="1" i="0" u="none" strike="noStrike" cap="none" spc="-150" normalizeH="0" baseline="0" dirty="0">
+                  <a:ln>
+                    <a:noFill/>
+                  </a:ln>
+                  <a:solidFill>
+                    <a:schemeClr val="tx1"/>
+                  </a:solidFill>
+                  <a:effectLst/>
+                  <a:latin typeface="맑은 고딕" panose="020B0503020000020004" pitchFamily="50" charset="-127"/>
+                  <a:ea typeface="맑은 고딕" panose="020B0503020000020004" pitchFamily="50" charset="-127"/>
+                </a:endParaRPr>
+              </a:p>
+              <a:p>
+                <a:pPr marL="0" marR="0" indent="0" algn="ctr" defTabSz="914400" rtl="0" eaLnBrk="0" fontAlgn="base" latinLnBrk="0" hangingPunct="0">
+                  <a:lnSpc>
+                    <a:spcPct val="100000"/>
+                  </a:lnSpc>
+                  <a:spcBef>
+                    <a:spcPct val="0"/>
+                  </a:spcBef>
+                  <a:spcAft>
+                    <a:spcPct val="0"/>
+                  </a:spcAft>
+                  <a:buClrTx/>
+                  <a:buSzTx/>
+                  <a:buFontTx/>
+                  <a:buNone/>
+                  <a:tabLst/>
+                </a:pPr>
+                <a:endParaRPr lang="en-US" altLang="ko-KR" sz="1600" b="1" spc="-150" dirty="0">
+                  <a:solidFill>
+                    <a:schemeClr val="tx1"/>
+                  </a:solidFill>
+                  <a:latin typeface="맑은 고딕" panose="020B0503020000020004" pitchFamily="50" charset="-127"/>
+                  <a:ea typeface="맑은 고딕" panose="020B0503020000020004" pitchFamily="50" charset="-127"/>
+                </a:endParaRPr>
+              </a:p>
+              <a:p>
+                <a:pPr marL="0" marR="0" indent="0" algn="ctr" defTabSz="914400" rtl="0" eaLnBrk="0" fontAlgn="base" latinLnBrk="0" hangingPunct="0">
+                  <a:lnSpc>
+                    <a:spcPct val="100000"/>
+                  </a:lnSpc>
+                  <a:spcBef>
+                    <a:spcPct val="0"/>
+                  </a:spcBef>
+                  <a:spcAft>
+                    <a:spcPct val="0"/>
+                  </a:spcAft>
+                  <a:buClrTx/>
+                  <a:buSzTx/>
+                  <a:buFontTx/>
+                  <a:buNone/>
+                  <a:tabLst/>
+                </a:pPr>
+                <a:r>
+                  <a:rPr kumimoji="0" lang="ko-KR" altLang="en-US" sz="1600" b="1" i="0" u="none" strike="noStrike" cap="none" spc="-150" normalizeH="0" baseline="0" dirty="0">
+                    <a:ln>
+                      <a:noFill/>
+                    </a:ln>
+                    <a:solidFill>
+                      <a:schemeClr val="tx1"/>
+                    </a:solidFill>
+                    <a:effectLst/>
+                    <a:latin typeface="맑은 고딕" panose="020B0503020000020004" pitchFamily="50" charset="-127"/>
+                    <a:ea typeface="맑은 고딕" panose="020B0503020000020004" pitchFamily="50" charset="-127"/>
+                  </a:rPr>
+                  <a:t>과목 정보 등록</a:t>
+                </a:r>
+                <a:endParaRPr kumimoji="0" lang="en-US" altLang="ko-KR" sz="1600" b="1" i="0" u="none" strike="noStrike" cap="none" spc="-150" normalizeH="0" baseline="0" dirty="0">
+                  <a:ln>
+                    <a:noFill/>
+                  </a:ln>
+                  <a:solidFill>
+                    <a:schemeClr val="tx1"/>
+                  </a:solidFill>
+                  <a:effectLst/>
+                  <a:latin typeface="맑은 고딕" panose="020B0503020000020004" pitchFamily="50" charset="-127"/>
+                  <a:ea typeface="맑은 고딕" panose="020B0503020000020004" pitchFamily="50" charset="-127"/>
+                </a:endParaRPr>
+              </a:p>
+              <a:p>
+                <a:pPr marL="0" marR="0" indent="0" algn="ctr" defTabSz="914400" rtl="0" eaLnBrk="0" fontAlgn="base" latinLnBrk="0" hangingPunct="0">
+                  <a:lnSpc>
+                    <a:spcPct val="100000"/>
+                  </a:lnSpc>
+                  <a:spcBef>
+                    <a:spcPct val="0"/>
+                  </a:spcBef>
+                  <a:spcAft>
+                    <a:spcPct val="0"/>
+                  </a:spcAft>
+                  <a:buClrTx/>
+                  <a:buSzTx/>
+                  <a:buFontTx/>
+                  <a:buNone/>
+                  <a:tabLst/>
+                </a:pPr>
+                <a:endParaRPr kumimoji="0" lang="ko-KR" altLang="en-US" sz="1600" b="1" i="0" u="none" strike="noStrike" cap="none" spc="-150" normalizeH="0" baseline="0" dirty="0">
+                  <a:ln>
+                    <a:noFill/>
+                  </a:ln>
+                  <a:solidFill>
+                    <a:schemeClr val="tx1"/>
+                  </a:solidFill>
+                  <a:effectLst/>
+                  <a:latin typeface="맑은 고딕" panose="020B0503020000020004" pitchFamily="50" charset="-127"/>
+                  <a:ea typeface="맑은 고딕" panose="020B0503020000020004" pitchFamily="50" charset="-127"/>
+                </a:endParaRPr>
+              </a:p>
+            </p:txBody>
+          </p:sp>
+          <p:cxnSp>
+            <p:nvCxnSpPr>
+              <p:cNvPr id="30" name="직선 연결선 29"/>
+              <p:cNvCxnSpPr/>
+              <p:nvPr/>
+            </p:nvCxnSpPr>
+            <p:spPr bwMode="auto">
+              <a:xfrm>
+                <a:off x="544010" y="1828801"/>
+                <a:ext cx="2060294" cy="0"/>
+              </a:xfrm>
+              <a:prstGeom prst="line">
+                <a:avLst/>
+              </a:prstGeom>
+              <a:solidFill>
+                <a:schemeClr val="accent1"/>
+              </a:solidFill>
+              <a:ln w="12700" cap="flat" cmpd="sng" algn="ctr">
+                <a:solidFill>
+                  <a:schemeClr val="tx1"/>
+                </a:solidFill>
+                <a:prstDash val="solid"/>
+                <a:round/>
+                <a:headEnd type="none" w="med" len="med"/>
+                <a:tailEnd type="none" w="med" len="med"/>
+              </a:ln>
+              <a:effectLst/>
+            </p:spPr>
+          </p:cxnSp>
+        </p:grpSp>
+        <p:cxnSp>
+          <p:nvCxnSpPr>
+            <p:cNvPr id="44" name="직선 화살표 연결선 43"/>
+            <p:cNvCxnSpPr>
+              <a:endCxn id="21" idx="1"/>
+            </p:cNvCxnSpPr>
+            <p:nvPr/>
+          </p:nvCxnSpPr>
+          <p:spPr bwMode="auto">
+            <a:xfrm flipV="1">
+              <a:off x="5281228" y="3540206"/>
+              <a:ext cx="635365" cy="71095"/>
+            </a:xfrm>
+            <a:prstGeom prst="straightConnector1">
+              <a:avLst/>
+            </a:prstGeom>
+            <a:solidFill>
+              <a:schemeClr val="accent1"/>
+            </a:solidFill>
+            <a:ln w="12700" cap="flat" cmpd="sng" algn="ctr">
+              <a:solidFill>
+                <a:schemeClr val="tx1"/>
+              </a:solidFill>
+              <a:prstDash val="sysDash"/>
+              <a:round/>
+              <a:headEnd type="none" w="med" len="med"/>
+              <a:tailEnd type="triangle"/>
+            </a:ln>
+            <a:effectLst/>
+          </p:spPr>
+        </p:cxnSp>
+      </p:grpSp>
+      <p:grpSp>
+        <p:nvGrpSpPr>
+          <p:cNvPr id="35" name="그룹 34"/>
+          <p:cNvGrpSpPr/>
+          <p:nvPr/>
+        </p:nvGrpSpPr>
+        <p:grpSpPr>
+          <a:xfrm>
+            <a:off x="3220934" y="2825552"/>
+            <a:ext cx="2060294" cy="1145894"/>
+            <a:chOff x="544010" y="1504709"/>
+            <a:chExt cx="2060294" cy="1145894"/>
+          </a:xfrm>
+        </p:grpSpPr>
+        <p:sp>
+          <p:nvSpPr>
+            <p:cNvPr id="36" name="직사각형 35"/>
+            <p:cNvSpPr/>
+            <p:nvPr/>
+          </p:nvSpPr>
+          <p:spPr bwMode="auto">
+            <a:xfrm>
+              <a:off x="544010" y="1504709"/>
+              <a:ext cx="2060294" cy="1145894"/>
+            </a:xfrm>
+            <a:prstGeom prst="rect">
+              <a:avLst/>
+            </a:prstGeom>
+            <a:ln>
+              <a:headEnd type="none" w="med" len="med"/>
+              <a:tailEnd type="none" w="med" len="med"/>
+            </a:ln>
+          </p:spPr>
+          <p:style>
+            <a:lnRef idx="1">
+              <a:schemeClr val="accent2"/>
+            </a:lnRef>
+            <a:fillRef idx="2">
+              <a:schemeClr val="accent2"/>
+            </a:fillRef>
+            <a:effectRef idx="1">
+              <a:schemeClr val="accent2"/>
+            </a:effectRef>
+            <a:fontRef idx="minor">
+              <a:schemeClr val="dk1"/>
+            </a:fontRef>
+          </p:style>
+          <p:txBody>
+            <a:bodyPr vert="horz" wrap="none" lIns="90000" tIns="46800" rIns="90000" bIns="46800" numCol="1" rtlCol="0" anchor="ctr" anchorCtr="0" compatLnSpc="1">
+              <a:prstTxWarp prst="textNoShape">
+                <a:avLst/>
+              </a:prstTxWarp>
+            </a:bodyPr>
+            <a:lstStyle/>
+            <a:p>
+              <a:pPr marL="0" marR="0" indent="0" algn="ctr" defTabSz="914400" rtl="0" eaLnBrk="0" fontAlgn="base" latinLnBrk="0" hangingPunct="0">
+                <a:lnSpc>
+                  <a:spcPct val="100000"/>
+                </a:lnSpc>
+                <a:spcBef>
+                  <a:spcPct val="0"/>
+                </a:spcBef>
+                <a:spcAft>
+                  <a:spcPct val="0"/>
+                </a:spcAft>
+                <a:buClrTx/>
+                <a:buSzTx/>
+                <a:buFontTx/>
+                <a:buNone/>
+                <a:tabLst/>
+              </a:pPr>
+              <a:r>
+                <a:rPr lang="en-US" altLang="ko-KR" sz="1600" b="1" spc="-150" dirty="0" err="1">
+                  <a:solidFill>
+                    <a:schemeClr val="tx1"/>
+                  </a:solidFill>
+                  <a:latin typeface="맑은 고딕" panose="020B0503020000020004" pitchFamily="50" charset="-127"/>
+                  <a:ea typeface="맑은 고딕" panose="020B0503020000020004" pitchFamily="50" charset="-127"/>
+                </a:rPr>
+                <a:t>SubjectData</a:t>
+              </a:r>
+              <a:endParaRPr kumimoji="0" lang="en-US" altLang="ko-KR" sz="1600" b="1" i="0" u="none" strike="noStrike" cap="none" spc="-150" normalizeH="0" baseline="0" dirty="0">
+                <a:ln>
+                  <a:noFill/>
+                </a:ln>
+                <a:solidFill>
+                  <a:schemeClr val="tx1"/>
+                </a:solidFill>
+                <a:effectLst/>
+                <a:latin typeface="맑은 고딕" panose="020B0503020000020004" pitchFamily="50" charset="-127"/>
+                <a:ea typeface="맑은 고딕" panose="020B0503020000020004" pitchFamily="50" charset="-127"/>
+              </a:endParaRPr>
+            </a:p>
+            <a:p>
+              <a:pPr marL="0" marR="0" indent="0" algn="ctr" defTabSz="914400" rtl="0" eaLnBrk="0" fontAlgn="base" latinLnBrk="0" hangingPunct="0">
+                <a:lnSpc>
+                  <a:spcPct val="100000"/>
+                </a:lnSpc>
+                <a:spcBef>
+                  <a:spcPct val="0"/>
+                </a:spcBef>
+                <a:spcAft>
+                  <a:spcPct val="0"/>
+                </a:spcAft>
+                <a:buClrTx/>
+                <a:buSzTx/>
+                <a:buFontTx/>
+                <a:buNone/>
+                <a:tabLst/>
+              </a:pPr>
+              <a:endParaRPr lang="en-US" altLang="ko-KR" sz="1600" b="1" spc="-150" dirty="0">
+                <a:solidFill>
+                  <a:schemeClr val="tx1"/>
+                </a:solidFill>
+                <a:latin typeface="맑은 고딕" panose="020B0503020000020004" pitchFamily="50" charset="-127"/>
+                <a:ea typeface="맑은 고딕" panose="020B0503020000020004" pitchFamily="50" charset="-127"/>
+              </a:endParaRPr>
+            </a:p>
+            <a:p>
+              <a:pPr marL="0" marR="0" indent="0" algn="ctr" defTabSz="914400" rtl="0" eaLnBrk="0" fontAlgn="base" latinLnBrk="0" hangingPunct="0">
+                <a:lnSpc>
+                  <a:spcPct val="100000"/>
+                </a:lnSpc>
+                <a:spcBef>
+                  <a:spcPct val="0"/>
+                </a:spcBef>
+                <a:spcAft>
+                  <a:spcPct val="0"/>
+                </a:spcAft>
+                <a:buClrTx/>
+                <a:buSzTx/>
+                <a:buFontTx/>
+                <a:buNone/>
+                <a:tabLst/>
+              </a:pPr>
+              <a:r>
+                <a:rPr kumimoji="0" lang="ko-KR" altLang="en-US" sz="1600" b="1" i="0" u="none" strike="noStrike" cap="none" spc="-150" normalizeH="0" baseline="0" dirty="0">
+                  <a:ln>
+                    <a:noFill/>
+                  </a:ln>
+                  <a:solidFill>
+                    <a:schemeClr val="tx1"/>
+                  </a:solidFill>
+                  <a:effectLst/>
+                  <a:latin typeface="맑은 고딕" panose="020B0503020000020004" pitchFamily="50" charset="-127"/>
+                  <a:ea typeface="맑은 고딕" panose="020B0503020000020004" pitchFamily="50" charset="-127"/>
+                </a:rPr>
+                <a:t>과목 정보를 담는 객체</a:t>
+              </a:r>
+              <a:endParaRPr kumimoji="0" lang="en-US" altLang="ko-KR" sz="1600" b="1" i="0" u="none" strike="noStrike" cap="none" spc="-150" normalizeH="0" baseline="0" dirty="0">
+                <a:ln>
+                  <a:noFill/>
+                </a:ln>
+                <a:solidFill>
+                  <a:schemeClr val="tx1"/>
+                </a:solidFill>
+                <a:effectLst/>
+                <a:latin typeface="맑은 고딕" panose="020B0503020000020004" pitchFamily="50" charset="-127"/>
+                <a:ea typeface="맑은 고딕" panose="020B0503020000020004" pitchFamily="50" charset="-127"/>
+              </a:endParaRPr>
+            </a:p>
+            <a:p>
+              <a:pPr marL="0" marR="0" indent="0" algn="ctr" defTabSz="914400" rtl="0" eaLnBrk="0" fontAlgn="base" latinLnBrk="0" hangingPunct="0">
+                <a:lnSpc>
+                  <a:spcPct val="100000"/>
+                </a:lnSpc>
+                <a:spcBef>
+                  <a:spcPct val="0"/>
+                </a:spcBef>
+                <a:spcAft>
+                  <a:spcPct val="0"/>
+                </a:spcAft>
+                <a:buClrTx/>
+                <a:buSzTx/>
+                <a:buFontTx/>
+                <a:buNone/>
+                <a:tabLst/>
+              </a:pPr>
+              <a:endParaRPr kumimoji="0" lang="ko-KR" altLang="en-US" sz="1600" b="1" i="0" u="none" strike="noStrike" cap="none" spc="-150" normalizeH="0" baseline="0" dirty="0">
+                <a:ln>
+                  <a:noFill/>
+                </a:ln>
+                <a:solidFill>
+                  <a:schemeClr val="tx1"/>
+                </a:solidFill>
+                <a:effectLst/>
+                <a:latin typeface="맑은 고딕" panose="020B0503020000020004" pitchFamily="50" charset="-127"/>
+                <a:ea typeface="맑은 고딕" panose="020B0503020000020004" pitchFamily="50" charset="-127"/>
+              </a:endParaRPr>
+            </a:p>
+          </p:txBody>
+        </p:sp>
+        <p:cxnSp>
+          <p:nvCxnSpPr>
+            <p:cNvPr id="37" name="직선 연결선 36"/>
+            <p:cNvCxnSpPr/>
+            <p:nvPr/>
+          </p:nvCxnSpPr>
+          <p:spPr bwMode="auto">
+            <a:xfrm>
+              <a:off x="544010" y="1828801"/>
+              <a:ext cx="2060294" cy="0"/>
+            </a:xfrm>
+            <a:prstGeom prst="line">
+              <a:avLst/>
+            </a:prstGeom>
+            <a:solidFill>
+              <a:schemeClr val="accent1"/>
+            </a:solidFill>
+            <a:ln w="12700" cap="flat" cmpd="sng" algn="ctr">
+              <a:solidFill>
+                <a:schemeClr val="tx1"/>
+              </a:solidFill>
+              <a:prstDash val="solid"/>
+              <a:round/>
+              <a:headEnd type="none" w="med" len="med"/>
+              <a:tailEnd type="none" w="med" len="med"/>
+            </a:ln>
+            <a:effectLst/>
+          </p:spPr>
+        </p:cxnSp>
+      </p:grpSp>
+      <p:cxnSp>
+        <p:nvCxnSpPr>
+          <p:cNvPr id="38" name="직선 화살표 연결선 37"/>
+          <p:cNvCxnSpPr>
+            <a:stCxn id="29" idx="2"/>
+            <a:endCxn id="36" idx="0"/>
+          </p:cNvCxnSpPr>
+          <p:nvPr/>
+        </p:nvCxnSpPr>
+        <p:spPr bwMode="auto">
+          <a:xfrm>
+            <a:off x="4251081" y="2127513"/>
+            <a:ext cx="0" cy="698039"/>
+          </a:xfrm>
+          <a:prstGeom prst="straightConnector1">
+            <a:avLst/>
+          </a:prstGeom>
+          <a:solidFill>
+            <a:schemeClr val="accent1"/>
+          </a:solidFill>
+          <a:ln w="12700" cap="flat" cmpd="sng" algn="ctr">
+            <a:solidFill>
+              <a:schemeClr val="tx1"/>
+            </a:solidFill>
+            <a:prstDash val="sysDash"/>
+            <a:round/>
+            <a:headEnd type="none" w="med" len="med"/>
+            <a:tailEnd type="triangle"/>
+          </a:ln>
+          <a:effectLst/>
+        </p:spPr>
+      </p:cxnSp>
+      <p:cxnSp>
+        <p:nvCxnSpPr>
+          <p:cNvPr id="39" name="직선 화살표 연결선 38"/>
+          <p:cNvCxnSpPr>
+            <a:stCxn id="26" idx="0"/>
+            <a:endCxn id="36" idx="2"/>
+          </p:cNvCxnSpPr>
+          <p:nvPr/>
+        </p:nvCxnSpPr>
+        <p:spPr bwMode="auto">
+          <a:xfrm flipV="1">
+            <a:off x="4251081" y="3971446"/>
+            <a:ext cx="0" cy="601132"/>
+          </a:xfrm>
+          <a:prstGeom prst="straightConnector1">
+            <a:avLst/>
+          </a:prstGeom>
+          <a:solidFill>
+            <a:schemeClr val="accent1"/>
+          </a:solidFill>
+          <a:ln w="12700" cap="flat" cmpd="sng" algn="ctr">
+            <a:solidFill>
+              <a:schemeClr val="tx1"/>
+            </a:solidFill>
+            <a:prstDash val="sysDash"/>
+            <a:round/>
+            <a:headEnd type="none" w="med" len="med"/>
+            <a:tailEnd type="triangle"/>
+          </a:ln>
+          <a:effectLst/>
+        </p:spPr>
+      </p:cxnSp>
+      <p:cxnSp>
+        <p:nvCxnSpPr>
+          <p:cNvPr id="43" name="직선 화살표 연결선 42"/>
+          <p:cNvCxnSpPr/>
+          <p:nvPr/>
+        </p:nvCxnSpPr>
+        <p:spPr bwMode="auto">
+          <a:xfrm flipH="1" flipV="1">
+            <a:off x="4251081" y="3971446"/>
+            <a:ext cx="2695659" cy="601132"/>
+          </a:xfrm>
+          <a:prstGeom prst="straightConnector1">
+            <a:avLst/>
+          </a:prstGeom>
+          <a:solidFill>
+            <a:schemeClr val="accent1"/>
+          </a:solidFill>
+          <a:ln w="12700" cap="flat" cmpd="sng" algn="ctr">
+            <a:solidFill>
+              <a:schemeClr val="tx1"/>
+            </a:solidFill>
+            <a:prstDash val="sysDash"/>
+            <a:round/>
+            <a:headEnd type="none" w="med" len="med"/>
+            <a:tailEnd type="triangle"/>
+          </a:ln>
+          <a:effectLst/>
+        </p:spPr>
+      </p:cxnSp>
+      <p:cxnSp>
+        <p:nvCxnSpPr>
+          <p:cNvPr id="47" name="직선 화살표 연결선 46"/>
+          <p:cNvCxnSpPr>
+            <a:endCxn id="36" idx="2"/>
+          </p:cNvCxnSpPr>
+          <p:nvPr/>
+        </p:nvCxnSpPr>
+        <p:spPr bwMode="auto">
+          <a:xfrm flipV="1">
+            <a:off x="1615827" y="3971446"/>
+            <a:ext cx="2635254" cy="581655"/>
+          </a:xfrm>
+          <a:prstGeom prst="straightConnector1">
+            <a:avLst/>
+          </a:prstGeom>
+          <a:solidFill>
+            <a:schemeClr val="accent1"/>
+          </a:solidFill>
+          <a:ln w="12700" cap="flat" cmpd="sng" algn="ctr">
+            <a:solidFill>
+              <a:schemeClr val="tx1"/>
+            </a:solidFill>
+            <a:prstDash val="sysDash"/>
+            <a:round/>
+            <a:headEnd type="none" w="med" len="med"/>
+            <a:tailEnd type="triangle"/>
+          </a:ln>
+          <a:effectLst/>
+        </p:spPr>
+      </p:cxnSp>
+    </p:spTree>
+    <p:extLst>
+      <p:ext uri="{BB962C8B-B14F-4D97-AF65-F5344CB8AC3E}">
+        <p14:creationId xmlns:p14="http://schemas.microsoft.com/office/powerpoint/2010/main" val="1776991861"/>
+      </p:ext>
+    </p:extLst>
+  </p:cSld>
+  <p:clrMapOvr>
+    <a:masterClrMapping/>
+  </p:clrMapOvr>
+</p:sld>
+</file>
+
+<file path=ppt/slides/slide4.xml><?xml version="1.0" encoding="utf-8"?>
+<p:sld xmlns:a="http://schemas.openxmlformats.org/drawingml/2006/main" xmlns:r="http://schemas.openxmlformats.org/officeDocument/2006/relationships" xmlns:p="http://schemas.openxmlformats.org/presentationml/2006/main">
+  <p:cSld>
+    <p:spTree>
+      <p:nvGrpSpPr>
+        <p:cNvPr id="1" name=""/>
+        <p:cNvGrpSpPr/>
+        <p:nvPr/>
+      </p:nvGrpSpPr>
+      <p:grpSpPr>
+        <a:xfrm>
+          <a:off x="0" y="0"/>
+          <a:ext cx="0" cy="0"/>
+          <a:chOff x="0" y="0"/>
+          <a:chExt cx="0" cy="0"/>
+        </a:xfrm>
+      </p:grpSpPr>
+      <p:sp>
+        <p:nvSpPr>
+          <p:cNvPr id="2" name="바닥글 개체 틀 1"/>
+          <p:cNvSpPr>
+            <a:spLocks noGrp="1"/>
+          </p:cNvSpPr>
+          <p:nvPr>
+            <p:ph type="ftr" sz="quarter" idx="3"/>
+          </p:nvPr>
+        </p:nvSpPr>
+        <p:spPr/>
+        <p:txBody>
+          <a:bodyPr/>
+          <a:lstStyle/>
+          <a:p>
+            <a:pPr algn="r"/>
+            <a:r>
+              <a:rPr lang="en-US" altLang="ko-KR" dirty="0"/>
+              <a:t>Cosign</a:t>
+            </a:r>
+          </a:p>
+        </p:txBody>
+      </p:sp>
+      <p:grpSp>
+        <p:nvGrpSpPr>
+          <p:cNvPr id="28" name="그룹 27"/>
+          <p:cNvGrpSpPr/>
+          <p:nvPr/>
+        </p:nvGrpSpPr>
+        <p:grpSpPr>
+          <a:xfrm>
+            <a:off x="795959" y="1463581"/>
+            <a:ext cx="2060294" cy="1145894"/>
+            <a:chOff x="544010" y="1455016"/>
+            <a:chExt cx="2060294" cy="1145894"/>
+          </a:xfrm>
+        </p:grpSpPr>
+        <p:sp>
+          <p:nvSpPr>
+            <p:cNvPr id="29" name="직사각형 28"/>
+            <p:cNvSpPr/>
+            <p:nvPr/>
+          </p:nvSpPr>
+          <p:spPr bwMode="auto">
+            <a:xfrm>
+              <a:off x="544010" y="1455016"/>
+              <a:ext cx="2060294" cy="1145894"/>
+            </a:xfrm>
+            <a:prstGeom prst="rect">
+              <a:avLst/>
+            </a:prstGeom>
+            <a:ln>
+              <a:headEnd type="none" w="med" len="med"/>
+              <a:tailEnd type="none" w="med" len="med"/>
+            </a:ln>
+          </p:spPr>
+          <p:style>
+            <a:lnRef idx="1">
+              <a:schemeClr val="accent2"/>
+            </a:lnRef>
+            <a:fillRef idx="2">
+              <a:schemeClr val="accent2"/>
+            </a:fillRef>
+            <a:effectRef idx="1">
+              <a:schemeClr val="accent2"/>
+            </a:effectRef>
+            <a:fontRef idx="minor">
+              <a:schemeClr val="dk1"/>
+            </a:fontRef>
+          </p:style>
+          <p:txBody>
+            <a:bodyPr vert="horz" wrap="none" lIns="90000" tIns="46800" rIns="90000" bIns="46800" numCol="1" rtlCol="0" anchor="ctr" anchorCtr="0" compatLnSpc="1">
+              <a:prstTxWarp prst="textNoShape">
+                <a:avLst/>
+              </a:prstTxWarp>
+            </a:bodyPr>
+            <a:lstStyle/>
+            <a:p>
+              <a:pPr marL="0" marR="0" indent="0" algn="ctr" defTabSz="914400" rtl="0" eaLnBrk="0" fontAlgn="base" latinLnBrk="0" hangingPunct="0">
+                <a:lnSpc>
+                  <a:spcPct val="100000"/>
+                </a:lnSpc>
+                <a:spcBef>
+                  <a:spcPct val="0"/>
+                </a:spcBef>
+                <a:spcAft>
+                  <a:spcPct val="0"/>
+                </a:spcAft>
+                <a:buClrTx/>
+                <a:buSzTx/>
+                <a:buFontTx/>
+                <a:buNone/>
+                <a:tabLst/>
+              </a:pPr>
+              <a:r>
+                <a:rPr lang="en-US" altLang="ko-KR" sz="1600" b="1" spc="-150" dirty="0" err="1">
+                  <a:solidFill>
+                    <a:schemeClr val="tx1"/>
+                  </a:solidFill>
+                  <a:latin typeface="맑은 고딕" panose="020B0503020000020004" pitchFamily="50" charset="-127"/>
+                  <a:ea typeface="맑은 고딕" panose="020B0503020000020004" pitchFamily="50" charset="-127"/>
+                </a:rPr>
+                <a:t>TodoEnroll</a:t>
+              </a:r>
+              <a:endParaRPr kumimoji="0" lang="en-US" altLang="ko-KR" sz="1600" b="1" i="0" u="none" strike="noStrike" cap="none" spc="-150" normalizeH="0" baseline="0" dirty="0">
+                <a:ln>
+                  <a:noFill/>
+                </a:ln>
+                <a:solidFill>
+                  <a:schemeClr val="tx1"/>
+                </a:solidFill>
+                <a:effectLst/>
+                <a:latin typeface="맑은 고딕" panose="020B0503020000020004" pitchFamily="50" charset="-127"/>
+                <a:ea typeface="맑은 고딕" panose="020B0503020000020004" pitchFamily="50" charset="-127"/>
+              </a:endParaRPr>
+            </a:p>
+            <a:p>
+              <a:pPr marL="0" marR="0" indent="0" algn="ctr" defTabSz="914400" rtl="0" eaLnBrk="0" fontAlgn="base" latinLnBrk="0" hangingPunct="0">
+                <a:lnSpc>
+                  <a:spcPct val="100000"/>
+                </a:lnSpc>
+                <a:spcBef>
+                  <a:spcPct val="0"/>
+                </a:spcBef>
+                <a:spcAft>
+                  <a:spcPct val="0"/>
+                </a:spcAft>
+                <a:buClrTx/>
+                <a:buSzTx/>
+                <a:buFontTx/>
+                <a:buNone/>
+                <a:tabLst/>
+              </a:pPr>
+              <a:endParaRPr lang="en-US" altLang="ko-KR" sz="1600" b="1" spc="-150" dirty="0">
+                <a:solidFill>
+                  <a:schemeClr val="tx1"/>
+                </a:solidFill>
+                <a:latin typeface="맑은 고딕" panose="020B0503020000020004" pitchFamily="50" charset="-127"/>
+                <a:ea typeface="맑은 고딕" panose="020B0503020000020004" pitchFamily="50" charset="-127"/>
+              </a:endParaRPr>
+            </a:p>
+            <a:p>
+              <a:pPr marL="0" marR="0" indent="0" algn="ctr" defTabSz="914400" rtl="0" eaLnBrk="0" fontAlgn="base" latinLnBrk="0" hangingPunct="0">
+                <a:lnSpc>
+                  <a:spcPct val="100000"/>
+                </a:lnSpc>
+                <a:spcBef>
+                  <a:spcPct val="0"/>
+                </a:spcBef>
+                <a:spcAft>
+                  <a:spcPct val="0"/>
+                </a:spcAft>
+                <a:buClrTx/>
+                <a:buSzTx/>
+                <a:buFontTx/>
+                <a:buNone/>
+                <a:tabLst/>
+              </a:pPr>
+              <a:r>
+                <a:rPr kumimoji="0" lang="en-US" altLang="ko-KR" sz="1600" b="1" i="0" u="none" strike="noStrike" cap="none" spc="-150" normalizeH="0" baseline="0" dirty="0" err="1">
+                  <a:ln>
+                    <a:noFill/>
+                  </a:ln>
+                  <a:solidFill>
+                    <a:schemeClr val="tx1"/>
+                  </a:solidFill>
+                  <a:effectLst/>
+                  <a:latin typeface="맑은 고딕" panose="020B0503020000020004" pitchFamily="50" charset="-127"/>
+                  <a:ea typeface="맑은 고딕" panose="020B0503020000020004" pitchFamily="50" charset="-127"/>
+                </a:rPr>
+                <a:t>Todo</a:t>
+              </a:r>
+              <a:r>
+                <a:rPr kumimoji="0" lang="ko-KR" altLang="en-US" sz="1600" b="1" i="0" u="none" strike="noStrike" cap="none" spc="-150" normalizeH="0" baseline="0" dirty="0">
+                  <a:ln>
+                    <a:noFill/>
+                  </a:ln>
+                  <a:solidFill>
+                    <a:schemeClr val="tx1"/>
+                  </a:solidFill>
+                  <a:effectLst/>
+                  <a:latin typeface="맑은 고딕" panose="020B0503020000020004" pitchFamily="50" charset="-127"/>
+                  <a:ea typeface="맑은 고딕" panose="020B0503020000020004" pitchFamily="50" charset="-127"/>
+                </a:rPr>
+                <a:t>정보 등록</a:t>
+              </a:r>
+              <a:endParaRPr kumimoji="0" lang="en-US" altLang="ko-KR" sz="1600" b="1" i="0" u="none" strike="noStrike" cap="none" spc="-150" normalizeH="0" baseline="0" dirty="0">
+                <a:ln>
+                  <a:noFill/>
+                </a:ln>
+                <a:solidFill>
+                  <a:schemeClr val="tx1"/>
+                </a:solidFill>
+                <a:effectLst/>
+                <a:latin typeface="맑은 고딕" panose="020B0503020000020004" pitchFamily="50" charset="-127"/>
+                <a:ea typeface="맑은 고딕" panose="020B0503020000020004" pitchFamily="50" charset="-127"/>
+              </a:endParaRPr>
+            </a:p>
+            <a:p>
+              <a:pPr marL="0" marR="0" indent="0" algn="ctr" defTabSz="914400" rtl="0" eaLnBrk="0" fontAlgn="base" latinLnBrk="0" hangingPunct="0">
+                <a:lnSpc>
+                  <a:spcPct val="100000"/>
+                </a:lnSpc>
+                <a:spcBef>
+                  <a:spcPct val="0"/>
+                </a:spcBef>
+                <a:spcAft>
+                  <a:spcPct val="0"/>
+                </a:spcAft>
+                <a:buClrTx/>
+                <a:buSzTx/>
+                <a:buFontTx/>
+                <a:buNone/>
+                <a:tabLst/>
+              </a:pPr>
+              <a:endParaRPr kumimoji="0" lang="ko-KR" altLang="en-US" sz="1600" b="1" i="0" u="none" strike="noStrike" cap="none" spc="-150" normalizeH="0" baseline="0" dirty="0">
+                <a:ln>
+                  <a:noFill/>
+                </a:ln>
+                <a:solidFill>
+                  <a:schemeClr val="tx1"/>
+                </a:solidFill>
+                <a:effectLst/>
+                <a:latin typeface="맑은 고딕" panose="020B0503020000020004" pitchFamily="50" charset="-127"/>
+                <a:ea typeface="맑은 고딕" panose="020B0503020000020004" pitchFamily="50" charset="-127"/>
+              </a:endParaRPr>
+            </a:p>
+          </p:txBody>
+        </p:sp>
+        <p:cxnSp>
+          <p:nvCxnSpPr>
+            <p:cNvPr id="30" name="직선 연결선 29"/>
+            <p:cNvCxnSpPr/>
+            <p:nvPr/>
+          </p:nvCxnSpPr>
+          <p:spPr bwMode="auto">
+            <a:xfrm>
+              <a:off x="544010" y="1828801"/>
+              <a:ext cx="2060294" cy="0"/>
+            </a:xfrm>
+            <a:prstGeom prst="line">
+              <a:avLst/>
+            </a:prstGeom>
+            <a:solidFill>
+              <a:schemeClr val="accent1"/>
+            </a:solidFill>
+            <a:ln w="12700" cap="flat" cmpd="sng" algn="ctr">
+              <a:solidFill>
+                <a:schemeClr val="tx1"/>
+              </a:solidFill>
+              <a:prstDash val="solid"/>
+              <a:round/>
+              <a:headEnd type="none" w="med" len="med"/>
+              <a:tailEnd type="none" w="med" len="med"/>
+            </a:ln>
+            <a:effectLst/>
+          </p:spPr>
+        </p:cxnSp>
+      </p:grpSp>
+      <p:grpSp>
+        <p:nvGrpSpPr>
+          <p:cNvPr id="13" name="그룹 12"/>
+          <p:cNvGrpSpPr/>
+          <p:nvPr/>
+        </p:nvGrpSpPr>
+        <p:grpSpPr>
+          <a:xfrm>
+            <a:off x="777699" y="3547508"/>
+            <a:ext cx="4598762" cy="2699530"/>
+            <a:chOff x="682466" y="3229044"/>
+            <a:chExt cx="4598762" cy="2699530"/>
           </a:xfrm>
         </p:grpSpPr>
         <p:grpSp>
@@ -4471,7 +6221,7 @@
           </p:nvGrpSpPr>
           <p:grpSpPr>
             <a:xfrm>
-              <a:off x="5825238" y="3761077"/>
+              <a:off x="682466" y="4782680"/>
               <a:ext cx="2060294" cy="1145894"/>
               <a:chOff x="673816" y="1510339"/>
               <a:chExt cx="2060294" cy="1145894"/>
@@ -4534,17 +6284,42 @@
                   <a:buNone/>
                   <a:tabLst/>
                 </a:pPr>
+                <a:endParaRPr lang="en-US" altLang="ko-KR" sz="1600" b="1" spc="-150" dirty="0">
+                  <a:solidFill>
+                    <a:schemeClr val="tx1"/>
+                  </a:solidFill>
+                  <a:latin typeface="맑은 고딕" panose="020B0503020000020004" pitchFamily="50" charset="-127"/>
+                  <a:ea typeface="맑은 고딕" panose="020B0503020000020004" pitchFamily="50" charset="-127"/>
+                </a:endParaRPr>
+              </a:p>
+              <a:p>
+                <a:pPr marL="0" marR="0" indent="0" algn="ctr" defTabSz="914400" rtl="0" eaLnBrk="0" fontAlgn="base" latinLnBrk="0" hangingPunct="0">
+                  <a:lnSpc>
+                    <a:spcPct val="100000"/>
+                  </a:lnSpc>
+                  <a:spcBef>
+                    <a:spcPct val="0"/>
+                  </a:spcBef>
+                  <a:spcAft>
+                    <a:spcPct val="0"/>
+                  </a:spcAft>
+                  <a:buClrTx/>
+                  <a:buSzTx/>
+                  <a:buFontTx/>
+                  <a:buNone/>
+                  <a:tabLst/>
+                </a:pPr>
                 <a:r>
-                  <a:rPr lang="en-US" altLang="ko-KR" sz="1600" b="1" spc="-150" dirty="0" err="1" smtClean="0">
+                  <a:rPr lang="en-US" altLang="ko-KR" sz="1600" b="1" spc="-150" dirty="0" err="1">
                     <a:solidFill>
                       <a:schemeClr val="tx1"/>
                     </a:solidFill>
                     <a:latin typeface="맑은 고딕" panose="020B0503020000020004" pitchFamily="50" charset="-127"/>
                     <a:ea typeface="맑은 고딕" panose="020B0503020000020004" pitchFamily="50" charset="-127"/>
                   </a:rPr>
-                  <a:t>SubjectDelete</a:t>
+                  <a:t>TodoDeleteNotify</a:t>
                 </a:r>
-                <a:endParaRPr kumimoji="0" lang="en-US" altLang="ko-KR" sz="1600" b="1" i="0" u="none" strike="noStrike" cap="none" spc="-150" normalizeH="0" baseline="0" dirty="0" smtClean="0">
+                <a:endParaRPr kumimoji="0" lang="en-US" altLang="ko-KR" sz="1600" b="1" i="0" u="none" strike="noStrike" cap="none" spc="-150" normalizeH="0" baseline="0" dirty="0">
                   <a:ln>
                     <a:noFill/>
                   </a:ln>
@@ -4599,7 +6374,7 @@
                   <a:tabLst/>
                 </a:pPr>
                 <a:r>
-                  <a:rPr kumimoji="0" lang="ko-KR" altLang="en-US" sz="1600" b="1" i="0" u="none" strike="noStrike" cap="none" spc="-150" normalizeH="0" baseline="0" dirty="0" smtClean="0">
+                  <a:rPr kumimoji="0" lang="en-US" altLang="ko-KR" sz="1600" b="1" i="0" u="none" strike="noStrike" cap="none" spc="-150" normalizeH="0" baseline="0" dirty="0" err="1">
                     <a:ln>
                       <a:noFill/>
                     </a:ln>
@@ -4610,9 +6385,23 @@
                     <a:latin typeface="맑은 고딕" panose="020B0503020000020004" pitchFamily="50" charset="-127"/>
                     <a:ea typeface="맑은 고딕" panose="020B0503020000020004" pitchFamily="50" charset="-127"/>
                   </a:rPr>
-                  <a:t>과목 정보 삭제</a:t>
+                  <a:t>Todo</a:t>
                 </a:r>
-                <a:endParaRPr kumimoji="0" lang="en-US" altLang="ko-KR" sz="1600" b="1" i="0" u="none" strike="noStrike" cap="none" spc="-150" normalizeH="0" baseline="0" dirty="0" smtClean="0">
+                <a:r>
+                  <a:rPr kumimoji="0" lang="ko-KR" altLang="en-US" sz="1600" b="1" i="0" u="none" strike="noStrike" cap="none" spc="-150" normalizeH="0" baseline="0" dirty="0">
+                    <a:ln>
+                      <a:noFill/>
+                    </a:ln>
+                    <a:solidFill>
+                      <a:schemeClr val="tx1"/>
+                    </a:solidFill>
+                    <a:effectLst/>
+                    <a:latin typeface="맑은 고딕" panose="020B0503020000020004" pitchFamily="50" charset="-127"/>
+                    <a:ea typeface="맑은 고딕" panose="020B0503020000020004" pitchFamily="50" charset="-127"/>
+                  </a:rPr>
+                  <a:t>삭제 확인 창</a:t>
+                </a:r>
+                <a:endParaRPr kumimoji="0" lang="en-US" altLang="ko-KR" sz="1600" b="1" i="0" u="none" strike="noStrike" cap="none" spc="-150" normalizeH="0" baseline="0" dirty="0">
                   <a:ln>
                     <a:noFill/>
                   </a:ln>
@@ -4641,7 +6430,46 @@
                   <a:buNone/>
                   <a:tabLst/>
                 </a:pPr>
-                <a:endParaRPr kumimoji="0" lang="ko-KR" altLang="en-US" sz="1600" b="1" i="0" u="none" strike="noStrike" cap="none" spc="-150" normalizeH="0" baseline="0" dirty="0" smtClean="0">
+                <a:r>
+                  <a:rPr lang="ko-KR" altLang="en-US" sz="1600" b="1" spc="-150" dirty="0">
+                    <a:solidFill>
+                      <a:schemeClr val="tx1"/>
+                    </a:solidFill>
+                    <a:latin typeface="맑은 고딕" panose="020B0503020000020004" pitchFamily="50" charset="-127"/>
+                    <a:ea typeface="맑은 고딕" panose="020B0503020000020004" pitchFamily="50" charset="-127"/>
+                  </a:rPr>
+                  <a:t>출력</a:t>
+                </a:r>
+                <a:endParaRPr kumimoji="0" lang="en-US" altLang="ko-KR" sz="1600" b="1" i="0" u="none" strike="noStrike" cap="none" spc="-150" normalizeH="0" baseline="0" dirty="0">
+                  <a:ln>
+                    <a:noFill/>
+                  </a:ln>
+                  <a:solidFill>
+                    <a:schemeClr val="tx1"/>
+                  </a:solidFill>
+                  <a:effectLst/>
+                  <a:latin typeface="맑은 고딕" panose="020B0503020000020004" pitchFamily="50" charset="-127"/>
+                  <a:ea typeface="맑은 고딕" panose="020B0503020000020004" pitchFamily="50" charset="-127"/>
+                </a:endParaRPr>
+              </a:p>
+              <a:p>
+                <a:pPr marL="0" marR="0" indent="0" algn="ctr" defTabSz="914400" rtl="0" eaLnBrk="0" fontAlgn="base" latinLnBrk="0" hangingPunct="0">
+                  <a:lnSpc>
+                    <a:spcPct val="100000"/>
+                  </a:lnSpc>
+                  <a:spcBef>
+                    <a:spcPct val="0"/>
+                  </a:spcBef>
+                  <a:spcAft>
+                    <a:spcPct val="0"/>
+                  </a:spcAft>
+                  <a:buClrTx/>
+                  <a:buSzTx/>
+                  <a:buFontTx/>
+                  <a:buNone/>
+                  <a:tabLst/>
+                </a:pPr>
+                <a:endParaRPr kumimoji="0" lang="ko-KR" altLang="en-US" sz="1600" b="1" i="0" u="none" strike="noStrike" cap="none" spc="-150" normalizeH="0" baseline="0" dirty="0">
                   <a:ln>
                     <a:noFill/>
                   </a:ln>
@@ -4687,27 +6515,1478 @@
         </p:grpSp>
         <p:grpSp>
           <p:nvGrpSpPr>
-            <p:cNvPr id="5" name="그룹 4"/>
+            <p:cNvPr id="34" name="그룹 33"/>
             <p:cNvGrpSpPr/>
             <p:nvPr/>
           </p:nvGrpSpPr>
           <p:grpSpPr>
             <a:xfrm>
-              <a:off x="2900126" y="2366572"/>
-              <a:ext cx="4985406" cy="2066706"/>
-              <a:chOff x="2991481" y="2967259"/>
-              <a:chExt cx="4985406" cy="2066706"/>
+              <a:off x="682686" y="3229044"/>
+              <a:ext cx="2060294" cy="1145894"/>
+              <a:chOff x="673816" y="1510339"/>
+              <a:chExt cx="2060294" cy="1145894"/>
+            </a:xfrm>
+          </p:grpSpPr>
+          <p:sp>
+            <p:nvSpPr>
+              <p:cNvPr id="35" name="직사각형 34"/>
+              <p:cNvSpPr/>
+              <p:nvPr/>
+            </p:nvSpPr>
+            <p:spPr bwMode="auto">
+              <a:xfrm>
+                <a:off x="673816" y="1510339"/>
+                <a:ext cx="2060294" cy="1145894"/>
+              </a:xfrm>
+              <a:prstGeom prst="rect">
+                <a:avLst/>
+              </a:prstGeom>
+              <a:ln>
+                <a:headEnd type="none" w="med" len="med"/>
+                <a:tailEnd type="none" w="med" len="med"/>
+              </a:ln>
+            </p:spPr>
+            <p:style>
+              <a:lnRef idx="1">
+                <a:schemeClr val="accent2"/>
+              </a:lnRef>
+              <a:fillRef idx="2">
+                <a:schemeClr val="accent2"/>
+              </a:fillRef>
+              <a:effectRef idx="1">
+                <a:schemeClr val="accent2"/>
+              </a:effectRef>
+              <a:fontRef idx="minor">
+                <a:schemeClr val="dk1"/>
+              </a:fontRef>
+            </p:style>
+            <p:txBody>
+              <a:bodyPr vert="horz" wrap="none" lIns="90000" tIns="46800" rIns="90000" bIns="46800" numCol="1" rtlCol="0" anchor="ctr" anchorCtr="0" compatLnSpc="1">
+                <a:prstTxWarp prst="textNoShape">
+                  <a:avLst/>
+                </a:prstTxWarp>
+              </a:bodyPr>
+              <a:lstStyle/>
+              <a:p>
+                <a:pPr marL="0" marR="0" indent="0" algn="ctr" defTabSz="914400" rtl="0" eaLnBrk="0" fontAlgn="base" latinLnBrk="0" hangingPunct="0">
+                  <a:lnSpc>
+                    <a:spcPct val="100000"/>
+                  </a:lnSpc>
+                  <a:spcBef>
+                    <a:spcPct val="0"/>
+                  </a:spcBef>
+                  <a:spcAft>
+                    <a:spcPct val="0"/>
+                  </a:spcAft>
+                  <a:buClrTx/>
+                  <a:buSzTx/>
+                  <a:buFontTx/>
+                  <a:buNone/>
+                  <a:tabLst/>
+                </a:pPr>
+                <a:r>
+                  <a:rPr lang="en-US" altLang="ko-KR" sz="1600" b="1" spc="-150" dirty="0" err="1">
+                    <a:solidFill>
+                      <a:schemeClr val="tx1"/>
+                    </a:solidFill>
+                    <a:latin typeface="맑은 고딕" panose="020B0503020000020004" pitchFamily="50" charset="-127"/>
+                    <a:ea typeface="맑은 고딕" panose="020B0503020000020004" pitchFamily="50" charset="-127"/>
+                  </a:rPr>
+                  <a:t>TodoDelete</a:t>
+                </a:r>
+                <a:endParaRPr kumimoji="0" lang="en-US" altLang="ko-KR" sz="1600" b="1" i="0" u="none" strike="noStrike" cap="none" spc="-150" normalizeH="0" baseline="0" dirty="0">
+                  <a:ln>
+                    <a:noFill/>
+                  </a:ln>
+                  <a:solidFill>
+                    <a:schemeClr val="tx1"/>
+                  </a:solidFill>
+                  <a:effectLst/>
+                  <a:latin typeface="맑은 고딕" panose="020B0503020000020004" pitchFamily="50" charset="-127"/>
+                  <a:ea typeface="맑은 고딕" panose="020B0503020000020004" pitchFamily="50" charset="-127"/>
+                </a:endParaRPr>
+              </a:p>
+              <a:p>
+                <a:pPr marL="0" marR="0" indent="0" algn="ctr" defTabSz="914400" rtl="0" eaLnBrk="0" fontAlgn="base" latinLnBrk="0" hangingPunct="0">
+                  <a:lnSpc>
+                    <a:spcPct val="100000"/>
+                  </a:lnSpc>
+                  <a:spcBef>
+                    <a:spcPct val="0"/>
+                  </a:spcBef>
+                  <a:spcAft>
+                    <a:spcPct val="0"/>
+                  </a:spcAft>
+                  <a:buClrTx/>
+                  <a:buSzTx/>
+                  <a:buFontTx/>
+                  <a:buNone/>
+                  <a:tabLst/>
+                </a:pPr>
+                <a:endParaRPr lang="en-US" altLang="ko-KR" sz="1600" b="1" spc="-150" dirty="0">
+                  <a:solidFill>
+                    <a:schemeClr val="tx1"/>
+                  </a:solidFill>
+                  <a:latin typeface="맑은 고딕" panose="020B0503020000020004" pitchFamily="50" charset="-127"/>
+                  <a:ea typeface="맑은 고딕" panose="020B0503020000020004" pitchFamily="50" charset="-127"/>
+                </a:endParaRPr>
+              </a:p>
+              <a:p>
+                <a:pPr marL="0" marR="0" indent="0" algn="ctr" defTabSz="914400" rtl="0" eaLnBrk="0" fontAlgn="base" latinLnBrk="0" hangingPunct="0">
+                  <a:lnSpc>
+                    <a:spcPct val="100000"/>
+                  </a:lnSpc>
+                  <a:spcBef>
+                    <a:spcPct val="0"/>
+                  </a:spcBef>
+                  <a:spcAft>
+                    <a:spcPct val="0"/>
+                  </a:spcAft>
+                  <a:buClrTx/>
+                  <a:buSzTx/>
+                  <a:buFontTx/>
+                  <a:buNone/>
+                  <a:tabLst/>
+                </a:pPr>
+                <a:r>
+                  <a:rPr kumimoji="0" lang="en-US" altLang="ko-KR" sz="1600" b="1" i="0" u="none" strike="noStrike" cap="none" spc="-150" normalizeH="0" baseline="0" dirty="0" err="1">
+                    <a:ln>
+                      <a:noFill/>
+                    </a:ln>
+                    <a:solidFill>
+                      <a:schemeClr val="tx1"/>
+                    </a:solidFill>
+                    <a:effectLst/>
+                    <a:latin typeface="맑은 고딕" panose="020B0503020000020004" pitchFamily="50" charset="-127"/>
+                    <a:ea typeface="맑은 고딕" panose="020B0503020000020004" pitchFamily="50" charset="-127"/>
+                  </a:rPr>
+                  <a:t>Todo</a:t>
+                </a:r>
+                <a:r>
+                  <a:rPr kumimoji="0" lang="ko-KR" altLang="en-US" sz="1600" b="1" i="0" u="none" strike="noStrike" cap="none" spc="-150" normalizeH="0" baseline="0" dirty="0">
+                    <a:ln>
+                      <a:noFill/>
+                    </a:ln>
+                    <a:solidFill>
+                      <a:schemeClr val="tx1"/>
+                    </a:solidFill>
+                    <a:effectLst/>
+                    <a:latin typeface="맑은 고딕" panose="020B0503020000020004" pitchFamily="50" charset="-127"/>
+                    <a:ea typeface="맑은 고딕" panose="020B0503020000020004" pitchFamily="50" charset="-127"/>
+                  </a:rPr>
+                  <a:t> 정보 삭제</a:t>
+                </a:r>
+                <a:endParaRPr kumimoji="0" lang="en-US" altLang="ko-KR" sz="1600" b="1" i="0" u="none" strike="noStrike" cap="none" spc="-150" normalizeH="0" baseline="0" dirty="0">
+                  <a:ln>
+                    <a:noFill/>
+                  </a:ln>
+                  <a:solidFill>
+                    <a:schemeClr val="tx1"/>
+                  </a:solidFill>
+                  <a:effectLst/>
+                  <a:latin typeface="맑은 고딕" panose="020B0503020000020004" pitchFamily="50" charset="-127"/>
+                  <a:ea typeface="맑은 고딕" panose="020B0503020000020004" pitchFamily="50" charset="-127"/>
+                </a:endParaRPr>
+              </a:p>
+              <a:p>
+                <a:pPr marL="0" marR="0" indent="0" algn="ctr" defTabSz="914400" rtl="0" eaLnBrk="0" fontAlgn="base" latinLnBrk="0" hangingPunct="0">
+                  <a:lnSpc>
+                    <a:spcPct val="100000"/>
+                  </a:lnSpc>
+                  <a:spcBef>
+                    <a:spcPct val="0"/>
+                  </a:spcBef>
+                  <a:spcAft>
+                    <a:spcPct val="0"/>
+                  </a:spcAft>
+                  <a:buClrTx/>
+                  <a:buSzTx/>
+                  <a:buFontTx/>
+                  <a:buNone/>
+                  <a:tabLst/>
+                </a:pPr>
+                <a:endParaRPr kumimoji="0" lang="ko-KR" altLang="en-US" sz="1600" b="1" i="0" u="none" strike="noStrike" cap="none" spc="-150" normalizeH="0" baseline="0" dirty="0">
+                  <a:ln>
+                    <a:noFill/>
+                  </a:ln>
+                  <a:solidFill>
+                    <a:schemeClr val="tx1"/>
+                  </a:solidFill>
+                  <a:effectLst/>
+                  <a:latin typeface="맑은 고딕" panose="020B0503020000020004" pitchFamily="50" charset="-127"/>
+                  <a:ea typeface="맑은 고딕" panose="020B0503020000020004" pitchFamily="50" charset="-127"/>
+                </a:endParaRPr>
+              </a:p>
+            </p:txBody>
+          </p:sp>
+          <p:cxnSp>
+            <p:nvCxnSpPr>
+              <p:cNvPr id="36" name="직선 연결선 35"/>
+              <p:cNvCxnSpPr/>
+              <p:nvPr/>
+            </p:nvCxnSpPr>
+            <p:spPr bwMode="auto">
+              <a:xfrm>
+                <a:off x="673816" y="1828803"/>
+                <a:ext cx="2060294" cy="0"/>
+              </a:xfrm>
+              <a:prstGeom prst="line">
+                <a:avLst/>
+              </a:prstGeom>
+              <a:solidFill>
+                <a:schemeClr val="accent1"/>
+              </a:solidFill>
+              <a:ln w="12700" cap="flat" cmpd="sng" algn="ctr">
+                <a:solidFill>
+                  <a:schemeClr val="tx1"/>
+                </a:solidFill>
+                <a:prstDash val="solid"/>
+                <a:round/>
+                <a:headEnd type="none" w="med" len="med"/>
+                <a:tailEnd type="none" w="med" len="med"/>
+              </a:ln>
+              <a:effectLst/>
+            </p:spPr>
+          </p:cxnSp>
+        </p:grpSp>
+        <p:grpSp>
+          <p:nvGrpSpPr>
+            <p:cNvPr id="37" name="그룹 36"/>
+            <p:cNvGrpSpPr/>
+            <p:nvPr/>
+          </p:nvGrpSpPr>
+          <p:grpSpPr>
+            <a:xfrm>
+              <a:off x="3220934" y="4782680"/>
+              <a:ext cx="2060294" cy="1145894"/>
+              <a:chOff x="673816" y="1510339"/>
+              <a:chExt cx="2060294" cy="1145894"/>
+            </a:xfrm>
+          </p:grpSpPr>
+          <p:sp>
+            <p:nvSpPr>
+              <p:cNvPr id="38" name="직사각형 37"/>
+              <p:cNvSpPr/>
+              <p:nvPr/>
+            </p:nvSpPr>
+            <p:spPr bwMode="auto">
+              <a:xfrm>
+                <a:off x="673816" y="1510339"/>
+                <a:ext cx="2060294" cy="1145894"/>
+              </a:xfrm>
+              <a:prstGeom prst="rect">
+                <a:avLst/>
+              </a:prstGeom>
+              <a:ln>
+                <a:headEnd type="none" w="med" len="med"/>
+                <a:tailEnd type="none" w="med" len="med"/>
+              </a:ln>
+            </p:spPr>
+            <p:style>
+              <a:lnRef idx="1">
+                <a:schemeClr val="accent2"/>
+              </a:lnRef>
+              <a:fillRef idx="2">
+                <a:schemeClr val="accent2"/>
+              </a:fillRef>
+              <a:effectRef idx="1">
+                <a:schemeClr val="accent2"/>
+              </a:effectRef>
+              <a:fontRef idx="minor">
+                <a:schemeClr val="dk1"/>
+              </a:fontRef>
+            </p:style>
+            <p:txBody>
+              <a:bodyPr vert="horz" wrap="none" lIns="90000" tIns="46800" rIns="90000" bIns="46800" numCol="1" rtlCol="0" anchor="ctr" anchorCtr="0" compatLnSpc="1">
+                <a:prstTxWarp prst="textNoShape">
+                  <a:avLst/>
+                </a:prstTxWarp>
+              </a:bodyPr>
+              <a:lstStyle/>
+              <a:p>
+                <a:pPr marL="0" marR="0" indent="0" algn="ctr" defTabSz="914400" rtl="0" eaLnBrk="0" fontAlgn="base" latinLnBrk="0" hangingPunct="0">
+                  <a:lnSpc>
+                    <a:spcPct val="100000"/>
+                  </a:lnSpc>
+                  <a:spcBef>
+                    <a:spcPct val="0"/>
+                  </a:spcBef>
+                  <a:spcAft>
+                    <a:spcPct val="0"/>
+                  </a:spcAft>
+                  <a:buClrTx/>
+                  <a:buSzTx/>
+                  <a:buFontTx/>
+                  <a:buNone/>
+                  <a:tabLst/>
+                </a:pPr>
+                <a:endParaRPr lang="en-US" altLang="ko-KR" sz="1600" b="1" spc="-150" dirty="0">
+                  <a:solidFill>
+                    <a:schemeClr val="tx1"/>
+                  </a:solidFill>
+                  <a:latin typeface="맑은 고딕" panose="020B0503020000020004" pitchFamily="50" charset="-127"/>
+                  <a:ea typeface="맑은 고딕" panose="020B0503020000020004" pitchFamily="50" charset="-127"/>
+                </a:endParaRPr>
+              </a:p>
+              <a:p>
+                <a:pPr marL="0" marR="0" indent="0" algn="ctr" defTabSz="914400" rtl="0" eaLnBrk="0" fontAlgn="base" latinLnBrk="0" hangingPunct="0">
+                  <a:lnSpc>
+                    <a:spcPct val="100000"/>
+                  </a:lnSpc>
+                  <a:spcBef>
+                    <a:spcPct val="0"/>
+                  </a:spcBef>
+                  <a:spcAft>
+                    <a:spcPct val="0"/>
+                  </a:spcAft>
+                  <a:buClrTx/>
+                  <a:buSzTx/>
+                  <a:buFontTx/>
+                  <a:buNone/>
+                  <a:tabLst/>
+                </a:pPr>
+                <a:r>
+                  <a:rPr lang="en-US" altLang="ko-KR" sz="1600" b="1" spc="-150" dirty="0" err="1">
+                    <a:solidFill>
+                      <a:schemeClr val="tx1"/>
+                    </a:solidFill>
+                    <a:latin typeface="맑은 고딕" panose="020B0503020000020004" pitchFamily="50" charset="-127"/>
+                    <a:ea typeface="맑은 고딕" panose="020B0503020000020004" pitchFamily="50" charset="-127"/>
+                  </a:rPr>
+                  <a:t>TodoDeleteExpired</a:t>
+                </a:r>
+                <a:endParaRPr kumimoji="0" lang="en-US" altLang="ko-KR" sz="1600" b="1" i="0" u="none" strike="noStrike" cap="none" spc="-150" normalizeH="0" baseline="0" dirty="0">
+                  <a:ln>
+                    <a:noFill/>
+                  </a:ln>
+                  <a:solidFill>
+                    <a:schemeClr val="tx1"/>
+                  </a:solidFill>
+                  <a:effectLst/>
+                  <a:latin typeface="맑은 고딕" panose="020B0503020000020004" pitchFamily="50" charset="-127"/>
+                  <a:ea typeface="맑은 고딕" panose="020B0503020000020004" pitchFamily="50" charset="-127"/>
+                </a:endParaRPr>
+              </a:p>
+              <a:p>
+                <a:pPr marL="0" marR="0" indent="0" algn="ctr" defTabSz="914400" rtl="0" eaLnBrk="0" fontAlgn="base" latinLnBrk="0" hangingPunct="0">
+                  <a:lnSpc>
+                    <a:spcPct val="100000"/>
+                  </a:lnSpc>
+                  <a:spcBef>
+                    <a:spcPct val="0"/>
+                  </a:spcBef>
+                  <a:spcAft>
+                    <a:spcPct val="0"/>
+                  </a:spcAft>
+                  <a:buClrTx/>
+                  <a:buSzTx/>
+                  <a:buFontTx/>
+                  <a:buNone/>
+                  <a:tabLst/>
+                </a:pPr>
+                <a:endParaRPr lang="en-US" altLang="ko-KR" sz="1600" b="1" spc="-150" dirty="0">
+                  <a:solidFill>
+                    <a:schemeClr val="tx1"/>
+                  </a:solidFill>
+                  <a:latin typeface="맑은 고딕" panose="020B0503020000020004" pitchFamily="50" charset="-127"/>
+                  <a:ea typeface="맑은 고딕" panose="020B0503020000020004" pitchFamily="50" charset="-127"/>
+                </a:endParaRPr>
+              </a:p>
+              <a:p>
+                <a:pPr marL="0" marR="0" indent="0" algn="ctr" defTabSz="914400" rtl="0" eaLnBrk="0" fontAlgn="base" latinLnBrk="0" hangingPunct="0">
+                  <a:lnSpc>
+                    <a:spcPct val="100000"/>
+                  </a:lnSpc>
+                  <a:spcBef>
+                    <a:spcPct val="0"/>
+                  </a:spcBef>
+                  <a:spcAft>
+                    <a:spcPct val="0"/>
+                  </a:spcAft>
+                  <a:buClrTx/>
+                  <a:buSzTx/>
+                  <a:buFontTx/>
+                  <a:buNone/>
+                  <a:tabLst/>
+                </a:pPr>
+                <a:r>
+                  <a:rPr lang="ko-KR" altLang="en-US" sz="1600" b="1" spc="-150" dirty="0">
+                    <a:solidFill>
+                      <a:schemeClr val="tx1"/>
+                    </a:solidFill>
+                    <a:latin typeface="맑은 고딕" panose="020B0503020000020004" pitchFamily="50" charset="-127"/>
+                    <a:ea typeface="맑은 고딕" panose="020B0503020000020004" pitchFamily="50" charset="-127"/>
+                  </a:rPr>
+                  <a:t>기한이 지난</a:t>
+                </a:r>
+                <a:endParaRPr lang="en-US" altLang="ko-KR" sz="1600" b="1" spc="-150" dirty="0">
+                  <a:solidFill>
+                    <a:schemeClr val="tx1"/>
+                  </a:solidFill>
+                  <a:latin typeface="맑은 고딕" panose="020B0503020000020004" pitchFamily="50" charset="-127"/>
+                  <a:ea typeface="맑은 고딕" panose="020B0503020000020004" pitchFamily="50" charset="-127"/>
+                </a:endParaRPr>
+              </a:p>
+              <a:p>
+                <a:pPr marL="0" marR="0" indent="0" algn="ctr" defTabSz="914400" rtl="0" eaLnBrk="0" fontAlgn="base" latinLnBrk="0" hangingPunct="0">
+                  <a:lnSpc>
+                    <a:spcPct val="100000"/>
+                  </a:lnSpc>
+                  <a:spcBef>
+                    <a:spcPct val="0"/>
+                  </a:spcBef>
+                  <a:spcAft>
+                    <a:spcPct val="0"/>
+                  </a:spcAft>
+                  <a:buClrTx/>
+                  <a:buSzTx/>
+                  <a:buFontTx/>
+                  <a:buNone/>
+                  <a:tabLst/>
+                </a:pPr>
+                <a:r>
+                  <a:rPr lang="en-US" altLang="ko-KR" sz="1600" b="1" spc="-150" dirty="0" err="1">
+                    <a:solidFill>
+                      <a:schemeClr val="tx1"/>
+                    </a:solidFill>
+                    <a:latin typeface="맑은 고딕" panose="020B0503020000020004" pitchFamily="50" charset="-127"/>
+                    <a:ea typeface="맑은 고딕" panose="020B0503020000020004" pitchFamily="50" charset="-127"/>
+                  </a:rPr>
+                  <a:t>Todo</a:t>
+                </a:r>
+                <a:r>
+                  <a:rPr kumimoji="0" lang="ko-KR" altLang="en-US" sz="1600" b="1" i="0" u="none" strike="noStrike" cap="none" spc="-150" normalizeH="0" baseline="0" dirty="0">
+                    <a:ln>
+                      <a:noFill/>
+                    </a:ln>
+                    <a:solidFill>
+                      <a:schemeClr val="tx1"/>
+                    </a:solidFill>
+                    <a:effectLst/>
+                    <a:latin typeface="맑은 고딕" panose="020B0503020000020004" pitchFamily="50" charset="-127"/>
+                    <a:ea typeface="맑은 고딕" panose="020B0503020000020004" pitchFamily="50" charset="-127"/>
+                  </a:rPr>
+                  <a:t>정보 삭제</a:t>
+                </a:r>
+                <a:endParaRPr kumimoji="0" lang="en-US" altLang="ko-KR" sz="1600" b="1" i="0" u="none" strike="noStrike" cap="none" spc="-150" normalizeH="0" baseline="0" dirty="0">
+                  <a:ln>
+                    <a:noFill/>
+                  </a:ln>
+                  <a:solidFill>
+                    <a:schemeClr val="tx1"/>
+                  </a:solidFill>
+                  <a:effectLst/>
+                  <a:latin typeface="맑은 고딕" panose="020B0503020000020004" pitchFamily="50" charset="-127"/>
+                  <a:ea typeface="맑은 고딕" panose="020B0503020000020004" pitchFamily="50" charset="-127"/>
+                </a:endParaRPr>
+              </a:p>
+              <a:p>
+                <a:pPr marL="0" marR="0" indent="0" algn="ctr" defTabSz="914400" rtl="0" eaLnBrk="0" fontAlgn="base" latinLnBrk="0" hangingPunct="0">
+                  <a:lnSpc>
+                    <a:spcPct val="100000"/>
+                  </a:lnSpc>
+                  <a:spcBef>
+                    <a:spcPct val="0"/>
+                  </a:spcBef>
+                  <a:spcAft>
+                    <a:spcPct val="0"/>
+                  </a:spcAft>
+                  <a:buClrTx/>
+                  <a:buSzTx/>
+                  <a:buFontTx/>
+                  <a:buNone/>
+                  <a:tabLst/>
+                </a:pPr>
+                <a:endParaRPr kumimoji="0" lang="ko-KR" altLang="en-US" sz="1600" b="1" i="0" u="none" strike="noStrike" cap="none" spc="-150" normalizeH="0" baseline="0" dirty="0">
+                  <a:ln>
+                    <a:noFill/>
+                  </a:ln>
+                  <a:solidFill>
+                    <a:schemeClr val="tx1"/>
+                  </a:solidFill>
+                  <a:effectLst/>
+                  <a:latin typeface="맑은 고딕" panose="020B0503020000020004" pitchFamily="50" charset="-127"/>
+                  <a:ea typeface="맑은 고딕" panose="020B0503020000020004" pitchFamily="50" charset="-127"/>
+                </a:endParaRPr>
+              </a:p>
+            </p:txBody>
+          </p:sp>
+          <p:cxnSp>
+            <p:nvCxnSpPr>
+              <p:cNvPr id="39" name="직선 연결선 38"/>
+              <p:cNvCxnSpPr/>
+              <p:nvPr/>
+            </p:nvCxnSpPr>
+            <p:spPr bwMode="auto">
+              <a:xfrm>
+                <a:off x="673816" y="1828803"/>
+                <a:ext cx="2060294" cy="0"/>
+              </a:xfrm>
+              <a:prstGeom prst="line">
+                <a:avLst/>
+              </a:prstGeom>
+              <a:solidFill>
+                <a:schemeClr val="accent1"/>
+              </a:solidFill>
+              <a:ln w="12700" cap="flat" cmpd="sng" algn="ctr">
+                <a:solidFill>
+                  <a:schemeClr val="tx1"/>
+                </a:solidFill>
+                <a:prstDash val="solid"/>
+                <a:round/>
+                <a:headEnd type="none" w="med" len="med"/>
+                <a:tailEnd type="none" w="med" len="med"/>
+              </a:ln>
+              <a:effectLst/>
+            </p:spPr>
+          </p:cxnSp>
+        </p:grpSp>
+        <p:cxnSp>
+          <p:nvCxnSpPr>
+            <p:cNvPr id="43" name="직선 화살표 연결선 42"/>
+            <p:cNvCxnSpPr>
+              <a:endCxn id="38" idx="1"/>
+            </p:cNvCxnSpPr>
+            <p:nvPr/>
+          </p:nvCxnSpPr>
+          <p:spPr bwMode="auto">
+            <a:xfrm flipV="1">
+              <a:off x="2742980" y="5355627"/>
+              <a:ext cx="477954" cy="159233"/>
+            </a:xfrm>
+            <a:prstGeom prst="straightConnector1">
+              <a:avLst/>
+            </a:prstGeom>
+            <a:solidFill>
+              <a:schemeClr val="accent1"/>
+            </a:solidFill>
+            <a:ln w="12700" cap="flat" cmpd="sng" algn="ctr">
+              <a:solidFill>
+                <a:schemeClr val="tx1"/>
+              </a:solidFill>
+              <a:prstDash val="sysDash"/>
+              <a:round/>
+              <a:headEnd type="none" w="med" len="med"/>
+              <a:tailEnd type="triangle"/>
+            </a:ln>
+            <a:effectLst/>
+          </p:spPr>
+        </p:cxnSp>
+        <p:cxnSp>
+          <p:nvCxnSpPr>
+            <p:cNvPr id="47" name="직선 화살표 연결선 46"/>
+            <p:cNvCxnSpPr/>
+            <p:nvPr/>
+          </p:nvCxnSpPr>
+          <p:spPr bwMode="auto">
+            <a:xfrm flipV="1">
+              <a:off x="2264806" y="4416590"/>
+              <a:ext cx="0" cy="325120"/>
+            </a:xfrm>
+            <a:prstGeom prst="straightConnector1">
+              <a:avLst/>
+            </a:prstGeom>
+            <a:solidFill>
+              <a:schemeClr val="accent1"/>
+            </a:solidFill>
+            <a:ln w="12700" cap="flat" cmpd="sng" algn="ctr">
+              <a:solidFill>
+                <a:schemeClr val="tx1"/>
+              </a:solidFill>
+              <a:prstDash val="sysDash"/>
+              <a:round/>
+              <a:headEnd type="none" w="med" len="med"/>
+              <a:tailEnd type="triangle"/>
+            </a:ln>
+            <a:effectLst/>
+          </p:spPr>
+        </p:cxnSp>
+        <p:cxnSp>
+          <p:nvCxnSpPr>
+            <p:cNvPr id="60" name="직선 화살표 연결선 59"/>
+            <p:cNvCxnSpPr/>
+            <p:nvPr/>
+          </p:nvCxnSpPr>
+          <p:spPr bwMode="auto">
+            <a:xfrm flipH="1" flipV="1">
+              <a:off x="2761020" y="4315786"/>
+              <a:ext cx="477954" cy="472866"/>
+            </a:xfrm>
+            <a:prstGeom prst="straightConnector1">
+              <a:avLst/>
+            </a:prstGeom>
+            <a:solidFill>
+              <a:schemeClr val="accent1"/>
+            </a:solidFill>
+            <a:ln w="12700" cap="flat" cmpd="sng" algn="ctr">
+              <a:solidFill>
+                <a:schemeClr val="tx1"/>
+              </a:solidFill>
+              <a:prstDash val="sysDash"/>
+              <a:round/>
+              <a:headEnd type="none" w="med" len="med"/>
+              <a:tailEnd type="triangle"/>
+            </a:ln>
+            <a:effectLst/>
+          </p:spPr>
+        </p:cxnSp>
+      </p:grpSp>
+      <p:grpSp>
+        <p:nvGrpSpPr>
+          <p:cNvPr id="63" name="그룹 62"/>
+          <p:cNvGrpSpPr/>
+          <p:nvPr/>
+        </p:nvGrpSpPr>
+        <p:grpSpPr>
+          <a:xfrm>
+            <a:off x="6628580" y="1469696"/>
+            <a:ext cx="2069758" cy="1145894"/>
+            <a:chOff x="544010" y="1520475"/>
+            <a:chExt cx="2069758" cy="1145894"/>
+          </a:xfrm>
+        </p:grpSpPr>
+        <p:sp>
+          <p:nvSpPr>
+            <p:cNvPr id="64" name="직사각형 63"/>
+            <p:cNvSpPr/>
+            <p:nvPr/>
+          </p:nvSpPr>
+          <p:spPr bwMode="auto">
+            <a:xfrm>
+              <a:off x="544010" y="1520475"/>
+              <a:ext cx="2060294" cy="1145894"/>
+            </a:xfrm>
+            <a:prstGeom prst="rect">
+              <a:avLst/>
+            </a:prstGeom>
+            <a:ln>
+              <a:headEnd type="none" w="med" len="med"/>
+              <a:tailEnd type="none" w="med" len="med"/>
+            </a:ln>
+          </p:spPr>
+          <p:style>
+            <a:lnRef idx="1">
+              <a:schemeClr val="accent2"/>
+            </a:lnRef>
+            <a:fillRef idx="2">
+              <a:schemeClr val="accent2"/>
+            </a:fillRef>
+            <a:effectRef idx="1">
+              <a:schemeClr val="accent2"/>
+            </a:effectRef>
+            <a:fontRef idx="minor">
+              <a:schemeClr val="dk1"/>
+            </a:fontRef>
+          </p:style>
+          <p:txBody>
+            <a:bodyPr vert="horz" wrap="none" lIns="90000" tIns="46800" rIns="90000" bIns="46800" numCol="1" rtlCol="0" anchor="ctr" anchorCtr="0" compatLnSpc="1">
+              <a:prstTxWarp prst="textNoShape">
+                <a:avLst/>
+              </a:prstTxWarp>
+            </a:bodyPr>
+            <a:lstStyle/>
+            <a:p>
+              <a:pPr marL="0" marR="0" indent="0" algn="ctr" defTabSz="914400" rtl="0" eaLnBrk="0" fontAlgn="base" latinLnBrk="0" hangingPunct="0">
+                <a:lnSpc>
+                  <a:spcPct val="100000"/>
+                </a:lnSpc>
+                <a:spcBef>
+                  <a:spcPct val="0"/>
+                </a:spcBef>
+                <a:spcAft>
+                  <a:spcPct val="0"/>
+                </a:spcAft>
+                <a:buClrTx/>
+                <a:buSzTx/>
+                <a:buFontTx/>
+                <a:buNone/>
+                <a:tabLst/>
+              </a:pPr>
+              <a:r>
+                <a:rPr lang="en-US" altLang="ko-KR" sz="1600" b="1" spc="-150" dirty="0" err="1">
+                  <a:solidFill>
+                    <a:schemeClr val="tx1"/>
+                  </a:solidFill>
+                  <a:latin typeface="맑은 고딕" panose="020B0503020000020004" pitchFamily="50" charset="-127"/>
+                  <a:ea typeface="맑은 고딕" panose="020B0503020000020004" pitchFamily="50" charset="-127"/>
+                </a:rPr>
+                <a:t>TodoPrint</a:t>
+              </a:r>
+              <a:endParaRPr lang="en-US" altLang="ko-KR" sz="1600" b="1" spc="-150" dirty="0">
+                <a:solidFill>
+                  <a:schemeClr val="tx1"/>
+                </a:solidFill>
+                <a:latin typeface="맑은 고딕" panose="020B0503020000020004" pitchFamily="50" charset="-127"/>
+                <a:ea typeface="맑은 고딕" panose="020B0503020000020004" pitchFamily="50" charset="-127"/>
+              </a:endParaRPr>
+            </a:p>
+            <a:p>
+              <a:pPr marL="0" marR="0" indent="0" algn="ctr" defTabSz="914400" rtl="0" eaLnBrk="0" fontAlgn="base" latinLnBrk="0" hangingPunct="0">
+                <a:lnSpc>
+                  <a:spcPct val="100000"/>
+                </a:lnSpc>
+                <a:spcBef>
+                  <a:spcPct val="0"/>
+                </a:spcBef>
+                <a:spcAft>
+                  <a:spcPct val="0"/>
+                </a:spcAft>
+                <a:buClrTx/>
+                <a:buSzTx/>
+                <a:buFontTx/>
+                <a:buNone/>
+                <a:tabLst/>
+              </a:pPr>
+              <a:endParaRPr kumimoji="0" lang="en-US" altLang="ko-KR" sz="1600" b="1" i="0" u="none" strike="noStrike" cap="none" spc="-150" normalizeH="0" baseline="0" dirty="0">
+                <a:ln>
+                  <a:noFill/>
+                </a:ln>
+                <a:solidFill>
+                  <a:schemeClr val="tx1"/>
+                </a:solidFill>
+                <a:effectLst/>
+                <a:latin typeface="맑은 고딕" panose="020B0503020000020004" pitchFamily="50" charset="-127"/>
+                <a:ea typeface="맑은 고딕" panose="020B0503020000020004" pitchFamily="50" charset="-127"/>
+              </a:endParaRPr>
+            </a:p>
+            <a:p>
+              <a:pPr marL="0" marR="0" indent="0" algn="ctr" defTabSz="914400" rtl="0" eaLnBrk="0" fontAlgn="base" latinLnBrk="0" hangingPunct="0">
+                <a:lnSpc>
+                  <a:spcPct val="100000"/>
+                </a:lnSpc>
+                <a:spcBef>
+                  <a:spcPct val="0"/>
+                </a:spcBef>
+                <a:spcAft>
+                  <a:spcPct val="0"/>
+                </a:spcAft>
+                <a:buClrTx/>
+                <a:buSzTx/>
+                <a:buFontTx/>
+                <a:buNone/>
+                <a:tabLst/>
+              </a:pPr>
+              <a:r>
+                <a:rPr lang="ko-KR" altLang="en-US" sz="1600" b="1" spc="-150" dirty="0">
+                  <a:solidFill>
+                    <a:schemeClr val="tx1"/>
+                  </a:solidFill>
+                  <a:latin typeface="맑은 고딕" panose="020B0503020000020004" pitchFamily="50" charset="-127"/>
+                  <a:ea typeface="맑은 고딕" panose="020B0503020000020004" pitchFamily="50" charset="-127"/>
+                </a:rPr>
+                <a:t>등록된 </a:t>
+              </a:r>
+              <a:r>
+                <a:rPr lang="en-US" altLang="ko-KR" sz="1600" b="1" spc="-150" dirty="0" err="1">
+                  <a:solidFill>
+                    <a:schemeClr val="tx1"/>
+                  </a:solidFill>
+                  <a:latin typeface="맑은 고딕" panose="020B0503020000020004" pitchFamily="50" charset="-127"/>
+                  <a:ea typeface="맑은 고딕" panose="020B0503020000020004" pitchFamily="50" charset="-127"/>
+                </a:rPr>
+                <a:t>Todo</a:t>
+              </a:r>
+              <a:r>
+                <a:rPr lang="en-US" altLang="ko-KR" sz="1600" b="1" spc="-150" dirty="0">
+                  <a:solidFill>
+                    <a:schemeClr val="tx1"/>
+                  </a:solidFill>
+                  <a:latin typeface="맑은 고딕" panose="020B0503020000020004" pitchFamily="50" charset="-127"/>
+                  <a:ea typeface="맑은 고딕" panose="020B0503020000020004" pitchFamily="50" charset="-127"/>
+                </a:rPr>
+                <a:t> </a:t>
+              </a:r>
+              <a:r>
+                <a:rPr lang="ko-KR" altLang="en-US" sz="1600" b="1" spc="-150" dirty="0">
+                  <a:solidFill>
+                    <a:schemeClr val="tx1"/>
+                  </a:solidFill>
+                  <a:latin typeface="맑은 고딕" panose="020B0503020000020004" pitchFamily="50" charset="-127"/>
+                  <a:ea typeface="맑은 고딕" panose="020B0503020000020004" pitchFamily="50" charset="-127"/>
+                </a:rPr>
+                <a:t>출력</a:t>
+              </a:r>
+              <a:endParaRPr kumimoji="0" lang="ko-KR" altLang="en-US" sz="1600" b="1" i="0" u="none" strike="noStrike" cap="none" spc="-150" normalizeH="0" baseline="0" dirty="0">
+                <a:ln>
+                  <a:noFill/>
+                </a:ln>
+                <a:solidFill>
+                  <a:schemeClr val="tx1"/>
+                </a:solidFill>
+                <a:effectLst/>
+                <a:latin typeface="맑은 고딕" panose="020B0503020000020004" pitchFamily="50" charset="-127"/>
+                <a:ea typeface="맑은 고딕" panose="020B0503020000020004" pitchFamily="50" charset="-127"/>
+              </a:endParaRPr>
+            </a:p>
+          </p:txBody>
+        </p:sp>
+        <p:cxnSp>
+          <p:nvCxnSpPr>
+            <p:cNvPr id="65" name="직선 연결선 64"/>
+            <p:cNvCxnSpPr/>
+            <p:nvPr/>
+          </p:nvCxnSpPr>
+          <p:spPr bwMode="auto">
+            <a:xfrm>
+              <a:off x="553474" y="1970691"/>
+              <a:ext cx="2060294" cy="0"/>
+            </a:xfrm>
+            <a:prstGeom prst="line">
+              <a:avLst/>
+            </a:prstGeom>
+            <a:solidFill>
+              <a:schemeClr val="accent1"/>
+            </a:solidFill>
+            <a:ln w="12700" cap="flat" cmpd="sng" algn="ctr">
+              <a:solidFill>
+                <a:schemeClr val="tx1"/>
+              </a:solidFill>
+              <a:prstDash val="solid"/>
+              <a:round/>
+              <a:headEnd type="none" w="med" len="med"/>
+              <a:tailEnd type="none" w="med" len="med"/>
+            </a:ln>
+            <a:effectLst/>
+          </p:spPr>
+        </p:cxnSp>
+      </p:grpSp>
+      <p:grpSp>
+        <p:nvGrpSpPr>
+          <p:cNvPr id="77" name="그룹 76"/>
+          <p:cNvGrpSpPr/>
+          <p:nvPr/>
+        </p:nvGrpSpPr>
+        <p:grpSpPr>
+          <a:xfrm>
+            <a:off x="3836210" y="2736602"/>
+            <a:ext cx="2060294" cy="1145894"/>
+            <a:chOff x="544010" y="1455016"/>
+            <a:chExt cx="2060294" cy="1145894"/>
+          </a:xfrm>
+        </p:grpSpPr>
+        <p:sp>
+          <p:nvSpPr>
+            <p:cNvPr id="78" name="직사각형 77"/>
+            <p:cNvSpPr/>
+            <p:nvPr/>
+          </p:nvSpPr>
+          <p:spPr bwMode="auto">
+            <a:xfrm>
+              <a:off x="544010" y="1455016"/>
+              <a:ext cx="2060294" cy="1145894"/>
+            </a:xfrm>
+            <a:prstGeom prst="rect">
+              <a:avLst/>
+            </a:prstGeom>
+            <a:ln>
+              <a:headEnd type="none" w="med" len="med"/>
+              <a:tailEnd type="none" w="med" len="med"/>
+            </a:ln>
+          </p:spPr>
+          <p:style>
+            <a:lnRef idx="1">
+              <a:schemeClr val="accent2"/>
+            </a:lnRef>
+            <a:fillRef idx="2">
+              <a:schemeClr val="accent2"/>
+            </a:fillRef>
+            <a:effectRef idx="1">
+              <a:schemeClr val="accent2"/>
+            </a:effectRef>
+            <a:fontRef idx="minor">
+              <a:schemeClr val="dk1"/>
+            </a:fontRef>
+          </p:style>
+          <p:txBody>
+            <a:bodyPr vert="horz" wrap="none" lIns="90000" tIns="46800" rIns="90000" bIns="46800" numCol="1" rtlCol="0" anchor="ctr" anchorCtr="0" compatLnSpc="1">
+              <a:prstTxWarp prst="textNoShape">
+                <a:avLst/>
+              </a:prstTxWarp>
+            </a:bodyPr>
+            <a:lstStyle/>
+            <a:p>
+              <a:pPr marL="0" marR="0" indent="0" algn="ctr" defTabSz="914400" rtl="0" eaLnBrk="0" fontAlgn="base" latinLnBrk="0" hangingPunct="0">
+                <a:lnSpc>
+                  <a:spcPct val="100000"/>
+                </a:lnSpc>
+                <a:spcBef>
+                  <a:spcPct val="0"/>
+                </a:spcBef>
+                <a:spcAft>
+                  <a:spcPct val="0"/>
+                </a:spcAft>
+                <a:buClrTx/>
+                <a:buSzTx/>
+                <a:buFontTx/>
+                <a:buNone/>
+                <a:tabLst/>
+              </a:pPr>
+              <a:r>
+                <a:rPr lang="en-US" altLang="ko-KR" sz="1600" b="1" spc="-150" dirty="0" err="1">
+                  <a:solidFill>
+                    <a:schemeClr val="tx1"/>
+                  </a:solidFill>
+                  <a:latin typeface="맑은 고딕" panose="020B0503020000020004" pitchFamily="50" charset="-127"/>
+                  <a:ea typeface="맑은 고딕" panose="020B0503020000020004" pitchFamily="50" charset="-127"/>
+                </a:rPr>
+                <a:t>TodoData</a:t>
+              </a:r>
+              <a:endParaRPr kumimoji="0" lang="en-US" altLang="ko-KR" sz="1600" b="1" i="0" u="none" strike="noStrike" cap="none" spc="-150" normalizeH="0" baseline="0" dirty="0">
+                <a:ln>
+                  <a:noFill/>
+                </a:ln>
+                <a:solidFill>
+                  <a:schemeClr val="tx1"/>
+                </a:solidFill>
+                <a:effectLst/>
+                <a:latin typeface="맑은 고딕" panose="020B0503020000020004" pitchFamily="50" charset="-127"/>
+                <a:ea typeface="맑은 고딕" panose="020B0503020000020004" pitchFamily="50" charset="-127"/>
+              </a:endParaRPr>
+            </a:p>
+            <a:p>
+              <a:pPr marL="0" marR="0" indent="0" algn="ctr" defTabSz="914400" rtl="0" eaLnBrk="0" fontAlgn="base" latinLnBrk="0" hangingPunct="0">
+                <a:lnSpc>
+                  <a:spcPct val="100000"/>
+                </a:lnSpc>
+                <a:spcBef>
+                  <a:spcPct val="0"/>
+                </a:spcBef>
+                <a:spcAft>
+                  <a:spcPct val="0"/>
+                </a:spcAft>
+                <a:buClrTx/>
+                <a:buSzTx/>
+                <a:buFontTx/>
+                <a:buNone/>
+                <a:tabLst/>
+              </a:pPr>
+              <a:endParaRPr lang="en-US" altLang="ko-KR" sz="1600" b="1" spc="-150" dirty="0">
+                <a:solidFill>
+                  <a:schemeClr val="tx1"/>
+                </a:solidFill>
+                <a:latin typeface="맑은 고딕" panose="020B0503020000020004" pitchFamily="50" charset="-127"/>
+                <a:ea typeface="맑은 고딕" panose="020B0503020000020004" pitchFamily="50" charset="-127"/>
+              </a:endParaRPr>
+            </a:p>
+            <a:p>
+              <a:pPr marL="0" marR="0" indent="0" algn="ctr" defTabSz="914400" rtl="0" eaLnBrk="0" fontAlgn="base" latinLnBrk="0" hangingPunct="0">
+                <a:lnSpc>
+                  <a:spcPct val="100000"/>
+                </a:lnSpc>
+                <a:spcBef>
+                  <a:spcPct val="0"/>
+                </a:spcBef>
+                <a:spcAft>
+                  <a:spcPct val="0"/>
+                </a:spcAft>
+                <a:buClrTx/>
+                <a:buSzTx/>
+                <a:buFontTx/>
+                <a:buNone/>
+                <a:tabLst/>
+              </a:pPr>
+              <a:r>
+                <a:rPr kumimoji="0" lang="en-US" altLang="ko-KR" sz="1600" b="1" i="0" u="none" strike="noStrike" cap="none" spc="-150" normalizeH="0" baseline="0" dirty="0" err="1">
+                  <a:ln>
+                    <a:noFill/>
+                  </a:ln>
+                  <a:solidFill>
+                    <a:schemeClr val="tx1"/>
+                  </a:solidFill>
+                  <a:effectLst/>
+                  <a:latin typeface="맑은 고딕" panose="020B0503020000020004" pitchFamily="50" charset="-127"/>
+                  <a:ea typeface="맑은 고딕" panose="020B0503020000020004" pitchFamily="50" charset="-127"/>
+                </a:rPr>
+                <a:t>Todo</a:t>
+              </a:r>
+              <a:r>
+                <a:rPr lang="ko-KR" altLang="en-US" sz="1600" b="1" spc="-150" dirty="0">
+                  <a:solidFill>
+                    <a:schemeClr val="tx1"/>
+                  </a:solidFill>
+                  <a:latin typeface="맑은 고딕" panose="020B0503020000020004" pitchFamily="50" charset="-127"/>
+                  <a:ea typeface="맑은 고딕" panose="020B0503020000020004" pitchFamily="50" charset="-127"/>
+                </a:rPr>
+                <a:t> 정보를 담는 객체</a:t>
+              </a:r>
+              <a:endParaRPr kumimoji="0" lang="en-US" altLang="ko-KR" sz="1600" b="1" i="0" u="none" strike="noStrike" cap="none" spc="-150" normalizeH="0" baseline="0" dirty="0">
+                <a:ln>
+                  <a:noFill/>
+                </a:ln>
+                <a:solidFill>
+                  <a:schemeClr val="tx1"/>
+                </a:solidFill>
+                <a:effectLst/>
+                <a:latin typeface="맑은 고딕" panose="020B0503020000020004" pitchFamily="50" charset="-127"/>
+                <a:ea typeface="맑은 고딕" panose="020B0503020000020004" pitchFamily="50" charset="-127"/>
+              </a:endParaRPr>
+            </a:p>
+            <a:p>
+              <a:pPr marL="0" marR="0" indent="0" algn="ctr" defTabSz="914400" rtl="0" eaLnBrk="0" fontAlgn="base" latinLnBrk="0" hangingPunct="0">
+                <a:lnSpc>
+                  <a:spcPct val="100000"/>
+                </a:lnSpc>
+                <a:spcBef>
+                  <a:spcPct val="0"/>
+                </a:spcBef>
+                <a:spcAft>
+                  <a:spcPct val="0"/>
+                </a:spcAft>
+                <a:buClrTx/>
+                <a:buSzTx/>
+                <a:buFontTx/>
+                <a:buNone/>
+                <a:tabLst/>
+              </a:pPr>
+              <a:endParaRPr kumimoji="0" lang="ko-KR" altLang="en-US" sz="1600" b="1" i="0" u="none" strike="noStrike" cap="none" spc="-150" normalizeH="0" baseline="0" dirty="0">
+                <a:ln>
+                  <a:noFill/>
+                </a:ln>
+                <a:solidFill>
+                  <a:schemeClr val="tx1"/>
+                </a:solidFill>
+                <a:effectLst/>
+                <a:latin typeface="맑은 고딕" panose="020B0503020000020004" pitchFamily="50" charset="-127"/>
+                <a:ea typeface="맑은 고딕" panose="020B0503020000020004" pitchFamily="50" charset="-127"/>
+              </a:endParaRPr>
+            </a:p>
+          </p:txBody>
+        </p:sp>
+        <p:cxnSp>
+          <p:nvCxnSpPr>
+            <p:cNvPr id="79" name="직선 연결선 78"/>
+            <p:cNvCxnSpPr/>
+            <p:nvPr/>
+          </p:nvCxnSpPr>
+          <p:spPr bwMode="auto">
+            <a:xfrm>
+              <a:off x="544010" y="1828801"/>
+              <a:ext cx="2060294" cy="0"/>
+            </a:xfrm>
+            <a:prstGeom prst="line">
+              <a:avLst/>
+            </a:prstGeom>
+            <a:solidFill>
+              <a:schemeClr val="accent1"/>
+            </a:solidFill>
+            <a:ln w="12700" cap="flat" cmpd="sng" algn="ctr">
+              <a:solidFill>
+                <a:schemeClr val="tx1"/>
+              </a:solidFill>
+              <a:prstDash val="solid"/>
+              <a:round/>
+              <a:headEnd type="none" w="med" len="med"/>
+              <a:tailEnd type="none" w="med" len="med"/>
+            </a:ln>
+            <a:effectLst/>
+          </p:spPr>
+        </p:cxnSp>
+      </p:grpSp>
+      <p:cxnSp>
+        <p:nvCxnSpPr>
+          <p:cNvPr id="80" name="직선 화살표 연결선 79"/>
+          <p:cNvCxnSpPr/>
+          <p:nvPr/>
+        </p:nvCxnSpPr>
+        <p:spPr bwMode="auto">
+          <a:xfrm>
+            <a:off x="2875180" y="1871689"/>
+            <a:ext cx="961030" cy="1229240"/>
+          </a:xfrm>
+          <a:prstGeom prst="straightConnector1">
+            <a:avLst/>
+          </a:prstGeom>
+          <a:solidFill>
+            <a:schemeClr val="accent1"/>
+          </a:solidFill>
+          <a:ln w="12700" cap="flat" cmpd="sng" algn="ctr">
+            <a:solidFill>
+              <a:schemeClr val="tx1"/>
+            </a:solidFill>
+            <a:prstDash val="sysDash"/>
+            <a:round/>
+            <a:headEnd type="none" w="med" len="med"/>
+            <a:tailEnd type="triangle"/>
+          </a:ln>
+          <a:effectLst/>
+        </p:spPr>
+      </p:cxnSp>
+      <p:cxnSp>
+        <p:nvCxnSpPr>
+          <p:cNvPr id="81" name="직선 화살표 연결선 80"/>
+          <p:cNvCxnSpPr/>
+          <p:nvPr/>
+        </p:nvCxnSpPr>
+        <p:spPr bwMode="auto">
+          <a:xfrm flipV="1">
+            <a:off x="2856253" y="3120113"/>
+            <a:ext cx="979957" cy="839405"/>
+          </a:xfrm>
+          <a:prstGeom prst="straightConnector1">
+            <a:avLst/>
+          </a:prstGeom>
+          <a:solidFill>
+            <a:schemeClr val="accent1"/>
+          </a:solidFill>
+          <a:ln w="12700" cap="flat" cmpd="sng" algn="ctr">
+            <a:solidFill>
+              <a:schemeClr val="tx1"/>
+            </a:solidFill>
+            <a:prstDash val="sysDash"/>
+            <a:round/>
+            <a:headEnd type="none" w="med" len="med"/>
+            <a:tailEnd type="triangle"/>
+          </a:ln>
+          <a:effectLst/>
+        </p:spPr>
+      </p:cxnSp>
+      <p:cxnSp>
+        <p:nvCxnSpPr>
+          <p:cNvPr id="83" name="직선 화살표 연결선 82"/>
+          <p:cNvCxnSpPr/>
+          <p:nvPr/>
+        </p:nvCxnSpPr>
+        <p:spPr bwMode="auto">
+          <a:xfrm flipH="1">
+            <a:off x="5915431" y="1958330"/>
+            <a:ext cx="722614" cy="1152057"/>
+          </a:xfrm>
+          <a:prstGeom prst="straightConnector1">
+            <a:avLst/>
+          </a:prstGeom>
+          <a:solidFill>
+            <a:schemeClr val="accent1"/>
+          </a:solidFill>
+          <a:ln w="12700" cap="flat" cmpd="sng" algn="ctr">
+            <a:solidFill>
+              <a:schemeClr val="tx1"/>
+            </a:solidFill>
+            <a:prstDash val="sysDash"/>
+            <a:round/>
+            <a:headEnd type="none" w="med" len="med"/>
+            <a:tailEnd type="triangle"/>
+          </a:ln>
+          <a:effectLst/>
+        </p:spPr>
+      </p:cxnSp>
+    </p:spTree>
+    <p:extLst>
+      <p:ext uri="{BB962C8B-B14F-4D97-AF65-F5344CB8AC3E}">
+        <p14:creationId xmlns:p14="http://schemas.microsoft.com/office/powerpoint/2010/main" val="2468889944"/>
+      </p:ext>
+    </p:extLst>
+  </p:cSld>
+  <p:clrMapOvr>
+    <a:masterClrMapping/>
+  </p:clrMapOvr>
+</p:sld>
+</file>
+
+<file path=ppt/slides/slide5.xml><?xml version="1.0" encoding="utf-8"?>
+<p:sld xmlns:a="http://schemas.openxmlformats.org/drawingml/2006/main" xmlns:r="http://schemas.openxmlformats.org/officeDocument/2006/relationships" xmlns:p="http://schemas.openxmlformats.org/presentationml/2006/main">
+  <p:cSld>
+    <p:spTree>
+      <p:nvGrpSpPr>
+        <p:cNvPr id="1" name=""/>
+        <p:cNvGrpSpPr/>
+        <p:nvPr/>
+      </p:nvGrpSpPr>
+      <p:grpSpPr>
+        <a:xfrm>
+          <a:off x="0" y="0"/>
+          <a:ext cx="0" cy="0"/>
+          <a:chOff x="0" y="0"/>
+          <a:chExt cx="0" cy="0"/>
+        </a:xfrm>
+      </p:grpSpPr>
+      <p:sp>
+        <p:nvSpPr>
+          <p:cNvPr id="2" name="바닥글 개체 틀 1"/>
+          <p:cNvSpPr>
+            <a:spLocks noGrp="1"/>
+          </p:cNvSpPr>
+          <p:nvPr>
+            <p:ph type="ftr" sz="quarter" idx="3"/>
+          </p:nvPr>
+        </p:nvSpPr>
+        <p:spPr/>
+        <p:txBody>
+          <a:bodyPr/>
+          <a:lstStyle/>
+          <a:p>
+            <a:pPr algn="r"/>
+            <a:r>
+              <a:rPr lang="en-US" altLang="ko-KR" dirty="0"/>
+              <a:t>Cosign</a:t>
+            </a:r>
+          </a:p>
+        </p:txBody>
+      </p:sp>
+      <p:grpSp>
+        <p:nvGrpSpPr>
+          <p:cNvPr id="58" name="그룹 57"/>
+          <p:cNvGrpSpPr/>
+          <p:nvPr/>
+        </p:nvGrpSpPr>
+        <p:grpSpPr>
+          <a:xfrm>
+            <a:off x="297799" y="1416720"/>
+            <a:ext cx="4697372" cy="4388345"/>
+            <a:chOff x="2763754" y="1138505"/>
+            <a:chExt cx="4697372" cy="4388345"/>
+          </a:xfrm>
+        </p:grpSpPr>
+        <p:grpSp>
+          <p:nvGrpSpPr>
+            <p:cNvPr id="59" name="그룹 58"/>
+            <p:cNvGrpSpPr/>
+            <p:nvPr/>
+          </p:nvGrpSpPr>
+          <p:grpSpPr>
+            <a:xfrm>
+              <a:off x="4868111" y="1138505"/>
+              <a:ext cx="2593015" cy="4388345"/>
+              <a:chOff x="5376179" y="1540229"/>
+              <a:chExt cx="2593015" cy="4388345"/>
             </a:xfrm>
           </p:grpSpPr>
           <p:grpSp>
             <p:nvGrpSpPr>
-              <p:cNvPr id="20" name="그룹 19"/>
+              <p:cNvPr id="70" name="그룹 69"/>
               <p:cNvGrpSpPr/>
               <p:nvPr/>
             </p:nvGrpSpPr>
             <p:grpSpPr>
               <a:xfrm>
-                <a:off x="5916593" y="2967259"/>
+                <a:off x="5908900" y="3227675"/>
+                <a:ext cx="2060294" cy="1145894"/>
+                <a:chOff x="544010" y="1457542"/>
+                <a:chExt cx="2060294" cy="1145894"/>
+              </a:xfrm>
+            </p:grpSpPr>
+            <p:sp>
+              <p:nvSpPr>
+                <p:cNvPr id="79" name="직사각형 78"/>
+                <p:cNvSpPr/>
+                <p:nvPr/>
+              </p:nvSpPr>
+              <p:spPr bwMode="auto">
+                <a:xfrm>
+                  <a:off x="544010" y="1457542"/>
+                  <a:ext cx="2060294" cy="1145894"/>
+                </a:xfrm>
+                <a:prstGeom prst="rect">
+                  <a:avLst/>
+                </a:prstGeom>
+                <a:ln>
+                  <a:headEnd type="none" w="med" len="med"/>
+                  <a:tailEnd type="none" w="med" len="med"/>
+                </a:ln>
+              </p:spPr>
+              <p:style>
+                <a:lnRef idx="1">
+                  <a:schemeClr val="accent2"/>
+                </a:lnRef>
+                <a:fillRef idx="2">
+                  <a:schemeClr val="accent2"/>
+                </a:fillRef>
+                <a:effectRef idx="1">
+                  <a:schemeClr val="accent2"/>
+                </a:effectRef>
+                <a:fontRef idx="minor">
+                  <a:schemeClr val="dk1"/>
+                </a:fontRef>
+              </p:style>
+              <p:txBody>
+                <a:bodyPr vert="horz" wrap="none" lIns="90000" tIns="46800" rIns="90000" bIns="46800" numCol="1" rtlCol="0" anchor="ctr" anchorCtr="0" compatLnSpc="1">
+                  <a:prstTxWarp prst="textNoShape">
+                    <a:avLst/>
+                  </a:prstTxWarp>
+                </a:bodyPr>
+                <a:lstStyle/>
+                <a:p>
+                  <a:pPr marL="0" marR="0" indent="0" algn="ctr" defTabSz="914400" rtl="0" eaLnBrk="0" fontAlgn="base" latinLnBrk="0" hangingPunct="0">
+                    <a:lnSpc>
+                      <a:spcPct val="100000"/>
+                    </a:lnSpc>
+                    <a:spcBef>
+                      <a:spcPct val="0"/>
+                    </a:spcBef>
+                    <a:spcAft>
+                      <a:spcPct val="0"/>
+                    </a:spcAft>
+                    <a:buClrTx/>
+                    <a:buSzTx/>
+                    <a:buFontTx/>
+                    <a:buNone/>
+                    <a:tabLst/>
+                  </a:pPr>
+                  <a:r>
+                    <a:rPr lang="en-US" altLang="ko-KR" sz="1600" b="1" spc="-150" dirty="0" err="1">
+                      <a:solidFill>
+                        <a:schemeClr val="tx1"/>
+                      </a:solidFill>
+                      <a:latin typeface="맑은 고딕" panose="020B0503020000020004" pitchFamily="50" charset="-127"/>
+                      <a:ea typeface="맑은 고딕" panose="020B0503020000020004" pitchFamily="50" charset="-127"/>
+                    </a:rPr>
+                    <a:t>TodoModify</a:t>
+                  </a:r>
+                  <a:endParaRPr kumimoji="0" lang="en-US" altLang="ko-KR" sz="1600" b="1" i="0" u="none" strike="noStrike" cap="none" spc="-150" normalizeH="0" baseline="0" dirty="0">
+                    <a:ln>
+                      <a:noFill/>
+                    </a:ln>
+                    <a:solidFill>
+                      <a:schemeClr val="tx1"/>
+                    </a:solidFill>
+                    <a:effectLst/>
+                    <a:latin typeface="맑은 고딕" panose="020B0503020000020004" pitchFamily="50" charset="-127"/>
+                    <a:ea typeface="맑은 고딕" panose="020B0503020000020004" pitchFamily="50" charset="-127"/>
+                  </a:endParaRPr>
+                </a:p>
+                <a:p>
+                  <a:pPr marL="0" marR="0" indent="0" algn="ctr" defTabSz="914400" rtl="0" eaLnBrk="0" fontAlgn="base" latinLnBrk="0" hangingPunct="0">
+                    <a:lnSpc>
+                      <a:spcPct val="100000"/>
+                    </a:lnSpc>
+                    <a:spcBef>
+                      <a:spcPct val="0"/>
+                    </a:spcBef>
+                    <a:spcAft>
+                      <a:spcPct val="0"/>
+                    </a:spcAft>
+                    <a:buClrTx/>
+                    <a:buSzTx/>
+                    <a:buFontTx/>
+                    <a:buNone/>
+                    <a:tabLst/>
+                  </a:pPr>
+                  <a:endParaRPr lang="en-US" altLang="ko-KR" sz="1600" b="1" spc="-150" dirty="0">
+                    <a:solidFill>
+                      <a:schemeClr val="tx1"/>
+                    </a:solidFill>
+                    <a:latin typeface="맑은 고딕" panose="020B0503020000020004" pitchFamily="50" charset="-127"/>
+                    <a:ea typeface="맑은 고딕" panose="020B0503020000020004" pitchFamily="50" charset="-127"/>
+                  </a:endParaRPr>
+                </a:p>
+                <a:p>
+                  <a:pPr marL="0" marR="0" indent="0" algn="ctr" defTabSz="914400" rtl="0" eaLnBrk="0" fontAlgn="base" latinLnBrk="0" hangingPunct="0">
+                    <a:lnSpc>
+                      <a:spcPct val="100000"/>
+                    </a:lnSpc>
+                    <a:spcBef>
+                      <a:spcPct val="0"/>
+                    </a:spcBef>
+                    <a:spcAft>
+                      <a:spcPct val="0"/>
+                    </a:spcAft>
+                    <a:buClrTx/>
+                    <a:buSzTx/>
+                    <a:buFontTx/>
+                    <a:buNone/>
+                    <a:tabLst/>
+                  </a:pPr>
+                  <a:r>
+                    <a:rPr lang="en-US" altLang="ko-KR" sz="1600" b="1" spc="-150" dirty="0" err="1">
+                      <a:solidFill>
+                        <a:schemeClr val="tx1"/>
+                      </a:solidFill>
+                      <a:latin typeface="맑은 고딕" panose="020B0503020000020004" pitchFamily="50" charset="-127"/>
+                      <a:ea typeface="맑은 고딕" panose="020B0503020000020004" pitchFamily="50" charset="-127"/>
+                    </a:rPr>
+                    <a:t>Todo</a:t>
+                  </a:r>
+                  <a:r>
+                    <a:rPr lang="ko-KR" altLang="en-US" sz="1600" b="1" spc="-150" dirty="0">
+                      <a:solidFill>
+                        <a:schemeClr val="tx1"/>
+                      </a:solidFill>
+                      <a:latin typeface="맑은 고딕" panose="020B0503020000020004" pitchFamily="50" charset="-127"/>
+                      <a:ea typeface="맑은 고딕" panose="020B0503020000020004" pitchFamily="50" charset="-127"/>
+                    </a:rPr>
+                    <a:t> 정보 변경</a:t>
+                  </a:r>
+                  <a:endParaRPr kumimoji="0" lang="en-US" altLang="ko-KR" sz="1600" b="1" i="0" u="none" strike="noStrike" cap="none" spc="-150" normalizeH="0" baseline="0" dirty="0">
+                    <a:ln>
+                      <a:noFill/>
+                    </a:ln>
+                    <a:solidFill>
+                      <a:schemeClr val="tx1"/>
+                    </a:solidFill>
+                    <a:effectLst/>
+                    <a:latin typeface="맑은 고딕" panose="020B0503020000020004" pitchFamily="50" charset="-127"/>
+                    <a:ea typeface="맑은 고딕" panose="020B0503020000020004" pitchFamily="50" charset="-127"/>
+                  </a:endParaRPr>
+                </a:p>
+                <a:p>
+                  <a:pPr marL="0" marR="0" indent="0" algn="ctr" defTabSz="914400" rtl="0" eaLnBrk="0" fontAlgn="base" latinLnBrk="0" hangingPunct="0">
+                    <a:lnSpc>
+                      <a:spcPct val="100000"/>
+                    </a:lnSpc>
+                    <a:spcBef>
+                      <a:spcPct val="0"/>
+                    </a:spcBef>
+                    <a:spcAft>
+                      <a:spcPct val="0"/>
+                    </a:spcAft>
+                    <a:buClrTx/>
+                    <a:buSzTx/>
+                    <a:buFontTx/>
+                    <a:buNone/>
+                    <a:tabLst/>
+                  </a:pPr>
+                  <a:endParaRPr kumimoji="0" lang="ko-KR" altLang="en-US" sz="1600" b="1" i="0" u="none" strike="noStrike" cap="none" spc="-150" normalizeH="0" baseline="0" dirty="0">
+                    <a:ln>
+                      <a:noFill/>
+                    </a:ln>
+                    <a:solidFill>
+                      <a:schemeClr val="tx1"/>
+                    </a:solidFill>
+                    <a:effectLst/>
+                    <a:latin typeface="맑은 고딕" panose="020B0503020000020004" pitchFamily="50" charset="-127"/>
+                    <a:ea typeface="맑은 고딕" panose="020B0503020000020004" pitchFamily="50" charset="-127"/>
+                  </a:endParaRPr>
+                </a:p>
+              </p:txBody>
+            </p:sp>
+            <p:cxnSp>
+              <p:nvCxnSpPr>
+                <p:cNvPr id="80" name="직선 연결선 79"/>
+                <p:cNvCxnSpPr/>
+                <p:nvPr/>
+              </p:nvCxnSpPr>
+              <p:spPr bwMode="auto">
+                <a:xfrm>
+                  <a:off x="544010" y="1828801"/>
+                  <a:ext cx="2060294" cy="0"/>
+                </a:xfrm>
+                <a:prstGeom prst="line">
+                  <a:avLst/>
+                </a:prstGeom>
+                <a:solidFill>
+                  <a:schemeClr val="accent1"/>
+                </a:solidFill>
+                <a:ln w="12700" cap="flat" cmpd="sng" algn="ctr">
+                  <a:solidFill>
+                    <a:schemeClr val="tx1"/>
+                  </a:solidFill>
+                  <a:prstDash val="solid"/>
+                  <a:round/>
+                  <a:headEnd type="none" w="med" len="med"/>
+                  <a:tailEnd type="none" w="med" len="med"/>
+                </a:ln>
+                <a:effectLst/>
+              </p:spPr>
+            </p:cxnSp>
+          </p:grpSp>
+          <p:grpSp>
+            <p:nvGrpSpPr>
+              <p:cNvPr id="71" name="그룹 70"/>
+              <p:cNvGrpSpPr/>
+              <p:nvPr/>
+            </p:nvGrpSpPr>
+            <p:grpSpPr>
+              <a:xfrm>
+                <a:off x="5908900" y="4782680"/>
                 <a:ext cx="2060294" cy="1145894"/>
                 <a:chOff x="544010" y="1504709"/>
                 <a:chExt cx="2060294" cy="1145894"/>
@@ -4715,7 +7994,7 @@
             </p:grpSpPr>
             <p:sp>
               <p:nvSpPr>
-                <p:cNvPr id="21" name="직사각형 20"/>
+                <p:cNvPr id="77" name="직사각형 76"/>
                 <p:cNvSpPr/>
                 <p:nvPr/>
               </p:nvSpPr>
@@ -4771,16 +8050,16 @@
                     <a:tabLst/>
                   </a:pPr>
                   <a:r>
-                    <a:rPr lang="en-US" altLang="ko-KR" sz="1600" b="1" spc="-150" dirty="0" err="1" smtClean="0">
+                    <a:rPr lang="en-US" altLang="ko-KR" sz="1600" b="1" spc="-150" dirty="0" err="1">
                       <a:solidFill>
                         <a:schemeClr val="tx1"/>
                       </a:solidFill>
                       <a:latin typeface="맑은 고딕" panose="020B0503020000020004" pitchFamily="50" charset="-127"/>
                       <a:ea typeface="맑은 고딕" panose="020B0503020000020004" pitchFamily="50" charset="-127"/>
                     </a:rPr>
-                    <a:t>SubjectSearch</a:t>
+                    <a:t>TodoComplete</a:t>
                   </a:r>
-                  <a:endParaRPr kumimoji="0" lang="en-US" altLang="ko-KR" sz="1600" b="1" i="0" u="none" strike="noStrike" cap="none" spc="-150" normalizeH="0" baseline="0" dirty="0" smtClean="0">
+                  <a:endParaRPr kumimoji="0" lang="en-US" altLang="ko-KR" sz="1600" b="1" i="0" u="none" strike="noStrike" cap="none" spc="-150" normalizeH="0" baseline="0" dirty="0">
                     <a:ln>
                       <a:noFill/>
                     </a:ln>
@@ -4835,18 +8114,24 @@
                     <a:tabLst/>
                   </a:pPr>
                   <a:r>
-                    <a:rPr kumimoji="0" lang="ko-KR" altLang="en-US" sz="1600" b="1" i="0" u="none" strike="noStrike" cap="none" spc="-150" normalizeH="0" baseline="0" dirty="0" smtClean="0">
-                      <a:ln>
-                        <a:noFill/>
-                      </a:ln>
+                    <a:rPr lang="ko-KR" altLang="en-US" sz="1600" b="1" spc="-150" dirty="0">
                       <a:solidFill>
                         <a:schemeClr val="tx1"/>
                       </a:solidFill>
-                      <a:effectLst/>
                       <a:latin typeface="맑은 고딕" panose="020B0503020000020004" pitchFamily="50" charset="-127"/>
                       <a:ea typeface="맑은 고딕" panose="020B0503020000020004" pitchFamily="50" charset="-127"/>
                     </a:rPr>
-                    <a:t>등록 원하는 과목</a:t>
+                    <a:t>완료한 </a:t>
+                  </a:r>
+                  <a:r>
+                    <a:rPr lang="en-US" altLang="ko-KR" sz="1600" b="1" spc="-150" dirty="0" err="1">
+                      <a:solidFill>
+                        <a:schemeClr val="tx1"/>
+                      </a:solidFill>
+                      <a:latin typeface="맑은 고딕" panose="020B0503020000020004" pitchFamily="50" charset="-127"/>
+                      <a:ea typeface="맑은 고딕" panose="020B0503020000020004" pitchFamily="50" charset="-127"/>
+                    </a:rPr>
+                    <a:t>Todo</a:t>
                   </a:r>
                   <a:r>
                     <a:rPr lang="en-US" altLang="ko-KR" sz="1600" b="1" spc="-150" dirty="0">
@@ -4859,16 +8144,16 @@
                     <a:t> </a:t>
                   </a:r>
                   <a:r>
-                    <a:rPr lang="ko-KR" altLang="en-US" sz="1600" b="1" spc="-150" dirty="0" smtClean="0">
+                    <a:rPr lang="ko-KR" altLang="en-US" sz="1600" b="1" spc="-150" dirty="0">
                       <a:solidFill>
                         <a:schemeClr val="tx1"/>
                       </a:solidFill>
                       <a:latin typeface="맑은 고딕" panose="020B0503020000020004" pitchFamily="50" charset="-127"/>
                       <a:ea typeface="맑은 고딕" panose="020B0503020000020004" pitchFamily="50" charset="-127"/>
                     </a:rPr>
-                    <a:t>검색</a:t>
+                    <a:t>설정</a:t>
                   </a:r>
-                  <a:endParaRPr kumimoji="0" lang="en-US" altLang="ko-KR" sz="1600" b="1" i="0" u="none" strike="noStrike" cap="none" spc="-150" normalizeH="0" baseline="0" dirty="0" smtClean="0">
+                  <a:endParaRPr kumimoji="0" lang="en-US" altLang="ko-KR" sz="1600" b="1" i="0" u="none" strike="noStrike" cap="none" spc="-150" normalizeH="0" baseline="0" dirty="0">
                     <a:ln>
                       <a:noFill/>
                     </a:ln>
@@ -4897,7 +8182,7 @@
                     <a:buNone/>
                     <a:tabLst/>
                   </a:pPr>
-                  <a:endParaRPr kumimoji="0" lang="ko-KR" altLang="en-US" sz="1600" b="1" i="0" u="none" strike="noStrike" cap="none" spc="-150" normalizeH="0" baseline="0" dirty="0" smtClean="0">
+                  <a:endParaRPr kumimoji="0" lang="ko-KR" altLang="en-US" sz="1600" b="1" i="0" u="none" strike="noStrike" cap="none" spc="-150" normalizeH="0" baseline="0" dirty="0">
                     <a:ln>
                       <a:noFill/>
                     </a:ln>
@@ -4913,7 +8198,7 @@
             </p:sp>
             <p:cxnSp>
               <p:nvCxnSpPr>
-                <p:cNvPr id="22" name="직선 연결선 21"/>
+                <p:cNvPr id="78" name="직선 연결선 77"/>
                 <p:cNvCxnSpPr/>
                 <p:nvPr/>
               </p:nvCxnSpPr>
@@ -4943,27 +8228,27 @@
           </p:grpSp>
           <p:grpSp>
             <p:nvGrpSpPr>
-              <p:cNvPr id="28" name="그룹 27"/>
+              <p:cNvPr id="72" name="그룹 71"/>
               <p:cNvGrpSpPr/>
               <p:nvPr/>
             </p:nvGrpSpPr>
             <p:grpSpPr>
               <a:xfrm>
-                <a:off x="2991481" y="3888071"/>
-                <a:ext cx="2060294" cy="1145894"/>
-                <a:chOff x="314557" y="2438584"/>
-                <a:chExt cx="2060294" cy="1145894"/>
+                <a:off x="5899436" y="1540229"/>
+                <a:ext cx="2069758" cy="1145894"/>
+                <a:chOff x="544010" y="1536241"/>
+                <a:chExt cx="2069758" cy="1145894"/>
               </a:xfrm>
             </p:grpSpPr>
             <p:sp>
               <p:nvSpPr>
-                <p:cNvPr id="29" name="직사각형 28"/>
+                <p:cNvPr id="75" name="직사각형 74"/>
                 <p:cNvSpPr/>
                 <p:nvPr/>
               </p:nvSpPr>
               <p:spPr bwMode="auto">
                 <a:xfrm>
-                  <a:off x="314557" y="2438584"/>
+                  <a:off x="544010" y="1536241"/>
                   <a:ext cx="2060294" cy="1145894"/>
                 </a:xfrm>
                 <a:prstGeom prst="rect">
@@ -5013,16 +8298,16 @@
                     <a:tabLst/>
                   </a:pPr>
                   <a:r>
-                    <a:rPr lang="en-US" altLang="ko-KR" sz="1600" b="1" spc="-150" dirty="0" err="1" smtClean="0">
+                    <a:rPr lang="en-US" altLang="ko-KR" sz="1600" b="1" spc="-150" dirty="0" err="1">
                       <a:solidFill>
                         <a:schemeClr val="tx1"/>
                       </a:solidFill>
                       <a:latin typeface="맑은 고딕" panose="020B0503020000020004" pitchFamily="50" charset="-127"/>
                       <a:ea typeface="맑은 고딕" panose="020B0503020000020004" pitchFamily="50" charset="-127"/>
                     </a:rPr>
-                    <a:t>SubjectEnroll</a:t>
+                    <a:t>TodoPriority</a:t>
                   </a:r>
-                  <a:endParaRPr kumimoji="0" lang="en-US" altLang="ko-KR" sz="1600" b="1" i="0" u="none" strike="noStrike" cap="none" spc="-150" normalizeH="0" baseline="0" dirty="0" smtClean="0">
+                  <a:endParaRPr kumimoji="0" lang="en-US" altLang="ko-KR" sz="1600" b="1" i="0" u="none" strike="noStrike" cap="none" spc="-150" normalizeH="0" baseline="0" dirty="0">
                     <a:ln>
                       <a:noFill/>
                     </a:ln>
@@ -5077,20 +8362,36 @@
                     <a:tabLst/>
                   </a:pPr>
                   <a:r>
-                    <a:rPr kumimoji="0" lang="ko-KR" altLang="en-US" sz="1600" b="1" i="0" u="none" strike="noStrike" cap="none" spc="-150" normalizeH="0" baseline="0" dirty="0" smtClean="0">
-                      <a:ln>
-                        <a:noFill/>
-                      </a:ln>
+                    <a:rPr lang="en-US" altLang="ko-KR" sz="1600" b="1" spc="-150" dirty="0" err="1">
                       <a:solidFill>
                         <a:schemeClr val="tx1"/>
                       </a:solidFill>
-                      <a:effectLst/>
                       <a:latin typeface="맑은 고딕" panose="020B0503020000020004" pitchFamily="50" charset="-127"/>
                       <a:ea typeface="맑은 고딕" panose="020B0503020000020004" pitchFamily="50" charset="-127"/>
                     </a:rPr>
-                    <a:t>과목 정보 등록</a:t>
+                    <a:t>Todo</a:t>
                   </a:r>
-                  <a:endParaRPr kumimoji="0" lang="en-US" altLang="ko-KR" sz="1600" b="1" i="0" u="none" strike="noStrike" cap="none" spc="-150" normalizeH="0" baseline="0" dirty="0" smtClean="0">
+                  <a:r>
+                    <a:rPr lang="en-US" altLang="ko-KR" sz="1600" b="1" spc="-150" dirty="0">
+                      <a:solidFill>
+                        <a:schemeClr val="tx1"/>
+                      </a:solidFill>
+                      <a:latin typeface="맑은 고딕" panose="020B0503020000020004" pitchFamily="50" charset="-127"/>
+                      <a:ea typeface="맑은 고딕" panose="020B0503020000020004" pitchFamily="50" charset="-127"/>
+                    </a:rPr>
+                    <a:t> </a:t>
+                  </a:r>
+                  <a:r>
+                    <a:rPr lang="ko-KR" altLang="en-US" sz="1600" b="1" spc="-150" dirty="0">
+                      <a:solidFill>
+                        <a:schemeClr val="tx1"/>
+                      </a:solidFill>
+                      <a:latin typeface="맑은 고딕" panose="020B0503020000020004" pitchFamily="50" charset="-127"/>
+                      <a:ea typeface="맑은 고딕" panose="020B0503020000020004" pitchFamily="50" charset="-127"/>
+                    </a:rPr>
+                    <a:t>중요도 설정</a:t>
+                  </a:r>
+                  <a:endParaRPr kumimoji="0" lang="en-US" altLang="ko-KR" sz="1600" b="1" i="0" u="none" strike="noStrike" cap="none" spc="-150" normalizeH="0" baseline="0" dirty="0">
                     <a:ln>
                       <a:noFill/>
                     </a:ln>
@@ -5119,7 +8420,7 @@
                     <a:buNone/>
                     <a:tabLst/>
                   </a:pPr>
-                  <a:endParaRPr kumimoji="0" lang="ko-KR" altLang="en-US" sz="1600" b="1" i="0" u="none" strike="noStrike" cap="none" spc="-150" normalizeH="0" baseline="0" dirty="0" smtClean="0">
+                  <a:endParaRPr kumimoji="0" lang="ko-KR" altLang="en-US" sz="1600" b="1" i="0" u="none" strike="noStrike" cap="none" spc="-150" normalizeH="0" baseline="0" dirty="0">
                     <a:ln>
                       <a:noFill/>
                     </a:ln>
@@ -5135,13 +8436,13 @@
             </p:sp>
             <p:cxnSp>
               <p:nvCxnSpPr>
-                <p:cNvPr id="30" name="직선 연결선 29"/>
+                <p:cNvPr id="76" name="직선 연결선 75"/>
                 <p:cNvCxnSpPr/>
                 <p:nvPr/>
               </p:nvCxnSpPr>
               <p:spPr bwMode="auto">
                 <a:xfrm>
-                  <a:off x="314557" y="2912277"/>
+                  <a:off x="553474" y="1970691"/>
                   <a:ext cx="2060294" cy="0"/>
                 </a:xfrm>
                 <a:prstGeom prst="line">
@@ -5165,16 +8466,101 @@
           </p:grpSp>
           <p:cxnSp>
             <p:nvCxnSpPr>
-              <p:cNvPr id="44" name="직선 화살표 연결선 43"/>
-              <p:cNvCxnSpPr>
-                <a:stCxn id="21" idx="1"/>
-              </p:cNvCxnSpPr>
+              <p:cNvPr id="73" name="직선 화살표 연결선 72"/>
+              <p:cNvCxnSpPr/>
               <p:nvPr/>
             </p:nvCxnSpPr>
             <p:spPr bwMode="auto">
-              <a:xfrm flipH="1">
-                <a:off x="5051775" y="3540206"/>
-                <a:ext cx="864818" cy="478874"/>
+              <a:xfrm flipV="1">
+                <a:off x="6929583" y="4373569"/>
+                <a:ext cx="0" cy="409111"/>
+              </a:xfrm>
+              <a:prstGeom prst="straightConnector1">
+                <a:avLst/>
+              </a:prstGeom>
+              <a:solidFill>
+                <a:schemeClr val="accent1"/>
+              </a:solidFill>
+              <a:ln w="12700" cap="flat" cmpd="sng" algn="ctr">
+                <a:solidFill>
+                  <a:schemeClr val="tx1"/>
+                </a:solidFill>
+                <a:prstDash val="sysDash"/>
+                <a:round/>
+                <a:headEnd type="none" w="med" len="med"/>
+                <a:tailEnd type="triangle"/>
+              </a:ln>
+              <a:effectLst/>
+            </p:spPr>
+          </p:cxnSp>
+          <p:cxnSp>
+            <p:nvCxnSpPr>
+              <p:cNvPr id="74" name="직선 화살표 연결선 73"/>
+              <p:cNvCxnSpPr/>
+              <p:nvPr/>
+            </p:nvCxnSpPr>
+            <p:spPr bwMode="auto">
+              <a:xfrm>
+                <a:off x="6922338" y="2748482"/>
+                <a:ext cx="0" cy="479193"/>
+              </a:xfrm>
+              <a:prstGeom prst="straightConnector1">
+                <a:avLst/>
+              </a:prstGeom>
+              <a:solidFill>
+                <a:schemeClr val="accent1"/>
+              </a:solidFill>
+              <a:ln w="12700" cap="flat" cmpd="sng" algn="ctr">
+                <a:solidFill>
+                  <a:schemeClr val="tx1"/>
+                </a:solidFill>
+                <a:prstDash val="sysDash"/>
+                <a:round/>
+                <a:headEnd type="none" w="med" len="med"/>
+                <a:tailEnd type="triangle"/>
+              </a:ln>
+              <a:effectLst/>
+            </p:spPr>
+          </p:cxnSp>
+          <p:cxnSp>
+            <p:nvCxnSpPr>
+              <p:cNvPr id="100" name="직선 화살표 연결선 99"/>
+              <p:cNvCxnSpPr/>
+              <p:nvPr/>
+            </p:nvCxnSpPr>
+            <p:spPr bwMode="auto">
+              <a:xfrm>
+                <a:off x="5376179" y="3112084"/>
+                <a:ext cx="532721" cy="403041"/>
+              </a:xfrm>
+              <a:prstGeom prst="straightConnector1">
+                <a:avLst/>
+              </a:prstGeom>
+              <a:solidFill>
+                <a:schemeClr val="accent1"/>
+              </a:solidFill>
+              <a:ln w="12700" cap="flat" cmpd="sng" algn="ctr">
+                <a:solidFill>
+                  <a:schemeClr val="tx1"/>
+                </a:solidFill>
+                <a:prstDash val="sysDash"/>
+                <a:round/>
+                <a:headEnd type="none" w="med" len="med"/>
+                <a:tailEnd type="triangle"/>
+              </a:ln>
+              <a:effectLst/>
+            </p:spPr>
+          </p:cxnSp>
+          <p:cxnSp>
+            <p:nvCxnSpPr>
+              <p:cNvPr id="101" name="직선 화살표 연결선 100"/>
+              <p:cNvCxnSpPr/>
+              <p:nvPr/>
+            </p:nvCxnSpPr>
+            <p:spPr bwMode="auto">
+              <a:xfrm flipV="1">
+                <a:off x="5385643" y="4077699"/>
+                <a:ext cx="513793" cy="500426"/>
               </a:xfrm>
               <a:prstGeom prst="straightConnector1">
                 <a:avLst/>
@@ -5195,61 +8581,15 @@
             </p:spPr>
           </p:cxnSp>
         </p:grpSp>
-        <p:cxnSp>
-          <p:nvCxnSpPr>
-            <p:cNvPr id="39" name="직선 화살표 연결선 38"/>
-            <p:cNvCxnSpPr>
-              <a:stCxn id="41" idx="1"/>
-            </p:cNvCxnSpPr>
-            <p:nvPr/>
-          </p:nvCxnSpPr>
-          <p:spPr bwMode="auto">
-            <a:xfrm flipH="1" flipV="1">
-              <a:off x="4960420" y="4079541"/>
-              <a:ext cx="864818" cy="254483"/>
-            </a:xfrm>
-            <a:prstGeom prst="straightConnector1">
-              <a:avLst/>
-            </a:prstGeom>
-            <a:solidFill>
-              <a:schemeClr val="accent1"/>
-            </a:solidFill>
-            <a:ln w="12700" cap="flat" cmpd="sng" algn="ctr">
-              <a:solidFill>
-                <a:schemeClr val="tx1"/>
-              </a:solidFill>
-              <a:prstDash val="sysDash"/>
-              <a:round/>
-              <a:headEnd type="none" w="med" len="med"/>
-              <a:tailEnd type="triangle"/>
-            </a:ln>
-            <a:effectLst/>
-          </p:spPr>
-        </p:cxnSp>
-      </p:grpSp>
-      <p:grpSp>
-        <p:nvGrpSpPr>
-          <p:cNvPr id="6" name="그룹 5"/>
-          <p:cNvGrpSpPr/>
-          <p:nvPr/>
-        </p:nvGrpSpPr>
-        <p:grpSpPr>
-          <a:xfrm>
-            <a:off x="654526" y="3328743"/>
-            <a:ext cx="7627717" cy="2920976"/>
-            <a:chOff x="777699" y="1526933"/>
-            <a:chExt cx="7930732" cy="3166469"/>
-          </a:xfrm>
-        </p:grpSpPr>
         <p:grpSp>
           <p:nvGrpSpPr>
-            <p:cNvPr id="34" name="그룹 33"/>
+            <p:cNvPr id="66" name="그룹 65"/>
             <p:cNvGrpSpPr/>
             <p:nvPr/>
           </p:nvGrpSpPr>
           <p:grpSpPr>
             <a:xfrm>
-              <a:off x="4001451" y="2846446"/>
+              <a:off x="2763754" y="1821665"/>
               <a:ext cx="2060294" cy="1145894"/>
               <a:chOff x="544010" y="1455016"/>
               <a:chExt cx="2060294" cy="1145894"/>
@@ -5257,7 +8597,7 @@
           </p:grpSpPr>
           <p:sp>
             <p:nvSpPr>
-              <p:cNvPr id="45" name="직사각형 44"/>
+              <p:cNvPr id="68" name="직사각형 67"/>
               <p:cNvSpPr/>
               <p:nvPr/>
             </p:nvSpPr>
@@ -5313,16 +8653,16 @@
                   <a:tabLst/>
                 </a:pPr>
                 <a:r>
-                  <a:rPr lang="en-US" altLang="ko-KR" sz="1600" b="1" spc="-150" dirty="0" err="1" smtClean="0">
+                  <a:rPr lang="en-US" altLang="ko-KR" sz="1600" b="1" spc="-150" dirty="0" err="1">
                     <a:solidFill>
                       <a:schemeClr val="tx1"/>
                     </a:solidFill>
                     <a:latin typeface="맑은 고딕" panose="020B0503020000020004" pitchFamily="50" charset="-127"/>
                     <a:ea typeface="맑은 고딕" panose="020B0503020000020004" pitchFamily="50" charset="-127"/>
                   </a:rPr>
-                  <a:t>TodoEnroll</a:t>
+                  <a:t>SetAlarmDate</a:t>
                 </a:r>
-                <a:endParaRPr kumimoji="0" lang="en-US" altLang="ko-KR" sz="1600" b="1" i="0" u="none" strike="noStrike" cap="none" spc="-150" normalizeH="0" baseline="0" dirty="0" smtClean="0">
+                <a:endParaRPr kumimoji="0" lang="en-US" altLang="ko-KR" sz="1600" b="1" i="0" u="none" strike="noStrike" cap="none" spc="-150" normalizeH="0" baseline="0" dirty="0">
                   <a:ln>
                     <a:noFill/>
                   </a:ln>
@@ -5377,34 +8717,46 @@
                   <a:tabLst/>
                 </a:pPr>
                 <a:r>
-                  <a:rPr kumimoji="0" lang="en-US" altLang="ko-KR" sz="1600" b="1" i="0" u="none" strike="noStrike" cap="none" spc="-150" normalizeH="0" baseline="0" dirty="0" err="1" smtClean="0">
-                    <a:ln>
-                      <a:noFill/>
-                    </a:ln>
+                  <a:rPr lang="ko-KR" altLang="en-US" sz="1600" b="1" spc="-150" dirty="0" err="1">
                     <a:solidFill>
                       <a:schemeClr val="tx1"/>
                     </a:solidFill>
-                    <a:effectLst/>
                     <a:latin typeface="맑은 고딕" panose="020B0503020000020004" pitchFamily="50" charset="-127"/>
                     <a:ea typeface="맑은 고딕" panose="020B0503020000020004" pitchFamily="50" charset="-127"/>
                   </a:rPr>
-                  <a:t>Todo</a:t>
+                  <a:t>알람</a:t>
                 </a:r>
                 <a:r>
-                  <a:rPr kumimoji="0" lang="ko-KR" altLang="en-US" sz="1600" b="1" i="0" u="none" strike="noStrike" cap="none" spc="-150" normalizeH="0" baseline="0" dirty="0" smtClean="0">
-                    <a:ln>
-                      <a:noFill/>
-                    </a:ln>
+                  <a:rPr lang="ko-KR" altLang="en-US" sz="1600" b="1" spc="-150" dirty="0">
                     <a:solidFill>
                       <a:schemeClr val="tx1"/>
                     </a:solidFill>
-                    <a:effectLst/>
                     <a:latin typeface="맑은 고딕" panose="020B0503020000020004" pitchFamily="50" charset="-127"/>
                     <a:ea typeface="맑은 고딕" panose="020B0503020000020004" pitchFamily="50" charset="-127"/>
                   </a:rPr>
-                  <a:t>정보 등록</a:t>
+                  <a:t> </a:t>
                 </a:r>
-                <a:endParaRPr kumimoji="0" lang="en-US" altLang="ko-KR" sz="1600" b="1" i="0" u="none" strike="noStrike" cap="none" spc="-150" normalizeH="0" baseline="0" dirty="0" smtClean="0">
+                <a:r>
+                  <a:rPr lang="en-US" altLang="ko-KR" sz="1600" b="1" spc="-150" dirty="0">
+                    <a:solidFill>
+                      <a:schemeClr val="tx1"/>
+                    </a:solidFill>
+                    <a:latin typeface="맑은 고딕" panose="020B0503020000020004" pitchFamily="50" charset="-127"/>
+                    <a:ea typeface="맑은 고딕" panose="020B0503020000020004" pitchFamily="50" charset="-127"/>
+                  </a:rPr>
+                  <a:t>D-day </a:t>
+                </a:r>
+                <a:r>
+                  <a:rPr lang="ko-KR" altLang="en-US" sz="1600" b="1" spc="-150" dirty="0">
+                    <a:solidFill>
+                      <a:schemeClr val="tx1"/>
+                    </a:solidFill>
+                    <a:latin typeface="맑은 고딕" panose="020B0503020000020004" pitchFamily="50" charset="-127"/>
+                    <a:ea typeface="맑은 고딕" panose="020B0503020000020004" pitchFamily="50" charset="-127"/>
+                  </a:rPr>
+                  <a:t>설정</a:t>
+                </a:r>
+                <a:endParaRPr kumimoji="0" lang="en-US" altLang="ko-KR" sz="1600" b="1" i="0" u="none" strike="noStrike" cap="none" spc="-150" normalizeH="0" baseline="0" dirty="0">
                   <a:ln>
                     <a:noFill/>
                   </a:ln>
@@ -5433,7 +8785,7 @@
                   <a:buNone/>
                   <a:tabLst/>
                 </a:pPr>
-                <a:endParaRPr kumimoji="0" lang="ko-KR" altLang="en-US" sz="1600" b="1" i="0" u="none" strike="noStrike" cap="none" spc="-150" normalizeH="0" baseline="0" dirty="0" smtClean="0">
+                <a:endParaRPr kumimoji="0" lang="ko-KR" altLang="en-US" sz="1600" b="1" i="0" u="none" strike="noStrike" cap="none" spc="-150" normalizeH="0" baseline="0" dirty="0">
                   <a:ln>
                     <a:noFill/>
                   </a:ln>
@@ -5449,7 +8801,7 @@
           </p:sp>
           <p:cxnSp>
             <p:nvCxnSpPr>
-              <p:cNvPr id="46" name="직선 연결선 45"/>
+              <p:cNvPr id="69" name="직선 연결선 68"/>
               <p:cNvCxnSpPr/>
               <p:nvPr/>
             </p:nvCxnSpPr>
@@ -5477,624 +8829,214 @@
             </p:spPr>
           </p:cxnSp>
         </p:grpSp>
+        <p:sp>
+          <p:nvSpPr>
+            <p:cNvPr id="67" name="직사각형 66"/>
+            <p:cNvSpPr/>
+            <p:nvPr/>
+          </p:nvSpPr>
+          <p:spPr bwMode="auto">
+            <a:xfrm>
+              <a:off x="2772330" y="3491357"/>
+              <a:ext cx="2060294" cy="1145894"/>
+            </a:xfrm>
+            <a:prstGeom prst="rect">
+              <a:avLst/>
+            </a:prstGeom>
+            <a:ln>
+              <a:headEnd type="none" w="med" len="med"/>
+              <a:tailEnd type="none" w="med" len="med"/>
+            </a:ln>
+          </p:spPr>
+          <p:style>
+            <a:lnRef idx="1">
+              <a:schemeClr val="accent2"/>
+            </a:lnRef>
+            <a:fillRef idx="2">
+              <a:schemeClr val="accent2"/>
+            </a:fillRef>
+            <a:effectRef idx="1">
+              <a:schemeClr val="accent2"/>
+            </a:effectRef>
+            <a:fontRef idx="minor">
+              <a:schemeClr val="dk1"/>
+            </a:fontRef>
+          </p:style>
+          <p:txBody>
+            <a:bodyPr vert="horz" wrap="none" lIns="90000" tIns="46800" rIns="90000" bIns="46800" numCol="1" rtlCol="0" anchor="ctr" anchorCtr="0" compatLnSpc="1">
+              <a:prstTxWarp prst="textNoShape">
+                <a:avLst/>
+              </a:prstTxWarp>
+            </a:bodyPr>
+            <a:lstStyle/>
+            <a:p>
+              <a:pPr marL="0" marR="0" indent="0" algn="ctr" defTabSz="914400" rtl="0" eaLnBrk="0" fontAlgn="base" latinLnBrk="0" hangingPunct="0">
+                <a:lnSpc>
+                  <a:spcPct val="100000"/>
+                </a:lnSpc>
+                <a:spcBef>
+                  <a:spcPct val="0"/>
+                </a:spcBef>
+                <a:spcAft>
+                  <a:spcPct val="0"/>
+                </a:spcAft>
+                <a:buClrTx/>
+                <a:buSzTx/>
+                <a:buFontTx/>
+                <a:buNone/>
+                <a:tabLst/>
+              </a:pPr>
+              <a:r>
+                <a:rPr lang="en-US" altLang="ko-KR" sz="1600" b="1" spc="-150" dirty="0" err="1">
+                  <a:solidFill>
+                    <a:schemeClr val="tx1"/>
+                  </a:solidFill>
+                  <a:latin typeface="맑은 고딕" panose="020B0503020000020004" pitchFamily="50" charset="-127"/>
+                  <a:ea typeface="맑은 고딕" panose="020B0503020000020004" pitchFamily="50" charset="-127"/>
+                </a:rPr>
+                <a:t>SetFontColor</a:t>
+              </a:r>
+              <a:endParaRPr kumimoji="0" lang="en-US" altLang="ko-KR" sz="1600" b="1" i="0" u="none" strike="noStrike" cap="none" spc="-150" normalizeH="0" baseline="0" dirty="0">
+                <a:ln>
+                  <a:noFill/>
+                </a:ln>
+                <a:solidFill>
+                  <a:schemeClr val="tx1"/>
+                </a:solidFill>
+                <a:effectLst/>
+                <a:latin typeface="맑은 고딕" panose="020B0503020000020004" pitchFamily="50" charset="-127"/>
+                <a:ea typeface="맑은 고딕" panose="020B0503020000020004" pitchFamily="50" charset="-127"/>
+              </a:endParaRPr>
+            </a:p>
+            <a:p>
+              <a:pPr marL="0" marR="0" indent="0" algn="ctr" defTabSz="914400" rtl="0" eaLnBrk="0" fontAlgn="base" latinLnBrk="0" hangingPunct="0">
+                <a:lnSpc>
+                  <a:spcPct val="100000"/>
+                </a:lnSpc>
+                <a:spcBef>
+                  <a:spcPct val="0"/>
+                </a:spcBef>
+                <a:spcAft>
+                  <a:spcPct val="0"/>
+                </a:spcAft>
+                <a:buClrTx/>
+                <a:buSzTx/>
+                <a:buFontTx/>
+                <a:buNone/>
+                <a:tabLst/>
+              </a:pPr>
+              <a:endParaRPr lang="en-US" altLang="ko-KR" sz="1600" b="1" spc="-150" dirty="0">
+                <a:solidFill>
+                  <a:schemeClr val="tx1"/>
+                </a:solidFill>
+                <a:latin typeface="맑은 고딕" panose="020B0503020000020004" pitchFamily="50" charset="-127"/>
+                <a:ea typeface="맑은 고딕" panose="020B0503020000020004" pitchFamily="50" charset="-127"/>
+              </a:endParaRPr>
+            </a:p>
+            <a:p>
+              <a:pPr marL="0" marR="0" indent="0" algn="ctr" defTabSz="914400" rtl="0" eaLnBrk="0" fontAlgn="base" latinLnBrk="0" hangingPunct="0">
+                <a:lnSpc>
+                  <a:spcPct val="100000"/>
+                </a:lnSpc>
+                <a:spcBef>
+                  <a:spcPct val="0"/>
+                </a:spcBef>
+                <a:spcAft>
+                  <a:spcPct val="0"/>
+                </a:spcAft>
+                <a:buClrTx/>
+                <a:buSzTx/>
+                <a:buFontTx/>
+                <a:buNone/>
+                <a:tabLst/>
+              </a:pPr>
+              <a:r>
+                <a:rPr lang="en-US" altLang="ko-KR" sz="1600" b="1" spc="-150" dirty="0">
+                  <a:solidFill>
+                    <a:schemeClr val="tx1"/>
+                  </a:solidFill>
+                  <a:latin typeface="맑은 고딕" panose="020B0503020000020004" pitchFamily="50" charset="-127"/>
+                  <a:ea typeface="맑은 고딕" panose="020B0503020000020004" pitchFamily="50" charset="-127"/>
+                </a:rPr>
+                <a:t>To Do </a:t>
+              </a:r>
+              <a:r>
+                <a:rPr lang="ko-KR" altLang="en-US" sz="1600" b="1" spc="-150" dirty="0">
+                  <a:solidFill>
+                    <a:schemeClr val="tx1"/>
+                  </a:solidFill>
+                  <a:latin typeface="맑은 고딕" panose="020B0503020000020004" pitchFamily="50" charset="-127"/>
+                  <a:ea typeface="맑은 고딕" panose="020B0503020000020004" pitchFamily="50" charset="-127"/>
+                </a:rPr>
+                <a:t>항목 글자 색 변경</a:t>
+              </a:r>
+              <a:endParaRPr kumimoji="0" lang="en-US" altLang="ko-KR" sz="1600" b="1" i="0" u="none" strike="noStrike" cap="none" spc="-150" normalizeH="0" baseline="0" dirty="0">
+                <a:ln>
+                  <a:noFill/>
+                </a:ln>
+                <a:solidFill>
+                  <a:schemeClr val="tx1"/>
+                </a:solidFill>
+                <a:effectLst/>
+                <a:latin typeface="맑은 고딕" panose="020B0503020000020004" pitchFamily="50" charset="-127"/>
+                <a:ea typeface="맑은 고딕" panose="020B0503020000020004" pitchFamily="50" charset="-127"/>
+              </a:endParaRPr>
+            </a:p>
+            <a:p>
+              <a:pPr marL="0" marR="0" indent="0" algn="ctr" defTabSz="914400" rtl="0" eaLnBrk="0" fontAlgn="base" latinLnBrk="0" hangingPunct="0">
+                <a:lnSpc>
+                  <a:spcPct val="100000"/>
+                </a:lnSpc>
+                <a:spcBef>
+                  <a:spcPct val="0"/>
+                </a:spcBef>
+                <a:spcAft>
+                  <a:spcPct val="0"/>
+                </a:spcAft>
+                <a:buClrTx/>
+                <a:buSzTx/>
+                <a:buFontTx/>
+                <a:buNone/>
+                <a:tabLst/>
+              </a:pPr>
+              <a:endParaRPr kumimoji="0" lang="ko-KR" altLang="en-US" sz="1600" b="1" i="0" u="none" strike="noStrike" cap="none" spc="-150" normalizeH="0" baseline="0" dirty="0">
+                <a:ln>
+                  <a:noFill/>
+                </a:ln>
+                <a:solidFill>
+                  <a:schemeClr val="tx1"/>
+                </a:solidFill>
+                <a:effectLst/>
+                <a:latin typeface="맑은 고딕" panose="020B0503020000020004" pitchFamily="50" charset="-127"/>
+                <a:ea typeface="맑은 고딕" panose="020B0503020000020004" pitchFamily="50" charset="-127"/>
+              </a:endParaRPr>
+            </a:p>
+          </p:txBody>
+        </p:sp>
+      </p:grpSp>
+      <p:grpSp>
+        <p:nvGrpSpPr>
+          <p:cNvPr id="129" name="그룹 128"/>
+          <p:cNvGrpSpPr/>
+          <p:nvPr/>
+        </p:nvGrpSpPr>
+        <p:grpSpPr>
+          <a:xfrm>
+            <a:off x="6585393" y="1054483"/>
+            <a:ext cx="2068871" cy="2980240"/>
+            <a:chOff x="803955" y="1464019"/>
+            <a:chExt cx="2068871" cy="2980240"/>
+          </a:xfrm>
+        </p:grpSpPr>
         <p:grpSp>
           <p:nvGrpSpPr>
-            <p:cNvPr id="48" name="그룹 47"/>
+            <p:cNvPr id="130" name="그룹 129"/>
             <p:cNvGrpSpPr/>
             <p:nvPr/>
           </p:nvGrpSpPr>
           <p:grpSpPr>
             <a:xfrm>
-              <a:off x="777919" y="2010434"/>
-              <a:ext cx="7930512" cy="2682968"/>
-              <a:chOff x="682686" y="1691970"/>
-              <a:chExt cx="7930512" cy="2682968"/>
-            </a:xfrm>
-          </p:grpSpPr>
-          <p:grpSp>
-            <p:nvGrpSpPr>
-              <p:cNvPr id="49" name="그룹 48"/>
-              <p:cNvGrpSpPr/>
-              <p:nvPr/>
-            </p:nvGrpSpPr>
-            <p:grpSpPr>
-              <a:xfrm>
-                <a:off x="6552904" y="1691970"/>
-                <a:ext cx="2060294" cy="1145894"/>
-                <a:chOff x="6544254" y="-1580371"/>
-                <a:chExt cx="2060294" cy="1145894"/>
-              </a:xfrm>
-            </p:grpSpPr>
-            <p:sp>
-              <p:nvSpPr>
-                <p:cNvPr id="54" name="직사각형 53"/>
-                <p:cNvSpPr/>
-                <p:nvPr/>
-              </p:nvSpPr>
-              <p:spPr bwMode="auto">
-                <a:xfrm>
-                  <a:off x="6544254" y="-1580371"/>
-                  <a:ext cx="2060294" cy="1145894"/>
-                </a:xfrm>
-                <a:prstGeom prst="rect">
-                  <a:avLst/>
-                </a:prstGeom>
-                <a:ln>
-                  <a:headEnd type="none" w="med" len="med"/>
-                  <a:tailEnd type="none" w="med" len="med"/>
-                </a:ln>
-              </p:spPr>
-              <p:style>
-                <a:lnRef idx="1">
-                  <a:schemeClr val="accent2"/>
-                </a:lnRef>
-                <a:fillRef idx="2">
-                  <a:schemeClr val="accent2"/>
-                </a:fillRef>
-                <a:effectRef idx="1">
-                  <a:schemeClr val="accent2"/>
-                </a:effectRef>
-                <a:fontRef idx="minor">
-                  <a:schemeClr val="dk1"/>
-                </a:fontRef>
-              </p:style>
-              <p:txBody>
-                <a:bodyPr vert="horz" wrap="none" lIns="90000" tIns="46800" rIns="90000" bIns="46800" numCol="1" rtlCol="0" anchor="ctr" anchorCtr="0" compatLnSpc="1">
-                  <a:prstTxWarp prst="textNoShape">
-                    <a:avLst/>
-                  </a:prstTxWarp>
-                </a:bodyPr>
-                <a:lstStyle/>
-                <a:p>
-                  <a:pPr marL="0" marR="0" indent="0" algn="ctr" defTabSz="914400" rtl="0" eaLnBrk="0" fontAlgn="base" latinLnBrk="0" hangingPunct="0">
-                    <a:lnSpc>
-                      <a:spcPct val="100000"/>
-                    </a:lnSpc>
-                    <a:spcBef>
-                      <a:spcPct val="0"/>
-                    </a:spcBef>
-                    <a:spcAft>
-                      <a:spcPct val="0"/>
-                    </a:spcAft>
-                    <a:buClrTx/>
-                    <a:buSzTx/>
-                    <a:buFontTx/>
-                    <a:buNone/>
-                    <a:tabLst/>
-                  </a:pPr>
-                  <a:endParaRPr lang="en-US" altLang="ko-KR" sz="1600" b="1" spc="-150" dirty="0" smtClean="0">
-                    <a:solidFill>
-                      <a:schemeClr val="tx1"/>
-                    </a:solidFill>
-                    <a:latin typeface="맑은 고딕" panose="020B0503020000020004" pitchFamily="50" charset="-127"/>
-                    <a:ea typeface="맑은 고딕" panose="020B0503020000020004" pitchFamily="50" charset="-127"/>
-                  </a:endParaRPr>
-                </a:p>
-                <a:p>
-                  <a:pPr marL="0" marR="0" indent="0" algn="ctr" defTabSz="914400" rtl="0" eaLnBrk="0" fontAlgn="base" latinLnBrk="0" hangingPunct="0">
-                    <a:lnSpc>
-                      <a:spcPct val="100000"/>
-                    </a:lnSpc>
-                    <a:spcBef>
-                      <a:spcPct val="0"/>
-                    </a:spcBef>
-                    <a:spcAft>
-                      <a:spcPct val="0"/>
-                    </a:spcAft>
-                    <a:buClrTx/>
-                    <a:buSzTx/>
-                    <a:buFontTx/>
-                    <a:buNone/>
-                    <a:tabLst/>
-                  </a:pPr>
-                  <a:r>
-                    <a:rPr lang="en-US" altLang="ko-KR" sz="1600" b="1" spc="-150" dirty="0" smtClean="0">
-                      <a:solidFill>
-                        <a:schemeClr val="tx1"/>
-                      </a:solidFill>
-                      <a:latin typeface="맑은 고딕" panose="020B0503020000020004" pitchFamily="50" charset="-127"/>
-                      <a:ea typeface="맑은 고딕" panose="020B0503020000020004" pitchFamily="50" charset="-127"/>
-                    </a:rPr>
-                    <a:t>Notify</a:t>
-                  </a:r>
-                  <a:endParaRPr kumimoji="0" lang="en-US" altLang="ko-KR" sz="1600" b="1" i="0" u="none" strike="noStrike" cap="none" spc="-150" normalizeH="0" baseline="0" dirty="0" smtClean="0">
-                    <a:ln>
-                      <a:noFill/>
-                    </a:ln>
-                    <a:solidFill>
-                      <a:schemeClr val="tx1"/>
-                    </a:solidFill>
-                    <a:effectLst/>
-                    <a:latin typeface="맑은 고딕" panose="020B0503020000020004" pitchFamily="50" charset="-127"/>
-                    <a:ea typeface="맑은 고딕" panose="020B0503020000020004" pitchFamily="50" charset="-127"/>
-                  </a:endParaRPr>
-                </a:p>
-                <a:p>
-                  <a:pPr marL="0" marR="0" indent="0" algn="ctr" defTabSz="914400" rtl="0" eaLnBrk="0" fontAlgn="base" latinLnBrk="0" hangingPunct="0">
-                    <a:lnSpc>
-                      <a:spcPct val="100000"/>
-                    </a:lnSpc>
-                    <a:spcBef>
-                      <a:spcPct val="0"/>
-                    </a:spcBef>
-                    <a:spcAft>
-                      <a:spcPct val="0"/>
-                    </a:spcAft>
-                    <a:buClrTx/>
-                    <a:buSzTx/>
-                    <a:buFontTx/>
-                    <a:buNone/>
-                    <a:tabLst/>
-                  </a:pPr>
-                  <a:endParaRPr lang="en-US" altLang="ko-KR" sz="1600" b="1" spc="-150" dirty="0">
-                    <a:solidFill>
-                      <a:schemeClr val="tx1"/>
-                    </a:solidFill>
-                    <a:latin typeface="맑은 고딕" panose="020B0503020000020004" pitchFamily="50" charset="-127"/>
-                    <a:ea typeface="맑은 고딕" panose="020B0503020000020004" pitchFamily="50" charset="-127"/>
-                  </a:endParaRPr>
-                </a:p>
-                <a:p>
-                  <a:pPr marL="0" marR="0" indent="0" algn="ctr" defTabSz="914400" rtl="0" eaLnBrk="0" fontAlgn="base" latinLnBrk="0" hangingPunct="0">
-                    <a:lnSpc>
-                      <a:spcPct val="100000"/>
-                    </a:lnSpc>
-                    <a:spcBef>
-                      <a:spcPct val="0"/>
-                    </a:spcBef>
-                    <a:spcAft>
-                      <a:spcPct val="0"/>
-                    </a:spcAft>
-                    <a:buClrTx/>
-                    <a:buSzTx/>
-                    <a:buFontTx/>
-                    <a:buNone/>
-                    <a:tabLst/>
-                  </a:pPr>
-                  <a:r>
-                    <a:rPr kumimoji="0" lang="ko-KR" altLang="en-US" sz="1600" b="1" i="0" u="none" strike="noStrike" cap="none" spc="-150" normalizeH="0" baseline="0" dirty="0" smtClean="0">
-                      <a:ln>
-                        <a:noFill/>
-                      </a:ln>
-                      <a:solidFill>
-                        <a:schemeClr val="tx1"/>
-                      </a:solidFill>
-                      <a:effectLst/>
-                      <a:latin typeface="맑은 고딕" panose="020B0503020000020004" pitchFamily="50" charset="-127"/>
-                      <a:ea typeface="맑은 고딕" panose="020B0503020000020004" pitchFamily="50" charset="-127"/>
-                    </a:rPr>
-                    <a:t>확인 </a:t>
-                  </a:r>
-                  <a:r>
-                    <a:rPr kumimoji="0" lang="ko-KR" altLang="en-US" sz="1600" b="1" i="0" u="none" strike="noStrike" cap="none" spc="-150" normalizeH="0" baseline="0" dirty="0" smtClean="0">
-                      <a:ln>
-                        <a:noFill/>
-                      </a:ln>
-                      <a:solidFill>
-                        <a:schemeClr val="tx1"/>
-                      </a:solidFill>
-                      <a:effectLst/>
-                      <a:latin typeface="맑은 고딕" panose="020B0503020000020004" pitchFamily="50" charset="-127"/>
-                      <a:ea typeface="맑은 고딕" panose="020B0503020000020004" pitchFamily="50" charset="-127"/>
-                    </a:rPr>
-                    <a:t>창</a:t>
-                  </a:r>
-                  <a:endParaRPr kumimoji="0" lang="en-US" altLang="ko-KR" sz="1600" b="1" i="0" u="none" strike="noStrike" cap="none" spc="-150" normalizeH="0" baseline="0" dirty="0" smtClean="0">
-                    <a:ln>
-                      <a:noFill/>
-                    </a:ln>
-                    <a:solidFill>
-                      <a:schemeClr val="tx1"/>
-                    </a:solidFill>
-                    <a:effectLst/>
-                    <a:latin typeface="맑은 고딕" panose="020B0503020000020004" pitchFamily="50" charset="-127"/>
-                    <a:ea typeface="맑은 고딕" panose="020B0503020000020004" pitchFamily="50" charset="-127"/>
-                  </a:endParaRPr>
-                </a:p>
-                <a:p>
-                  <a:pPr marL="0" marR="0" indent="0" algn="ctr" defTabSz="914400" rtl="0" eaLnBrk="0" fontAlgn="base" latinLnBrk="0" hangingPunct="0">
-                    <a:lnSpc>
-                      <a:spcPct val="100000"/>
-                    </a:lnSpc>
-                    <a:spcBef>
-                      <a:spcPct val="0"/>
-                    </a:spcBef>
-                    <a:spcAft>
-                      <a:spcPct val="0"/>
-                    </a:spcAft>
-                    <a:buClrTx/>
-                    <a:buSzTx/>
-                    <a:buFontTx/>
-                    <a:buNone/>
-                    <a:tabLst/>
-                  </a:pPr>
-                  <a:r>
-                    <a:rPr lang="ko-KR" altLang="en-US" sz="1600" b="1" spc="-150" dirty="0" smtClean="0">
-                      <a:solidFill>
-                        <a:schemeClr val="tx1"/>
-                      </a:solidFill>
-                      <a:latin typeface="맑은 고딕" panose="020B0503020000020004" pitchFamily="50" charset="-127"/>
-                      <a:ea typeface="맑은 고딕" panose="020B0503020000020004" pitchFamily="50" charset="-127"/>
-                    </a:rPr>
-                    <a:t>출력</a:t>
-                  </a:r>
-                  <a:endParaRPr kumimoji="0" lang="en-US" altLang="ko-KR" sz="1600" b="1" i="0" u="none" strike="noStrike" cap="none" spc="-150" normalizeH="0" baseline="0" dirty="0" smtClean="0">
-                    <a:ln>
-                      <a:noFill/>
-                    </a:ln>
-                    <a:solidFill>
-                      <a:schemeClr val="tx1"/>
-                    </a:solidFill>
-                    <a:effectLst/>
-                    <a:latin typeface="맑은 고딕" panose="020B0503020000020004" pitchFamily="50" charset="-127"/>
-                    <a:ea typeface="맑은 고딕" panose="020B0503020000020004" pitchFamily="50" charset="-127"/>
-                  </a:endParaRPr>
-                </a:p>
-                <a:p>
-                  <a:pPr marL="0" marR="0" indent="0" algn="ctr" defTabSz="914400" rtl="0" eaLnBrk="0" fontAlgn="base" latinLnBrk="0" hangingPunct="0">
-                    <a:lnSpc>
-                      <a:spcPct val="100000"/>
-                    </a:lnSpc>
-                    <a:spcBef>
-                      <a:spcPct val="0"/>
-                    </a:spcBef>
-                    <a:spcAft>
-                      <a:spcPct val="0"/>
-                    </a:spcAft>
-                    <a:buClrTx/>
-                    <a:buSzTx/>
-                    <a:buFontTx/>
-                    <a:buNone/>
-                    <a:tabLst/>
-                  </a:pPr>
-                  <a:endParaRPr kumimoji="0" lang="ko-KR" altLang="en-US" sz="1600" b="1" i="0" u="none" strike="noStrike" cap="none" spc="-150" normalizeH="0" baseline="0" dirty="0" smtClean="0">
-                    <a:ln>
-                      <a:noFill/>
-                    </a:ln>
-                    <a:solidFill>
-                      <a:schemeClr val="tx1"/>
-                    </a:solidFill>
-                    <a:effectLst/>
-                    <a:latin typeface="맑은 고딕" panose="020B0503020000020004" pitchFamily="50" charset="-127"/>
-                    <a:ea typeface="맑은 고딕" panose="020B0503020000020004" pitchFamily="50" charset="-127"/>
-                  </a:endParaRPr>
-                </a:p>
-              </p:txBody>
-            </p:sp>
-            <p:cxnSp>
-              <p:nvCxnSpPr>
-                <p:cNvPr id="55" name="직선 연결선 54"/>
-                <p:cNvCxnSpPr/>
-                <p:nvPr/>
-              </p:nvCxnSpPr>
-              <p:spPr bwMode="auto">
-                <a:xfrm>
-                  <a:off x="6544254" y="-1227485"/>
-                  <a:ext cx="2060294" cy="0"/>
-                </a:xfrm>
-                <a:prstGeom prst="line">
-                  <a:avLst/>
-                </a:prstGeom>
-                <a:solidFill>
-                  <a:schemeClr val="accent1"/>
-                </a:solidFill>
-                <a:ln w="12700" cap="flat" cmpd="sng" algn="ctr">
-                  <a:solidFill>
-                    <a:schemeClr val="tx1"/>
-                  </a:solidFill>
-                  <a:prstDash val="solid"/>
-                  <a:round/>
-                  <a:headEnd type="none" w="med" len="med"/>
-                  <a:tailEnd type="none" w="med" len="med"/>
-                </a:ln>
-                <a:effectLst/>
-              </p:spPr>
-            </p:cxnSp>
-          </p:grpSp>
-          <p:grpSp>
-            <p:nvGrpSpPr>
-              <p:cNvPr id="50" name="그룹 49"/>
-              <p:cNvGrpSpPr/>
-              <p:nvPr/>
-            </p:nvGrpSpPr>
-            <p:grpSpPr>
-              <a:xfrm>
-                <a:off x="682686" y="3229044"/>
-                <a:ext cx="2060294" cy="1145894"/>
-                <a:chOff x="673816" y="1510339"/>
-                <a:chExt cx="2060294" cy="1145894"/>
-              </a:xfrm>
-            </p:grpSpPr>
-            <p:sp>
-              <p:nvSpPr>
-                <p:cNvPr id="52" name="직사각형 51"/>
-                <p:cNvSpPr/>
-                <p:nvPr/>
-              </p:nvSpPr>
-              <p:spPr bwMode="auto">
-                <a:xfrm>
-                  <a:off x="673816" y="1510339"/>
-                  <a:ext cx="2060294" cy="1145894"/>
-                </a:xfrm>
-                <a:prstGeom prst="rect">
-                  <a:avLst/>
-                </a:prstGeom>
-                <a:ln>
-                  <a:headEnd type="none" w="med" len="med"/>
-                  <a:tailEnd type="none" w="med" len="med"/>
-                </a:ln>
-              </p:spPr>
-              <p:style>
-                <a:lnRef idx="1">
-                  <a:schemeClr val="accent2"/>
-                </a:lnRef>
-                <a:fillRef idx="2">
-                  <a:schemeClr val="accent2"/>
-                </a:fillRef>
-                <a:effectRef idx="1">
-                  <a:schemeClr val="accent2"/>
-                </a:effectRef>
-                <a:fontRef idx="minor">
-                  <a:schemeClr val="dk1"/>
-                </a:fontRef>
-              </p:style>
-              <p:txBody>
-                <a:bodyPr vert="horz" wrap="none" lIns="90000" tIns="46800" rIns="90000" bIns="46800" numCol="1" rtlCol="0" anchor="ctr" anchorCtr="0" compatLnSpc="1">
-                  <a:prstTxWarp prst="textNoShape">
-                    <a:avLst/>
-                  </a:prstTxWarp>
-                </a:bodyPr>
-                <a:lstStyle/>
-                <a:p>
-                  <a:pPr marL="0" marR="0" indent="0" algn="ctr" defTabSz="914400" rtl="0" eaLnBrk="0" fontAlgn="base" latinLnBrk="0" hangingPunct="0">
-                    <a:lnSpc>
-                      <a:spcPct val="100000"/>
-                    </a:lnSpc>
-                    <a:spcBef>
-                      <a:spcPct val="0"/>
-                    </a:spcBef>
-                    <a:spcAft>
-                      <a:spcPct val="0"/>
-                    </a:spcAft>
-                    <a:buClrTx/>
-                    <a:buSzTx/>
-                    <a:buFontTx/>
-                    <a:buNone/>
-                    <a:tabLst/>
-                  </a:pPr>
-                  <a:r>
-                    <a:rPr lang="en-US" altLang="ko-KR" sz="1600" b="1" spc="-150" dirty="0" err="1" smtClean="0">
-                      <a:solidFill>
-                        <a:schemeClr val="tx1"/>
-                      </a:solidFill>
-                      <a:latin typeface="맑은 고딕" panose="020B0503020000020004" pitchFamily="50" charset="-127"/>
-                      <a:ea typeface="맑은 고딕" panose="020B0503020000020004" pitchFamily="50" charset="-127"/>
-                    </a:rPr>
-                    <a:t>TodoDelete</a:t>
-                  </a:r>
-                  <a:endParaRPr kumimoji="0" lang="en-US" altLang="ko-KR" sz="1600" b="1" i="0" u="none" strike="noStrike" cap="none" spc="-150" normalizeH="0" baseline="0" dirty="0" smtClean="0">
-                    <a:ln>
-                      <a:noFill/>
-                    </a:ln>
-                    <a:solidFill>
-                      <a:schemeClr val="tx1"/>
-                    </a:solidFill>
-                    <a:effectLst/>
-                    <a:latin typeface="맑은 고딕" panose="020B0503020000020004" pitchFamily="50" charset="-127"/>
-                    <a:ea typeface="맑은 고딕" panose="020B0503020000020004" pitchFamily="50" charset="-127"/>
-                  </a:endParaRPr>
-                </a:p>
-                <a:p>
-                  <a:pPr marL="0" marR="0" indent="0" algn="ctr" defTabSz="914400" rtl="0" eaLnBrk="0" fontAlgn="base" latinLnBrk="0" hangingPunct="0">
-                    <a:lnSpc>
-                      <a:spcPct val="100000"/>
-                    </a:lnSpc>
-                    <a:spcBef>
-                      <a:spcPct val="0"/>
-                    </a:spcBef>
-                    <a:spcAft>
-                      <a:spcPct val="0"/>
-                    </a:spcAft>
-                    <a:buClrTx/>
-                    <a:buSzTx/>
-                    <a:buFontTx/>
-                    <a:buNone/>
-                    <a:tabLst/>
-                  </a:pPr>
-                  <a:endParaRPr lang="en-US" altLang="ko-KR" sz="1600" b="1" spc="-150" dirty="0">
-                    <a:solidFill>
-                      <a:schemeClr val="tx1"/>
-                    </a:solidFill>
-                    <a:latin typeface="맑은 고딕" panose="020B0503020000020004" pitchFamily="50" charset="-127"/>
-                    <a:ea typeface="맑은 고딕" panose="020B0503020000020004" pitchFamily="50" charset="-127"/>
-                  </a:endParaRPr>
-                </a:p>
-                <a:p>
-                  <a:pPr marL="0" marR="0" indent="0" algn="ctr" defTabSz="914400" rtl="0" eaLnBrk="0" fontAlgn="base" latinLnBrk="0" hangingPunct="0">
-                    <a:lnSpc>
-                      <a:spcPct val="100000"/>
-                    </a:lnSpc>
-                    <a:spcBef>
-                      <a:spcPct val="0"/>
-                    </a:spcBef>
-                    <a:spcAft>
-                      <a:spcPct val="0"/>
-                    </a:spcAft>
-                    <a:buClrTx/>
-                    <a:buSzTx/>
-                    <a:buFontTx/>
-                    <a:buNone/>
-                    <a:tabLst/>
-                  </a:pPr>
-                  <a:r>
-                    <a:rPr kumimoji="0" lang="en-US" altLang="ko-KR" sz="1600" b="1" i="0" u="none" strike="noStrike" cap="none" spc="-150" normalizeH="0" baseline="0" dirty="0" err="1" smtClean="0">
-                      <a:ln>
-                        <a:noFill/>
-                      </a:ln>
-                      <a:solidFill>
-                        <a:schemeClr val="tx1"/>
-                      </a:solidFill>
-                      <a:effectLst/>
-                      <a:latin typeface="맑은 고딕" panose="020B0503020000020004" pitchFamily="50" charset="-127"/>
-                      <a:ea typeface="맑은 고딕" panose="020B0503020000020004" pitchFamily="50" charset="-127"/>
-                    </a:rPr>
-                    <a:t>Todo</a:t>
-                  </a:r>
-                  <a:r>
-                    <a:rPr kumimoji="0" lang="ko-KR" altLang="en-US" sz="1600" b="1" i="0" u="none" strike="noStrike" cap="none" spc="-150" normalizeH="0" baseline="0" dirty="0" smtClean="0">
-                      <a:ln>
-                        <a:noFill/>
-                      </a:ln>
-                      <a:solidFill>
-                        <a:schemeClr val="tx1"/>
-                      </a:solidFill>
-                      <a:effectLst/>
-                      <a:latin typeface="맑은 고딕" panose="020B0503020000020004" pitchFamily="50" charset="-127"/>
-                      <a:ea typeface="맑은 고딕" panose="020B0503020000020004" pitchFamily="50" charset="-127"/>
-                    </a:rPr>
-                    <a:t> 정보 삭제</a:t>
-                  </a:r>
-                  <a:endParaRPr kumimoji="0" lang="en-US" altLang="ko-KR" sz="1600" b="1" i="0" u="none" strike="noStrike" cap="none" spc="-150" normalizeH="0" baseline="0" dirty="0" smtClean="0">
-                    <a:ln>
-                      <a:noFill/>
-                    </a:ln>
-                    <a:solidFill>
-                      <a:schemeClr val="tx1"/>
-                    </a:solidFill>
-                    <a:effectLst/>
-                    <a:latin typeface="맑은 고딕" panose="020B0503020000020004" pitchFamily="50" charset="-127"/>
-                    <a:ea typeface="맑은 고딕" panose="020B0503020000020004" pitchFamily="50" charset="-127"/>
-                  </a:endParaRPr>
-                </a:p>
-                <a:p>
-                  <a:pPr marL="0" marR="0" indent="0" algn="ctr" defTabSz="914400" rtl="0" eaLnBrk="0" fontAlgn="base" latinLnBrk="0" hangingPunct="0">
-                    <a:lnSpc>
-                      <a:spcPct val="100000"/>
-                    </a:lnSpc>
-                    <a:spcBef>
-                      <a:spcPct val="0"/>
-                    </a:spcBef>
-                    <a:spcAft>
-                      <a:spcPct val="0"/>
-                    </a:spcAft>
-                    <a:buClrTx/>
-                    <a:buSzTx/>
-                    <a:buFontTx/>
-                    <a:buNone/>
-                    <a:tabLst/>
-                  </a:pPr>
-                  <a:endParaRPr kumimoji="0" lang="ko-KR" altLang="en-US" sz="1600" b="1" i="0" u="none" strike="noStrike" cap="none" spc="-150" normalizeH="0" baseline="0" dirty="0" smtClean="0">
-                    <a:ln>
-                      <a:noFill/>
-                    </a:ln>
-                    <a:solidFill>
-                      <a:schemeClr val="tx1"/>
-                    </a:solidFill>
-                    <a:effectLst/>
-                    <a:latin typeface="맑은 고딕" panose="020B0503020000020004" pitchFamily="50" charset="-127"/>
-                    <a:ea typeface="맑은 고딕" panose="020B0503020000020004" pitchFamily="50" charset="-127"/>
-                  </a:endParaRPr>
-                </a:p>
-              </p:txBody>
-            </p:sp>
-            <p:cxnSp>
-              <p:nvCxnSpPr>
-                <p:cNvPr id="53" name="직선 연결선 52"/>
-                <p:cNvCxnSpPr/>
-                <p:nvPr/>
-              </p:nvCxnSpPr>
-              <p:spPr bwMode="auto">
-                <a:xfrm>
-                  <a:off x="673816" y="1828803"/>
-                  <a:ext cx="2060294" cy="0"/>
-                </a:xfrm>
-                <a:prstGeom prst="line">
-                  <a:avLst/>
-                </a:prstGeom>
-                <a:solidFill>
-                  <a:schemeClr val="accent1"/>
-                </a:solidFill>
-                <a:ln w="12700" cap="flat" cmpd="sng" algn="ctr">
-                  <a:solidFill>
-                    <a:schemeClr val="tx1"/>
-                  </a:solidFill>
-                  <a:prstDash val="solid"/>
-                  <a:round/>
-                  <a:headEnd type="none" w="med" len="med"/>
-                  <a:tailEnd type="none" w="med" len="med"/>
-                </a:ln>
-                <a:effectLst/>
-              </p:spPr>
-            </p:cxnSp>
-          </p:grpSp>
-        </p:grpSp>
-        <p:cxnSp>
-          <p:nvCxnSpPr>
-            <p:cNvPr id="56" name="직선 화살표 연결선 55"/>
-            <p:cNvCxnSpPr/>
-            <p:nvPr/>
-          </p:nvCxnSpPr>
-          <p:spPr bwMode="auto">
-            <a:xfrm>
-              <a:off x="2847676" y="1962427"/>
-              <a:ext cx="961030" cy="1229240"/>
-            </a:xfrm>
-            <a:prstGeom prst="straightConnector1">
-              <a:avLst/>
-            </a:prstGeom>
-            <a:solidFill>
-              <a:schemeClr val="accent1"/>
-            </a:solidFill>
-            <a:ln w="12700" cap="flat" cmpd="sng" algn="ctr">
-              <a:solidFill>
-                <a:schemeClr val="tx1"/>
-              </a:solidFill>
-              <a:prstDash val="sysDash"/>
-              <a:round/>
-              <a:headEnd type="none" w="med" len="med"/>
-              <a:tailEnd type="triangle"/>
-            </a:ln>
-            <a:effectLst/>
-          </p:spPr>
-        </p:cxnSp>
-        <p:cxnSp>
-          <p:nvCxnSpPr>
-            <p:cNvPr id="57" name="직선 화살표 연결선 56"/>
-            <p:cNvCxnSpPr/>
-            <p:nvPr/>
-          </p:nvCxnSpPr>
-          <p:spPr bwMode="auto">
-            <a:xfrm flipV="1">
-              <a:off x="2838213" y="3419393"/>
-              <a:ext cx="979957" cy="839405"/>
-            </a:xfrm>
-            <a:prstGeom prst="straightConnector1">
-              <a:avLst/>
-            </a:prstGeom>
-            <a:solidFill>
-              <a:schemeClr val="accent1"/>
-            </a:solidFill>
-            <a:ln w="12700" cap="flat" cmpd="sng" algn="ctr">
-              <a:solidFill>
-                <a:schemeClr val="tx1"/>
-              </a:solidFill>
-              <a:prstDash val="sysDash"/>
-              <a:round/>
-              <a:headEnd type="none" w="med" len="med"/>
-              <a:tailEnd type="triangle"/>
-            </a:ln>
-            <a:effectLst/>
-          </p:spPr>
-        </p:cxnSp>
-        <p:grpSp>
-          <p:nvGrpSpPr>
-            <p:cNvPr id="58" name="그룹 57"/>
-            <p:cNvGrpSpPr/>
-            <p:nvPr/>
-          </p:nvGrpSpPr>
-          <p:grpSpPr>
-            <a:xfrm>
-              <a:off x="777699" y="1526933"/>
+              <a:off x="812532" y="3298365"/>
               <a:ext cx="2060294" cy="1145894"/>
               <a:chOff x="544010" y="1455016"/>
               <a:chExt cx="2060294" cy="1145894"/>
@@ -6102,7 +9044,7 @@
           </p:grpSpPr>
           <p:sp>
             <p:nvSpPr>
-              <p:cNvPr id="59" name="직사각형 58"/>
+              <p:cNvPr id="134" name="직사각형 133"/>
               <p:cNvSpPr/>
               <p:nvPr/>
             </p:nvSpPr>
@@ -6158,16 +9100,16 @@
                   <a:tabLst/>
                 </a:pPr>
                 <a:r>
-                  <a:rPr lang="en-US" altLang="ko-KR" sz="1600" b="1" spc="-150" dirty="0" err="1" smtClean="0">
+                  <a:rPr lang="en-US" altLang="ko-KR" sz="1600" b="1" spc="-150" dirty="0" err="1">
                     <a:solidFill>
                       <a:schemeClr val="tx1"/>
                     </a:solidFill>
                     <a:latin typeface="맑은 고딕" panose="020B0503020000020004" pitchFamily="50" charset="-127"/>
                     <a:ea typeface="맑은 고딕" panose="020B0503020000020004" pitchFamily="50" charset="-127"/>
                   </a:rPr>
-                  <a:t>SetAlarmDate</a:t>
+                  <a:t>CallDeadLine</a:t>
                 </a:r>
-                <a:endParaRPr kumimoji="0" lang="en-US" altLang="ko-KR" sz="1600" b="1" i="0" u="none" strike="noStrike" cap="none" spc="-150" normalizeH="0" baseline="0" dirty="0" smtClean="0">
+                <a:endParaRPr kumimoji="0" lang="en-US" altLang="ko-KR" sz="1600" b="1" i="0" u="none" strike="noStrike" cap="none" spc="-150" normalizeH="0" baseline="0" dirty="0">
                   <a:ln>
                     <a:noFill/>
                   </a:ln>
@@ -6222,46 +9164,30 @@
                   <a:tabLst/>
                 </a:pPr>
                 <a:r>
-                  <a:rPr lang="ko-KR" altLang="en-US" sz="1600" b="1" spc="-150" dirty="0" err="1" smtClean="0">
+                  <a:rPr kumimoji="0" lang="en-US" altLang="ko-KR" sz="1600" b="1" i="0" u="none" strike="noStrike" cap="none" spc="-150" normalizeH="0" baseline="0" dirty="0" err="1">
+                    <a:ln>
+                      <a:noFill/>
+                    </a:ln>
+                    <a:solidFill>
+                      <a:schemeClr val="tx1"/>
+                    </a:solidFill>
+                    <a:effectLst/>
+                    <a:latin typeface="맑은 고딕" panose="020B0503020000020004" pitchFamily="50" charset="-127"/>
+                    <a:ea typeface="맑은 고딕" panose="020B0503020000020004" pitchFamily="50" charset="-127"/>
+                  </a:rPr>
+                  <a:t>Todo</a:t>
+                </a:r>
+                <a:r>
+                  <a:rPr lang="ko-KR" altLang="en-US" sz="1600" b="1" spc="-150" dirty="0">
                     <a:solidFill>
                       <a:schemeClr val="tx1"/>
                     </a:solidFill>
                     <a:latin typeface="맑은 고딕" panose="020B0503020000020004" pitchFamily="50" charset="-127"/>
                     <a:ea typeface="맑은 고딕" panose="020B0503020000020004" pitchFamily="50" charset="-127"/>
                   </a:rPr>
-                  <a:t>알람</a:t>
+                  <a:t>에서 마감일 호출</a:t>
                 </a:r>
-                <a:r>
-                  <a:rPr lang="ko-KR" altLang="en-US" sz="1600" b="1" spc="-150" dirty="0" smtClean="0">
-                    <a:solidFill>
-                      <a:schemeClr val="tx1"/>
-                    </a:solidFill>
-                    <a:latin typeface="맑은 고딕" panose="020B0503020000020004" pitchFamily="50" charset="-127"/>
-                    <a:ea typeface="맑은 고딕" panose="020B0503020000020004" pitchFamily="50" charset="-127"/>
-                  </a:rPr>
-                  <a:t> </a:t>
-                </a:r>
-                <a:r>
-                  <a:rPr lang="en-US" altLang="ko-KR" sz="1600" b="1" spc="-150" dirty="0" smtClean="0">
-                    <a:solidFill>
-                      <a:schemeClr val="tx1"/>
-                    </a:solidFill>
-                    <a:latin typeface="맑은 고딕" panose="020B0503020000020004" pitchFamily="50" charset="-127"/>
-                    <a:ea typeface="맑은 고딕" panose="020B0503020000020004" pitchFamily="50" charset="-127"/>
-                  </a:rPr>
-                  <a:t>D-day </a:t>
-                </a:r>
-                <a:r>
-                  <a:rPr lang="ko-KR" altLang="en-US" sz="1600" b="1" spc="-150" dirty="0" smtClean="0">
-                    <a:solidFill>
-                      <a:schemeClr val="tx1"/>
-                    </a:solidFill>
-                    <a:latin typeface="맑은 고딕" panose="020B0503020000020004" pitchFamily="50" charset="-127"/>
-                    <a:ea typeface="맑은 고딕" panose="020B0503020000020004" pitchFamily="50" charset="-127"/>
-                  </a:rPr>
-                  <a:t>설정</a:t>
-                </a:r>
-                <a:endParaRPr kumimoji="0" lang="en-US" altLang="ko-KR" sz="1600" b="1" i="0" u="none" strike="noStrike" cap="none" spc="-150" normalizeH="0" baseline="0" dirty="0" smtClean="0">
+                <a:endParaRPr kumimoji="0" lang="en-US" altLang="ko-KR" sz="1600" b="1" i="0" u="none" strike="noStrike" cap="none" spc="-150" normalizeH="0" baseline="0" dirty="0">
                   <a:ln>
                     <a:noFill/>
                   </a:ln>
@@ -6290,7 +9216,7 @@
                   <a:buNone/>
                   <a:tabLst/>
                 </a:pPr>
-                <a:endParaRPr kumimoji="0" lang="ko-KR" altLang="en-US" sz="1600" b="1" i="0" u="none" strike="noStrike" cap="none" spc="-150" normalizeH="0" baseline="0" dirty="0" smtClean="0">
+                <a:endParaRPr kumimoji="0" lang="ko-KR" altLang="en-US" sz="1600" b="1" i="0" u="none" strike="noStrike" cap="none" spc="-150" normalizeH="0" baseline="0" dirty="0">
                   <a:ln>
                     <a:noFill/>
                   </a:ln>
@@ -6306,7 +9232,7 @@
           </p:sp>
           <p:cxnSp>
             <p:nvCxnSpPr>
-              <p:cNvPr id="60" name="직선 연결선 59"/>
+              <p:cNvPr id="135" name="직선 연결선 134"/>
               <p:cNvCxnSpPr/>
               <p:nvPr/>
             </p:nvCxnSpPr>
@@ -6334,30 +9260,219 @@
             </p:spPr>
           </p:cxnSp>
         </p:grpSp>
+        <p:grpSp>
+          <p:nvGrpSpPr>
+            <p:cNvPr id="131" name="그룹 130"/>
+            <p:cNvGrpSpPr/>
+            <p:nvPr/>
+          </p:nvGrpSpPr>
+          <p:grpSpPr>
+            <a:xfrm>
+              <a:off x="803955" y="1464019"/>
+              <a:ext cx="2068871" cy="1145894"/>
+              <a:chOff x="553474" y="1536241"/>
+              <a:chExt cx="2068871" cy="1145894"/>
+            </a:xfrm>
+          </p:grpSpPr>
+          <p:sp>
+            <p:nvSpPr>
+              <p:cNvPr id="132" name="직사각형 131"/>
+              <p:cNvSpPr/>
+              <p:nvPr/>
+            </p:nvSpPr>
+            <p:spPr bwMode="auto">
+              <a:xfrm>
+                <a:off x="562051" y="1536241"/>
+                <a:ext cx="2060294" cy="1145894"/>
+              </a:xfrm>
+              <a:prstGeom prst="rect">
+                <a:avLst/>
+              </a:prstGeom>
+              <a:ln>
+                <a:headEnd type="none" w="med" len="med"/>
+                <a:tailEnd type="none" w="med" len="med"/>
+              </a:ln>
+            </p:spPr>
+            <p:style>
+              <a:lnRef idx="1">
+                <a:schemeClr val="accent2"/>
+              </a:lnRef>
+              <a:fillRef idx="2">
+                <a:schemeClr val="accent2"/>
+              </a:fillRef>
+              <a:effectRef idx="1">
+                <a:schemeClr val="accent2"/>
+              </a:effectRef>
+              <a:fontRef idx="minor">
+                <a:schemeClr val="dk1"/>
+              </a:fontRef>
+            </p:style>
+            <p:txBody>
+              <a:bodyPr vert="horz" wrap="none" lIns="90000" tIns="46800" rIns="90000" bIns="46800" numCol="1" rtlCol="0" anchor="ctr" anchorCtr="0" compatLnSpc="1">
+                <a:prstTxWarp prst="textNoShape">
+                  <a:avLst/>
+                </a:prstTxWarp>
+              </a:bodyPr>
+              <a:lstStyle/>
+              <a:p>
+                <a:pPr marL="0" marR="0" indent="0" algn="ctr" defTabSz="914400" rtl="0" eaLnBrk="0" fontAlgn="base" latinLnBrk="0" hangingPunct="0">
+                  <a:lnSpc>
+                    <a:spcPct val="100000"/>
+                  </a:lnSpc>
+                  <a:spcBef>
+                    <a:spcPct val="0"/>
+                  </a:spcBef>
+                  <a:spcAft>
+                    <a:spcPct val="0"/>
+                  </a:spcAft>
+                  <a:buClrTx/>
+                  <a:buSzTx/>
+                  <a:buFontTx/>
+                  <a:buNone/>
+                  <a:tabLst/>
+                </a:pPr>
+                <a:r>
+                  <a:rPr lang="en-US" altLang="ko-KR" sz="1600" b="1" spc="-150" dirty="0" err="1">
+                    <a:solidFill>
+                      <a:schemeClr val="tx1"/>
+                    </a:solidFill>
+                    <a:latin typeface="맑은 고딕" panose="020B0503020000020004" pitchFamily="50" charset="-127"/>
+                    <a:ea typeface="맑은 고딕" panose="020B0503020000020004" pitchFamily="50" charset="-127"/>
+                  </a:rPr>
+                  <a:t>DeadLinePrint</a:t>
+                </a:r>
+                <a:endParaRPr lang="en-US" altLang="ko-KR" sz="1600" b="1" spc="-150" dirty="0">
+                  <a:solidFill>
+                    <a:schemeClr val="tx1"/>
+                  </a:solidFill>
+                  <a:latin typeface="맑은 고딕" panose="020B0503020000020004" pitchFamily="50" charset="-127"/>
+                  <a:ea typeface="맑은 고딕" panose="020B0503020000020004" pitchFamily="50" charset="-127"/>
+                </a:endParaRPr>
+              </a:p>
+              <a:p>
+                <a:pPr marL="0" marR="0" indent="0" algn="ctr" defTabSz="914400" rtl="0" eaLnBrk="0" fontAlgn="base" latinLnBrk="0" hangingPunct="0">
+                  <a:lnSpc>
+                    <a:spcPct val="100000"/>
+                  </a:lnSpc>
+                  <a:spcBef>
+                    <a:spcPct val="0"/>
+                  </a:spcBef>
+                  <a:spcAft>
+                    <a:spcPct val="0"/>
+                  </a:spcAft>
+                  <a:buClrTx/>
+                  <a:buSzTx/>
+                  <a:buFontTx/>
+                  <a:buNone/>
+                  <a:tabLst/>
+                </a:pPr>
+                <a:endParaRPr kumimoji="0" lang="en-US" altLang="ko-KR" sz="1600" b="1" i="0" u="none" strike="noStrike" cap="none" spc="-150" normalizeH="0" baseline="0" dirty="0">
+                  <a:ln>
+                    <a:noFill/>
+                  </a:ln>
+                  <a:solidFill>
+                    <a:schemeClr val="tx1"/>
+                  </a:solidFill>
+                  <a:effectLst/>
+                  <a:latin typeface="맑은 고딕" panose="020B0503020000020004" pitchFamily="50" charset="-127"/>
+                  <a:ea typeface="맑은 고딕" panose="020B0503020000020004" pitchFamily="50" charset="-127"/>
+                </a:endParaRPr>
+              </a:p>
+              <a:p>
+                <a:pPr marL="0" marR="0" indent="0" algn="ctr" defTabSz="914400" rtl="0" eaLnBrk="0" fontAlgn="base" latinLnBrk="0" hangingPunct="0">
+                  <a:lnSpc>
+                    <a:spcPct val="100000"/>
+                  </a:lnSpc>
+                  <a:spcBef>
+                    <a:spcPct val="0"/>
+                  </a:spcBef>
+                  <a:spcAft>
+                    <a:spcPct val="0"/>
+                  </a:spcAft>
+                  <a:buClrTx/>
+                  <a:buSzTx/>
+                  <a:buFontTx/>
+                  <a:buNone/>
+                  <a:tabLst/>
+                </a:pPr>
+                <a:r>
+                  <a:rPr lang="ko-KR" altLang="en-US" sz="1600" b="1" spc="-150" dirty="0">
+                    <a:solidFill>
+                      <a:schemeClr val="tx1"/>
+                    </a:solidFill>
+                    <a:latin typeface="맑은 고딕" panose="020B0503020000020004" pitchFamily="50" charset="-127"/>
+                    <a:ea typeface="맑은 고딕" panose="020B0503020000020004" pitchFamily="50" charset="-127"/>
+                  </a:rPr>
+                  <a:t>호출한 마감일 출력</a:t>
+                </a:r>
+                <a:endParaRPr kumimoji="0" lang="ko-KR" altLang="en-US" sz="1600" b="1" i="0" u="none" strike="noStrike" cap="none" spc="-150" normalizeH="0" baseline="0" dirty="0">
+                  <a:ln>
+                    <a:noFill/>
+                  </a:ln>
+                  <a:solidFill>
+                    <a:schemeClr val="tx1"/>
+                  </a:solidFill>
+                  <a:effectLst/>
+                  <a:latin typeface="맑은 고딕" panose="020B0503020000020004" pitchFamily="50" charset="-127"/>
+                  <a:ea typeface="맑은 고딕" panose="020B0503020000020004" pitchFamily="50" charset="-127"/>
+                </a:endParaRPr>
+              </a:p>
+            </p:txBody>
+          </p:sp>
+          <p:cxnSp>
+            <p:nvCxnSpPr>
+              <p:cNvPr id="133" name="직선 연결선 132"/>
+              <p:cNvCxnSpPr/>
+              <p:nvPr/>
+            </p:nvCxnSpPr>
+            <p:spPr bwMode="auto">
+              <a:xfrm>
+                <a:off x="553474" y="1970691"/>
+                <a:ext cx="2060294" cy="0"/>
+              </a:xfrm>
+              <a:prstGeom prst="line">
+                <a:avLst/>
+              </a:prstGeom>
+              <a:solidFill>
+                <a:schemeClr val="accent1"/>
+              </a:solidFill>
+              <a:ln w="12700" cap="flat" cmpd="sng" algn="ctr">
+                <a:solidFill>
+                  <a:schemeClr val="tx1"/>
+                </a:solidFill>
+                <a:prstDash val="solid"/>
+                <a:round/>
+                <a:headEnd type="none" w="med" len="med"/>
+                <a:tailEnd type="none" w="med" len="med"/>
+              </a:ln>
+              <a:effectLst/>
+            </p:spPr>
+          </p:cxnSp>
+        </p:grpSp>
       </p:grpSp>
       <p:grpSp>
         <p:nvGrpSpPr>
-          <p:cNvPr id="61" name="그룹 60"/>
+          <p:cNvPr id="136" name="그룹 135"/>
           <p:cNvGrpSpPr/>
           <p:nvPr/>
         </p:nvGrpSpPr>
         <p:grpSpPr>
           <a:xfrm>
-            <a:off x="663541" y="1514908"/>
-            <a:ext cx="2069309" cy="1145894"/>
-            <a:chOff x="544010" y="2026289"/>
-            <a:chExt cx="2069309" cy="1145894"/>
+            <a:off x="6593970" y="4709691"/>
+            <a:ext cx="2091585" cy="1145894"/>
+            <a:chOff x="346343" y="1474088"/>
+            <a:chExt cx="2091585" cy="1145894"/>
           </a:xfrm>
         </p:grpSpPr>
         <p:sp>
           <p:nvSpPr>
-            <p:cNvPr id="62" name="직사각형 61"/>
+            <p:cNvPr id="137" name="직사각형 136"/>
             <p:cNvSpPr/>
             <p:nvPr/>
           </p:nvSpPr>
           <p:spPr bwMode="auto">
             <a:xfrm>
-              <a:off x="553025" y="2026289"/>
+              <a:off x="346343" y="1474088"/>
               <a:ext cx="2060294" cy="1145894"/>
             </a:xfrm>
             <a:prstGeom prst="rect">
@@ -6407,16 +9522,16 @@
                 <a:tabLst/>
               </a:pPr>
               <a:r>
-                <a:rPr lang="en-US" altLang="ko-KR" sz="1600" b="1" spc="-150" dirty="0" smtClean="0">
+                <a:rPr lang="en-US" altLang="ko-KR" sz="1600" b="1" spc="-150" dirty="0" err="1">
                   <a:solidFill>
                     <a:schemeClr val="tx1"/>
                   </a:solidFill>
                   <a:latin typeface="맑은 고딕" panose="020B0503020000020004" pitchFamily="50" charset="-127"/>
                   <a:ea typeface="맑은 고딕" panose="020B0503020000020004" pitchFamily="50" charset="-127"/>
                 </a:rPr>
-                <a:t>Login</a:t>
+                <a:t>TodoData</a:t>
               </a:r>
-              <a:endParaRPr kumimoji="0" lang="en-US" altLang="ko-KR" sz="1600" b="1" i="0" u="none" strike="noStrike" cap="none" spc="-150" normalizeH="0" baseline="0" dirty="0" smtClean="0">
+              <a:endParaRPr kumimoji="0" lang="en-US" altLang="ko-KR" sz="1600" b="1" i="0" u="none" strike="noStrike" cap="none" spc="-150" normalizeH="0" baseline="0" dirty="0">
                 <a:ln>
                   <a:noFill/>
                 </a:ln>
@@ -6471,7 +9586,7 @@
                 <a:tabLst/>
               </a:pPr>
               <a:r>
-                <a:rPr kumimoji="0" lang="ko-KR" altLang="en-US" sz="1600" b="1" i="0" u="none" strike="noStrike" cap="none" spc="-150" normalizeH="0" baseline="0" dirty="0" smtClean="0">
+                <a:rPr kumimoji="0" lang="en-US" altLang="ko-KR" sz="1600" b="1" i="0" u="none" strike="noStrike" cap="none" spc="-150" normalizeH="0" baseline="0" dirty="0" err="1">
                   <a:ln>
                     <a:noFill/>
                   </a:ln>
@@ -6482,9 +9597,19 @@
                   <a:latin typeface="맑은 고딕" panose="020B0503020000020004" pitchFamily="50" charset="-127"/>
                   <a:ea typeface="맑은 고딕" panose="020B0503020000020004" pitchFamily="50" charset="-127"/>
                 </a:rPr>
-                <a:t>로그인 수행</a:t>
+                <a:t>Todo</a:t>
               </a:r>
-              <a:endParaRPr kumimoji="0" lang="en-US" altLang="ko-KR" sz="1600" b="1" i="0" u="none" strike="noStrike" cap="none" spc="-150" normalizeH="0" baseline="0" dirty="0" smtClean="0">
+              <a:r>
+                <a:rPr lang="ko-KR" altLang="en-US" sz="1600" b="1" spc="-150" dirty="0">
+                  <a:solidFill>
+                    <a:schemeClr val="tx1"/>
+                  </a:solidFill>
+                  <a:latin typeface="맑은 고딕" panose="020B0503020000020004" pitchFamily="50" charset="-127"/>
+                  <a:ea typeface="맑은 고딕" panose="020B0503020000020004" pitchFamily="50" charset="-127"/>
+                </a:rPr>
+                <a:t> 정보를 담는 객체</a:t>
+              </a:r>
+              <a:endParaRPr kumimoji="0" lang="en-US" altLang="ko-KR" sz="1600" b="1" i="0" u="none" strike="noStrike" cap="none" spc="-150" normalizeH="0" baseline="0" dirty="0">
                 <a:ln>
                   <a:noFill/>
                 </a:ln>
@@ -6513,7 +9638,7 @@
                 <a:buNone/>
                 <a:tabLst/>
               </a:pPr>
-              <a:endParaRPr kumimoji="0" lang="ko-KR" altLang="en-US" sz="1600" b="1" i="0" u="none" strike="noStrike" cap="none" spc="-150" normalizeH="0" baseline="0" dirty="0" smtClean="0">
+              <a:endParaRPr kumimoji="0" lang="ko-KR" altLang="en-US" sz="1600" b="1" i="0" u="none" strike="noStrike" cap="none" spc="-150" normalizeH="0" baseline="0" dirty="0">
                 <a:ln>
                   <a:noFill/>
                 </a:ln>
@@ -6529,13 +9654,13 @@
         </p:sp>
         <p:cxnSp>
           <p:nvCxnSpPr>
-            <p:cNvPr id="63" name="직선 연결선 62"/>
+            <p:cNvPr id="138" name="직선 연결선 137"/>
             <p:cNvCxnSpPr/>
             <p:nvPr/>
           </p:nvCxnSpPr>
           <p:spPr bwMode="auto">
             <a:xfrm>
-              <a:off x="544010" y="2442260"/>
+              <a:off x="377634" y="1849717"/>
               <a:ext cx="2060294" cy="0"/>
             </a:xfrm>
             <a:prstGeom prst="line">
@@ -6557,258 +9682,102 @@
           </p:spPr>
         </p:cxnSp>
       </p:grpSp>
-      <p:grpSp>
-        <p:nvGrpSpPr>
-          <p:cNvPr id="64" name="그룹 63"/>
-          <p:cNvGrpSpPr/>
+      <p:cxnSp>
+        <p:nvCxnSpPr>
+          <p:cNvPr id="139" name="직선 화살표 연결선 138"/>
+          <p:cNvCxnSpPr>
+            <a:endCxn id="137" idx="1"/>
+          </p:cNvCxnSpPr>
           <p:nvPr/>
-        </p:nvGrpSpPr>
-        <p:grpSpPr>
+        </p:nvCxnSpPr>
+        <p:spPr bwMode="auto">
           <a:xfrm>
-            <a:off x="6261308" y="5037409"/>
-            <a:ext cx="2060294" cy="1145894"/>
-            <a:chOff x="544010" y="1455016"/>
-            <a:chExt cx="2060294" cy="1145894"/>
+            <a:off x="5004635" y="3690563"/>
+            <a:ext cx="1589335" cy="1592075"/>
           </a:xfrm>
-        </p:grpSpPr>
-        <p:sp>
-          <p:nvSpPr>
-            <p:cNvPr id="65" name="직사각형 64"/>
-            <p:cNvSpPr/>
-            <p:nvPr/>
-          </p:nvSpPr>
-          <p:spPr bwMode="auto">
-            <a:xfrm>
-              <a:off x="544010" y="1455016"/>
-              <a:ext cx="2060294" cy="1145894"/>
-            </a:xfrm>
-            <a:prstGeom prst="rect">
-              <a:avLst/>
-            </a:prstGeom>
-            <a:ln>
-              <a:headEnd type="none" w="med" len="med"/>
-              <a:tailEnd type="none" w="med" len="med"/>
-            </a:ln>
-          </p:spPr>
-          <p:style>
-            <a:lnRef idx="1">
-              <a:schemeClr val="accent2"/>
-            </a:lnRef>
-            <a:fillRef idx="2">
-              <a:schemeClr val="accent2"/>
-            </a:fillRef>
-            <a:effectRef idx="1">
-              <a:schemeClr val="accent2"/>
-            </a:effectRef>
-            <a:fontRef idx="minor">
-              <a:schemeClr val="dk1"/>
-            </a:fontRef>
-          </p:style>
-          <p:txBody>
-            <a:bodyPr vert="horz" wrap="none" lIns="90000" tIns="46800" rIns="90000" bIns="46800" numCol="1" rtlCol="0" anchor="ctr" anchorCtr="0" compatLnSpc="1">
-              <a:prstTxWarp prst="textNoShape">
-                <a:avLst/>
-              </a:prstTxWarp>
-            </a:bodyPr>
-            <a:lstStyle/>
-            <a:p>
-              <a:pPr marL="0" marR="0" indent="0" algn="ctr" defTabSz="914400" rtl="0" eaLnBrk="0" fontAlgn="base" latinLnBrk="0" hangingPunct="0">
-                <a:lnSpc>
-                  <a:spcPct val="100000"/>
-                </a:lnSpc>
-                <a:spcBef>
-                  <a:spcPct val="0"/>
-                </a:spcBef>
-                <a:spcAft>
-                  <a:spcPct val="0"/>
-                </a:spcAft>
-                <a:buClrTx/>
-                <a:buSzTx/>
-                <a:buFontTx/>
-                <a:buNone/>
-                <a:tabLst/>
-              </a:pPr>
-              <a:r>
-                <a:rPr lang="en-US" altLang="ko-KR" sz="1600" b="1" spc="-150" dirty="0" err="1" smtClean="0">
-                  <a:solidFill>
-                    <a:schemeClr val="tx1"/>
-                  </a:solidFill>
-                  <a:latin typeface="맑은 고딕" panose="020B0503020000020004" pitchFamily="50" charset="-127"/>
-                  <a:ea typeface="맑은 고딕" panose="020B0503020000020004" pitchFamily="50" charset="-127"/>
-                </a:rPr>
-                <a:t>SetAlarmDate</a:t>
-              </a:r>
-              <a:endParaRPr kumimoji="0" lang="en-US" altLang="ko-KR" sz="1600" b="1" i="0" u="none" strike="noStrike" cap="none" spc="-150" normalizeH="0" baseline="0" dirty="0" smtClean="0">
-                <a:ln>
-                  <a:noFill/>
-                </a:ln>
-                <a:solidFill>
-                  <a:schemeClr val="tx1"/>
-                </a:solidFill>
-                <a:effectLst/>
-                <a:latin typeface="맑은 고딕" panose="020B0503020000020004" pitchFamily="50" charset="-127"/>
-                <a:ea typeface="맑은 고딕" panose="020B0503020000020004" pitchFamily="50" charset="-127"/>
-              </a:endParaRPr>
-            </a:p>
-            <a:p>
-              <a:pPr marL="0" marR="0" indent="0" algn="ctr" defTabSz="914400" rtl="0" eaLnBrk="0" fontAlgn="base" latinLnBrk="0" hangingPunct="0">
-                <a:lnSpc>
-                  <a:spcPct val="100000"/>
-                </a:lnSpc>
-                <a:spcBef>
-                  <a:spcPct val="0"/>
-                </a:spcBef>
-                <a:spcAft>
-                  <a:spcPct val="0"/>
-                </a:spcAft>
-                <a:buClrTx/>
-                <a:buSzTx/>
-                <a:buFontTx/>
-                <a:buNone/>
-                <a:tabLst/>
-              </a:pPr>
-              <a:endParaRPr lang="en-US" altLang="ko-KR" sz="1600" b="1" spc="-150" dirty="0">
-                <a:solidFill>
-                  <a:schemeClr val="tx1"/>
-                </a:solidFill>
-                <a:latin typeface="맑은 고딕" panose="020B0503020000020004" pitchFamily="50" charset="-127"/>
-                <a:ea typeface="맑은 고딕" panose="020B0503020000020004" pitchFamily="50" charset="-127"/>
-              </a:endParaRPr>
-            </a:p>
-            <a:p>
-              <a:pPr marL="0" marR="0" indent="0" algn="ctr" defTabSz="914400" rtl="0" eaLnBrk="0" fontAlgn="base" latinLnBrk="0" hangingPunct="0">
-                <a:lnSpc>
-                  <a:spcPct val="100000"/>
-                </a:lnSpc>
-                <a:spcBef>
-                  <a:spcPct val="0"/>
-                </a:spcBef>
-                <a:spcAft>
-                  <a:spcPct val="0"/>
-                </a:spcAft>
-                <a:buClrTx/>
-                <a:buSzTx/>
-                <a:buFontTx/>
-                <a:buNone/>
-                <a:tabLst/>
-              </a:pPr>
-              <a:r>
-                <a:rPr lang="ko-KR" altLang="en-US" sz="1600" b="1" spc="-150" dirty="0" err="1" smtClean="0">
-                  <a:solidFill>
-                    <a:schemeClr val="tx1"/>
-                  </a:solidFill>
-                  <a:latin typeface="맑은 고딕" panose="020B0503020000020004" pitchFamily="50" charset="-127"/>
-                  <a:ea typeface="맑은 고딕" panose="020B0503020000020004" pitchFamily="50" charset="-127"/>
-                </a:rPr>
-                <a:t>알람</a:t>
-              </a:r>
-              <a:r>
-                <a:rPr lang="ko-KR" altLang="en-US" sz="1600" b="1" spc="-150" dirty="0" smtClean="0">
-                  <a:solidFill>
-                    <a:schemeClr val="tx1"/>
-                  </a:solidFill>
-                  <a:latin typeface="맑은 고딕" panose="020B0503020000020004" pitchFamily="50" charset="-127"/>
-                  <a:ea typeface="맑은 고딕" panose="020B0503020000020004" pitchFamily="50" charset="-127"/>
-                </a:rPr>
-                <a:t> </a:t>
-              </a:r>
-              <a:r>
-                <a:rPr lang="en-US" altLang="ko-KR" sz="1600" b="1" spc="-150" dirty="0" smtClean="0">
-                  <a:solidFill>
-                    <a:schemeClr val="tx1"/>
-                  </a:solidFill>
-                  <a:latin typeface="맑은 고딕" panose="020B0503020000020004" pitchFamily="50" charset="-127"/>
-                  <a:ea typeface="맑은 고딕" panose="020B0503020000020004" pitchFamily="50" charset="-127"/>
-                </a:rPr>
-                <a:t>D-day </a:t>
-              </a:r>
-              <a:r>
-                <a:rPr lang="ko-KR" altLang="en-US" sz="1600" b="1" spc="-150" dirty="0" smtClean="0">
-                  <a:solidFill>
-                    <a:schemeClr val="tx1"/>
-                  </a:solidFill>
-                  <a:latin typeface="맑은 고딕" panose="020B0503020000020004" pitchFamily="50" charset="-127"/>
-                  <a:ea typeface="맑은 고딕" panose="020B0503020000020004" pitchFamily="50" charset="-127"/>
-                </a:rPr>
-                <a:t>설정</a:t>
-              </a:r>
-              <a:endParaRPr kumimoji="0" lang="en-US" altLang="ko-KR" sz="1600" b="1" i="0" u="none" strike="noStrike" cap="none" spc="-150" normalizeH="0" baseline="0" dirty="0" smtClean="0">
-                <a:ln>
-                  <a:noFill/>
-                </a:ln>
-                <a:solidFill>
-                  <a:schemeClr val="tx1"/>
-                </a:solidFill>
-                <a:effectLst/>
-                <a:latin typeface="맑은 고딕" panose="020B0503020000020004" pitchFamily="50" charset="-127"/>
-                <a:ea typeface="맑은 고딕" panose="020B0503020000020004" pitchFamily="50" charset="-127"/>
-              </a:endParaRPr>
-            </a:p>
-            <a:p>
-              <a:pPr marL="0" marR="0" indent="0" algn="ctr" defTabSz="914400" rtl="0" eaLnBrk="0" fontAlgn="base" latinLnBrk="0" hangingPunct="0">
-                <a:lnSpc>
-                  <a:spcPct val="100000"/>
-                </a:lnSpc>
-                <a:spcBef>
-                  <a:spcPct val="0"/>
-                </a:spcBef>
-                <a:spcAft>
-                  <a:spcPct val="0"/>
-                </a:spcAft>
-                <a:buClrTx/>
-                <a:buSzTx/>
-                <a:buFontTx/>
-                <a:buNone/>
-                <a:tabLst/>
-              </a:pPr>
-              <a:endParaRPr kumimoji="0" lang="ko-KR" altLang="en-US" sz="1600" b="1" i="0" u="none" strike="noStrike" cap="none" spc="-150" normalizeH="0" baseline="0" dirty="0" smtClean="0">
-                <a:ln>
-                  <a:noFill/>
-                </a:ln>
-                <a:solidFill>
-                  <a:schemeClr val="tx1"/>
-                </a:solidFill>
-                <a:effectLst/>
-                <a:latin typeface="맑은 고딕" panose="020B0503020000020004" pitchFamily="50" charset="-127"/>
-                <a:ea typeface="맑은 고딕" panose="020B0503020000020004" pitchFamily="50" charset="-127"/>
-              </a:endParaRPr>
-            </a:p>
-          </p:txBody>
-        </p:sp>
-        <p:cxnSp>
-          <p:nvCxnSpPr>
-            <p:cNvPr id="66" name="직선 연결선 65"/>
-            <p:cNvCxnSpPr/>
-            <p:nvPr/>
-          </p:nvCxnSpPr>
-          <p:spPr bwMode="auto">
-            <a:xfrm>
-              <a:off x="544010" y="1828801"/>
-              <a:ext cx="2060294" cy="0"/>
-            </a:xfrm>
-            <a:prstGeom prst="line">
-              <a:avLst/>
-            </a:prstGeom>
+          <a:prstGeom prst="straightConnector1">
+            <a:avLst/>
+          </a:prstGeom>
+          <a:solidFill>
+            <a:schemeClr val="accent1"/>
+          </a:solidFill>
+          <a:ln w="12700" cap="flat" cmpd="sng" algn="ctr">
             <a:solidFill>
-              <a:schemeClr val="accent1"/>
+              <a:schemeClr val="tx1"/>
             </a:solidFill>
-            <a:ln w="12700" cap="flat" cmpd="sng" algn="ctr">
-              <a:solidFill>
-                <a:schemeClr val="tx1"/>
-              </a:solidFill>
-              <a:prstDash val="solid"/>
-              <a:round/>
-              <a:headEnd type="none" w="med" len="med"/>
-              <a:tailEnd type="none" w="med" len="med"/>
-            </a:ln>
-            <a:effectLst/>
-          </p:spPr>
-        </p:cxnSp>
-      </p:grpSp>
+            <a:prstDash val="sysDash"/>
+            <a:round/>
+            <a:headEnd type="none" w="med" len="med"/>
+            <a:tailEnd type="triangle"/>
+          </a:ln>
+          <a:effectLst/>
+        </p:spPr>
+      </p:cxnSp>
+      <p:cxnSp>
+        <p:nvCxnSpPr>
+          <p:cNvPr id="140" name="직선 화살표 연결선 139"/>
+          <p:cNvCxnSpPr>
+            <a:stCxn id="134" idx="2"/>
+            <a:endCxn id="137" idx="0"/>
+          </p:cNvCxnSpPr>
+          <p:nvPr/>
+        </p:nvCxnSpPr>
+        <p:spPr bwMode="auto">
+          <a:xfrm>
+            <a:off x="7624117" y="4034723"/>
+            <a:ext cx="0" cy="674968"/>
+          </a:xfrm>
+          <a:prstGeom prst="straightConnector1">
+            <a:avLst/>
+          </a:prstGeom>
+          <a:solidFill>
+            <a:schemeClr val="accent1"/>
+          </a:solidFill>
+          <a:ln w="12700" cap="flat" cmpd="sng" algn="ctr">
+            <a:solidFill>
+              <a:schemeClr val="tx1"/>
+            </a:solidFill>
+            <a:prstDash val="sysDash"/>
+            <a:round/>
+            <a:headEnd type="none" w="med" len="med"/>
+            <a:tailEnd type="triangle"/>
+          </a:ln>
+          <a:effectLst/>
+        </p:spPr>
+      </p:cxnSp>
+      <p:cxnSp>
+        <p:nvCxnSpPr>
+          <p:cNvPr id="141" name="직선 화살표 연결선 140"/>
+          <p:cNvCxnSpPr/>
+          <p:nvPr/>
+        </p:nvCxnSpPr>
+        <p:spPr bwMode="auto">
+          <a:xfrm>
+            <a:off x="7610132" y="2211237"/>
+            <a:ext cx="0" cy="688452"/>
+          </a:xfrm>
+          <a:prstGeom prst="straightConnector1">
+            <a:avLst/>
+          </a:prstGeom>
+          <a:solidFill>
+            <a:schemeClr val="accent1"/>
+          </a:solidFill>
+          <a:ln w="12700" cap="flat" cmpd="sng" algn="ctr">
+            <a:solidFill>
+              <a:schemeClr val="tx1"/>
+            </a:solidFill>
+            <a:prstDash val="sysDash"/>
+            <a:round/>
+            <a:headEnd type="none" w="med" len="med"/>
+            <a:tailEnd type="triangle"/>
+          </a:ln>
+          <a:effectLst/>
+        </p:spPr>
+      </p:cxnSp>
     </p:spTree>
     <p:extLst>
       <p:ext uri="{BB962C8B-B14F-4D97-AF65-F5344CB8AC3E}">
-        <p14:creationId xmlns:p14="http://schemas.microsoft.com/office/powerpoint/2010/main" val="1776991861"/>
+        <p14:creationId xmlns:p14="http://schemas.microsoft.com/office/powerpoint/2010/main" val="1230436804"/>
       </p:ext>
     </p:extLst>
   </p:cSld>
